--- a/B-Team_Flamingo_Infosys.pptx
+++ b/B-Team_Flamingo_Infosys.pptx
@@ -6,12 +6,15 @@
   </p:sldMasterIdLst>
   <p:sldIdLst>
     <p:sldId id="256" r:id="rId2"/>
-    <p:sldId id="259" r:id="rId3"/>
-    <p:sldId id="260" r:id="rId4"/>
-    <p:sldId id="261" r:id="rId5"/>
-    <p:sldId id="262" r:id="rId6"/>
-    <p:sldId id="257" r:id="rId7"/>
-    <p:sldId id="258" r:id="rId8"/>
+    <p:sldId id="263" r:id="rId3"/>
+    <p:sldId id="259" r:id="rId4"/>
+    <p:sldId id="260" r:id="rId5"/>
+    <p:sldId id="261" r:id="rId6"/>
+    <p:sldId id="262" r:id="rId7"/>
+    <p:sldId id="264" r:id="rId8"/>
+    <p:sldId id="265" r:id="rId9"/>
+    <p:sldId id="257" r:id="rId10"/>
+    <p:sldId id="258" r:id="rId11"/>
   </p:sldIdLst>
   <p:sldSz cx="10240963" cy="7315200"/>
   <p:notesSz cx="6858000" cy="9144000"/>
@@ -3478,7 +3481,7 @@
           <a:p>
             <a:fld id="{C920D7D8-28A5-4140-953B-AF1B2C74651B}" type="datetimeFigureOut">
               <a:rPr lang="en-US" smtClean="0"/>
-              <a:t>9/30/2020</a:t>
+              <a:t>10/3/2020</a:t>
             </a:fld>
             <a:endParaRPr lang="en-US"/>
           </a:p>
@@ -3554,7 +3557,7 @@
           </a:ln>
           <a:extLst>
             <a:ext uri="{91240B29-F687-4f45-9708-019B960494DF}">
-              <a14:hiddenLine xmlns:a14="http://schemas.microsoft.com/office/drawing/2010/main" xmlns="" w="9525">
+              <a14:hiddenLine xmlns="" xmlns:a14="http://schemas.microsoft.com/office/drawing/2010/main" w="9525">
                 <a:solidFill>
                   <a:srgbClr val="000000"/>
                 </a:solidFill>
@@ -3609,7 +3612,7 @@
           </a:ln>
           <a:extLst>
             <a:ext uri="{91240B29-F687-4f45-9708-019B960494DF}">
-              <a14:hiddenLine xmlns:a14="http://schemas.microsoft.com/office/drawing/2010/main" xmlns="" w="9525">
+              <a14:hiddenLine xmlns="" xmlns:a14="http://schemas.microsoft.com/office/drawing/2010/main" w="9525">
                 <a:solidFill>
                   <a:srgbClr val="000000"/>
                 </a:solidFill>
@@ -3972,7 +3975,7 @@
           <a:p>
             <a:fld id="{C920D7D8-28A5-4140-953B-AF1B2C74651B}" type="datetimeFigureOut">
               <a:rPr lang="en-US" smtClean="0"/>
-              <a:t>9/30/2020</a:t>
+              <a:t>10/3/2020</a:t>
             </a:fld>
             <a:endParaRPr lang="en-US"/>
           </a:p>
@@ -4228,7 +4231,7 @@
           <a:p>
             <a:fld id="{C920D7D8-28A5-4140-953B-AF1B2C74651B}" type="datetimeFigureOut">
               <a:rPr lang="en-US" smtClean="0"/>
-              <a:t>9/30/2020</a:t>
+              <a:t>10/3/2020</a:t>
             </a:fld>
             <a:endParaRPr lang="en-US"/>
           </a:p>
@@ -4776,7 +4779,7 @@
           <a:p>
             <a:fld id="{C920D7D8-28A5-4140-953B-AF1B2C74651B}" type="datetimeFigureOut">
               <a:rPr lang="en-US" smtClean="0"/>
-              <a:t>9/30/2020</a:t>
+              <a:t>10/3/2020</a:t>
             </a:fld>
             <a:endParaRPr lang="en-US"/>
           </a:p>
@@ -5032,7 +5035,7 @@
           <a:p>
             <a:fld id="{C920D7D8-28A5-4140-953B-AF1B2C74651B}" type="datetimeFigureOut">
               <a:rPr lang="en-US" smtClean="0"/>
-              <a:t>9/30/2020</a:t>
+              <a:t>10/3/2020</a:t>
             </a:fld>
             <a:endParaRPr lang="en-US"/>
           </a:p>
@@ -5572,7 +5575,7 @@
           <a:p>
             <a:fld id="{C920D7D8-28A5-4140-953B-AF1B2C74651B}" type="datetimeFigureOut">
               <a:rPr lang="en-US" smtClean="0"/>
-              <a:t>9/30/2020</a:t>
+              <a:t>10/3/2020</a:t>
             </a:fld>
             <a:endParaRPr lang="en-US"/>
           </a:p>
@@ -5877,7 +5880,7 @@
           <a:p>
             <a:fld id="{C920D7D8-28A5-4140-953B-AF1B2C74651B}" type="datetimeFigureOut">
               <a:rPr lang="en-US" smtClean="0"/>
-              <a:t>9/30/2020</a:t>
+              <a:t>10/3/2020</a:t>
             </a:fld>
             <a:endParaRPr lang="en-US"/>
           </a:p>
@@ -6059,7 +6062,7 @@
           <a:p>
             <a:fld id="{C920D7D8-28A5-4140-953B-AF1B2C74651B}" type="datetimeFigureOut">
               <a:rPr lang="en-US" smtClean="0"/>
-              <a:t>9/30/2020</a:t>
+              <a:t>10/3/2020</a:t>
             </a:fld>
             <a:endParaRPr lang="en-US"/>
           </a:p>
@@ -6247,7 +6250,7 @@
           <a:p>
             <a:fld id="{C920D7D8-28A5-4140-953B-AF1B2C74651B}" type="datetimeFigureOut">
               <a:rPr lang="en-US" smtClean="0"/>
-              <a:t>9/30/2020</a:t>
+              <a:t>10/3/2020</a:t>
             </a:fld>
             <a:endParaRPr lang="en-US"/>
           </a:p>
@@ -6439,7 +6442,7 @@
           <a:p>
             <a:fld id="{C920D7D8-28A5-4140-953B-AF1B2C74651B}" type="datetimeFigureOut">
               <a:rPr lang="en-US" smtClean="0"/>
-              <a:t>9/30/2020</a:t>
+              <a:t>10/3/2020</a:t>
             </a:fld>
             <a:endParaRPr lang="en-US"/>
           </a:p>
@@ -6698,7 +6701,7 @@
           <a:p>
             <a:fld id="{C920D7D8-28A5-4140-953B-AF1B2C74651B}" type="datetimeFigureOut">
               <a:rPr lang="en-US" smtClean="0"/>
-              <a:t>9/30/2020</a:t>
+              <a:t>10/3/2020</a:t>
             </a:fld>
             <a:endParaRPr lang="en-US"/>
           </a:p>
@@ -7003,7 +7006,7 @@
           <a:p>
             <a:fld id="{C920D7D8-28A5-4140-953B-AF1B2C74651B}" type="datetimeFigureOut">
               <a:rPr lang="en-US" smtClean="0"/>
-              <a:t>9/30/2020</a:t>
+              <a:t>10/3/2020</a:t>
             </a:fld>
             <a:endParaRPr lang="en-US"/>
           </a:p>
@@ -7453,7 +7456,7 @@
           <a:p>
             <a:fld id="{C920D7D8-28A5-4140-953B-AF1B2C74651B}" type="datetimeFigureOut">
               <a:rPr lang="en-US" smtClean="0"/>
-              <a:t>9/30/2020</a:t>
+              <a:t>10/3/2020</a:t>
             </a:fld>
             <a:endParaRPr lang="en-US"/>
           </a:p>
@@ -7579,7 +7582,7 @@
           <a:p>
             <a:fld id="{C920D7D8-28A5-4140-953B-AF1B2C74651B}" type="datetimeFigureOut">
               <a:rPr lang="en-US" smtClean="0"/>
-              <a:t>9/30/2020</a:t>
+              <a:t>10/3/2020</a:t>
             </a:fld>
             <a:endParaRPr lang="en-US"/>
           </a:p>
@@ -7682,7 +7685,7 @@
           <a:p>
             <a:fld id="{C920D7D8-28A5-4140-953B-AF1B2C74651B}" type="datetimeFigureOut">
               <a:rPr lang="en-US" smtClean="0"/>
-              <a:t>9/30/2020</a:t>
+              <a:t>10/3/2020</a:t>
             </a:fld>
             <a:endParaRPr lang="en-US"/>
           </a:p>
@@ -7973,7 +7976,7 @@
           <a:p>
             <a:fld id="{C920D7D8-28A5-4140-953B-AF1B2C74651B}" type="datetimeFigureOut">
               <a:rPr lang="en-US" smtClean="0"/>
-              <a:t>9/30/2020</a:t>
+              <a:t>10/3/2020</a:t>
             </a:fld>
             <a:endParaRPr lang="en-US"/>
           </a:p>
@@ -8272,7 +8275,7 @@
           <a:p>
             <a:fld id="{C920D7D8-28A5-4140-953B-AF1B2C74651B}" type="datetimeFigureOut">
               <a:rPr lang="en-US" smtClean="0"/>
-              <a:t>9/30/2020</a:t>
+              <a:t>10/3/2020</a:t>
             </a:fld>
             <a:endParaRPr lang="en-US"/>
           </a:p>
@@ -8501,7 +8504,7 @@
           <a:p>
             <a:fld id="{C920D7D8-28A5-4140-953B-AF1B2C74651B}" type="datetimeFigureOut">
               <a:rPr lang="en-US" smtClean="0"/>
-              <a:t>9/30/2020</a:t>
+              <a:t>10/3/2020</a:t>
             </a:fld>
             <a:endParaRPr lang="en-US"/>
           </a:p>
@@ -9681,7 +9684,1515 @@
 </p:sld>
 </file>
 
+<file path=ppt/slides/slide10.xml><?xml version="1.0" encoding="utf-8"?>
+<p:sld xmlns:a="http://schemas.openxmlformats.org/drawingml/2006/main" xmlns:r="http://schemas.openxmlformats.org/officeDocument/2006/relationships" xmlns:p="http://schemas.openxmlformats.org/presentationml/2006/main">
+  <p:cSld>
+    <p:spTree>
+      <p:nvGrpSpPr>
+        <p:cNvPr id="1" name=""/>
+        <p:cNvGrpSpPr/>
+        <p:nvPr/>
+      </p:nvGrpSpPr>
+      <p:grpSpPr>
+        <a:xfrm>
+          <a:off x="0" y="0"/>
+          <a:ext cx="0" cy="0"/>
+          <a:chOff x="0" y="0"/>
+          <a:chExt cx="0" cy="0"/>
+        </a:xfrm>
+      </p:grpSpPr>
+      <p:sp>
+        <p:nvSpPr>
+          <p:cNvPr id="6" name="Title 2">
+            <a:extLst>
+              <a:ext uri="{FF2B5EF4-FFF2-40B4-BE49-F238E27FC236}">
+                <a16:creationId xmlns:a16="http://schemas.microsoft.com/office/drawing/2014/main" id="{1EA1C268-5A65-4CE3-A217-236E3E12BA8B}"/>
+              </a:ext>
+            </a:extLst>
+          </p:cNvPr>
+          <p:cNvSpPr txBox="1">
+            <a:spLocks/>
+          </p:cNvSpPr>
+          <p:nvPr/>
+        </p:nvSpPr>
+        <p:spPr>
+          <a:xfrm>
+            <a:off x="3837593" y="2898232"/>
+            <a:ext cx="4820695" cy="908189"/>
+          </a:xfrm>
+          <a:prstGeom prst="rect">
+            <a:avLst/>
+          </a:prstGeom>
+        </p:spPr>
+        <p:txBody>
+          <a:bodyPr anchor="ctr">
+            <a:noAutofit/>
+          </a:bodyPr>
+          <a:lstStyle>
+            <a:lvl1pPr marL="0" marR="0" indent="0" algn="l" defTabSz="457200" rtl="0" latinLnBrk="0">
+              <a:lnSpc>
+                <a:spcPct val="100000"/>
+              </a:lnSpc>
+              <a:spcBef>
+                <a:spcPts val="0"/>
+              </a:spcBef>
+              <a:spcAft>
+                <a:spcPts val="0"/>
+              </a:spcAft>
+              <a:buClrTx/>
+              <a:buSzTx/>
+              <a:buFontTx/>
+              <a:buNone/>
+              <a:tabLst/>
+              <a:defRPr sz="2000" b="0" i="0" u="none" strike="noStrike" cap="none" spc="0" baseline="0">
+                <a:ln>
+                  <a:noFill/>
+                </a:ln>
+                <a:solidFill>
+                  <a:srgbClr val="007CC3"/>
+                </a:solidFill>
+                <a:uFillTx/>
+                <a:latin typeface="Arial"/>
+                <a:ea typeface="Arial"/>
+                <a:cs typeface="Arial"/>
+                <a:sym typeface="Arial"/>
+              </a:defRPr>
+            </a:lvl1pPr>
+            <a:lvl2pPr marL="0" marR="0" indent="0" algn="l" defTabSz="457200" rtl="0" latinLnBrk="0">
+              <a:lnSpc>
+                <a:spcPct val="100000"/>
+              </a:lnSpc>
+              <a:spcBef>
+                <a:spcPts val="0"/>
+              </a:spcBef>
+              <a:spcAft>
+                <a:spcPts val="0"/>
+              </a:spcAft>
+              <a:buClrTx/>
+              <a:buSzTx/>
+              <a:buFontTx/>
+              <a:buNone/>
+              <a:tabLst/>
+              <a:defRPr sz="2400" b="0" i="0" u="none" strike="noStrike" cap="none" spc="0" baseline="0">
+                <a:ln>
+                  <a:noFill/>
+                </a:ln>
+                <a:solidFill>
+                  <a:srgbClr val="2670C3"/>
+                </a:solidFill>
+                <a:uFillTx/>
+                <a:latin typeface="Arial"/>
+                <a:ea typeface="Arial"/>
+                <a:cs typeface="Arial"/>
+                <a:sym typeface="Arial"/>
+              </a:defRPr>
+            </a:lvl2pPr>
+            <a:lvl3pPr marL="0" marR="0" indent="0" algn="l" defTabSz="457200" rtl="0" latinLnBrk="0">
+              <a:lnSpc>
+                <a:spcPct val="100000"/>
+              </a:lnSpc>
+              <a:spcBef>
+                <a:spcPts val="0"/>
+              </a:spcBef>
+              <a:spcAft>
+                <a:spcPts val="0"/>
+              </a:spcAft>
+              <a:buClrTx/>
+              <a:buSzTx/>
+              <a:buFontTx/>
+              <a:buNone/>
+              <a:tabLst/>
+              <a:defRPr sz="2400" b="0" i="0" u="none" strike="noStrike" cap="none" spc="0" baseline="0">
+                <a:ln>
+                  <a:noFill/>
+                </a:ln>
+                <a:solidFill>
+                  <a:srgbClr val="2670C3"/>
+                </a:solidFill>
+                <a:uFillTx/>
+                <a:latin typeface="Arial"/>
+                <a:ea typeface="Arial"/>
+                <a:cs typeface="Arial"/>
+                <a:sym typeface="Arial"/>
+              </a:defRPr>
+            </a:lvl3pPr>
+            <a:lvl4pPr marL="0" marR="0" indent="0" algn="l" defTabSz="457200" rtl="0" latinLnBrk="0">
+              <a:lnSpc>
+                <a:spcPct val="100000"/>
+              </a:lnSpc>
+              <a:spcBef>
+                <a:spcPts val="0"/>
+              </a:spcBef>
+              <a:spcAft>
+                <a:spcPts val="0"/>
+              </a:spcAft>
+              <a:buClrTx/>
+              <a:buSzTx/>
+              <a:buFontTx/>
+              <a:buNone/>
+              <a:tabLst/>
+              <a:defRPr sz="2400" b="0" i="0" u="none" strike="noStrike" cap="none" spc="0" baseline="0">
+                <a:ln>
+                  <a:noFill/>
+                </a:ln>
+                <a:solidFill>
+                  <a:srgbClr val="2670C3"/>
+                </a:solidFill>
+                <a:uFillTx/>
+                <a:latin typeface="Arial"/>
+                <a:ea typeface="Arial"/>
+                <a:cs typeface="Arial"/>
+                <a:sym typeface="Arial"/>
+              </a:defRPr>
+            </a:lvl4pPr>
+            <a:lvl5pPr marL="0" marR="0" indent="0" algn="l" defTabSz="457200" rtl="0" latinLnBrk="0">
+              <a:lnSpc>
+                <a:spcPct val="100000"/>
+              </a:lnSpc>
+              <a:spcBef>
+                <a:spcPts val="0"/>
+              </a:spcBef>
+              <a:spcAft>
+                <a:spcPts val="0"/>
+              </a:spcAft>
+              <a:buClrTx/>
+              <a:buSzTx/>
+              <a:buFontTx/>
+              <a:buNone/>
+              <a:tabLst/>
+              <a:defRPr sz="2400" b="0" i="0" u="none" strike="noStrike" cap="none" spc="0" baseline="0">
+                <a:ln>
+                  <a:noFill/>
+                </a:ln>
+                <a:solidFill>
+                  <a:srgbClr val="2670C3"/>
+                </a:solidFill>
+                <a:uFillTx/>
+                <a:latin typeface="Arial"/>
+                <a:ea typeface="Arial"/>
+                <a:cs typeface="Arial"/>
+                <a:sym typeface="Arial"/>
+              </a:defRPr>
+            </a:lvl5pPr>
+            <a:lvl6pPr marL="0" marR="0" indent="0" algn="l" defTabSz="457200" rtl="0" latinLnBrk="0">
+              <a:lnSpc>
+                <a:spcPct val="100000"/>
+              </a:lnSpc>
+              <a:spcBef>
+                <a:spcPts val="0"/>
+              </a:spcBef>
+              <a:spcAft>
+                <a:spcPts val="0"/>
+              </a:spcAft>
+              <a:buClrTx/>
+              <a:buSzTx/>
+              <a:buFontTx/>
+              <a:buNone/>
+              <a:tabLst/>
+              <a:defRPr sz="2400" b="0" i="0" u="none" strike="noStrike" cap="none" spc="0" baseline="0">
+                <a:ln>
+                  <a:noFill/>
+                </a:ln>
+                <a:solidFill>
+                  <a:srgbClr val="2670C3"/>
+                </a:solidFill>
+                <a:uFillTx/>
+                <a:latin typeface="Arial"/>
+                <a:ea typeface="Arial"/>
+                <a:cs typeface="Arial"/>
+                <a:sym typeface="Arial"/>
+              </a:defRPr>
+            </a:lvl6pPr>
+            <a:lvl7pPr marL="0" marR="0" indent="0" algn="l" defTabSz="457200" rtl="0" latinLnBrk="0">
+              <a:lnSpc>
+                <a:spcPct val="100000"/>
+              </a:lnSpc>
+              <a:spcBef>
+                <a:spcPts val="0"/>
+              </a:spcBef>
+              <a:spcAft>
+                <a:spcPts val="0"/>
+              </a:spcAft>
+              <a:buClrTx/>
+              <a:buSzTx/>
+              <a:buFontTx/>
+              <a:buNone/>
+              <a:tabLst/>
+              <a:defRPr sz="2400" b="0" i="0" u="none" strike="noStrike" cap="none" spc="0" baseline="0">
+                <a:ln>
+                  <a:noFill/>
+                </a:ln>
+                <a:solidFill>
+                  <a:srgbClr val="2670C3"/>
+                </a:solidFill>
+                <a:uFillTx/>
+                <a:latin typeface="Arial"/>
+                <a:ea typeface="Arial"/>
+                <a:cs typeface="Arial"/>
+                <a:sym typeface="Arial"/>
+              </a:defRPr>
+            </a:lvl7pPr>
+            <a:lvl8pPr marL="0" marR="0" indent="0" algn="l" defTabSz="457200" rtl="0" latinLnBrk="0">
+              <a:lnSpc>
+                <a:spcPct val="100000"/>
+              </a:lnSpc>
+              <a:spcBef>
+                <a:spcPts val="0"/>
+              </a:spcBef>
+              <a:spcAft>
+                <a:spcPts val="0"/>
+              </a:spcAft>
+              <a:buClrTx/>
+              <a:buSzTx/>
+              <a:buFontTx/>
+              <a:buNone/>
+              <a:tabLst/>
+              <a:defRPr sz="2400" b="0" i="0" u="none" strike="noStrike" cap="none" spc="0" baseline="0">
+                <a:ln>
+                  <a:noFill/>
+                </a:ln>
+                <a:solidFill>
+                  <a:srgbClr val="2670C3"/>
+                </a:solidFill>
+                <a:uFillTx/>
+                <a:latin typeface="Arial"/>
+                <a:ea typeface="Arial"/>
+                <a:cs typeface="Arial"/>
+                <a:sym typeface="Arial"/>
+              </a:defRPr>
+            </a:lvl8pPr>
+            <a:lvl9pPr marL="0" marR="0" indent="0" algn="l" defTabSz="457200" rtl="0" latinLnBrk="0">
+              <a:lnSpc>
+                <a:spcPct val="100000"/>
+              </a:lnSpc>
+              <a:spcBef>
+                <a:spcPts val="0"/>
+              </a:spcBef>
+              <a:spcAft>
+                <a:spcPts val="0"/>
+              </a:spcAft>
+              <a:buClrTx/>
+              <a:buSzTx/>
+              <a:buFontTx/>
+              <a:buNone/>
+              <a:tabLst/>
+              <a:defRPr sz="2400" b="0" i="0" u="none" strike="noStrike" cap="none" spc="0" baseline="0">
+                <a:ln>
+                  <a:noFill/>
+                </a:ln>
+                <a:solidFill>
+                  <a:srgbClr val="2670C3"/>
+                </a:solidFill>
+                <a:uFillTx/>
+                <a:latin typeface="Arial"/>
+                <a:ea typeface="Arial"/>
+                <a:cs typeface="Arial"/>
+                <a:sym typeface="Arial"/>
+              </a:defRPr>
+            </a:lvl9pPr>
+          </a:lstStyle>
+          <a:p>
+            <a:pPr hangingPunct="1"/>
+            <a:r>
+              <a:rPr lang="en-US" sz="2667" b="1" dirty="0">
+                <a:solidFill>
+                  <a:srgbClr val="F45B8E"/>
+                </a:solidFill>
+              </a:rPr>
+              <a:t>Technologically</a:t>
+            </a:r>
+            <a:r>
+              <a:rPr lang="en-US" sz="2667" dirty="0"/>
+              <a:t> </a:t>
+            </a:r>
+            <a:r>
+              <a:rPr lang="en-US" sz="2667" b="1" dirty="0">
+                <a:solidFill>
+                  <a:srgbClr val="EEB500"/>
+                </a:solidFill>
+              </a:rPr>
+              <a:t>FEASIBLE</a:t>
+            </a:r>
+          </a:p>
+        </p:txBody>
+      </p:sp>
+      <p:sp>
+        <p:nvSpPr>
+          <p:cNvPr id="7" name="Title 2">
+            <a:extLst>
+              <a:ext uri="{FF2B5EF4-FFF2-40B4-BE49-F238E27FC236}">
+                <a16:creationId xmlns:a16="http://schemas.microsoft.com/office/drawing/2014/main" id="{3D4C07C4-5173-40ED-8B38-1848F8E4B6D9}"/>
+              </a:ext>
+            </a:extLst>
+          </p:cNvPr>
+          <p:cNvSpPr txBox="1">
+            <a:spLocks/>
+          </p:cNvSpPr>
+          <p:nvPr/>
+        </p:nvSpPr>
+        <p:spPr>
+          <a:xfrm>
+            <a:off x="6378930" y="3852331"/>
+            <a:ext cx="4233863" cy="908189"/>
+          </a:xfrm>
+          <a:prstGeom prst="rect">
+            <a:avLst/>
+          </a:prstGeom>
+        </p:spPr>
+        <p:txBody>
+          <a:bodyPr anchor="ctr">
+            <a:noAutofit/>
+          </a:bodyPr>
+          <a:lstStyle>
+            <a:lvl1pPr marL="0" marR="0" indent="0" algn="l" defTabSz="457200" rtl="0" latinLnBrk="0">
+              <a:lnSpc>
+                <a:spcPct val="100000"/>
+              </a:lnSpc>
+              <a:spcBef>
+                <a:spcPts val="0"/>
+              </a:spcBef>
+              <a:spcAft>
+                <a:spcPts val="0"/>
+              </a:spcAft>
+              <a:buClrTx/>
+              <a:buSzTx/>
+              <a:buFontTx/>
+              <a:buNone/>
+              <a:tabLst/>
+              <a:defRPr sz="2000" b="0" i="0" u="none" strike="noStrike" cap="none" spc="0" baseline="0">
+                <a:ln>
+                  <a:noFill/>
+                </a:ln>
+                <a:solidFill>
+                  <a:srgbClr val="007CC3"/>
+                </a:solidFill>
+                <a:uFillTx/>
+                <a:latin typeface="Arial"/>
+                <a:ea typeface="Arial"/>
+                <a:cs typeface="Arial"/>
+                <a:sym typeface="Arial"/>
+              </a:defRPr>
+            </a:lvl1pPr>
+            <a:lvl2pPr marL="0" marR="0" indent="0" algn="l" defTabSz="457200" rtl="0" latinLnBrk="0">
+              <a:lnSpc>
+                <a:spcPct val="100000"/>
+              </a:lnSpc>
+              <a:spcBef>
+                <a:spcPts val="0"/>
+              </a:spcBef>
+              <a:spcAft>
+                <a:spcPts val="0"/>
+              </a:spcAft>
+              <a:buClrTx/>
+              <a:buSzTx/>
+              <a:buFontTx/>
+              <a:buNone/>
+              <a:tabLst/>
+              <a:defRPr sz="2400" b="0" i="0" u="none" strike="noStrike" cap="none" spc="0" baseline="0">
+                <a:ln>
+                  <a:noFill/>
+                </a:ln>
+                <a:solidFill>
+                  <a:srgbClr val="2670C3"/>
+                </a:solidFill>
+                <a:uFillTx/>
+                <a:latin typeface="Arial"/>
+                <a:ea typeface="Arial"/>
+                <a:cs typeface="Arial"/>
+                <a:sym typeface="Arial"/>
+              </a:defRPr>
+            </a:lvl2pPr>
+            <a:lvl3pPr marL="0" marR="0" indent="0" algn="l" defTabSz="457200" rtl="0" latinLnBrk="0">
+              <a:lnSpc>
+                <a:spcPct val="100000"/>
+              </a:lnSpc>
+              <a:spcBef>
+                <a:spcPts val="0"/>
+              </a:spcBef>
+              <a:spcAft>
+                <a:spcPts val="0"/>
+              </a:spcAft>
+              <a:buClrTx/>
+              <a:buSzTx/>
+              <a:buFontTx/>
+              <a:buNone/>
+              <a:tabLst/>
+              <a:defRPr sz="2400" b="0" i="0" u="none" strike="noStrike" cap="none" spc="0" baseline="0">
+                <a:ln>
+                  <a:noFill/>
+                </a:ln>
+                <a:solidFill>
+                  <a:srgbClr val="2670C3"/>
+                </a:solidFill>
+                <a:uFillTx/>
+                <a:latin typeface="Arial"/>
+                <a:ea typeface="Arial"/>
+                <a:cs typeface="Arial"/>
+                <a:sym typeface="Arial"/>
+              </a:defRPr>
+            </a:lvl3pPr>
+            <a:lvl4pPr marL="0" marR="0" indent="0" algn="l" defTabSz="457200" rtl="0" latinLnBrk="0">
+              <a:lnSpc>
+                <a:spcPct val="100000"/>
+              </a:lnSpc>
+              <a:spcBef>
+                <a:spcPts val="0"/>
+              </a:spcBef>
+              <a:spcAft>
+                <a:spcPts val="0"/>
+              </a:spcAft>
+              <a:buClrTx/>
+              <a:buSzTx/>
+              <a:buFontTx/>
+              <a:buNone/>
+              <a:tabLst/>
+              <a:defRPr sz="2400" b="0" i="0" u="none" strike="noStrike" cap="none" spc="0" baseline="0">
+                <a:ln>
+                  <a:noFill/>
+                </a:ln>
+                <a:solidFill>
+                  <a:srgbClr val="2670C3"/>
+                </a:solidFill>
+                <a:uFillTx/>
+                <a:latin typeface="Arial"/>
+                <a:ea typeface="Arial"/>
+                <a:cs typeface="Arial"/>
+                <a:sym typeface="Arial"/>
+              </a:defRPr>
+            </a:lvl4pPr>
+            <a:lvl5pPr marL="0" marR="0" indent="0" algn="l" defTabSz="457200" rtl="0" latinLnBrk="0">
+              <a:lnSpc>
+                <a:spcPct val="100000"/>
+              </a:lnSpc>
+              <a:spcBef>
+                <a:spcPts val="0"/>
+              </a:spcBef>
+              <a:spcAft>
+                <a:spcPts val="0"/>
+              </a:spcAft>
+              <a:buClrTx/>
+              <a:buSzTx/>
+              <a:buFontTx/>
+              <a:buNone/>
+              <a:tabLst/>
+              <a:defRPr sz="2400" b="0" i="0" u="none" strike="noStrike" cap="none" spc="0" baseline="0">
+                <a:ln>
+                  <a:noFill/>
+                </a:ln>
+                <a:solidFill>
+                  <a:srgbClr val="2670C3"/>
+                </a:solidFill>
+                <a:uFillTx/>
+                <a:latin typeface="Arial"/>
+                <a:ea typeface="Arial"/>
+                <a:cs typeface="Arial"/>
+                <a:sym typeface="Arial"/>
+              </a:defRPr>
+            </a:lvl5pPr>
+            <a:lvl6pPr marL="0" marR="0" indent="0" algn="l" defTabSz="457200" rtl="0" latinLnBrk="0">
+              <a:lnSpc>
+                <a:spcPct val="100000"/>
+              </a:lnSpc>
+              <a:spcBef>
+                <a:spcPts val="0"/>
+              </a:spcBef>
+              <a:spcAft>
+                <a:spcPts val="0"/>
+              </a:spcAft>
+              <a:buClrTx/>
+              <a:buSzTx/>
+              <a:buFontTx/>
+              <a:buNone/>
+              <a:tabLst/>
+              <a:defRPr sz="2400" b="0" i="0" u="none" strike="noStrike" cap="none" spc="0" baseline="0">
+                <a:ln>
+                  <a:noFill/>
+                </a:ln>
+                <a:solidFill>
+                  <a:srgbClr val="2670C3"/>
+                </a:solidFill>
+                <a:uFillTx/>
+                <a:latin typeface="Arial"/>
+                <a:ea typeface="Arial"/>
+                <a:cs typeface="Arial"/>
+                <a:sym typeface="Arial"/>
+              </a:defRPr>
+            </a:lvl6pPr>
+            <a:lvl7pPr marL="0" marR="0" indent="0" algn="l" defTabSz="457200" rtl="0" latinLnBrk="0">
+              <a:lnSpc>
+                <a:spcPct val="100000"/>
+              </a:lnSpc>
+              <a:spcBef>
+                <a:spcPts val="0"/>
+              </a:spcBef>
+              <a:spcAft>
+                <a:spcPts val="0"/>
+              </a:spcAft>
+              <a:buClrTx/>
+              <a:buSzTx/>
+              <a:buFontTx/>
+              <a:buNone/>
+              <a:tabLst/>
+              <a:defRPr sz="2400" b="0" i="0" u="none" strike="noStrike" cap="none" spc="0" baseline="0">
+                <a:ln>
+                  <a:noFill/>
+                </a:ln>
+                <a:solidFill>
+                  <a:srgbClr val="2670C3"/>
+                </a:solidFill>
+                <a:uFillTx/>
+                <a:latin typeface="Arial"/>
+                <a:ea typeface="Arial"/>
+                <a:cs typeface="Arial"/>
+                <a:sym typeface="Arial"/>
+              </a:defRPr>
+            </a:lvl7pPr>
+            <a:lvl8pPr marL="0" marR="0" indent="0" algn="l" defTabSz="457200" rtl="0" latinLnBrk="0">
+              <a:lnSpc>
+                <a:spcPct val="100000"/>
+              </a:lnSpc>
+              <a:spcBef>
+                <a:spcPts val="0"/>
+              </a:spcBef>
+              <a:spcAft>
+                <a:spcPts val="0"/>
+              </a:spcAft>
+              <a:buClrTx/>
+              <a:buSzTx/>
+              <a:buFontTx/>
+              <a:buNone/>
+              <a:tabLst/>
+              <a:defRPr sz="2400" b="0" i="0" u="none" strike="noStrike" cap="none" spc="0" baseline="0">
+                <a:ln>
+                  <a:noFill/>
+                </a:ln>
+                <a:solidFill>
+                  <a:srgbClr val="2670C3"/>
+                </a:solidFill>
+                <a:uFillTx/>
+                <a:latin typeface="Arial"/>
+                <a:ea typeface="Arial"/>
+                <a:cs typeface="Arial"/>
+                <a:sym typeface="Arial"/>
+              </a:defRPr>
+            </a:lvl8pPr>
+            <a:lvl9pPr marL="0" marR="0" indent="0" algn="l" defTabSz="457200" rtl="0" latinLnBrk="0">
+              <a:lnSpc>
+                <a:spcPct val="100000"/>
+              </a:lnSpc>
+              <a:spcBef>
+                <a:spcPts val="0"/>
+              </a:spcBef>
+              <a:spcAft>
+                <a:spcPts val="0"/>
+              </a:spcAft>
+              <a:buClrTx/>
+              <a:buSzTx/>
+              <a:buFontTx/>
+              <a:buNone/>
+              <a:tabLst/>
+              <a:defRPr sz="2400" b="0" i="0" u="none" strike="noStrike" cap="none" spc="0" baseline="0">
+                <a:ln>
+                  <a:noFill/>
+                </a:ln>
+                <a:solidFill>
+                  <a:srgbClr val="2670C3"/>
+                </a:solidFill>
+                <a:uFillTx/>
+                <a:latin typeface="Arial"/>
+                <a:ea typeface="Arial"/>
+                <a:cs typeface="Arial"/>
+                <a:sym typeface="Arial"/>
+              </a:defRPr>
+            </a:lvl9pPr>
+          </a:lstStyle>
+          <a:p>
+            <a:pPr hangingPunct="1"/>
+            <a:r>
+              <a:rPr lang="en-US" sz="2667" b="1" dirty="0">
+                <a:solidFill>
+                  <a:srgbClr val="F45B8E"/>
+                </a:solidFill>
+              </a:rPr>
+              <a:t>Economically</a:t>
+            </a:r>
+            <a:r>
+              <a:rPr lang="en-US" sz="2667" dirty="0"/>
+              <a:t> </a:t>
+            </a:r>
+            <a:r>
+              <a:rPr lang="en-US" sz="2667" b="1" dirty="0">
+                <a:solidFill>
+                  <a:srgbClr val="00B050"/>
+                </a:solidFill>
+              </a:rPr>
+              <a:t>VIABLE</a:t>
+            </a:r>
+          </a:p>
+        </p:txBody>
+      </p:sp>
+      <p:sp>
+        <p:nvSpPr>
+          <p:cNvPr id="8" name="Title 2">
+            <a:extLst>
+              <a:ext uri="{FF2B5EF4-FFF2-40B4-BE49-F238E27FC236}">
+                <a16:creationId xmlns:a16="http://schemas.microsoft.com/office/drawing/2014/main" id="{86B995C0-2871-44FF-AA7F-DA8B8D776C52}"/>
+              </a:ext>
+            </a:extLst>
+          </p:cNvPr>
+          <p:cNvSpPr txBox="1">
+            <a:spLocks/>
+          </p:cNvSpPr>
+          <p:nvPr/>
+        </p:nvSpPr>
+        <p:spPr>
+          <a:xfrm>
+            <a:off x="2228612" y="1991780"/>
+            <a:ext cx="4233863" cy="908189"/>
+          </a:xfrm>
+          <a:prstGeom prst="rect">
+            <a:avLst/>
+          </a:prstGeom>
+        </p:spPr>
+        <p:txBody>
+          <a:bodyPr anchor="ctr">
+            <a:noAutofit/>
+          </a:bodyPr>
+          <a:lstStyle>
+            <a:lvl1pPr marL="0" marR="0" indent="0" algn="l" defTabSz="457200" rtl="0" latinLnBrk="0">
+              <a:lnSpc>
+                <a:spcPct val="100000"/>
+              </a:lnSpc>
+              <a:spcBef>
+                <a:spcPts val="0"/>
+              </a:spcBef>
+              <a:spcAft>
+                <a:spcPts val="0"/>
+              </a:spcAft>
+              <a:buClrTx/>
+              <a:buSzTx/>
+              <a:buFontTx/>
+              <a:buNone/>
+              <a:tabLst/>
+              <a:defRPr sz="2000" b="0" i="0" u="none" strike="noStrike" cap="none" spc="0" baseline="0">
+                <a:ln>
+                  <a:noFill/>
+                </a:ln>
+                <a:solidFill>
+                  <a:srgbClr val="007CC3"/>
+                </a:solidFill>
+                <a:uFillTx/>
+                <a:latin typeface="Arial"/>
+                <a:ea typeface="Arial"/>
+                <a:cs typeface="Arial"/>
+                <a:sym typeface="Arial"/>
+              </a:defRPr>
+            </a:lvl1pPr>
+            <a:lvl2pPr marL="0" marR="0" indent="0" algn="l" defTabSz="457200" rtl="0" latinLnBrk="0">
+              <a:lnSpc>
+                <a:spcPct val="100000"/>
+              </a:lnSpc>
+              <a:spcBef>
+                <a:spcPts val="0"/>
+              </a:spcBef>
+              <a:spcAft>
+                <a:spcPts val="0"/>
+              </a:spcAft>
+              <a:buClrTx/>
+              <a:buSzTx/>
+              <a:buFontTx/>
+              <a:buNone/>
+              <a:tabLst/>
+              <a:defRPr sz="2400" b="0" i="0" u="none" strike="noStrike" cap="none" spc="0" baseline="0">
+                <a:ln>
+                  <a:noFill/>
+                </a:ln>
+                <a:solidFill>
+                  <a:srgbClr val="2670C3"/>
+                </a:solidFill>
+                <a:uFillTx/>
+                <a:latin typeface="Arial"/>
+                <a:ea typeface="Arial"/>
+                <a:cs typeface="Arial"/>
+                <a:sym typeface="Arial"/>
+              </a:defRPr>
+            </a:lvl2pPr>
+            <a:lvl3pPr marL="0" marR="0" indent="0" algn="l" defTabSz="457200" rtl="0" latinLnBrk="0">
+              <a:lnSpc>
+                <a:spcPct val="100000"/>
+              </a:lnSpc>
+              <a:spcBef>
+                <a:spcPts val="0"/>
+              </a:spcBef>
+              <a:spcAft>
+                <a:spcPts val="0"/>
+              </a:spcAft>
+              <a:buClrTx/>
+              <a:buSzTx/>
+              <a:buFontTx/>
+              <a:buNone/>
+              <a:tabLst/>
+              <a:defRPr sz="2400" b="0" i="0" u="none" strike="noStrike" cap="none" spc="0" baseline="0">
+                <a:ln>
+                  <a:noFill/>
+                </a:ln>
+                <a:solidFill>
+                  <a:srgbClr val="2670C3"/>
+                </a:solidFill>
+                <a:uFillTx/>
+                <a:latin typeface="Arial"/>
+                <a:ea typeface="Arial"/>
+                <a:cs typeface="Arial"/>
+                <a:sym typeface="Arial"/>
+              </a:defRPr>
+            </a:lvl3pPr>
+            <a:lvl4pPr marL="0" marR="0" indent="0" algn="l" defTabSz="457200" rtl="0" latinLnBrk="0">
+              <a:lnSpc>
+                <a:spcPct val="100000"/>
+              </a:lnSpc>
+              <a:spcBef>
+                <a:spcPts val="0"/>
+              </a:spcBef>
+              <a:spcAft>
+                <a:spcPts val="0"/>
+              </a:spcAft>
+              <a:buClrTx/>
+              <a:buSzTx/>
+              <a:buFontTx/>
+              <a:buNone/>
+              <a:tabLst/>
+              <a:defRPr sz="2400" b="0" i="0" u="none" strike="noStrike" cap="none" spc="0" baseline="0">
+                <a:ln>
+                  <a:noFill/>
+                </a:ln>
+                <a:solidFill>
+                  <a:srgbClr val="2670C3"/>
+                </a:solidFill>
+                <a:uFillTx/>
+                <a:latin typeface="Arial"/>
+                <a:ea typeface="Arial"/>
+                <a:cs typeface="Arial"/>
+                <a:sym typeface="Arial"/>
+              </a:defRPr>
+            </a:lvl4pPr>
+            <a:lvl5pPr marL="0" marR="0" indent="0" algn="l" defTabSz="457200" rtl="0" latinLnBrk="0">
+              <a:lnSpc>
+                <a:spcPct val="100000"/>
+              </a:lnSpc>
+              <a:spcBef>
+                <a:spcPts val="0"/>
+              </a:spcBef>
+              <a:spcAft>
+                <a:spcPts val="0"/>
+              </a:spcAft>
+              <a:buClrTx/>
+              <a:buSzTx/>
+              <a:buFontTx/>
+              <a:buNone/>
+              <a:tabLst/>
+              <a:defRPr sz="2400" b="0" i="0" u="none" strike="noStrike" cap="none" spc="0" baseline="0">
+                <a:ln>
+                  <a:noFill/>
+                </a:ln>
+                <a:solidFill>
+                  <a:srgbClr val="2670C3"/>
+                </a:solidFill>
+                <a:uFillTx/>
+                <a:latin typeface="Arial"/>
+                <a:ea typeface="Arial"/>
+                <a:cs typeface="Arial"/>
+                <a:sym typeface="Arial"/>
+              </a:defRPr>
+            </a:lvl5pPr>
+            <a:lvl6pPr marL="0" marR="0" indent="0" algn="l" defTabSz="457200" rtl="0" latinLnBrk="0">
+              <a:lnSpc>
+                <a:spcPct val="100000"/>
+              </a:lnSpc>
+              <a:spcBef>
+                <a:spcPts val="0"/>
+              </a:spcBef>
+              <a:spcAft>
+                <a:spcPts val="0"/>
+              </a:spcAft>
+              <a:buClrTx/>
+              <a:buSzTx/>
+              <a:buFontTx/>
+              <a:buNone/>
+              <a:tabLst/>
+              <a:defRPr sz="2400" b="0" i="0" u="none" strike="noStrike" cap="none" spc="0" baseline="0">
+                <a:ln>
+                  <a:noFill/>
+                </a:ln>
+                <a:solidFill>
+                  <a:srgbClr val="2670C3"/>
+                </a:solidFill>
+                <a:uFillTx/>
+                <a:latin typeface="Arial"/>
+                <a:ea typeface="Arial"/>
+                <a:cs typeface="Arial"/>
+                <a:sym typeface="Arial"/>
+              </a:defRPr>
+            </a:lvl6pPr>
+            <a:lvl7pPr marL="0" marR="0" indent="0" algn="l" defTabSz="457200" rtl="0" latinLnBrk="0">
+              <a:lnSpc>
+                <a:spcPct val="100000"/>
+              </a:lnSpc>
+              <a:spcBef>
+                <a:spcPts val="0"/>
+              </a:spcBef>
+              <a:spcAft>
+                <a:spcPts val="0"/>
+              </a:spcAft>
+              <a:buClrTx/>
+              <a:buSzTx/>
+              <a:buFontTx/>
+              <a:buNone/>
+              <a:tabLst/>
+              <a:defRPr sz="2400" b="0" i="0" u="none" strike="noStrike" cap="none" spc="0" baseline="0">
+                <a:ln>
+                  <a:noFill/>
+                </a:ln>
+                <a:solidFill>
+                  <a:srgbClr val="2670C3"/>
+                </a:solidFill>
+                <a:uFillTx/>
+                <a:latin typeface="Arial"/>
+                <a:ea typeface="Arial"/>
+                <a:cs typeface="Arial"/>
+                <a:sym typeface="Arial"/>
+              </a:defRPr>
+            </a:lvl7pPr>
+            <a:lvl8pPr marL="0" marR="0" indent="0" algn="l" defTabSz="457200" rtl="0" latinLnBrk="0">
+              <a:lnSpc>
+                <a:spcPct val="100000"/>
+              </a:lnSpc>
+              <a:spcBef>
+                <a:spcPts val="0"/>
+              </a:spcBef>
+              <a:spcAft>
+                <a:spcPts val="0"/>
+              </a:spcAft>
+              <a:buClrTx/>
+              <a:buSzTx/>
+              <a:buFontTx/>
+              <a:buNone/>
+              <a:tabLst/>
+              <a:defRPr sz="2400" b="0" i="0" u="none" strike="noStrike" cap="none" spc="0" baseline="0">
+                <a:ln>
+                  <a:noFill/>
+                </a:ln>
+                <a:solidFill>
+                  <a:srgbClr val="2670C3"/>
+                </a:solidFill>
+                <a:uFillTx/>
+                <a:latin typeface="Arial"/>
+                <a:ea typeface="Arial"/>
+                <a:cs typeface="Arial"/>
+                <a:sym typeface="Arial"/>
+              </a:defRPr>
+            </a:lvl8pPr>
+            <a:lvl9pPr marL="0" marR="0" indent="0" algn="l" defTabSz="457200" rtl="0" latinLnBrk="0">
+              <a:lnSpc>
+                <a:spcPct val="100000"/>
+              </a:lnSpc>
+              <a:spcBef>
+                <a:spcPts val="0"/>
+              </a:spcBef>
+              <a:spcAft>
+                <a:spcPts val="0"/>
+              </a:spcAft>
+              <a:buClrTx/>
+              <a:buSzTx/>
+              <a:buFontTx/>
+              <a:buNone/>
+              <a:tabLst/>
+              <a:defRPr sz="2400" b="0" i="0" u="none" strike="noStrike" cap="none" spc="0" baseline="0">
+                <a:ln>
+                  <a:noFill/>
+                </a:ln>
+                <a:solidFill>
+                  <a:srgbClr val="2670C3"/>
+                </a:solidFill>
+                <a:uFillTx/>
+                <a:latin typeface="Arial"/>
+                <a:ea typeface="Arial"/>
+                <a:cs typeface="Arial"/>
+                <a:sym typeface="Arial"/>
+              </a:defRPr>
+            </a:lvl9pPr>
+          </a:lstStyle>
+          <a:p>
+            <a:pPr hangingPunct="1"/>
+            <a:r>
+              <a:rPr lang="en-US" sz="2667" b="1" dirty="0">
+                <a:solidFill>
+                  <a:srgbClr val="F45B8E"/>
+                </a:solidFill>
+              </a:rPr>
+              <a:t>Pleasantly</a:t>
+            </a:r>
+            <a:r>
+              <a:rPr lang="en-US" sz="2667" dirty="0"/>
+              <a:t> </a:t>
+            </a:r>
+            <a:r>
+              <a:rPr lang="en-US" sz="2667" b="1" dirty="0">
+                <a:solidFill>
+                  <a:schemeClr val="accent6">
+                    <a:lumMod val="75000"/>
+                  </a:schemeClr>
+                </a:solidFill>
+              </a:rPr>
+              <a:t>DESIRABLE</a:t>
+            </a:r>
+          </a:p>
+        </p:txBody>
+      </p:sp>
+      <p:sp>
+        <p:nvSpPr>
+          <p:cNvPr id="9" name="Title 1">
+            <a:extLst>
+              <a:ext uri="{FF2B5EF4-FFF2-40B4-BE49-F238E27FC236}">
+                <a16:creationId xmlns:a16="http://schemas.microsoft.com/office/drawing/2014/main" id="{1337AA57-DB90-4D4C-8EAF-BCD77F9CA065}"/>
+              </a:ext>
+            </a:extLst>
+          </p:cNvPr>
+          <p:cNvSpPr txBox="1">
+            <a:spLocks/>
+          </p:cNvSpPr>
+          <p:nvPr/>
+        </p:nvSpPr>
+        <p:spPr>
+          <a:xfrm>
+            <a:off x="2068525" y="1077314"/>
+            <a:ext cx="6470193" cy="603981"/>
+          </a:xfrm>
+          <a:prstGeom prst="rect">
+            <a:avLst/>
+          </a:prstGeom>
+        </p:spPr>
+        <p:txBody>
+          <a:bodyPr anchor="ctr">
+            <a:noAutofit/>
+          </a:bodyPr>
+          <a:lstStyle>
+            <a:lvl1pPr marL="0" marR="0" indent="0" algn="l" defTabSz="457200" rtl="0" latinLnBrk="0">
+              <a:lnSpc>
+                <a:spcPct val="100000"/>
+              </a:lnSpc>
+              <a:spcBef>
+                <a:spcPts val="0"/>
+              </a:spcBef>
+              <a:spcAft>
+                <a:spcPts val="0"/>
+              </a:spcAft>
+              <a:buClrTx/>
+              <a:buSzTx/>
+              <a:buFontTx/>
+              <a:buNone/>
+              <a:tabLst/>
+              <a:defRPr sz="2000" b="0" i="0" u="none" strike="noStrike" cap="none" spc="0" baseline="0">
+                <a:ln>
+                  <a:noFill/>
+                </a:ln>
+                <a:solidFill>
+                  <a:srgbClr val="007CC3"/>
+                </a:solidFill>
+                <a:uFillTx/>
+                <a:latin typeface="Arial"/>
+                <a:ea typeface="Arial"/>
+                <a:cs typeface="Arial"/>
+                <a:sym typeface="Arial"/>
+              </a:defRPr>
+            </a:lvl1pPr>
+            <a:lvl2pPr marL="0" marR="0" indent="0" algn="l" defTabSz="457200" rtl="0" latinLnBrk="0">
+              <a:lnSpc>
+                <a:spcPct val="100000"/>
+              </a:lnSpc>
+              <a:spcBef>
+                <a:spcPts val="0"/>
+              </a:spcBef>
+              <a:spcAft>
+                <a:spcPts val="0"/>
+              </a:spcAft>
+              <a:buClrTx/>
+              <a:buSzTx/>
+              <a:buFontTx/>
+              <a:buNone/>
+              <a:tabLst/>
+              <a:defRPr sz="2400" b="0" i="0" u="none" strike="noStrike" cap="none" spc="0" baseline="0">
+                <a:ln>
+                  <a:noFill/>
+                </a:ln>
+                <a:solidFill>
+                  <a:srgbClr val="2670C3"/>
+                </a:solidFill>
+                <a:uFillTx/>
+                <a:latin typeface="Arial"/>
+                <a:ea typeface="Arial"/>
+                <a:cs typeface="Arial"/>
+                <a:sym typeface="Arial"/>
+              </a:defRPr>
+            </a:lvl2pPr>
+            <a:lvl3pPr marL="0" marR="0" indent="0" algn="l" defTabSz="457200" rtl="0" latinLnBrk="0">
+              <a:lnSpc>
+                <a:spcPct val="100000"/>
+              </a:lnSpc>
+              <a:spcBef>
+                <a:spcPts val="0"/>
+              </a:spcBef>
+              <a:spcAft>
+                <a:spcPts val="0"/>
+              </a:spcAft>
+              <a:buClrTx/>
+              <a:buSzTx/>
+              <a:buFontTx/>
+              <a:buNone/>
+              <a:tabLst/>
+              <a:defRPr sz="2400" b="0" i="0" u="none" strike="noStrike" cap="none" spc="0" baseline="0">
+                <a:ln>
+                  <a:noFill/>
+                </a:ln>
+                <a:solidFill>
+                  <a:srgbClr val="2670C3"/>
+                </a:solidFill>
+                <a:uFillTx/>
+                <a:latin typeface="Arial"/>
+                <a:ea typeface="Arial"/>
+                <a:cs typeface="Arial"/>
+                <a:sym typeface="Arial"/>
+              </a:defRPr>
+            </a:lvl3pPr>
+            <a:lvl4pPr marL="0" marR="0" indent="0" algn="l" defTabSz="457200" rtl="0" latinLnBrk="0">
+              <a:lnSpc>
+                <a:spcPct val="100000"/>
+              </a:lnSpc>
+              <a:spcBef>
+                <a:spcPts val="0"/>
+              </a:spcBef>
+              <a:spcAft>
+                <a:spcPts val="0"/>
+              </a:spcAft>
+              <a:buClrTx/>
+              <a:buSzTx/>
+              <a:buFontTx/>
+              <a:buNone/>
+              <a:tabLst/>
+              <a:defRPr sz="2400" b="0" i="0" u="none" strike="noStrike" cap="none" spc="0" baseline="0">
+                <a:ln>
+                  <a:noFill/>
+                </a:ln>
+                <a:solidFill>
+                  <a:srgbClr val="2670C3"/>
+                </a:solidFill>
+                <a:uFillTx/>
+                <a:latin typeface="Arial"/>
+                <a:ea typeface="Arial"/>
+                <a:cs typeface="Arial"/>
+                <a:sym typeface="Arial"/>
+              </a:defRPr>
+            </a:lvl4pPr>
+            <a:lvl5pPr marL="0" marR="0" indent="0" algn="l" defTabSz="457200" rtl="0" latinLnBrk="0">
+              <a:lnSpc>
+                <a:spcPct val="100000"/>
+              </a:lnSpc>
+              <a:spcBef>
+                <a:spcPts val="0"/>
+              </a:spcBef>
+              <a:spcAft>
+                <a:spcPts val="0"/>
+              </a:spcAft>
+              <a:buClrTx/>
+              <a:buSzTx/>
+              <a:buFontTx/>
+              <a:buNone/>
+              <a:tabLst/>
+              <a:defRPr sz="2400" b="0" i="0" u="none" strike="noStrike" cap="none" spc="0" baseline="0">
+                <a:ln>
+                  <a:noFill/>
+                </a:ln>
+                <a:solidFill>
+                  <a:srgbClr val="2670C3"/>
+                </a:solidFill>
+                <a:uFillTx/>
+                <a:latin typeface="Arial"/>
+                <a:ea typeface="Arial"/>
+                <a:cs typeface="Arial"/>
+                <a:sym typeface="Arial"/>
+              </a:defRPr>
+            </a:lvl5pPr>
+            <a:lvl6pPr marL="0" marR="0" indent="0" algn="l" defTabSz="457200" rtl="0" latinLnBrk="0">
+              <a:lnSpc>
+                <a:spcPct val="100000"/>
+              </a:lnSpc>
+              <a:spcBef>
+                <a:spcPts val="0"/>
+              </a:spcBef>
+              <a:spcAft>
+                <a:spcPts val="0"/>
+              </a:spcAft>
+              <a:buClrTx/>
+              <a:buSzTx/>
+              <a:buFontTx/>
+              <a:buNone/>
+              <a:tabLst/>
+              <a:defRPr sz="2400" b="0" i="0" u="none" strike="noStrike" cap="none" spc="0" baseline="0">
+                <a:ln>
+                  <a:noFill/>
+                </a:ln>
+                <a:solidFill>
+                  <a:srgbClr val="2670C3"/>
+                </a:solidFill>
+                <a:uFillTx/>
+                <a:latin typeface="Arial"/>
+                <a:ea typeface="Arial"/>
+                <a:cs typeface="Arial"/>
+                <a:sym typeface="Arial"/>
+              </a:defRPr>
+            </a:lvl6pPr>
+            <a:lvl7pPr marL="0" marR="0" indent="0" algn="l" defTabSz="457200" rtl="0" latinLnBrk="0">
+              <a:lnSpc>
+                <a:spcPct val="100000"/>
+              </a:lnSpc>
+              <a:spcBef>
+                <a:spcPts val="0"/>
+              </a:spcBef>
+              <a:spcAft>
+                <a:spcPts val="0"/>
+              </a:spcAft>
+              <a:buClrTx/>
+              <a:buSzTx/>
+              <a:buFontTx/>
+              <a:buNone/>
+              <a:tabLst/>
+              <a:defRPr sz="2400" b="0" i="0" u="none" strike="noStrike" cap="none" spc="0" baseline="0">
+                <a:ln>
+                  <a:noFill/>
+                </a:ln>
+                <a:solidFill>
+                  <a:srgbClr val="2670C3"/>
+                </a:solidFill>
+                <a:uFillTx/>
+                <a:latin typeface="Arial"/>
+                <a:ea typeface="Arial"/>
+                <a:cs typeface="Arial"/>
+                <a:sym typeface="Arial"/>
+              </a:defRPr>
+            </a:lvl7pPr>
+            <a:lvl8pPr marL="0" marR="0" indent="0" algn="l" defTabSz="457200" rtl="0" latinLnBrk="0">
+              <a:lnSpc>
+                <a:spcPct val="100000"/>
+              </a:lnSpc>
+              <a:spcBef>
+                <a:spcPts val="0"/>
+              </a:spcBef>
+              <a:spcAft>
+                <a:spcPts val="0"/>
+              </a:spcAft>
+              <a:buClrTx/>
+              <a:buSzTx/>
+              <a:buFontTx/>
+              <a:buNone/>
+              <a:tabLst/>
+              <a:defRPr sz="2400" b="0" i="0" u="none" strike="noStrike" cap="none" spc="0" baseline="0">
+                <a:ln>
+                  <a:noFill/>
+                </a:ln>
+                <a:solidFill>
+                  <a:srgbClr val="2670C3"/>
+                </a:solidFill>
+                <a:uFillTx/>
+                <a:latin typeface="Arial"/>
+                <a:ea typeface="Arial"/>
+                <a:cs typeface="Arial"/>
+                <a:sym typeface="Arial"/>
+              </a:defRPr>
+            </a:lvl8pPr>
+            <a:lvl9pPr marL="0" marR="0" indent="0" algn="l" defTabSz="457200" rtl="0" latinLnBrk="0">
+              <a:lnSpc>
+                <a:spcPct val="100000"/>
+              </a:lnSpc>
+              <a:spcBef>
+                <a:spcPts val="0"/>
+              </a:spcBef>
+              <a:spcAft>
+                <a:spcPts val="0"/>
+              </a:spcAft>
+              <a:buClrTx/>
+              <a:buSzTx/>
+              <a:buFontTx/>
+              <a:buNone/>
+              <a:tabLst/>
+              <a:defRPr sz="2400" b="0" i="0" u="none" strike="noStrike" cap="none" spc="0" baseline="0">
+                <a:ln>
+                  <a:noFill/>
+                </a:ln>
+                <a:solidFill>
+                  <a:srgbClr val="2670C3"/>
+                </a:solidFill>
+                <a:uFillTx/>
+                <a:latin typeface="Arial"/>
+                <a:ea typeface="Arial"/>
+                <a:cs typeface="Arial"/>
+                <a:sym typeface="Arial"/>
+              </a:defRPr>
+            </a:lvl9pPr>
+          </a:lstStyle>
+          <a:p>
+            <a:pPr hangingPunct="1"/>
+            <a:r>
+              <a:rPr lang="en-US" sz="4267" b="1" dirty="0">
+                <a:solidFill>
+                  <a:srgbClr val="F45B8E"/>
+                </a:solidFill>
+              </a:rPr>
+              <a:t>Our Proposed Solution</a:t>
+            </a:r>
+          </a:p>
+        </p:txBody>
+      </p:sp>
+      <p:pic>
+        <p:nvPicPr>
+          <p:cNvPr id="12" name="Picture 11" descr="Text&#10;&#10;Description automatically generated">
+            <a:extLst>
+              <a:ext uri="{FF2B5EF4-FFF2-40B4-BE49-F238E27FC236}">
+                <a16:creationId xmlns:a16="http://schemas.microsoft.com/office/drawing/2014/main" id="{D3479B6F-F923-492C-BB70-A2B21A6EA7DA}"/>
+              </a:ext>
+            </a:extLst>
+          </p:cNvPr>
+          <p:cNvPicPr>
+            <a:picLocks noChangeAspect="1"/>
+          </p:cNvPicPr>
+          <p:nvPr/>
+        </p:nvPicPr>
+        <p:blipFill>
+          <a:blip r:embed="rId2">
+            <a:extLst>
+              <a:ext uri="{28A0092B-C50C-407E-A947-70E740481C1C}">
+                <a14:useLocalDpi xmlns:a14="http://schemas.microsoft.com/office/drawing/2010/main" val="0"/>
+              </a:ext>
+            </a:extLst>
+          </a:blip>
+          <a:stretch>
+            <a:fillRect/>
+          </a:stretch>
+        </p:blipFill>
+        <p:spPr>
+          <a:xfrm>
+            <a:off x="3669430" y="6536479"/>
+            <a:ext cx="2783488" cy="668037"/>
+          </a:xfrm>
+          <a:prstGeom prst="rect">
+            <a:avLst/>
+          </a:prstGeom>
+        </p:spPr>
+      </p:pic>
+      <p:pic>
+        <p:nvPicPr>
+          <p:cNvPr id="2050" name="Picture 2">
+            <a:extLst>
+              <a:ext uri="{FF2B5EF4-FFF2-40B4-BE49-F238E27FC236}">
+                <a16:creationId xmlns:a16="http://schemas.microsoft.com/office/drawing/2014/main" id="{8B10464A-2CE8-4E3C-84F2-55AA945C481B}"/>
+              </a:ext>
+            </a:extLst>
+          </p:cNvPr>
+          <p:cNvPicPr>
+            <a:picLocks noChangeAspect="1" noChangeArrowheads="1"/>
+          </p:cNvPicPr>
+          <p:nvPr/>
+        </p:nvPicPr>
+        <p:blipFill rotWithShape="1">
+          <a:blip r:embed="rId3">
+            <a:extLst>
+              <a:ext uri="{BEBA8EAE-BF5A-486C-A8C5-ECC9F3942E4B}">
+                <a14:imgProps xmlns:a14="http://schemas.microsoft.com/office/drawing/2010/main">
+                  <a14:imgLayer r:embed="rId4">
+                    <a14:imgEffect>
+                      <a14:saturation sat="400000"/>
+                    </a14:imgEffect>
+                  </a14:imgLayer>
+                </a14:imgProps>
+              </a:ext>
+              <a:ext uri="{28A0092B-C50C-407E-A947-70E740481C1C}">
+                <a14:useLocalDpi xmlns:a14="http://schemas.microsoft.com/office/drawing/2010/main" val="0"/>
+              </a:ext>
+            </a:extLst>
+          </a:blip>
+          <a:srcRect l="60499" t="8319" r="4897"/>
+          <a:stretch/>
+        </p:blipFill>
+        <p:spPr bwMode="auto">
+          <a:xfrm>
+            <a:off x="1881051" y="2911446"/>
+            <a:ext cx="1788379" cy="3158837"/>
+          </a:xfrm>
+          <a:prstGeom prst="rect">
+            <a:avLst/>
+          </a:prstGeom>
+          <a:noFill/>
+          <a:extLst>
+            <a:ext uri="{909E8E84-426E-40DD-AFC4-6F175D3DCCD1}">
+              <a14:hiddenFill xmlns:a14="http://schemas.microsoft.com/office/drawing/2010/main">
+                <a:solidFill>
+                  <a:srgbClr val="FFFFFF"/>
+                </a:solidFill>
+              </a14:hiddenFill>
+            </a:ext>
+          </a:extLst>
+        </p:spPr>
+      </p:pic>
+    </p:spTree>
+    <p:extLst>
+      <p:ext uri="{BB962C8B-B14F-4D97-AF65-F5344CB8AC3E}">
+        <p14:creationId xmlns:p14="http://schemas.microsoft.com/office/powerpoint/2010/main" val="1445398634"/>
+      </p:ext>
+    </p:extLst>
+  </p:cSld>
+  <p:clrMapOvr>
+    <a:masterClrMapping/>
+  </p:clrMapOvr>
+</p:sld>
+</file>
+
 <file path=ppt/slides/slide2.xml><?xml version="1.0" encoding="utf-8"?>
+<p:sld xmlns:a="http://schemas.openxmlformats.org/drawingml/2006/main" xmlns:r="http://schemas.openxmlformats.org/officeDocument/2006/relationships" xmlns:p="http://schemas.openxmlformats.org/presentationml/2006/main">
+  <p:cSld>
+    <p:spTree>
+      <p:nvGrpSpPr>
+        <p:cNvPr id="1" name=""/>
+        <p:cNvGrpSpPr/>
+        <p:nvPr/>
+      </p:nvGrpSpPr>
+      <p:grpSpPr>
+        <a:xfrm>
+          <a:off x="0" y="0"/>
+          <a:ext cx="0" cy="0"/>
+          <a:chOff x="0" y="0"/>
+          <a:chExt cx="0" cy="0"/>
+        </a:xfrm>
+      </p:grpSpPr>
+      <p:sp>
+        <p:nvSpPr>
+          <p:cNvPr id="4" name="Snip Diagonal Corner Rectangle 5">
+            <a:extLst>
+              <a:ext uri="{FF2B5EF4-FFF2-40B4-BE49-F238E27FC236}">
+                <a16:creationId xmlns:a16="http://schemas.microsoft.com/office/drawing/2014/main" id="{36A81829-25BA-4164-B5C3-042C6FF5E7D8}"/>
+              </a:ext>
+            </a:extLst>
+          </p:cNvPr>
+          <p:cNvSpPr/>
+          <p:nvPr/>
+        </p:nvSpPr>
+        <p:spPr>
+          <a:xfrm>
+            <a:off x="178849" y="88134"/>
+            <a:ext cx="7908861" cy="484853"/>
+          </a:xfrm>
+          <a:prstGeom prst="snip2DiagRect">
+            <a:avLst/>
+          </a:prstGeom>
+          <a:solidFill>
+            <a:srgbClr val="F45B8E"/>
+          </a:solidFill>
+          <a:ln w="25400" cap="flat">
+            <a:solidFill>
+              <a:srgbClr val="4ABDDD"/>
+            </a:solidFill>
+            <a:prstDash val="solid"/>
+            <a:round/>
+          </a:ln>
+          <a:effectLst/>
+          <a:scene3d>
+            <a:camera prst="orthographicFront">
+              <a:rot lat="0" lon="0" rev="0"/>
+            </a:camera>
+            <a:lightRig rig="contrasting" dir="t">
+              <a:rot lat="0" lon="0" rev="7800000"/>
+            </a:lightRig>
+          </a:scene3d>
+          <a:sp3d>
+            <a:bevelT w="139700" h="139700"/>
+          </a:sp3d>
+        </p:spPr>
+        <p:style>
+          <a:lnRef idx="0">
+            <a:scrgbClr r="0" g="0" b="0"/>
+          </a:lnRef>
+          <a:fillRef idx="0">
+            <a:scrgbClr r="0" g="0" b="0"/>
+          </a:fillRef>
+          <a:effectRef idx="0">
+            <a:scrgbClr r="0" g="0" b="0"/>
+          </a:effectRef>
+          <a:fontRef idx="none"/>
+        </p:style>
+        <p:txBody>
+          <a:bodyPr rot="0" spcFirstLastPara="1" vertOverflow="overflow" horzOverflow="overflow" vert="horz" wrap="square" lIns="45719" tIns="45719" rIns="45719" bIns="45719" numCol="1" spcCol="38100" rtlCol="0" anchor="ctr">
+            <a:noAutofit/>
+          </a:bodyPr>
+          <a:lstStyle/>
+          <a:p>
+            <a:pPr marL="0" marR="0" lvl="0" indent="0" algn="l" defTabSz="609585" rtl="0" eaLnBrk="1" fontAlgn="auto" latinLnBrk="0" hangingPunct="1">
+              <a:lnSpc>
+                <a:spcPct val="100000"/>
+              </a:lnSpc>
+              <a:spcBef>
+                <a:spcPts val="0"/>
+              </a:spcBef>
+              <a:spcAft>
+                <a:spcPts val="0"/>
+              </a:spcAft>
+              <a:buClrTx/>
+              <a:buSzTx/>
+              <a:buFontTx/>
+              <a:buNone/>
+              <a:tabLst/>
+              <a:defRPr/>
+            </a:pPr>
+            <a:r>
+              <a:rPr kumimoji="0" lang="en-US" sz="2800" b="1" i="0" u="none" strike="noStrike" kern="1200" cap="none" spc="0" normalizeH="0" baseline="0" dirty="0">
+                <a:ln>
+                  <a:noFill/>
+                </a:ln>
+                <a:solidFill>
+                  <a:schemeClr val="bg1"/>
+                </a:solidFill>
+                <a:effectLst/>
+                <a:uLnTx/>
+                <a:uFillTx/>
+                <a:latin typeface="Calibri"/>
+              </a:rPr>
+              <a:t>B-Team</a:t>
+            </a:r>
+            <a:endParaRPr kumimoji="0" lang="en-US" sz="2800" b="1" i="0" u="none" strike="noStrike" kern="1200" cap="none" spc="0" normalizeH="0" baseline="0" noProof="0" dirty="0">
+              <a:ln>
+                <a:noFill/>
+              </a:ln>
+              <a:solidFill>
+                <a:schemeClr val="bg1"/>
+              </a:solidFill>
+              <a:effectLst/>
+              <a:uLnTx/>
+              <a:uFillTx/>
+              <a:latin typeface="Calibri"/>
+            </a:endParaRPr>
+          </a:p>
+        </p:txBody>
+      </p:sp>
+    </p:spTree>
+    <p:extLst>
+      <p:ext uri="{BB962C8B-B14F-4D97-AF65-F5344CB8AC3E}">
+        <p14:creationId xmlns:p14="http://schemas.microsoft.com/office/powerpoint/2010/main" val="1869814130"/>
+      </p:ext>
+    </p:extLst>
+  </p:cSld>
+  <p:clrMapOvr>
+    <a:masterClrMapping/>
+  </p:clrMapOvr>
+</p:sld>
+</file>
+
+<file path=ppt/slides/slide3.xml><?xml version="1.0" encoding="utf-8"?>
 <p:sld xmlns:a="http://schemas.openxmlformats.org/drawingml/2006/main" xmlns:r="http://schemas.openxmlformats.org/officeDocument/2006/relationships" xmlns:p="http://schemas.openxmlformats.org/presentationml/2006/main">
   <p:cSld>
     <p:spTree>
@@ -10100,286 +11611,6 @@
               <a:t>	          Problems</a:t>
             </a:r>
           </a:p>
-          <a:p>
-            <a:pPr marL="285750" marR="0" lvl="0" indent="-285750" algn="l" defTabSz="914400" rtl="0" eaLnBrk="1" fontAlgn="auto" latinLnBrk="0" hangingPunct="1">
-              <a:lnSpc>
-                <a:spcPct val="100000"/>
-              </a:lnSpc>
-              <a:spcBef>
-                <a:spcPts val="0"/>
-              </a:spcBef>
-              <a:spcAft>
-                <a:spcPts val="0"/>
-              </a:spcAft>
-              <a:buClrTx/>
-              <a:buSzTx/>
-              <a:buFont typeface="Arial" panose="020B0604020202020204" pitchFamily="34" charset="0"/>
-              <a:buChar char="•"/>
-              <a:tabLst/>
-              <a:defRPr/>
-            </a:pPr>
-            <a:r>
-              <a:rPr kumimoji="0" lang="en-US" sz="1900" b="0" i="0" u="none" strike="noStrike" kern="1200" cap="none" spc="0" normalizeH="0" baseline="0" noProof="0" dirty="0">
-                <a:ln>
-                  <a:noFill/>
-                </a:ln>
-                <a:solidFill>
-                  <a:schemeClr val="bg1"/>
-                </a:solidFill>
-                <a:effectLst/>
-                <a:uLnTx/>
-                <a:uFillTx/>
-                <a:latin typeface="Calibri"/>
-                <a:cs typeface="Calibri"/>
-              </a:rPr>
-              <a:t>Spending a day for admission</a:t>
-            </a:r>
-          </a:p>
-          <a:p>
-            <a:pPr marL="285750" marR="0" lvl="0" indent="-285750" algn="l" defTabSz="914400" rtl="0" eaLnBrk="1" fontAlgn="auto" latinLnBrk="0" hangingPunct="1">
-              <a:lnSpc>
-                <a:spcPct val="100000"/>
-              </a:lnSpc>
-              <a:spcBef>
-                <a:spcPts val="0"/>
-              </a:spcBef>
-              <a:spcAft>
-                <a:spcPts val="0"/>
-              </a:spcAft>
-              <a:buClrTx/>
-              <a:buSzTx/>
-              <a:buFont typeface="Arial" panose="020B0604020202020204" pitchFamily="34" charset="0"/>
-              <a:buChar char="•"/>
-              <a:tabLst/>
-              <a:defRPr/>
-            </a:pPr>
-            <a:r>
-              <a:rPr kumimoji="0" lang="en-US" sz="1900" b="0" i="0" u="none" strike="noStrike" kern="1200" cap="none" spc="0" normalizeH="0" baseline="0" noProof="0" dirty="0">
-                <a:ln>
-                  <a:noFill/>
-                </a:ln>
-                <a:solidFill>
-                  <a:schemeClr val="bg1"/>
-                </a:solidFill>
-                <a:effectLst/>
-                <a:uLnTx/>
-                <a:uFillTx/>
-                <a:latin typeface="Calibri"/>
-                <a:cs typeface="Calibri"/>
-              </a:rPr>
-              <a:t>Manual processing for admission</a:t>
-            </a:r>
-          </a:p>
-          <a:p>
-            <a:pPr marL="285750" marR="0" lvl="0" indent="-285750" algn="l" defTabSz="914400" rtl="0" eaLnBrk="1" fontAlgn="auto" latinLnBrk="0" hangingPunct="1">
-              <a:lnSpc>
-                <a:spcPct val="100000"/>
-              </a:lnSpc>
-              <a:spcBef>
-                <a:spcPts val="0"/>
-              </a:spcBef>
-              <a:spcAft>
-                <a:spcPts val="0"/>
-              </a:spcAft>
-              <a:buClrTx/>
-              <a:buSzTx/>
-              <a:buFont typeface="Arial" panose="020B0604020202020204" pitchFamily="34" charset="0"/>
-              <a:buChar char="•"/>
-              <a:tabLst/>
-              <a:defRPr/>
-            </a:pPr>
-            <a:r>
-              <a:rPr kumimoji="0" lang="en-US" sz="1900" b="0" i="0" u="none" strike="noStrike" kern="1200" cap="none" spc="0" normalizeH="0" baseline="0" noProof="0" dirty="0">
-                <a:ln>
-                  <a:noFill/>
-                </a:ln>
-                <a:solidFill>
-                  <a:schemeClr val="bg1"/>
-                </a:solidFill>
-                <a:effectLst/>
-                <a:uLnTx/>
-                <a:uFillTx/>
-                <a:latin typeface="Calibri"/>
-                <a:cs typeface="Calibri"/>
-              </a:rPr>
-              <a:t>Long waiting time for bus</a:t>
-            </a:r>
-          </a:p>
-          <a:p>
-            <a:pPr marL="285750" marR="0" lvl="0" indent="-285750" algn="l" defTabSz="914400" rtl="0" eaLnBrk="1" fontAlgn="auto" latinLnBrk="0" hangingPunct="1">
-              <a:lnSpc>
-                <a:spcPct val="100000"/>
-              </a:lnSpc>
-              <a:spcBef>
-                <a:spcPts val="0"/>
-              </a:spcBef>
-              <a:spcAft>
-                <a:spcPts val="0"/>
-              </a:spcAft>
-              <a:buClrTx/>
-              <a:buSzTx/>
-              <a:buFont typeface="Arial" panose="020B0604020202020204" pitchFamily="34" charset="0"/>
-              <a:buChar char="•"/>
-              <a:tabLst/>
-              <a:defRPr/>
-            </a:pPr>
-            <a:r>
-              <a:rPr kumimoji="0" lang="en-US" sz="1900" b="0" i="0" u="none" strike="noStrike" kern="1200" cap="none" spc="0" normalizeH="0" baseline="0" noProof="0" dirty="0">
-                <a:ln>
-                  <a:noFill/>
-                </a:ln>
-                <a:solidFill>
-                  <a:schemeClr val="bg1"/>
-                </a:solidFill>
-                <a:effectLst/>
-                <a:uLnTx/>
-                <a:uFillTx/>
-                <a:latin typeface="Calibri"/>
-                <a:cs typeface="Calibri"/>
-              </a:rPr>
-              <a:t>Not aware of daily activities, Kids location at school</a:t>
-            </a:r>
-          </a:p>
-          <a:p>
-            <a:pPr marL="285750" marR="0" lvl="0" indent="-285750" algn="l" defTabSz="914400" rtl="0" eaLnBrk="1" fontAlgn="auto" latinLnBrk="0" hangingPunct="1">
-              <a:lnSpc>
-                <a:spcPct val="100000"/>
-              </a:lnSpc>
-              <a:spcBef>
-                <a:spcPts val="0"/>
-              </a:spcBef>
-              <a:spcAft>
-                <a:spcPts val="0"/>
-              </a:spcAft>
-              <a:buClrTx/>
-              <a:buSzTx/>
-              <a:buFont typeface="Arial" panose="020B0604020202020204" pitchFamily="34" charset="0"/>
-              <a:buChar char="•"/>
-              <a:tabLst/>
-              <a:defRPr/>
-            </a:pPr>
-            <a:r>
-              <a:rPr kumimoji="0" lang="en-US" sz="1900" b="0" i="0" u="none" strike="noStrike" kern="1200" cap="none" spc="0" normalizeH="0" baseline="0" noProof="0" dirty="0">
-                <a:ln>
-                  <a:noFill/>
-                </a:ln>
-                <a:solidFill>
-                  <a:schemeClr val="bg1"/>
-                </a:solidFill>
-                <a:effectLst/>
-                <a:uLnTx/>
-                <a:uFillTx/>
-                <a:latin typeface="Calibri"/>
-                <a:cs typeface="Calibri"/>
-              </a:rPr>
-              <a:t>Manual announcements in school</a:t>
-            </a:r>
-          </a:p>
-          <a:p>
-            <a:pPr marL="285750" marR="0" lvl="0" indent="-285750" algn="l" defTabSz="914400" rtl="0" eaLnBrk="1" fontAlgn="auto" latinLnBrk="0" hangingPunct="1">
-              <a:lnSpc>
-                <a:spcPct val="100000"/>
-              </a:lnSpc>
-              <a:spcBef>
-                <a:spcPts val="0"/>
-              </a:spcBef>
-              <a:spcAft>
-                <a:spcPts val="0"/>
-              </a:spcAft>
-              <a:buClrTx/>
-              <a:buSzTx/>
-              <a:buFont typeface="Arial" panose="020B0604020202020204" pitchFamily="34" charset="0"/>
-              <a:buChar char="•"/>
-              <a:tabLst/>
-              <a:defRPr/>
-            </a:pPr>
-            <a:r>
-              <a:rPr kumimoji="0" lang="en-US" sz="1900" b="0" i="0" u="none" strike="noStrike" kern="1200" cap="none" spc="0" normalizeH="0" baseline="0" noProof="0" dirty="0">
-                <a:ln>
-                  <a:noFill/>
-                </a:ln>
-                <a:solidFill>
-                  <a:schemeClr val="bg1"/>
-                </a:solidFill>
-                <a:effectLst/>
-                <a:uLnTx/>
-                <a:uFillTx/>
-                <a:latin typeface="Calibri"/>
-                <a:cs typeface="Calibri"/>
-              </a:rPr>
-              <a:t>Missed out school events</a:t>
-            </a:r>
-          </a:p>
-          <a:p>
-            <a:pPr marL="285750" marR="0" lvl="0" indent="-285750" algn="l" defTabSz="914400" rtl="0" eaLnBrk="1" fontAlgn="auto" latinLnBrk="0" hangingPunct="1">
-              <a:lnSpc>
-                <a:spcPct val="100000"/>
-              </a:lnSpc>
-              <a:spcBef>
-                <a:spcPts val="0"/>
-              </a:spcBef>
-              <a:spcAft>
-                <a:spcPts val="0"/>
-              </a:spcAft>
-              <a:buClrTx/>
-              <a:buSzTx/>
-              <a:buFont typeface="Arial" panose="020B0604020202020204" pitchFamily="34" charset="0"/>
-              <a:buChar char="•"/>
-              <a:tabLst/>
-              <a:defRPr/>
-            </a:pPr>
-            <a:r>
-              <a:rPr kumimoji="0" lang="en-US" sz="1900" b="0" i="0" u="none" strike="noStrike" kern="1200" cap="none" spc="0" normalizeH="0" baseline="0" noProof="0" dirty="0">
-                <a:ln>
-                  <a:noFill/>
-                </a:ln>
-                <a:solidFill>
-                  <a:schemeClr val="bg1"/>
-                </a:solidFill>
-                <a:effectLst/>
-                <a:uLnTx/>
-                <a:uFillTx/>
-                <a:latin typeface="Calibri"/>
-                <a:cs typeface="Calibri"/>
-              </a:rPr>
-              <a:t>Late notification on emergency</a:t>
-            </a:r>
-          </a:p>
-          <a:p>
-            <a:pPr marL="285750" marR="0" lvl="0" indent="-285750" algn="l" defTabSz="914400" rtl="0" eaLnBrk="1" fontAlgn="auto" latinLnBrk="0" hangingPunct="1">
-              <a:lnSpc>
-                <a:spcPct val="100000"/>
-              </a:lnSpc>
-              <a:spcBef>
-                <a:spcPts val="0"/>
-              </a:spcBef>
-              <a:spcAft>
-                <a:spcPts val="0"/>
-              </a:spcAft>
-              <a:buClrTx/>
-              <a:buSzTx/>
-              <a:buFont typeface="Arial" panose="020B0604020202020204" pitchFamily="34" charset="0"/>
-              <a:buChar char="•"/>
-              <a:tabLst/>
-              <a:defRPr/>
-            </a:pPr>
-            <a:r>
-              <a:rPr kumimoji="0" lang="en-US" sz="1900" b="0" i="0" u="none" strike="noStrike" kern="1200" cap="none" spc="0" normalizeH="0" baseline="0" noProof="0" dirty="0">
-                <a:ln>
-                  <a:noFill/>
-                </a:ln>
-                <a:solidFill>
-                  <a:schemeClr val="bg1"/>
-                </a:solidFill>
-                <a:effectLst/>
-                <a:uLnTx/>
-                <a:uFillTx/>
-                <a:latin typeface="Calibri"/>
-                <a:cs typeface="Calibri"/>
-              </a:rPr>
-              <a:t>No Direct communication between staff and parents</a:t>
-            </a:r>
-          </a:p>
         </p:txBody>
       </p:sp>
       <p:sp>
@@ -10481,286 +11712,6 @@
               <a:latin typeface="Calibri"/>
               <a:cs typeface="Calibri"/>
             </a:endParaRPr>
-          </a:p>
-          <a:p>
-            <a:pPr marL="285750" marR="0" lvl="0" indent="-285750" algn="l" defTabSz="914400" rtl="0" eaLnBrk="1" fontAlgn="auto" latinLnBrk="0" hangingPunct="1">
-              <a:lnSpc>
-                <a:spcPct val="100000"/>
-              </a:lnSpc>
-              <a:spcBef>
-                <a:spcPts val="0"/>
-              </a:spcBef>
-              <a:spcAft>
-                <a:spcPts val="0"/>
-              </a:spcAft>
-              <a:buClrTx/>
-              <a:buSzTx/>
-              <a:buFont typeface="Arial" panose="020B0604020202020204" pitchFamily="34" charset="0"/>
-              <a:buChar char="•"/>
-              <a:tabLst/>
-              <a:defRPr/>
-            </a:pPr>
-            <a:r>
-              <a:rPr kumimoji="0" lang="en-US" sz="1900" b="0" i="0" u="none" strike="noStrike" kern="1200" cap="none" spc="0" normalizeH="0" baseline="0" noProof="0" dirty="0">
-                <a:ln>
-                  <a:noFill/>
-                </a:ln>
-                <a:solidFill>
-                  <a:schemeClr val="bg1"/>
-                </a:solidFill>
-                <a:effectLst/>
-                <a:uLnTx/>
-                <a:uFillTx/>
-                <a:latin typeface="Calibri"/>
-                <a:cs typeface="Calibri"/>
-              </a:rPr>
-              <a:t>Online students' admission</a:t>
-            </a:r>
-          </a:p>
-          <a:p>
-            <a:pPr marL="285750" marR="0" lvl="0" indent="-285750" algn="l" defTabSz="914400" rtl="0" eaLnBrk="1" fontAlgn="auto" latinLnBrk="0" hangingPunct="1">
-              <a:lnSpc>
-                <a:spcPct val="100000"/>
-              </a:lnSpc>
-              <a:spcBef>
-                <a:spcPts val="0"/>
-              </a:spcBef>
-              <a:spcAft>
-                <a:spcPts val="0"/>
-              </a:spcAft>
-              <a:buClrTx/>
-              <a:buSzTx/>
-              <a:buFont typeface="Arial" panose="020B0604020202020204" pitchFamily="34" charset="0"/>
-              <a:buChar char="•"/>
-              <a:tabLst/>
-              <a:defRPr/>
-            </a:pPr>
-            <a:r>
-              <a:rPr kumimoji="0" lang="en-US" sz="1900" b="0" i="0" u="none" strike="noStrike" kern="1200" cap="none" spc="0" normalizeH="0" baseline="0" noProof="0" dirty="0">
-                <a:ln>
-                  <a:noFill/>
-                </a:ln>
-                <a:solidFill>
-                  <a:schemeClr val="bg1"/>
-                </a:solidFill>
-                <a:effectLst/>
-                <a:uLnTx/>
-                <a:uFillTx/>
-                <a:latin typeface="Calibri"/>
-                <a:cs typeface="Calibri"/>
-              </a:rPr>
-              <a:t>Online approval of student admission</a:t>
-            </a:r>
-          </a:p>
-          <a:p>
-            <a:pPr marL="285750" marR="0" lvl="0" indent="-285750" algn="l" defTabSz="914400" rtl="0" eaLnBrk="1" fontAlgn="auto" latinLnBrk="0" hangingPunct="1">
-              <a:lnSpc>
-                <a:spcPct val="100000"/>
-              </a:lnSpc>
-              <a:spcBef>
-                <a:spcPts val="0"/>
-              </a:spcBef>
-              <a:spcAft>
-                <a:spcPts val="0"/>
-              </a:spcAft>
-              <a:buClrTx/>
-              <a:buSzTx/>
-              <a:buFont typeface="Arial" panose="020B0604020202020204" pitchFamily="34" charset="0"/>
-              <a:buChar char="•"/>
-              <a:tabLst/>
-              <a:defRPr/>
-            </a:pPr>
-            <a:r>
-              <a:rPr kumimoji="0" lang="en-US" sz="1900" b="0" i="0" u="none" strike="noStrike" kern="1200" cap="none" spc="0" normalizeH="0" baseline="0" noProof="0" dirty="0">
-                <a:ln>
-                  <a:noFill/>
-                </a:ln>
-                <a:solidFill>
-                  <a:schemeClr val="bg1"/>
-                </a:solidFill>
-                <a:effectLst/>
-                <a:uLnTx/>
-                <a:uFillTx/>
-                <a:latin typeface="Calibri"/>
-                <a:cs typeface="Calibri"/>
-              </a:rPr>
-              <a:t>Track bus online</a:t>
-            </a:r>
-          </a:p>
-          <a:p>
-            <a:pPr marL="285750" marR="0" lvl="0" indent="-285750" algn="l" defTabSz="914400" rtl="0" eaLnBrk="1" fontAlgn="auto" latinLnBrk="0" hangingPunct="1">
-              <a:lnSpc>
-                <a:spcPct val="100000"/>
-              </a:lnSpc>
-              <a:spcBef>
-                <a:spcPts val="0"/>
-              </a:spcBef>
-              <a:spcAft>
-                <a:spcPts val="0"/>
-              </a:spcAft>
-              <a:buClrTx/>
-              <a:buSzTx/>
-              <a:buFont typeface="Arial" panose="020B0604020202020204" pitchFamily="34" charset="0"/>
-              <a:buChar char="•"/>
-              <a:tabLst/>
-              <a:defRPr/>
-            </a:pPr>
-            <a:r>
-              <a:rPr kumimoji="0" lang="en-US" sz="1900" b="0" i="0" u="none" strike="noStrike" kern="1200" cap="none" spc="0" normalizeH="0" baseline="0" noProof="0" dirty="0">
-                <a:ln>
-                  <a:noFill/>
-                </a:ln>
-                <a:solidFill>
-                  <a:schemeClr val="bg1"/>
-                </a:solidFill>
-                <a:effectLst/>
-                <a:uLnTx/>
-                <a:uFillTx/>
-                <a:latin typeface="Calibri"/>
-                <a:cs typeface="Calibri"/>
-              </a:rPr>
-              <a:t>Live tracking &amp; Timeline for students' activities</a:t>
-            </a:r>
-          </a:p>
-          <a:p>
-            <a:pPr marL="285750" marR="0" lvl="0" indent="-285750" algn="l" defTabSz="914400" rtl="0" eaLnBrk="1" fontAlgn="auto" latinLnBrk="0" hangingPunct="1">
-              <a:lnSpc>
-                <a:spcPct val="100000"/>
-              </a:lnSpc>
-              <a:spcBef>
-                <a:spcPts val="0"/>
-              </a:spcBef>
-              <a:spcAft>
-                <a:spcPts val="0"/>
-              </a:spcAft>
-              <a:buClrTx/>
-              <a:buSzTx/>
-              <a:buFont typeface="Arial" panose="020B0604020202020204" pitchFamily="34" charset="0"/>
-              <a:buChar char="•"/>
-              <a:tabLst/>
-              <a:defRPr/>
-            </a:pPr>
-            <a:r>
-              <a:rPr kumimoji="0" lang="en-US" sz="1900" b="0" i="0" u="none" strike="noStrike" kern="1200" cap="none" spc="0" normalizeH="0" baseline="0" noProof="0" dirty="0">
-                <a:ln>
-                  <a:noFill/>
-                </a:ln>
-                <a:solidFill>
-                  <a:schemeClr val="bg1"/>
-                </a:solidFill>
-                <a:effectLst/>
-                <a:uLnTx/>
-                <a:uFillTx/>
-                <a:latin typeface="Calibri"/>
-                <a:cs typeface="Calibri"/>
-              </a:rPr>
-              <a:t>Digital announcements</a:t>
-            </a:r>
-          </a:p>
-          <a:p>
-            <a:pPr marL="285750" marR="0" lvl="0" indent="-285750" algn="l" defTabSz="914400" rtl="0" eaLnBrk="1" fontAlgn="auto" latinLnBrk="0" hangingPunct="1">
-              <a:lnSpc>
-                <a:spcPct val="100000"/>
-              </a:lnSpc>
-              <a:spcBef>
-                <a:spcPts val="0"/>
-              </a:spcBef>
-              <a:spcAft>
-                <a:spcPts val="0"/>
-              </a:spcAft>
-              <a:buClrTx/>
-              <a:buSzTx/>
-              <a:buFont typeface="Arial" panose="020B0604020202020204" pitchFamily="34" charset="0"/>
-              <a:buChar char="•"/>
-              <a:tabLst/>
-              <a:defRPr/>
-            </a:pPr>
-            <a:r>
-              <a:rPr kumimoji="0" lang="en-US" sz="1900" b="0" i="0" u="none" strike="noStrike" kern="1200" cap="none" spc="0" normalizeH="0" baseline="0" noProof="0" dirty="0">
-                <a:ln>
-                  <a:noFill/>
-                </a:ln>
-                <a:solidFill>
-                  <a:schemeClr val="bg1"/>
-                </a:solidFill>
-                <a:effectLst/>
-                <a:uLnTx/>
-                <a:uFillTx/>
-                <a:latin typeface="Calibri"/>
-                <a:cs typeface="Calibri"/>
-              </a:rPr>
-              <a:t>Google/Outlook calendar sync with school events</a:t>
-            </a:r>
-          </a:p>
-          <a:p>
-            <a:pPr marL="285750" marR="0" lvl="0" indent="-285750" algn="l" defTabSz="914400" rtl="0" eaLnBrk="1" fontAlgn="auto" latinLnBrk="0" hangingPunct="1">
-              <a:lnSpc>
-                <a:spcPct val="100000"/>
-              </a:lnSpc>
-              <a:spcBef>
-                <a:spcPts val="0"/>
-              </a:spcBef>
-              <a:spcAft>
-                <a:spcPts val="0"/>
-              </a:spcAft>
-              <a:buClrTx/>
-              <a:buSzTx/>
-              <a:buFont typeface="Arial" panose="020B0604020202020204" pitchFamily="34" charset="0"/>
-              <a:buChar char="•"/>
-              <a:tabLst/>
-              <a:defRPr/>
-            </a:pPr>
-            <a:r>
-              <a:rPr kumimoji="0" lang="en-US" sz="1900" b="0" i="0" u="none" strike="noStrike" kern="1200" cap="none" spc="0" normalizeH="0" baseline="0" noProof="0" dirty="0">
-                <a:ln>
-                  <a:noFill/>
-                </a:ln>
-                <a:solidFill>
-                  <a:schemeClr val="bg1"/>
-                </a:solidFill>
-                <a:effectLst/>
-                <a:uLnTx/>
-                <a:uFillTx/>
-                <a:latin typeface="Calibri"/>
-                <a:cs typeface="Calibri"/>
-              </a:rPr>
-              <a:t>SOS </a:t>
-            </a:r>
-          </a:p>
-          <a:p>
-            <a:pPr marL="285750" marR="0" lvl="0" indent="-285750" algn="l" defTabSz="914400" rtl="0" eaLnBrk="1" fontAlgn="auto" latinLnBrk="0" hangingPunct="1">
-              <a:lnSpc>
-                <a:spcPct val="100000"/>
-              </a:lnSpc>
-              <a:spcBef>
-                <a:spcPts val="0"/>
-              </a:spcBef>
-              <a:spcAft>
-                <a:spcPts val="0"/>
-              </a:spcAft>
-              <a:buClrTx/>
-              <a:buSzTx/>
-              <a:buFont typeface="Arial" panose="020B0604020202020204" pitchFamily="34" charset="0"/>
-              <a:buChar char="•"/>
-              <a:tabLst/>
-              <a:defRPr/>
-            </a:pPr>
-            <a:r>
-              <a:rPr kumimoji="0" lang="en-US" sz="1900" b="0" i="0" u="none" strike="noStrike" kern="1200" cap="none" spc="0" normalizeH="0" baseline="0" noProof="0" dirty="0">
-                <a:ln>
-                  <a:noFill/>
-                </a:ln>
-                <a:solidFill>
-                  <a:schemeClr val="bg1"/>
-                </a:solidFill>
-                <a:effectLst/>
-                <a:uLnTx/>
-                <a:uFillTx/>
-                <a:latin typeface="Calibri"/>
-                <a:cs typeface="Calibri"/>
-              </a:rPr>
-              <a:t>Digital communication between staff and parents using chatbot</a:t>
-            </a:r>
           </a:p>
         </p:txBody>
       </p:sp>
@@ -10849,7 +11800,7 @@
 </p:sld>
 </file>
 
-<file path=ppt/slides/slide3.xml><?xml version="1.0" encoding="utf-8"?>
+<file path=ppt/slides/slide4.xml><?xml version="1.0" encoding="utf-8"?>
 <p:sld xmlns:a="http://schemas.openxmlformats.org/drawingml/2006/main" xmlns:r="http://schemas.openxmlformats.org/officeDocument/2006/relationships" xmlns:p="http://schemas.openxmlformats.org/presentationml/2006/main">
   <p:cSld>
     <p:spTree>
@@ -12881,1670 +13832,6 @@
 </p:sld>
 </file>
 
-<file path=ppt/slides/slide4.xml><?xml version="1.0" encoding="utf-8"?>
-<p:sld xmlns:a="http://schemas.openxmlformats.org/drawingml/2006/main" xmlns:r="http://schemas.openxmlformats.org/officeDocument/2006/relationships" xmlns:p="http://schemas.openxmlformats.org/presentationml/2006/main">
-  <p:cSld>
-    <p:spTree>
-      <p:nvGrpSpPr>
-        <p:cNvPr id="1" name=""/>
-        <p:cNvGrpSpPr/>
-        <p:nvPr/>
-      </p:nvGrpSpPr>
-      <p:grpSpPr>
-        <a:xfrm>
-          <a:off x="0" y="0"/>
-          <a:ext cx="0" cy="0"/>
-          <a:chOff x="0" y="0"/>
-          <a:chExt cx="0" cy="0"/>
-        </a:xfrm>
-      </p:grpSpPr>
-      <p:sp>
-        <p:nvSpPr>
-          <p:cNvPr id="5" name="Snip Diagonal Corner Rectangle 5">
-            <a:extLst>
-              <a:ext uri="{FF2B5EF4-FFF2-40B4-BE49-F238E27FC236}">
-                <a16:creationId xmlns:a16="http://schemas.microsoft.com/office/drawing/2014/main" id="{14A0C065-9343-4759-B04E-217137B304E2}"/>
-              </a:ext>
-            </a:extLst>
-          </p:cNvPr>
-          <p:cNvSpPr/>
-          <p:nvPr/>
-        </p:nvSpPr>
-        <p:spPr>
-          <a:xfrm>
-            <a:off x="178849" y="88134"/>
-            <a:ext cx="7908861" cy="484853"/>
-          </a:xfrm>
-          <a:prstGeom prst="snip2DiagRect">
-            <a:avLst/>
-          </a:prstGeom>
-          <a:solidFill>
-            <a:srgbClr val="F45B8E"/>
-          </a:solidFill>
-          <a:ln w="25400" cap="flat">
-            <a:solidFill>
-              <a:srgbClr val="4ABDDD"/>
-            </a:solidFill>
-            <a:prstDash val="solid"/>
-            <a:round/>
-          </a:ln>
-          <a:effectLst/>
-          <a:scene3d>
-            <a:camera prst="orthographicFront">
-              <a:rot lat="0" lon="0" rev="0"/>
-            </a:camera>
-            <a:lightRig rig="contrasting" dir="t">
-              <a:rot lat="0" lon="0" rev="7800000"/>
-            </a:lightRig>
-          </a:scene3d>
-          <a:sp3d>
-            <a:bevelT w="139700" h="139700"/>
-          </a:sp3d>
-        </p:spPr>
-        <p:style>
-          <a:lnRef idx="0">
-            <a:scrgbClr r="0" g="0" b="0"/>
-          </a:lnRef>
-          <a:fillRef idx="0">
-            <a:scrgbClr r="0" g="0" b="0"/>
-          </a:fillRef>
-          <a:effectRef idx="0">
-            <a:scrgbClr r="0" g="0" b="0"/>
-          </a:effectRef>
-          <a:fontRef idx="none"/>
-        </p:style>
-        <p:txBody>
-          <a:bodyPr rot="0" spcFirstLastPara="1" vertOverflow="overflow" horzOverflow="overflow" vert="horz" wrap="square" lIns="45719" tIns="45719" rIns="45719" bIns="45719" numCol="1" spcCol="38100" rtlCol="0" anchor="ctr">
-            <a:noAutofit/>
-          </a:bodyPr>
-          <a:lstStyle/>
-          <a:p>
-            <a:pPr lvl="0" defTabSz="609585">
-              <a:defRPr/>
-            </a:pPr>
-            <a:r>
-              <a:rPr lang="en-US" sz="2800" b="1" dirty="0">
-                <a:solidFill>
-                  <a:schemeClr val="bg1"/>
-                </a:solidFill>
-              </a:rPr>
-              <a:t>Doctor/Psychiatrist </a:t>
-            </a:r>
-            <a:r>
-              <a:rPr kumimoji="0" lang="en-US" sz="2800" b="1" i="0" u="none" strike="noStrike" kern="1200" cap="none" spc="0" normalizeH="0" baseline="0" dirty="0">
-                <a:ln>
-                  <a:noFill/>
-                </a:ln>
-                <a:solidFill>
-                  <a:schemeClr val="bg1"/>
-                </a:solidFill>
-                <a:effectLst/>
-                <a:uLnTx/>
-                <a:uFillTx/>
-                <a:latin typeface="Calibri"/>
-              </a:rPr>
-              <a:t>Functional</a:t>
-            </a:r>
-            <a:r>
-              <a:rPr lang="en-US" sz="2800" b="1" dirty="0">
-                <a:solidFill>
-                  <a:schemeClr val="bg1"/>
-                </a:solidFill>
-                <a:latin typeface="Calibri"/>
-              </a:rPr>
-              <a:t>ities</a:t>
-            </a:r>
-            <a:endParaRPr kumimoji="0" lang="en-US" sz="2800" b="1" i="0" u="none" strike="noStrike" kern="1200" cap="none" spc="0" normalizeH="0" baseline="0" noProof="0" dirty="0">
-              <a:ln>
-                <a:noFill/>
-              </a:ln>
-              <a:solidFill>
-                <a:schemeClr val="bg1"/>
-              </a:solidFill>
-              <a:effectLst/>
-              <a:uLnTx/>
-              <a:uFillTx/>
-              <a:latin typeface="Calibri"/>
-            </a:endParaRPr>
-          </a:p>
-        </p:txBody>
-      </p:sp>
-      <p:pic>
-        <p:nvPicPr>
-          <p:cNvPr id="3" name="Picture 2" descr="Text&#10;&#10;Description automatically generated">
-            <a:extLst>
-              <a:ext uri="{FF2B5EF4-FFF2-40B4-BE49-F238E27FC236}">
-                <a16:creationId xmlns:a16="http://schemas.microsoft.com/office/drawing/2014/main" id="{F3C17356-EEE1-4CAA-BDC8-4B27F38D41E1}"/>
-              </a:ext>
-            </a:extLst>
-          </p:cNvPr>
-          <p:cNvPicPr>
-            <a:picLocks noChangeAspect="1"/>
-          </p:cNvPicPr>
-          <p:nvPr/>
-        </p:nvPicPr>
-        <p:blipFill>
-          <a:blip r:embed="rId2">
-            <a:extLst>
-              <a:ext uri="{28A0092B-C50C-407E-A947-70E740481C1C}">
-                <a14:useLocalDpi xmlns:a14="http://schemas.microsoft.com/office/drawing/2010/main" val="0"/>
-              </a:ext>
-            </a:extLst>
-          </a:blip>
-          <a:stretch>
-            <a:fillRect/>
-          </a:stretch>
-        </p:blipFill>
-        <p:spPr>
-          <a:xfrm>
-            <a:off x="3669430" y="6536479"/>
-            <a:ext cx="2783488" cy="668037"/>
-          </a:xfrm>
-          <a:prstGeom prst="rect">
-            <a:avLst/>
-          </a:prstGeom>
-        </p:spPr>
-      </p:pic>
-      <p:pic>
-        <p:nvPicPr>
-          <p:cNvPr id="4" name="Picture 10" descr="Secure File Sharing | Improve Your IT | Baltimore MD IT Support">
-            <a:extLst>
-              <a:ext uri="{FF2B5EF4-FFF2-40B4-BE49-F238E27FC236}">
-                <a16:creationId xmlns:a16="http://schemas.microsoft.com/office/drawing/2014/main" id="{547B445B-A03D-40B6-A2A8-806497F78153}"/>
-              </a:ext>
-            </a:extLst>
-          </p:cNvPr>
-          <p:cNvPicPr>
-            <a:picLocks noChangeAspect="1" noChangeArrowheads="1"/>
-          </p:cNvPicPr>
-          <p:nvPr/>
-        </p:nvPicPr>
-        <p:blipFill rotWithShape="1">
-          <a:blip r:embed="rId3">
-            <a:extLst>
-              <a:ext uri="{28A0092B-C50C-407E-A947-70E740481C1C}">
-                <a14:useLocalDpi xmlns:a14="http://schemas.microsoft.com/office/drawing/2010/main" val="0"/>
-              </a:ext>
-            </a:extLst>
-          </a:blip>
-          <a:srcRect l="6317" t="2882" r="4545" b="10842"/>
-          <a:stretch/>
-        </p:blipFill>
-        <p:spPr bwMode="auto">
-          <a:xfrm>
-            <a:off x="530906" y="926818"/>
-            <a:ext cx="1857375" cy="1438200"/>
-          </a:xfrm>
-          <a:prstGeom prst="rect">
-            <a:avLst/>
-          </a:prstGeom>
-          <a:noFill/>
-          <a:extLst>
-            <a:ext uri="{909E8E84-426E-40DD-AFC4-6F175D3DCCD1}">
-              <a14:hiddenFill xmlns:a14="http://schemas.microsoft.com/office/drawing/2010/main">
-                <a:solidFill>
-                  <a:srgbClr val="FFFFFF"/>
-                </a:solidFill>
-              </a14:hiddenFill>
-            </a:ext>
-          </a:extLst>
-        </p:spPr>
-      </p:pic>
-      <p:sp>
-        <p:nvSpPr>
-          <p:cNvPr id="6" name="Title 2">
-            <a:extLst>
-              <a:ext uri="{FF2B5EF4-FFF2-40B4-BE49-F238E27FC236}">
-                <a16:creationId xmlns:a16="http://schemas.microsoft.com/office/drawing/2014/main" id="{71F168FD-9F63-42B5-B7E9-D91AA5E81E79}"/>
-              </a:ext>
-            </a:extLst>
-          </p:cNvPr>
-          <p:cNvSpPr txBox="1">
-            <a:spLocks/>
-          </p:cNvSpPr>
-          <p:nvPr/>
-        </p:nvSpPr>
-        <p:spPr>
-          <a:xfrm>
-            <a:off x="69616" y="676692"/>
-            <a:ext cx="2779953" cy="427134"/>
-          </a:xfrm>
-          <a:prstGeom prst="rect">
-            <a:avLst/>
-          </a:prstGeom>
-          <a:effectLst/>
-        </p:spPr>
-        <p:txBody>
-          <a:bodyPr vert="horz" lIns="91440" tIns="45720" rIns="91440" bIns="45720" rtlCol="0" anchor="ctr">
-            <a:normAutofit/>
-          </a:bodyPr>
-          <a:lstStyle>
-            <a:lvl1pPr algn="ctr" defTabSz="487695" rtl="0" eaLnBrk="1" latinLnBrk="0" hangingPunct="1">
-              <a:spcBef>
-                <a:spcPct val="0"/>
-              </a:spcBef>
-              <a:buNone/>
-              <a:defRPr sz="4267" kern="1200" cap="none">
-                <a:ln w="3175" cmpd="sng">
-                  <a:noFill/>
-                </a:ln>
-                <a:solidFill>
-                  <a:schemeClr val="accent6">
-                    <a:lumMod val="50000"/>
-                  </a:schemeClr>
-                </a:solidFill>
-                <a:effectLst/>
-                <a:latin typeface="+mj-lt"/>
-                <a:ea typeface="+mj-ea"/>
-                <a:cs typeface="+mj-cs"/>
-              </a:defRPr>
-            </a:lvl1pPr>
-            <a:lvl2pPr eaLnBrk="1" hangingPunct="1">
-              <a:defRPr>
-                <a:solidFill>
-                  <a:schemeClr val="tx2"/>
-                </a:solidFill>
-              </a:defRPr>
-            </a:lvl2pPr>
-            <a:lvl3pPr eaLnBrk="1" hangingPunct="1">
-              <a:defRPr>
-                <a:solidFill>
-                  <a:schemeClr val="tx2"/>
-                </a:solidFill>
-              </a:defRPr>
-            </a:lvl3pPr>
-            <a:lvl4pPr eaLnBrk="1" hangingPunct="1">
-              <a:defRPr>
-                <a:solidFill>
-                  <a:schemeClr val="tx2"/>
-                </a:solidFill>
-              </a:defRPr>
-            </a:lvl4pPr>
-            <a:lvl5pPr eaLnBrk="1" hangingPunct="1">
-              <a:defRPr>
-                <a:solidFill>
-                  <a:schemeClr val="tx2"/>
-                </a:solidFill>
-              </a:defRPr>
-            </a:lvl5pPr>
-            <a:lvl6pPr eaLnBrk="1" hangingPunct="1">
-              <a:defRPr>
-                <a:solidFill>
-                  <a:schemeClr val="tx2"/>
-                </a:solidFill>
-              </a:defRPr>
-            </a:lvl6pPr>
-            <a:lvl7pPr eaLnBrk="1" hangingPunct="1">
-              <a:defRPr>
-                <a:solidFill>
-                  <a:schemeClr val="tx2"/>
-                </a:solidFill>
-              </a:defRPr>
-            </a:lvl7pPr>
-            <a:lvl8pPr eaLnBrk="1" hangingPunct="1">
-              <a:defRPr>
-                <a:solidFill>
-                  <a:schemeClr val="tx2"/>
-                </a:solidFill>
-              </a:defRPr>
-            </a:lvl8pPr>
-            <a:lvl9pPr eaLnBrk="1" hangingPunct="1">
-              <a:defRPr>
-                <a:solidFill>
-                  <a:schemeClr val="tx2"/>
-                </a:solidFill>
-              </a:defRPr>
-            </a:lvl9pPr>
-          </a:lstStyle>
-          <a:p>
-            <a:r>
-              <a:rPr lang="en-US" sz="1800" dirty="0"/>
-              <a:t>Secure File Sharing</a:t>
-            </a:r>
-          </a:p>
-        </p:txBody>
-      </p:sp>
-      <p:pic>
-        <p:nvPicPr>
-          <p:cNvPr id="8" name="Picture 7" descr="Icon&#10;&#10;Description automatically generated">
-            <a:extLst>
-              <a:ext uri="{FF2B5EF4-FFF2-40B4-BE49-F238E27FC236}">
-                <a16:creationId xmlns:a16="http://schemas.microsoft.com/office/drawing/2014/main" id="{C3927829-755E-415E-B686-63C76B7D2724}"/>
-              </a:ext>
-            </a:extLst>
-          </p:cNvPr>
-          <p:cNvPicPr>
-            <a:picLocks noChangeAspect="1"/>
-          </p:cNvPicPr>
-          <p:nvPr/>
-        </p:nvPicPr>
-        <p:blipFill>
-          <a:blip r:embed="rId4">
-            <a:extLst>
-              <a:ext uri="{28A0092B-C50C-407E-A947-70E740481C1C}">
-                <a14:useLocalDpi xmlns:a14="http://schemas.microsoft.com/office/drawing/2010/main" val="0"/>
-              </a:ext>
-            </a:extLst>
-          </a:blip>
-          <a:stretch>
-            <a:fillRect/>
-          </a:stretch>
-        </p:blipFill>
-        <p:spPr>
-          <a:xfrm>
-            <a:off x="3107807" y="1083914"/>
-            <a:ext cx="1150134" cy="1150134"/>
-          </a:xfrm>
-          <a:prstGeom prst="rect">
-            <a:avLst/>
-          </a:prstGeom>
-        </p:spPr>
-      </p:pic>
-      <p:sp>
-        <p:nvSpPr>
-          <p:cNvPr id="9" name="Title 2">
-            <a:extLst>
-              <a:ext uri="{FF2B5EF4-FFF2-40B4-BE49-F238E27FC236}">
-                <a16:creationId xmlns:a16="http://schemas.microsoft.com/office/drawing/2014/main" id="{8633C1BD-75FD-4A0A-9E6E-42C993E5813C}"/>
-              </a:ext>
-            </a:extLst>
-          </p:cNvPr>
-          <p:cNvSpPr txBox="1">
-            <a:spLocks/>
-          </p:cNvSpPr>
-          <p:nvPr/>
-        </p:nvSpPr>
-        <p:spPr>
-          <a:xfrm>
-            <a:off x="2292897" y="656780"/>
-            <a:ext cx="2779953" cy="427134"/>
-          </a:xfrm>
-          <a:prstGeom prst="rect">
-            <a:avLst/>
-          </a:prstGeom>
-          <a:effectLst/>
-        </p:spPr>
-        <p:txBody>
-          <a:bodyPr vert="horz" lIns="91440" tIns="45720" rIns="91440" bIns="45720" rtlCol="0" anchor="ctr">
-            <a:normAutofit/>
-          </a:bodyPr>
-          <a:lstStyle>
-            <a:lvl1pPr algn="ctr" defTabSz="487695" rtl="0" eaLnBrk="1" latinLnBrk="0" hangingPunct="1">
-              <a:spcBef>
-                <a:spcPct val="0"/>
-              </a:spcBef>
-              <a:buNone/>
-              <a:defRPr sz="4267" kern="1200" cap="none">
-                <a:ln w="3175" cmpd="sng">
-                  <a:noFill/>
-                </a:ln>
-                <a:solidFill>
-                  <a:schemeClr val="accent6">
-                    <a:lumMod val="50000"/>
-                  </a:schemeClr>
-                </a:solidFill>
-                <a:effectLst/>
-                <a:latin typeface="+mj-lt"/>
-                <a:ea typeface="+mj-ea"/>
-                <a:cs typeface="+mj-cs"/>
-              </a:defRPr>
-            </a:lvl1pPr>
-            <a:lvl2pPr eaLnBrk="1" hangingPunct="1">
-              <a:defRPr>
-                <a:solidFill>
-                  <a:schemeClr val="tx2"/>
-                </a:solidFill>
-              </a:defRPr>
-            </a:lvl2pPr>
-            <a:lvl3pPr eaLnBrk="1" hangingPunct="1">
-              <a:defRPr>
-                <a:solidFill>
-                  <a:schemeClr val="tx2"/>
-                </a:solidFill>
-              </a:defRPr>
-            </a:lvl3pPr>
-            <a:lvl4pPr eaLnBrk="1" hangingPunct="1">
-              <a:defRPr>
-                <a:solidFill>
-                  <a:schemeClr val="tx2"/>
-                </a:solidFill>
-              </a:defRPr>
-            </a:lvl4pPr>
-            <a:lvl5pPr eaLnBrk="1" hangingPunct="1">
-              <a:defRPr>
-                <a:solidFill>
-                  <a:schemeClr val="tx2"/>
-                </a:solidFill>
-              </a:defRPr>
-            </a:lvl5pPr>
-            <a:lvl6pPr eaLnBrk="1" hangingPunct="1">
-              <a:defRPr>
-                <a:solidFill>
-                  <a:schemeClr val="tx2"/>
-                </a:solidFill>
-              </a:defRPr>
-            </a:lvl6pPr>
-            <a:lvl7pPr eaLnBrk="1" hangingPunct="1">
-              <a:defRPr>
-                <a:solidFill>
-                  <a:schemeClr val="tx2"/>
-                </a:solidFill>
-              </a:defRPr>
-            </a:lvl7pPr>
-            <a:lvl8pPr eaLnBrk="1" hangingPunct="1">
-              <a:defRPr>
-                <a:solidFill>
-                  <a:schemeClr val="tx2"/>
-                </a:solidFill>
-              </a:defRPr>
-            </a:lvl8pPr>
-            <a:lvl9pPr eaLnBrk="1" hangingPunct="1">
-              <a:defRPr>
-                <a:solidFill>
-                  <a:schemeClr val="tx2"/>
-                </a:solidFill>
-              </a:defRPr>
-            </a:lvl9pPr>
-          </a:lstStyle>
-          <a:p>
-            <a:r>
-              <a:rPr lang="en-US" sz="1800" dirty="0"/>
-              <a:t>Live Chat</a:t>
-            </a:r>
-          </a:p>
-        </p:txBody>
-      </p:sp>
-      <p:pic>
-        <p:nvPicPr>
-          <p:cNvPr id="11" name="Picture 10" descr="Icon&#10;&#10;Description automatically generated">
-            <a:extLst>
-              <a:ext uri="{FF2B5EF4-FFF2-40B4-BE49-F238E27FC236}">
-                <a16:creationId xmlns:a16="http://schemas.microsoft.com/office/drawing/2014/main" id="{C296722F-9A5E-4995-8659-CD5B45B6EAC4}"/>
-              </a:ext>
-            </a:extLst>
-          </p:cNvPr>
-          <p:cNvPicPr>
-            <a:picLocks noChangeAspect="1"/>
-          </p:cNvPicPr>
-          <p:nvPr/>
-        </p:nvPicPr>
-        <p:blipFill>
-          <a:blip r:embed="rId5">
-            <a:extLst>
-              <a:ext uri="{28A0092B-C50C-407E-A947-70E740481C1C}">
-                <a14:useLocalDpi xmlns:a14="http://schemas.microsoft.com/office/drawing/2010/main" val="0"/>
-              </a:ext>
-            </a:extLst>
-          </a:blip>
-          <a:stretch>
-            <a:fillRect/>
-          </a:stretch>
-        </p:blipFill>
-        <p:spPr>
-          <a:xfrm>
-            <a:off x="5369357" y="1103826"/>
-            <a:ext cx="1150134" cy="1150134"/>
-          </a:xfrm>
-          <a:prstGeom prst="rect">
-            <a:avLst/>
-          </a:prstGeom>
-        </p:spPr>
-      </p:pic>
-      <p:sp>
-        <p:nvSpPr>
-          <p:cNvPr id="12" name="Title 2">
-            <a:extLst>
-              <a:ext uri="{FF2B5EF4-FFF2-40B4-BE49-F238E27FC236}">
-                <a16:creationId xmlns:a16="http://schemas.microsoft.com/office/drawing/2014/main" id="{9CEFEC0C-9946-43F1-9D48-9792D7EB793B}"/>
-              </a:ext>
-            </a:extLst>
-          </p:cNvPr>
-          <p:cNvSpPr txBox="1">
-            <a:spLocks/>
-          </p:cNvSpPr>
-          <p:nvPr/>
-        </p:nvSpPr>
-        <p:spPr>
-          <a:xfrm>
-            <a:off x="4554447" y="624839"/>
-            <a:ext cx="2779953" cy="427134"/>
-          </a:xfrm>
-          <a:prstGeom prst="rect">
-            <a:avLst/>
-          </a:prstGeom>
-          <a:effectLst/>
-        </p:spPr>
-        <p:txBody>
-          <a:bodyPr vert="horz" lIns="91440" tIns="45720" rIns="91440" bIns="45720" rtlCol="0" anchor="ctr">
-            <a:normAutofit fontScale="92500"/>
-          </a:bodyPr>
-          <a:lstStyle>
-            <a:lvl1pPr algn="ctr" defTabSz="487695" rtl="0" eaLnBrk="1" latinLnBrk="0" hangingPunct="1">
-              <a:spcBef>
-                <a:spcPct val="0"/>
-              </a:spcBef>
-              <a:buNone/>
-              <a:defRPr sz="4267" kern="1200" cap="none">
-                <a:ln w="3175" cmpd="sng">
-                  <a:noFill/>
-                </a:ln>
-                <a:solidFill>
-                  <a:schemeClr val="accent6">
-                    <a:lumMod val="50000"/>
-                  </a:schemeClr>
-                </a:solidFill>
-                <a:effectLst/>
-                <a:latin typeface="+mj-lt"/>
-                <a:ea typeface="+mj-ea"/>
-                <a:cs typeface="+mj-cs"/>
-              </a:defRPr>
-            </a:lvl1pPr>
-            <a:lvl2pPr eaLnBrk="1" hangingPunct="1">
-              <a:defRPr>
-                <a:solidFill>
-                  <a:schemeClr val="tx2"/>
-                </a:solidFill>
-              </a:defRPr>
-            </a:lvl2pPr>
-            <a:lvl3pPr eaLnBrk="1" hangingPunct="1">
-              <a:defRPr>
-                <a:solidFill>
-                  <a:schemeClr val="tx2"/>
-                </a:solidFill>
-              </a:defRPr>
-            </a:lvl3pPr>
-            <a:lvl4pPr eaLnBrk="1" hangingPunct="1">
-              <a:defRPr>
-                <a:solidFill>
-                  <a:schemeClr val="tx2"/>
-                </a:solidFill>
-              </a:defRPr>
-            </a:lvl4pPr>
-            <a:lvl5pPr eaLnBrk="1" hangingPunct="1">
-              <a:defRPr>
-                <a:solidFill>
-                  <a:schemeClr val="tx2"/>
-                </a:solidFill>
-              </a:defRPr>
-            </a:lvl5pPr>
-            <a:lvl6pPr eaLnBrk="1" hangingPunct="1">
-              <a:defRPr>
-                <a:solidFill>
-                  <a:schemeClr val="tx2"/>
-                </a:solidFill>
-              </a:defRPr>
-            </a:lvl6pPr>
-            <a:lvl7pPr eaLnBrk="1" hangingPunct="1">
-              <a:defRPr>
-                <a:solidFill>
-                  <a:schemeClr val="tx2"/>
-                </a:solidFill>
-              </a:defRPr>
-            </a:lvl7pPr>
-            <a:lvl8pPr eaLnBrk="1" hangingPunct="1">
-              <a:defRPr>
-                <a:solidFill>
-                  <a:schemeClr val="tx2"/>
-                </a:solidFill>
-              </a:defRPr>
-            </a:lvl8pPr>
-            <a:lvl9pPr eaLnBrk="1" hangingPunct="1">
-              <a:defRPr>
-                <a:solidFill>
-                  <a:schemeClr val="tx2"/>
-                </a:solidFill>
-              </a:defRPr>
-            </a:lvl9pPr>
-          </a:lstStyle>
-          <a:p>
-            <a:r>
-              <a:rPr lang="en-US" sz="1800" dirty="0"/>
-              <a:t>Appointment Management</a:t>
-            </a:r>
-          </a:p>
-        </p:txBody>
-      </p:sp>
-      <p:pic>
-        <p:nvPicPr>
-          <p:cNvPr id="14" name="Picture 13" descr="Icon&#10;&#10;Description automatically generated">
-            <a:extLst>
-              <a:ext uri="{FF2B5EF4-FFF2-40B4-BE49-F238E27FC236}">
-                <a16:creationId xmlns:a16="http://schemas.microsoft.com/office/drawing/2014/main" id="{EA24B46E-E955-47C4-BFD5-66D1EA43D943}"/>
-              </a:ext>
-            </a:extLst>
-          </p:cNvPr>
-          <p:cNvPicPr>
-            <a:picLocks noChangeAspect="1"/>
-          </p:cNvPicPr>
-          <p:nvPr/>
-        </p:nvPicPr>
-        <p:blipFill>
-          <a:blip r:embed="rId6">
-            <a:extLst>
-              <a:ext uri="{28A0092B-C50C-407E-A947-70E740481C1C}">
-                <a14:useLocalDpi xmlns:a14="http://schemas.microsoft.com/office/drawing/2010/main" val="0"/>
-              </a:ext>
-            </a:extLst>
-          </a:blip>
-          <a:stretch>
-            <a:fillRect/>
-          </a:stretch>
-        </p:blipFill>
-        <p:spPr>
-          <a:xfrm>
-            <a:off x="8087710" y="1146050"/>
-            <a:ext cx="1218968" cy="1218968"/>
-          </a:xfrm>
-          <a:prstGeom prst="rect">
-            <a:avLst/>
-          </a:prstGeom>
-        </p:spPr>
-      </p:pic>
-      <p:sp>
-        <p:nvSpPr>
-          <p:cNvPr id="15" name="Title 2">
-            <a:extLst>
-              <a:ext uri="{FF2B5EF4-FFF2-40B4-BE49-F238E27FC236}">
-                <a16:creationId xmlns:a16="http://schemas.microsoft.com/office/drawing/2014/main" id="{054DD083-ED64-458B-877B-167163A81E9D}"/>
-              </a:ext>
-            </a:extLst>
-          </p:cNvPr>
-          <p:cNvSpPr txBox="1">
-            <a:spLocks/>
-          </p:cNvSpPr>
-          <p:nvPr/>
-        </p:nvSpPr>
-        <p:spPr>
-          <a:xfrm>
-            <a:off x="7436985" y="646609"/>
-            <a:ext cx="2779953" cy="427134"/>
-          </a:xfrm>
-          <a:prstGeom prst="rect">
-            <a:avLst/>
-          </a:prstGeom>
-          <a:effectLst/>
-        </p:spPr>
-        <p:txBody>
-          <a:bodyPr vert="horz" lIns="91440" tIns="45720" rIns="91440" bIns="45720" rtlCol="0" anchor="ctr">
-            <a:normAutofit/>
-          </a:bodyPr>
-          <a:lstStyle>
-            <a:lvl1pPr algn="ctr" defTabSz="487695" rtl="0" eaLnBrk="1" latinLnBrk="0" hangingPunct="1">
-              <a:spcBef>
-                <a:spcPct val="0"/>
-              </a:spcBef>
-              <a:buNone/>
-              <a:defRPr sz="4267" kern="1200" cap="none">
-                <a:ln w="3175" cmpd="sng">
-                  <a:noFill/>
-                </a:ln>
-                <a:solidFill>
-                  <a:schemeClr val="accent6">
-                    <a:lumMod val="50000"/>
-                  </a:schemeClr>
-                </a:solidFill>
-                <a:effectLst/>
-                <a:latin typeface="+mj-lt"/>
-                <a:ea typeface="+mj-ea"/>
-                <a:cs typeface="+mj-cs"/>
-              </a:defRPr>
-            </a:lvl1pPr>
-            <a:lvl2pPr eaLnBrk="1" hangingPunct="1">
-              <a:defRPr>
-                <a:solidFill>
-                  <a:schemeClr val="tx2"/>
-                </a:solidFill>
-              </a:defRPr>
-            </a:lvl2pPr>
-            <a:lvl3pPr eaLnBrk="1" hangingPunct="1">
-              <a:defRPr>
-                <a:solidFill>
-                  <a:schemeClr val="tx2"/>
-                </a:solidFill>
-              </a:defRPr>
-            </a:lvl3pPr>
-            <a:lvl4pPr eaLnBrk="1" hangingPunct="1">
-              <a:defRPr>
-                <a:solidFill>
-                  <a:schemeClr val="tx2"/>
-                </a:solidFill>
-              </a:defRPr>
-            </a:lvl4pPr>
-            <a:lvl5pPr eaLnBrk="1" hangingPunct="1">
-              <a:defRPr>
-                <a:solidFill>
-                  <a:schemeClr val="tx2"/>
-                </a:solidFill>
-              </a:defRPr>
-            </a:lvl5pPr>
-            <a:lvl6pPr eaLnBrk="1" hangingPunct="1">
-              <a:defRPr>
-                <a:solidFill>
-                  <a:schemeClr val="tx2"/>
-                </a:solidFill>
-              </a:defRPr>
-            </a:lvl6pPr>
-            <a:lvl7pPr eaLnBrk="1" hangingPunct="1">
-              <a:defRPr>
-                <a:solidFill>
-                  <a:schemeClr val="tx2"/>
-                </a:solidFill>
-              </a:defRPr>
-            </a:lvl7pPr>
-            <a:lvl8pPr eaLnBrk="1" hangingPunct="1">
-              <a:defRPr>
-                <a:solidFill>
-                  <a:schemeClr val="tx2"/>
-                </a:solidFill>
-              </a:defRPr>
-            </a:lvl8pPr>
-            <a:lvl9pPr eaLnBrk="1" hangingPunct="1">
-              <a:defRPr>
-                <a:solidFill>
-                  <a:schemeClr val="tx2"/>
-                </a:solidFill>
-              </a:defRPr>
-            </a:lvl9pPr>
-          </a:lstStyle>
-          <a:p>
-            <a:r>
-              <a:rPr lang="en-US" sz="1800" dirty="0"/>
-              <a:t>Motivational Counseling</a:t>
-            </a:r>
-          </a:p>
-        </p:txBody>
-      </p:sp>
-      <p:sp>
-        <p:nvSpPr>
-          <p:cNvPr id="16" name="Snip Diagonal Corner Rectangle 5">
-            <a:extLst>
-              <a:ext uri="{FF2B5EF4-FFF2-40B4-BE49-F238E27FC236}">
-                <a16:creationId xmlns:a16="http://schemas.microsoft.com/office/drawing/2014/main" id="{164D65E5-4441-4472-8952-46B7B790A9B2}"/>
-              </a:ext>
-            </a:extLst>
-          </p:cNvPr>
-          <p:cNvSpPr/>
-          <p:nvPr/>
-        </p:nvSpPr>
-        <p:spPr>
-          <a:xfrm>
-            <a:off x="213682" y="4133273"/>
-            <a:ext cx="7908861" cy="484853"/>
-          </a:xfrm>
-          <a:prstGeom prst="snip2DiagRect">
-            <a:avLst/>
-          </a:prstGeom>
-          <a:solidFill>
-            <a:srgbClr val="F45B8E"/>
-          </a:solidFill>
-          <a:ln w="25400" cap="flat">
-            <a:solidFill>
-              <a:srgbClr val="4ABDDD"/>
-            </a:solidFill>
-            <a:prstDash val="solid"/>
-            <a:round/>
-          </a:ln>
-          <a:effectLst/>
-          <a:scene3d>
-            <a:camera prst="orthographicFront">
-              <a:rot lat="0" lon="0" rev="0"/>
-            </a:camera>
-            <a:lightRig rig="contrasting" dir="t">
-              <a:rot lat="0" lon="0" rev="7800000"/>
-            </a:lightRig>
-          </a:scene3d>
-          <a:sp3d>
-            <a:bevelT w="139700" h="139700"/>
-          </a:sp3d>
-        </p:spPr>
-        <p:style>
-          <a:lnRef idx="0">
-            <a:scrgbClr r="0" g="0" b="0"/>
-          </a:lnRef>
-          <a:fillRef idx="0">
-            <a:scrgbClr r="0" g="0" b="0"/>
-          </a:fillRef>
-          <a:effectRef idx="0">
-            <a:scrgbClr r="0" g="0" b="0"/>
-          </a:effectRef>
-          <a:fontRef idx="none"/>
-        </p:style>
-        <p:txBody>
-          <a:bodyPr rot="0" spcFirstLastPara="1" vertOverflow="overflow" horzOverflow="overflow" vert="horz" wrap="square" lIns="45719" tIns="45719" rIns="45719" bIns="45719" numCol="1" spcCol="38100" rtlCol="0" anchor="ctr">
-            <a:noAutofit/>
-          </a:bodyPr>
-          <a:lstStyle/>
-          <a:p>
-            <a:pPr marL="0" marR="0" lvl="0" indent="0" algn="l" defTabSz="609585" rtl="0" eaLnBrk="1" fontAlgn="auto" latinLnBrk="0" hangingPunct="1">
-              <a:lnSpc>
-                <a:spcPct val="100000"/>
-              </a:lnSpc>
-              <a:spcBef>
-                <a:spcPts val="0"/>
-              </a:spcBef>
-              <a:spcAft>
-                <a:spcPts val="0"/>
-              </a:spcAft>
-              <a:buClrTx/>
-              <a:buSzTx/>
-              <a:buFontTx/>
-              <a:buNone/>
-              <a:tabLst/>
-              <a:defRPr/>
-            </a:pPr>
-            <a:r>
-              <a:rPr kumimoji="0" lang="en-US" sz="2800" b="1" i="0" u="none" strike="noStrike" kern="1200" cap="none" spc="0" normalizeH="0" baseline="0" dirty="0">
-                <a:ln>
-                  <a:noFill/>
-                </a:ln>
-                <a:solidFill>
-                  <a:schemeClr val="bg1"/>
-                </a:solidFill>
-                <a:effectLst/>
-                <a:uLnTx/>
-                <a:uFillTx/>
-                <a:latin typeface="Calibri"/>
-              </a:rPr>
-              <a:t>Angel Functional</a:t>
-            </a:r>
-            <a:r>
-              <a:rPr lang="en-US" sz="2800" b="1" dirty="0">
-                <a:solidFill>
-                  <a:schemeClr val="bg1"/>
-                </a:solidFill>
-                <a:latin typeface="Calibri"/>
-              </a:rPr>
-              <a:t>ities</a:t>
-            </a:r>
-            <a:endParaRPr kumimoji="0" lang="en-US" sz="2800" b="1" i="0" u="none" strike="noStrike" kern="1200" cap="none" spc="0" normalizeH="0" baseline="0" noProof="0" dirty="0">
-              <a:ln>
-                <a:noFill/>
-              </a:ln>
-              <a:solidFill>
-                <a:schemeClr val="bg1"/>
-              </a:solidFill>
-              <a:effectLst/>
-              <a:uLnTx/>
-              <a:uFillTx/>
-              <a:latin typeface="Calibri"/>
-            </a:endParaRPr>
-          </a:p>
-        </p:txBody>
-      </p:sp>
-      <p:pic>
-        <p:nvPicPr>
-          <p:cNvPr id="17" name="Picture 8" descr="Newsfeed - Free logo icons">
-            <a:extLst>
-              <a:ext uri="{FF2B5EF4-FFF2-40B4-BE49-F238E27FC236}">
-                <a16:creationId xmlns:a16="http://schemas.microsoft.com/office/drawing/2014/main" id="{2DBBF338-1CEB-4A97-A306-2CAC3E1A8E40}"/>
-              </a:ext>
-            </a:extLst>
-          </p:cNvPr>
-          <p:cNvPicPr>
-            <a:picLocks noChangeAspect="1" noChangeArrowheads="1"/>
-          </p:cNvPicPr>
-          <p:nvPr/>
-        </p:nvPicPr>
-        <p:blipFill>
-          <a:blip r:embed="rId7">
-            <a:extLst>
-              <a:ext uri="{28A0092B-C50C-407E-A947-70E740481C1C}">
-                <a14:useLocalDpi xmlns:a14="http://schemas.microsoft.com/office/drawing/2010/main" val="0"/>
-              </a:ext>
-            </a:extLst>
-          </a:blip>
-          <a:srcRect/>
-          <a:stretch>
-            <a:fillRect/>
-          </a:stretch>
-        </p:blipFill>
-        <p:spPr bwMode="auto">
-          <a:xfrm>
-            <a:off x="781878" y="5247803"/>
-            <a:ext cx="1235239" cy="1235239"/>
-          </a:xfrm>
-          <a:prstGeom prst="rect">
-            <a:avLst/>
-          </a:prstGeom>
-          <a:noFill/>
-          <a:extLst>
-            <a:ext uri="{909E8E84-426E-40DD-AFC4-6F175D3DCCD1}">
-              <a14:hiddenFill xmlns:a14="http://schemas.microsoft.com/office/drawing/2010/main">
-                <a:solidFill>
-                  <a:srgbClr val="FFFFFF"/>
-                </a:solidFill>
-              </a14:hiddenFill>
-            </a:ext>
-          </a:extLst>
-        </p:spPr>
-      </p:pic>
-      <p:sp>
-        <p:nvSpPr>
-          <p:cNvPr id="18" name="Title 2">
-            <a:extLst>
-              <a:ext uri="{FF2B5EF4-FFF2-40B4-BE49-F238E27FC236}">
-                <a16:creationId xmlns:a16="http://schemas.microsoft.com/office/drawing/2014/main" id="{5F2CA216-C3E4-4E18-A90F-E9BBAD5FDDB0}"/>
-              </a:ext>
-            </a:extLst>
-          </p:cNvPr>
-          <p:cNvSpPr txBox="1">
-            <a:spLocks/>
-          </p:cNvSpPr>
-          <p:nvPr/>
-        </p:nvSpPr>
-        <p:spPr>
-          <a:xfrm>
-            <a:off x="0" y="4775087"/>
-            <a:ext cx="2779953" cy="427134"/>
-          </a:xfrm>
-          <a:prstGeom prst="rect">
-            <a:avLst/>
-          </a:prstGeom>
-          <a:effectLst/>
-        </p:spPr>
-        <p:txBody>
-          <a:bodyPr vert="horz" lIns="91440" tIns="45720" rIns="91440" bIns="45720" rtlCol="0" anchor="ctr">
-            <a:normAutofit/>
-          </a:bodyPr>
-          <a:lstStyle>
-            <a:lvl1pPr algn="ctr" defTabSz="487695" rtl="0" eaLnBrk="1" latinLnBrk="0" hangingPunct="1">
-              <a:spcBef>
-                <a:spcPct val="0"/>
-              </a:spcBef>
-              <a:buNone/>
-              <a:defRPr sz="4267" kern="1200" cap="none">
-                <a:ln w="3175" cmpd="sng">
-                  <a:noFill/>
-                </a:ln>
-                <a:solidFill>
-                  <a:schemeClr val="accent6">
-                    <a:lumMod val="50000"/>
-                  </a:schemeClr>
-                </a:solidFill>
-                <a:effectLst/>
-                <a:latin typeface="+mj-lt"/>
-                <a:ea typeface="+mj-ea"/>
-                <a:cs typeface="+mj-cs"/>
-              </a:defRPr>
-            </a:lvl1pPr>
-            <a:lvl2pPr eaLnBrk="1" hangingPunct="1">
-              <a:defRPr>
-                <a:solidFill>
-                  <a:schemeClr val="tx2"/>
-                </a:solidFill>
-              </a:defRPr>
-            </a:lvl2pPr>
-            <a:lvl3pPr eaLnBrk="1" hangingPunct="1">
-              <a:defRPr>
-                <a:solidFill>
-                  <a:schemeClr val="tx2"/>
-                </a:solidFill>
-              </a:defRPr>
-            </a:lvl3pPr>
-            <a:lvl4pPr eaLnBrk="1" hangingPunct="1">
-              <a:defRPr>
-                <a:solidFill>
-                  <a:schemeClr val="tx2"/>
-                </a:solidFill>
-              </a:defRPr>
-            </a:lvl4pPr>
-            <a:lvl5pPr eaLnBrk="1" hangingPunct="1">
-              <a:defRPr>
-                <a:solidFill>
-                  <a:schemeClr val="tx2"/>
-                </a:solidFill>
-              </a:defRPr>
-            </a:lvl5pPr>
-            <a:lvl6pPr eaLnBrk="1" hangingPunct="1">
-              <a:defRPr>
-                <a:solidFill>
-                  <a:schemeClr val="tx2"/>
-                </a:solidFill>
-              </a:defRPr>
-            </a:lvl6pPr>
-            <a:lvl7pPr eaLnBrk="1" hangingPunct="1">
-              <a:defRPr>
-                <a:solidFill>
-                  <a:schemeClr val="tx2"/>
-                </a:solidFill>
-              </a:defRPr>
-            </a:lvl7pPr>
-            <a:lvl8pPr eaLnBrk="1" hangingPunct="1">
-              <a:defRPr>
-                <a:solidFill>
-                  <a:schemeClr val="tx2"/>
-                </a:solidFill>
-              </a:defRPr>
-            </a:lvl8pPr>
-            <a:lvl9pPr eaLnBrk="1" hangingPunct="1">
-              <a:defRPr>
-                <a:solidFill>
-                  <a:schemeClr val="tx2"/>
-                </a:solidFill>
-              </a:defRPr>
-            </a:lvl9pPr>
-          </a:lstStyle>
-          <a:p>
-            <a:r>
-              <a:rPr lang="en-US" sz="1800" dirty="0"/>
-              <a:t>News Feed</a:t>
-            </a:r>
-          </a:p>
-        </p:txBody>
-      </p:sp>
-      <p:pic>
-        <p:nvPicPr>
-          <p:cNvPr id="20" name="Picture 19" descr="Icon&#10;&#10;Description automatically generated">
-            <a:extLst>
-              <a:ext uri="{FF2B5EF4-FFF2-40B4-BE49-F238E27FC236}">
-                <a16:creationId xmlns:a16="http://schemas.microsoft.com/office/drawing/2014/main" id="{FB7AA57E-42D3-48DF-81D6-0ABBD185635B}"/>
-              </a:ext>
-            </a:extLst>
-          </p:cNvPr>
-          <p:cNvPicPr>
-            <a:picLocks noChangeAspect="1"/>
-          </p:cNvPicPr>
-          <p:nvPr/>
-        </p:nvPicPr>
-        <p:blipFill>
-          <a:blip r:embed="rId8">
-            <a:extLst>
-              <a:ext uri="{28A0092B-C50C-407E-A947-70E740481C1C}">
-                <a14:useLocalDpi xmlns:a14="http://schemas.microsoft.com/office/drawing/2010/main" val="0"/>
-              </a:ext>
-            </a:extLst>
-          </a:blip>
-          <a:stretch>
-            <a:fillRect/>
-          </a:stretch>
-        </p:blipFill>
-        <p:spPr>
-          <a:xfrm>
-            <a:off x="3003333" y="5094217"/>
-            <a:ext cx="1359080" cy="1359080"/>
-          </a:xfrm>
-          <a:prstGeom prst="rect">
-            <a:avLst/>
-          </a:prstGeom>
-        </p:spPr>
-      </p:pic>
-      <p:sp>
-        <p:nvSpPr>
-          <p:cNvPr id="21" name="Title 2">
-            <a:extLst>
-              <a:ext uri="{FF2B5EF4-FFF2-40B4-BE49-F238E27FC236}">
-                <a16:creationId xmlns:a16="http://schemas.microsoft.com/office/drawing/2014/main" id="{41D4EABD-9EF3-4ED2-8439-801FF990300E}"/>
-              </a:ext>
-            </a:extLst>
-          </p:cNvPr>
-          <p:cNvSpPr txBox="1">
-            <a:spLocks/>
-          </p:cNvSpPr>
-          <p:nvPr/>
-        </p:nvSpPr>
-        <p:spPr>
-          <a:xfrm>
-            <a:off x="2279453" y="4755175"/>
-            <a:ext cx="2779953" cy="427134"/>
-          </a:xfrm>
-          <a:prstGeom prst="rect">
-            <a:avLst/>
-          </a:prstGeom>
-          <a:effectLst/>
-        </p:spPr>
-        <p:txBody>
-          <a:bodyPr vert="horz" lIns="91440" tIns="45720" rIns="91440" bIns="45720" rtlCol="0" anchor="ctr">
-            <a:normAutofit/>
-          </a:bodyPr>
-          <a:lstStyle>
-            <a:lvl1pPr algn="ctr" defTabSz="487695" rtl="0" eaLnBrk="1" latinLnBrk="0" hangingPunct="1">
-              <a:spcBef>
-                <a:spcPct val="0"/>
-              </a:spcBef>
-              <a:buNone/>
-              <a:defRPr sz="4267" kern="1200" cap="none">
-                <a:ln w="3175" cmpd="sng">
-                  <a:noFill/>
-                </a:ln>
-                <a:solidFill>
-                  <a:schemeClr val="accent6">
-                    <a:lumMod val="50000"/>
-                  </a:schemeClr>
-                </a:solidFill>
-                <a:effectLst/>
-                <a:latin typeface="+mj-lt"/>
-                <a:ea typeface="+mj-ea"/>
-                <a:cs typeface="+mj-cs"/>
-              </a:defRPr>
-            </a:lvl1pPr>
-            <a:lvl2pPr eaLnBrk="1" hangingPunct="1">
-              <a:defRPr>
-                <a:solidFill>
-                  <a:schemeClr val="tx2"/>
-                </a:solidFill>
-              </a:defRPr>
-            </a:lvl2pPr>
-            <a:lvl3pPr eaLnBrk="1" hangingPunct="1">
-              <a:defRPr>
-                <a:solidFill>
-                  <a:schemeClr val="tx2"/>
-                </a:solidFill>
-              </a:defRPr>
-            </a:lvl3pPr>
-            <a:lvl4pPr eaLnBrk="1" hangingPunct="1">
-              <a:defRPr>
-                <a:solidFill>
-                  <a:schemeClr val="tx2"/>
-                </a:solidFill>
-              </a:defRPr>
-            </a:lvl4pPr>
-            <a:lvl5pPr eaLnBrk="1" hangingPunct="1">
-              <a:defRPr>
-                <a:solidFill>
-                  <a:schemeClr val="tx2"/>
-                </a:solidFill>
-              </a:defRPr>
-            </a:lvl5pPr>
-            <a:lvl6pPr eaLnBrk="1" hangingPunct="1">
-              <a:defRPr>
-                <a:solidFill>
-                  <a:schemeClr val="tx2"/>
-                </a:solidFill>
-              </a:defRPr>
-            </a:lvl6pPr>
-            <a:lvl7pPr eaLnBrk="1" hangingPunct="1">
-              <a:defRPr>
-                <a:solidFill>
-                  <a:schemeClr val="tx2"/>
-                </a:solidFill>
-              </a:defRPr>
-            </a:lvl7pPr>
-            <a:lvl8pPr eaLnBrk="1" hangingPunct="1">
-              <a:defRPr>
-                <a:solidFill>
-                  <a:schemeClr val="tx2"/>
-                </a:solidFill>
-              </a:defRPr>
-            </a:lvl8pPr>
-            <a:lvl9pPr eaLnBrk="1" hangingPunct="1">
-              <a:defRPr>
-                <a:solidFill>
-                  <a:schemeClr val="tx2"/>
-                </a:solidFill>
-              </a:defRPr>
-            </a:lvl9pPr>
-          </a:lstStyle>
-          <a:p>
-            <a:r>
-              <a:rPr lang="en-US" sz="1800" dirty="0"/>
-              <a:t>Sponsor Make-a-wish</a:t>
-            </a:r>
-          </a:p>
-        </p:txBody>
-      </p:sp>
-      <p:pic>
-        <p:nvPicPr>
-          <p:cNvPr id="23" name="Picture 22" descr="Icon&#10;&#10;Description automatically generated">
-            <a:extLst>
-              <a:ext uri="{FF2B5EF4-FFF2-40B4-BE49-F238E27FC236}">
-                <a16:creationId xmlns:a16="http://schemas.microsoft.com/office/drawing/2014/main" id="{BEC38416-BA5D-4F35-8ACC-0A97B1CAE0D5}"/>
-              </a:ext>
-            </a:extLst>
-          </p:cNvPr>
-          <p:cNvPicPr>
-            <a:picLocks noChangeAspect="1"/>
-          </p:cNvPicPr>
-          <p:nvPr/>
-        </p:nvPicPr>
-        <p:blipFill>
-          <a:blip r:embed="rId9">
-            <a:extLst>
-              <a:ext uri="{28A0092B-C50C-407E-A947-70E740481C1C}">
-                <a14:useLocalDpi xmlns:a14="http://schemas.microsoft.com/office/drawing/2010/main" val="0"/>
-              </a:ext>
-            </a:extLst>
-          </a:blip>
-          <a:stretch>
-            <a:fillRect/>
-          </a:stretch>
-        </p:blipFill>
-        <p:spPr>
-          <a:xfrm>
-            <a:off x="5505218" y="5205422"/>
-            <a:ext cx="1136669" cy="1136669"/>
-          </a:xfrm>
-          <a:prstGeom prst="rect">
-            <a:avLst/>
-          </a:prstGeom>
-        </p:spPr>
-      </p:pic>
-      <p:sp>
-        <p:nvSpPr>
-          <p:cNvPr id="24" name="Title 2">
-            <a:extLst>
-              <a:ext uri="{FF2B5EF4-FFF2-40B4-BE49-F238E27FC236}">
-                <a16:creationId xmlns:a16="http://schemas.microsoft.com/office/drawing/2014/main" id="{56939B91-EBCC-47BC-8384-87AAA2E4C022}"/>
-              </a:ext>
-            </a:extLst>
-          </p:cNvPr>
-          <p:cNvSpPr txBox="1">
-            <a:spLocks/>
-          </p:cNvSpPr>
-          <p:nvPr/>
-        </p:nvSpPr>
-        <p:spPr>
-          <a:xfrm>
-            <a:off x="4741182" y="4770107"/>
-            <a:ext cx="2779953" cy="427134"/>
-          </a:xfrm>
-          <a:prstGeom prst="rect">
-            <a:avLst/>
-          </a:prstGeom>
-          <a:effectLst/>
-        </p:spPr>
-        <p:txBody>
-          <a:bodyPr vert="horz" lIns="91440" tIns="45720" rIns="91440" bIns="45720" rtlCol="0" anchor="ctr">
-            <a:normAutofit/>
-          </a:bodyPr>
-          <a:lstStyle>
-            <a:lvl1pPr algn="ctr" defTabSz="487695" rtl="0" eaLnBrk="1" latinLnBrk="0" hangingPunct="1">
-              <a:spcBef>
-                <a:spcPct val="0"/>
-              </a:spcBef>
-              <a:buNone/>
-              <a:defRPr sz="4267" kern="1200" cap="none">
-                <a:ln w="3175" cmpd="sng">
-                  <a:noFill/>
-                </a:ln>
-                <a:solidFill>
-                  <a:schemeClr val="accent6">
-                    <a:lumMod val="50000"/>
-                  </a:schemeClr>
-                </a:solidFill>
-                <a:effectLst/>
-                <a:latin typeface="+mj-lt"/>
-                <a:ea typeface="+mj-ea"/>
-                <a:cs typeface="+mj-cs"/>
-              </a:defRPr>
-            </a:lvl1pPr>
-            <a:lvl2pPr eaLnBrk="1" hangingPunct="1">
-              <a:defRPr>
-                <a:solidFill>
-                  <a:schemeClr val="tx2"/>
-                </a:solidFill>
-              </a:defRPr>
-            </a:lvl2pPr>
-            <a:lvl3pPr eaLnBrk="1" hangingPunct="1">
-              <a:defRPr>
-                <a:solidFill>
-                  <a:schemeClr val="tx2"/>
-                </a:solidFill>
-              </a:defRPr>
-            </a:lvl3pPr>
-            <a:lvl4pPr eaLnBrk="1" hangingPunct="1">
-              <a:defRPr>
-                <a:solidFill>
-                  <a:schemeClr val="tx2"/>
-                </a:solidFill>
-              </a:defRPr>
-            </a:lvl4pPr>
-            <a:lvl5pPr eaLnBrk="1" hangingPunct="1">
-              <a:defRPr>
-                <a:solidFill>
-                  <a:schemeClr val="tx2"/>
-                </a:solidFill>
-              </a:defRPr>
-            </a:lvl5pPr>
-            <a:lvl6pPr eaLnBrk="1" hangingPunct="1">
-              <a:defRPr>
-                <a:solidFill>
-                  <a:schemeClr val="tx2"/>
-                </a:solidFill>
-              </a:defRPr>
-            </a:lvl6pPr>
-            <a:lvl7pPr eaLnBrk="1" hangingPunct="1">
-              <a:defRPr>
-                <a:solidFill>
-                  <a:schemeClr val="tx2"/>
-                </a:solidFill>
-              </a:defRPr>
-            </a:lvl7pPr>
-            <a:lvl8pPr eaLnBrk="1" hangingPunct="1">
-              <a:defRPr>
-                <a:solidFill>
-                  <a:schemeClr val="tx2"/>
-                </a:solidFill>
-              </a:defRPr>
-            </a:lvl8pPr>
-            <a:lvl9pPr eaLnBrk="1" hangingPunct="1">
-              <a:defRPr>
-                <a:solidFill>
-                  <a:schemeClr val="tx2"/>
-                </a:solidFill>
-              </a:defRPr>
-            </a:lvl9pPr>
-          </a:lstStyle>
-          <a:p>
-            <a:r>
-              <a:rPr lang="en-US" sz="1800" dirty="0"/>
-              <a:t>Donation for Treatment</a:t>
-            </a:r>
-          </a:p>
-        </p:txBody>
-      </p:sp>
-      <p:pic>
-        <p:nvPicPr>
-          <p:cNvPr id="26" name="Picture 25" descr="Icon&#10;&#10;Description automatically generated">
-            <a:extLst>
-              <a:ext uri="{FF2B5EF4-FFF2-40B4-BE49-F238E27FC236}">
-                <a16:creationId xmlns:a16="http://schemas.microsoft.com/office/drawing/2014/main" id="{99460FE8-5C0B-45BC-9095-1B5737588D17}"/>
-              </a:ext>
-            </a:extLst>
-          </p:cNvPr>
-          <p:cNvPicPr>
-            <a:picLocks noChangeAspect="1"/>
-          </p:cNvPicPr>
-          <p:nvPr/>
-        </p:nvPicPr>
-        <p:blipFill>
-          <a:blip r:embed="rId8">
-            <a:extLst>
-              <a:ext uri="{28A0092B-C50C-407E-A947-70E740481C1C}">
-                <a14:useLocalDpi xmlns:a14="http://schemas.microsoft.com/office/drawing/2010/main" val="0"/>
-              </a:ext>
-            </a:extLst>
-          </a:blip>
-          <a:stretch>
-            <a:fillRect/>
-          </a:stretch>
-        </p:blipFill>
-        <p:spPr>
-          <a:xfrm>
-            <a:off x="765228" y="2660170"/>
-            <a:ext cx="1359080" cy="1359080"/>
-          </a:xfrm>
-          <a:prstGeom prst="rect">
-            <a:avLst/>
-          </a:prstGeom>
-        </p:spPr>
-      </p:pic>
-      <p:sp>
-        <p:nvSpPr>
-          <p:cNvPr id="27" name="Title 2">
-            <a:extLst>
-              <a:ext uri="{FF2B5EF4-FFF2-40B4-BE49-F238E27FC236}">
-                <a16:creationId xmlns:a16="http://schemas.microsoft.com/office/drawing/2014/main" id="{2EF610DF-0161-4429-A9EF-92F181936B09}"/>
-              </a:ext>
-            </a:extLst>
-          </p:cNvPr>
-          <p:cNvSpPr txBox="1">
-            <a:spLocks/>
-          </p:cNvSpPr>
-          <p:nvPr/>
-        </p:nvSpPr>
-        <p:spPr>
-          <a:xfrm>
-            <a:off x="41348" y="2321128"/>
-            <a:ext cx="2779953" cy="427134"/>
-          </a:xfrm>
-          <a:prstGeom prst="rect">
-            <a:avLst/>
-          </a:prstGeom>
-          <a:effectLst/>
-        </p:spPr>
-        <p:txBody>
-          <a:bodyPr vert="horz" lIns="91440" tIns="45720" rIns="91440" bIns="45720" rtlCol="0" anchor="ctr">
-            <a:normAutofit/>
-          </a:bodyPr>
-          <a:lstStyle>
-            <a:lvl1pPr algn="ctr" defTabSz="487695" rtl="0" eaLnBrk="1" latinLnBrk="0" hangingPunct="1">
-              <a:spcBef>
-                <a:spcPct val="0"/>
-              </a:spcBef>
-              <a:buNone/>
-              <a:defRPr sz="4267" kern="1200" cap="none">
-                <a:ln w="3175" cmpd="sng">
-                  <a:noFill/>
-                </a:ln>
-                <a:solidFill>
-                  <a:schemeClr val="accent6">
-                    <a:lumMod val="50000"/>
-                  </a:schemeClr>
-                </a:solidFill>
-                <a:effectLst/>
-                <a:latin typeface="+mj-lt"/>
-                <a:ea typeface="+mj-ea"/>
-                <a:cs typeface="+mj-cs"/>
-              </a:defRPr>
-            </a:lvl1pPr>
-            <a:lvl2pPr eaLnBrk="1" hangingPunct="1">
-              <a:defRPr>
-                <a:solidFill>
-                  <a:schemeClr val="tx2"/>
-                </a:solidFill>
-              </a:defRPr>
-            </a:lvl2pPr>
-            <a:lvl3pPr eaLnBrk="1" hangingPunct="1">
-              <a:defRPr>
-                <a:solidFill>
-                  <a:schemeClr val="tx2"/>
-                </a:solidFill>
-              </a:defRPr>
-            </a:lvl3pPr>
-            <a:lvl4pPr eaLnBrk="1" hangingPunct="1">
-              <a:defRPr>
-                <a:solidFill>
-                  <a:schemeClr val="tx2"/>
-                </a:solidFill>
-              </a:defRPr>
-            </a:lvl4pPr>
-            <a:lvl5pPr eaLnBrk="1" hangingPunct="1">
-              <a:defRPr>
-                <a:solidFill>
-                  <a:schemeClr val="tx2"/>
-                </a:solidFill>
-              </a:defRPr>
-            </a:lvl5pPr>
-            <a:lvl6pPr eaLnBrk="1" hangingPunct="1">
-              <a:defRPr>
-                <a:solidFill>
-                  <a:schemeClr val="tx2"/>
-                </a:solidFill>
-              </a:defRPr>
-            </a:lvl6pPr>
-            <a:lvl7pPr eaLnBrk="1" hangingPunct="1">
-              <a:defRPr>
-                <a:solidFill>
-                  <a:schemeClr val="tx2"/>
-                </a:solidFill>
-              </a:defRPr>
-            </a:lvl7pPr>
-            <a:lvl8pPr eaLnBrk="1" hangingPunct="1">
-              <a:defRPr>
-                <a:solidFill>
-                  <a:schemeClr val="tx2"/>
-                </a:solidFill>
-              </a:defRPr>
-            </a:lvl8pPr>
-            <a:lvl9pPr eaLnBrk="1" hangingPunct="1">
-              <a:defRPr>
-                <a:solidFill>
-                  <a:schemeClr val="tx2"/>
-                </a:solidFill>
-              </a:defRPr>
-            </a:lvl9pPr>
-          </a:lstStyle>
-          <a:p>
-            <a:r>
-              <a:rPr lang="en-US" sz="1800" dirty="0"/>
-              <a:t>Sponsor Make-a-wish</a:t>
-            </a:r>
-          </a:p>
-        </p:txBody>
-      </p:sp>
-      <p:pic>
-        <p:nvPicPr>
-          <p:cNvPr id="28" name="Picture 27" descr="Icon&#10;&#10;Description automatically generated">
-            <a:extLst>
-              <a:ext uri="{FF2B5EF4-FFF2-40B4-BE49-F238E27FC236}">
-                <a16:creationId xmlns:a16="http://schemas.microsoft.com/office/drawing/2014/main" id="{E416AA16-65C3-42DD-A599-D04B5224D4AF}"/>
-              </a:ext>
-            </a:extLst>
-          </p:cNvPr>
-          <p:cNvPicPr>
-            <a:picLocks noChangeAspect="1"/>
-          </p:cNvPicPr>
-          <p:nvPr/>
-        </p:nvPicPr>
-        <p:blipFill>
-          <a:blip r:embed="rId9">
-            <a:extLst>
-              <a:ext uri="{28A0092B-C50C-407E-A947-70E740481C1C}">
-                <a14:useLocalDpi xmlns:a14="http://schemas.microsoft.com/office/drawing/2010/main" val="0"/>
-              </a:ext>
-            </a:extLst>
-          </a:blip>
-          <a:stretch>
-            <a:fillRect/>
-          </a:stretch>
-        </p:blipFill>
-        <p:spPr>
-          <a:xfrm>
-            <a:off x="3267113" y="2771375"/>
-            <a:ext cx="1136669" cy="1136669"/>
-          </a:xfrm>
-          <a:prstGeom prst="rect">
-            <a:avLst/>
-          </a:prstGeom>
-        </p:spPr>
-      </p:pic>
-      <p:sp>
-        <p:nvSpPr>
-          <p:cNvPr id="29" name="Title 2">
-            <a:extLst>
-              <a:ext uri="{FF2B5EF4-FFF2-40B4-BE49-F238E27FC236}">
-                <a16:creationId xmlns:a16="http://schemas.microsoft.com/office/drawing/2014/main" id="{354452D2-7BE6-422E-A5F9-7D32BA43DDDD}"/>
-              </a:ext>
-            </a:extLst>
-          </p:cNvPr>
-          <p:cNvSpPr txBox="1">
-            <a:spLocks/>
-          </p:cNvSpPr>
-          <p:nvPr/>
-        </p:nvSpPr>
-        <p:spPr>
-          <a:xfrm>
-            <a:off x="2503077" y="2336060"/>
-            <a:ext cx="2779953" cy="427134"/>
-          </a:xfrm>
-          <a:prstGeom prst="rect">
-            <a:avLst/>
-          </a:prstGeom>
-          <a:effectLst/>
-        </p:spPr>
-        <p:txBody>
-          <a:bodyPr vert="horz" lIns="91440" tIns="45720" rIns="91440" bIns="45720" rtlCol="0" anchor="ctr">
-            <a:normAutofit/>
-          </a:bodyPr>
-          <a:lstStyle>
-            <a:lvl1pPr algn="ctr" defTabSz="487695" rtl="0" eaLnBrk="1" latinLnBrk="0" hangingPunct="1">
-              <a:spcBef>
-                <a:spcPct val="0"/>
-              </a:spcBef>
-              <a:buNone/>
-              <a:defRPr sz="4267" kern="1200" cap="none">
-                <a:ln w="3175" cmpd="sng">
-                  <a:noFill/>
-                </a:ln>
-                <a:solidFill>
-                  <a:schemeClr val="accent6">
-                    <a:lumMod val="50000"/>
-                  </a:schemeClr>
-                </a:solidFill>
-                <a:effectLst/>
-                <a:latin typeface="+mj-lt"/>
-                <a:ea typeface="+mj-ea"/>
-                <a:cs typeface="+mj-cs"/>
-              </a:defRPr>
-            </a:lvl1pPr>
-            <a:lvl2pPr eaLnBrk="1" hangingPunct="1">
-              <a:defRPr>
-                <a:solidFill>
-                  <a:schemeClr val="tx2"/>
-                </a:solidFill>
-              </a:defRPr>
-            </a:lvl2pPr>
-            <a:lvl3pPr eaLnBrk="1" hangingPunct="1">
-              <a:defRPr>
-                <a:solidFill>
-                  <a:schemeClr val="tx2"/>
-                </a:solidFill>
-              </a:defRPr>
-            </a:lvl3pPr>
-            <a:lvl4pPr eaLnBrk="1" hangingPunct="1">
-              <a:defRPr>
-                <a:solidFill>
-                  <a:schemeClr val="tx2"/>
-                </a:solidFill>
-              </a:defRPr>
-            </a:lvl4pPr>
-            <a:lvl5pPr eaLnBrk="1" hangingPunct="1">
-              <a:defRPr>
-                <a:solidFill>
-                  <a:schemeClr val="tx2"/>
-                </a:solidFill>
-              </a:defRPr>
-            </a:lvl5pPr>
-            <a:lvl6pPr eaLnBrk="1" hangingPunct="1">
-              <a:defRPr>
-                <a:solidFill>
-                  <a:schemeClr val="tx2"/>
-                </a:solidFill>
-              </a:defRPr>
-            </a:lvl6pPr>
-            <a:lvl7pPr eaLnBrk="1" hangingPunct="1">
-              <a:defRPr>
-                <a:solidFill>
-                  <a:schemeClr val="tx2"/>
-                </a:solidFill>
-              </a:defRPr>
-            </a:lvl7pPr>
-            <a:lvl8pPr eaLnBrk="1" hangingPunct="1">
-              <a:defRPr>
-                <a:solidFill>
-                  <a:schemeClr val="tx2"/>
-                </a:solidFill>
-              </a:defRPr>
-            </a:lvl8pPr>
-            <a:lvl9pPr eaLnBrk="1" hangingPunct="1">
-              <a:defRPr>
-                <a:solidFill>
-                  <a:schemeClr val="tx2"/>
-                </a:solidFill>
-              </a:defRPr>
-            </a:lvl9pPr>
-          </a:lstStyle>
-          <a:p>
-            <a:r>
-              <a:rPr lang="en-US" sz="1800" dirty="0"/>
-              <a:t>Donation for Treatment</a:t>
-            </a:r>
-          </a:p>
-        </p:txBody>
-      </p:sp>
-    </p:spTree>
-    <p:extLst>
-      <p:ext uri="{BB962C8B-B14F-4D97-AF65-F5344CB8AC3E}">
-        <p14:creationId xmlns:p14="http://schemas.microsoft.com/office/powerpoint/2010/main" val="1258653468"/>
-      </p:ext>
-    </p:extLst>
-  </p:cSld>
-  <p:clrMapOvr>
-    <a:masterClrMapping/>
-  </p:clrMapOvr>
-</p:sld>
-</file>
-
 <file path=ppt/slides/slide5.xml><?xml version="1.0" encoding="utf-8"?>
 <p:sld xmlns:a="http://schemas.openxmlformats.org/drawingml/2006/main" xmlns:r="http://schemas.openxmlformats.org/officeDocument/2006/relationships" xmlns:p="http://schemas.openxmlformats.org/presentationml/2006/main">
   <p:cSld>
@@ -14623,23 +13910,41 @@
           </a:bodyPr>
           <a:lstStyle/>
           <a:p>
-            <a:pPr marL="0" marR="0" lvl="0" indent="0" algn="l" defTabSz="609585" rtl="0" eaLnBrk="1" fontAlgn="auto" latinLnBrk="0" hangingPunct="1">
-              <a:lnSpc>
-                <a:spcPct val="100000"/>
-              </a:lnSpc>
-              <a:spcBef>
-                <a:spcPts val="0"/>
-              </a:spcBef>
-              <a:spcAft>
-                <a:spcPts val="0"/>
-              </a:spcAft>
-              <a:buClrTx/>
-              <a:buSzTx/>
-              <a:buFontTx/>
-              <a:buNone/>
-              <a:tabLst/>
+            <a:pPr lvl="0" defTabSz="609585">
               <a:defRPr/>
             </a:pPr>
+            <a:r>
+              <a:rPr lang="en-US" sz="2800" b="1" dirty="0">
+                <a:solidFill>
+                  <a:schemeClr val="bg1"/>
+                </a:solidFill>
+              </a:rPr>
+              <a:t>Doctor/Psychiatrist </a:t>
+            </a:r>
+            <a:r>
+              <a:rPr kumimoji="0" lang="en-US" sz="2800" b="1" i="0" u="none" strike="noStrike" kern="1200" cap="none" spc="0" normalizeH="0" baseline="0" dirty="0">
+                <a:ln>
+                  <a:noFill/>
+                </a:ln>
+                <a:solidFill>
+                  <a:schemeClr val="bg1"/>
+                </a:solidFill>
+                <a:effectLst/>
+                <a:uLnTx/>
+                <a:uFillTx/>
+                <a:latin typeface="Calibri"/>
+              </a:rPr>
+              <a:t>Functional</a:t>
+            </a:r>
+            <a:r>
+              <a:rPr lang="en-US" sz="2800" b="1" dirty="0">
+                <a:solidFill>
+                  <a:schemeClr val="bg1"/>
+                </a:solidFill>
+                <a:latin typeface="Calibri"/>
+              </a:rPr>
+              <a:t>ities</a:t>
+            </a:r>
             <a:endParaRPr kumimoji="0" lang="en-US" sz="2800" b="1" i="0" u="none" strike="noStrike" kern="1200" cap="none" spc="0" normalizeH="0" baseline="0" noProof="0" dirty="0">
               <a:ln>
                 <a:noFill/>
@@ -14691,6 +13996,1697 @@
           </a:prstGeom>
         </p:spPr>
       </p:pic>
+      <p:pic>
+        <p:nvPicPr>
+          <p:cNvPr id="4" name="Picture 10" descr="Secure File Sharing | Improve Your IT | Baltimore MD IT Support">
+            <a:extLst>
+              <a:ext uri="{FF2B5EF4-FFF2-40B4-BE49-F238E27FC236}">
+                <a16:creationId xmlns:a16="http://schemas.microsoft.com/office/drawing/2014/main" id="{547B445B-A03D-40B6-A2A8-806497F78153}"/>
+              </a:ext>
+            </a:extLst>
+          </p:cNvPr>
+          <p:cNvPicPr>
+            <a:picLocks noChangeAspect="1" noChangeArrowheads="1"/>
+          </p:cNvPicPr>
+          <p:nvPr/>
+        </p:nvPicPr>
+        <p:blipFill rotWithShape="1">
+          <a:blip r:embed="rId3">
+            <a:extLst>
+              <a:ext uri="{28A0092B-C50C-407E-A947-70E740481C1C}">
+                <a14:useLocalDpi xmlns:a14="http://schemas.microsoft.com/office/drawing/2010/main" val="0"/>
+              </a:ext>
+            </a:extLst>
+          </a:blip>
+          <a:srcRect l="6317" t="2882" r="4545" b="10842"/>
+          <a:stretch/>
+        </p:blipFill>
+        <p:spPr bwMode="auto">
+          <a:xfrm>
+            <a:off x="530906" y="926818"/>
+            <a:ext cx="1857375" cy="1438200"/>
+          </a:xfrm>
+          <a:prstGeom prst="rect">
+            <a:avLst/>
+          </a:prstGeom>
+          <a:noFill/>
+          <a:extLst>
+            <a:ext uri="{909E8E84-426E-40DD-AFC4-6F175D3DCCD1}">
+              <a14:hiddenFill xmlns:a14="http://schemas.microsoft.com/office/drawing/2010/main">
+                <a:solidFill>
+                  <a:srgbClr val="FFFFFF"/>
+                </a:solidFill>
+              </a14:hiddenFill>
+            </a:ext>
+          </a:extLst>
+        </p:spPr>
+      </p:pic>
+      <p:sp>
+        <p:nvSpPr>
+          <p:cNvPr id="6" name="Title 2">
+            <a:extLst>
+              <a:ext uri="{FF2B5EF4-FFF2-40B4-BE49-F238E27FC236}">
+                <a16:creationId xmlns:a16="http://schemas.microsoft.com/office/drawing/2014/main" id="{71F168FD-9F63-42B5-B7E9-D91AA5E81E79}"/>
+              </a:ext>
+            </a:extLst>
+          </p:cNvPr>
+          <p:cNvSpPr txBox="1">
+            <a:spLocks/>
+          </p:cNvSpPr>
+          <p:nvPr/>
+        </p:nvSpPr>
+        <p:spPr>
+          <a:xfrm>
+            <a:off x="69616" y="676692"/>
+            <a:ext cx="2779953" cy="427134"/>
+          </a:xfrm>
+          <a:prstGeom prst="rect">
+            <a:avLst/>
+          </a:prstGeom>
+          <a:effectLst/>
+        </p:spPr>
+        <p:txBody>
+          <a:bodyPr vert="horz" lIns="91440" tIns="45720" rIns="91440" bIns="45720" rtlCol="0" anchor="ctr">
+            <a:normAutofit/>
+          </a:bodyPr>
+          <a:lstStyle>
+            <a:lvl1pPr algn="ctr" defTabSz="487695" rtl="0" eaLnBrk="1" latinLnBrk="0" hangingPunct="1">
+              <a:spcBef>
+                <a:spcPct val="0"/>
+              </a:spcBef>
+              <a:buNone/>
+              <a:defRPr sz="4267" kern="1200" cap="none">
+                <a:ln w="3175" cmpd="sng">
+                  <a:noFill/>
+                </a:ln>
+                <a:solidFill>
+                  <a:schemeClr val="accent6">
+                    <a:lumMod val="50000"/>
+                  </a:schemeClr>
+                </a:solidFill>
+                <a:effectLst/>
+                <a:latin typeface="+mj-lt"/>
+                <a:ea typeface="+mj-ea"/>
+                <a:cs typeface="+mj-cs"/>
+              </a:defRPr>
+            </a:lvl1pPr>
+            <a:lvl2pPr eaLnBrk="1" hangingPunct="1">
+              <a:defRPr>
+                <a:solidFill>
+                  <a:schemeClr val="tx2"/>
+                </a:solidFill>
+              </a:defRPr>
+            </a:lvl2pPr>
+            <a:lvl3pPr eaLnBrk="1" hangingPunct="1">
+              <a:defRPr>
+                <a:solidFill>
+                  <a:schemeClr val="tx2"/>
+                </a:solidFill>
+              </a:defRPr>
+            </a:lvl3pPr>
+            <a:lvl4pPr eaLnBrk="1" hangingPunct="1">
+              <a:defRPr>
+                <a:solidFill>
+                  <a:schemeClr val="tx2"/>
+                </a:solidFill>
+              </a:defRPr>
+            </a:lvl4pPr>
+            <a:lvl5pPr eaLnBrk="1" hangingPunct="1">
+              <a:defRPr>
+                <a:solidFill>
+                  <a:schemeClr val="tx2"/>
+                </a:solidFill>
+              </a:defRPr>
+            </a:lvl5pPr>
+            <a:lvl6pPr eaLnBrk="1" hangingPunct="1">
+              <a:defRPr>
+                <a:solidFill>
+                  <a:schemeClr val="tx2"/>
+                </a:solidFill>
+              </a:defRPr>
+            </a:lvl6pPr>
+            <a:lvl7pPr eaLnBrk="1" hangingPunct="1">
+              <a:defRPr>
+                <a:solidFill>
+                  <a:schemeClr val="tx2"/>
+                </a:solidFill>
+              </a:defRPr>
+            </a:lvl7pPr>
+            <a:lvl8pPr eaLnBrk="1" hangingPunct="1">
+              <a:defRPr>
+                <a:solidFill>
+                  <a:schemeClr val="tx2"/>
+                </a:solidFill>
+              </a:defRPr>
+            </a:lvl8pPr>
+            <a:lvl9pPr eaLnBrk="1" hangingPunct="1">
+              <a:defRPr>
+                <a:solidFill>
+                  <a:schemeClr val="tx2"/>
+                </a:solidFill>
+              </a:defRPr>
+            </a:lvl9pPr>
+          </a:lstStyle>
+          <a:p>
+            <a:r>
+              <a:rPr lang="en-US" sz="1800" dirty="0"/>
+              <a:t>Secure File Sharing</a:t>
+            </a:r>
+          </a:p>
+        </p:txBody>
+      </p:sp>
+      <p:pic>
+        <p:nvPicPr>
+          <p:cNvPr id="8" name="Picture 7" descr="Icon&#10;&#10;Description automatically generated">
+            <a:extLst>
+              <a:ext uri="{FF2B5EF4-FFF2-40B4-BE49-F238E27FC236}">
+                <a16:creationId xmlns:a16="http://schemas.microsoft.com/office/drawing/2014/main" id="{C3927829-755E-415E-B686-63C76B7D2724}"/>
+              </a:ext>
+            </a:extLst>
+          </p:cNvPr>
+          <p:cNvPicPr>
+            <a:picLocks noChangeAspect="1"/>
+          </p:cNvPicPr>
+          <p:nvPr/>
+        </p:nvPicPr>
+        <p:blipFill>
+          <a:blip r:embed="rId4">
+            <a:extLst>
+              <a:ext uri="{28A0092B-C50C-407E-A947-70E740481C1C}">
+                <a14:useLocalDpi xmlns:a14="http://schemas.microsoft.com/office/drawing/2010/main" val="0"/>
+              </a:ext>
+            </a:extLst>
+          </a:blip>
+          <a:stretch>
+            <a:fillRect/>
+          </a:stretch>
+        </p:blipFill>
+        <p:spPr>
+          <a:xfrm>
+            <a:off x="3107807" y="1083914"/>
+            <a:ext cx="1150134" cy="1150134"/>
+          </a:xfrm>
+          <a:prstGeom prst="rect">
+            <a:avLst/>
+          </a:prstGeom>
+        </p:spPr>
+      </p:pic>
+      <p:sp>
+        <p:nvSpPr>
+          <p:cNvPr id="9" name="Title 2">
+            <a:extLst>
+              <a:ext uri="{FF2B5EF4-FFF2-40B4-BE49-F238E27FC236}">
+                <a16:creationId xmlns:a16="http://schemas.microsoft.com/office/drawing/2014/main" id="{8633C1BD-75FD-4A0A-9E6E-42C993E5813C}"/>
+              </a:ext>
+            </a:extLst>
+          </p:cNvPr>
+          <p:cNvSpPr txBox="1">
+            <a:spLocks/>
+          </p:cNvSpPr>
+          <p:nvPr/>
+        </p:nvSpPr>
+        <p:spPr>
+          <a:xfrm>
+            <a:off x="2292897" y="656780"/>
+            <a:ext cx="2779953" cy="427134"/>
+          </a:xfrm>
+          <a:prstGeom prst="rect">
+            <a:avLst/>
+          </a:prstGeom>
+          <a:effectLst/>
+        </p:spPr>
+        <p:txBody>
+          <a:bodyPr vert="horz" lIns="91440" tIns="45720" rIns="91440" bIns="45720" rtlCol="0" anchor="ctr">
+            <a:normAutofit/>
+          </a:bodyPr>
+          <a:lstStyle>
+            <a:lvl1pPr algn="ctr" defTabSz="487695" rtl="0" eaLnBrk="1" latinLnBrk="0" hangingPunct="1">
+              <a:spcBef>
+                <a:spcPct val="0"/>
+              </a:spcBef>
+              <a:buNone/>
+              <a:defRPr sz="4267" kern="1200" cap="none">
+                <a:ln w="3175" cmpd="sng">
+                  <a:noFill/>
+                </a:ln>
+                <a:solidFill>
+                  <a:schemeClr val="accent6">
+                    <a:lumMod val="50000"/>
+                  </a:schemeClr>
+                </a:solidFill>
+                <a:effectLst/>
+                <a:latin typeface="+mj-lt"/>
+                <a:ea typeface="+mj-ea"/>
+                <a:cs typeface="+mj-cs"/>
+              </a:defRPr>
+            </a:lvl1pPr>
+            <a:lvl2pPr eaLnBrk="1" hangingPunct="1">
+              <a:defRPr>
+                <a:solidFill>
+                  <a:schemeClr val="tx2"/>
+                </a:solidFill>
+              </a:defRPr>
+            </a:lvl2pPr>
+            <a:lvl3pPr eaLnBrk="1" hangingPunct="1">
+              <a:defRPr>
+                <a:solidFill>
+                  <a:schemeClr val="tx2"/>
+                </a:solidFill>
+              </a:defRPr>
+            </a:lvl3pPr>
+            <a:lvl4pPr eaLnBrk="1" hangingPunct="1">
+              <a:defRPr>
+                <a:solidFill>
+                  <a:schemeClr val="tx2"/>
+                </a:solidFill>
+              </a:defRPr>
+            </a:lvl4pPr>
+            <a:lvl5pPr eaLnBrk="1" hangingPunct="1">
+              <a:defRPr>
+                <a:solidFill>
+                  <a:schemeClr val="tx2"/>
+                </a:solidFill>
+              </a:defRPr>
+            </a:lvl5pPr>
+            <a:lvl6pPr eaLnBrk="1" hangingPunct="1">
+              <a:defRPr>
+                <a:solidFill>
+                  <a:schemeClr val="tx2"/>
+                </a:solidFill>
+              </a:defRPr>
+            </a:lvl6pPr>
+            <a:lvl7pPr eaLnBrk="1" hangingPunct="1">
+              <a:defRPr>
+                <a:solidFill>
+                  <a:schemeClr val="tx2"/>
+                </a:solidFill>
+              </a:defRPr>
+            </a:lvl7pPr>
+            <a:lvl8pPr eaLnBrk="1" hangingPunct="1">
+              <a:defRPr>
+                <a:solidFill>
+                  <a:schemeClr val="tx2"/>
+                </a:solidFill>
+              </a:defRPr>
+            </a:lvl8pPr>
+            <a:lvl9pPr eaLnBrk="1" hangingPunct="1">
+              <a:defRPr>
+                <a:solidFill>
+                  <a:schemeClr val="tx2"/>
+                </a:solidFill>
+              </a:defRPr>
+            </a:lvl9pPr>
+          </a:lstStyle>
+          <a:p>
+            <a:r>
+              <a:rPr lang="en-US" sz="1800" dirty="0"/>
+              <a:t>Live Chat</a:t>
+            </a:r>
+          </a:p>
+        </p:txBody>
+      </p:sp>
+      <p:pic>
+        <p:nvPicPr>
+          <p:cNvPr id="11" name="Picture 10" descr="Icon&#10;&#10;Description automatically generated">
+            <a:extLst>
+              <a:ext uri="{FF2B5EF4-FFF2-40B4-BE49-F238E27FC236}">
+                <a16:creationId xmlns:a16="http://schemas.microsoft.com/office/drawing/2014/main" id="{C296722F-9A5E-4995-8659-CD5B45B6EAC4}"/>
+              </a:ext>
+            </a:extLst>
+          </p:cNvPr>
+          <p:cNvPicPr>
+            <a:picLocks noChangeAspect="1"/>
+          </p:cNvPicPr>
+          <p:nvPr/>
+        </p:nvPicPr>
+        <p:blipFill>
+          <a:blip r:embed="rId5">
+            <a:extLst>
+              <a:ext uri="{28A0092B-C50C-407E-A947-70E740481C1C}">
+                <a14:useLocalDpi xmlns:a14="http://schemas.microsoft.com/office/drawing/2010/main" val="0"/>
+              </a:ext>
+            </a:extLst>
+          </a:blip>
+          <a:stretch>
+            <a:fillRect/>
+          </a:stretch>
+        </p:blipFill>
+        <p:spPr>
+          <a:xfrm>
+            <a:off x="5369357" y="1103826"/>
+            <a:ext cx="1150134" cy="1150134"/>
+          </a:xfrm>
+          <a:prstGeom prst="rect">
+            <a:avLst/>
+          </a:prstGeom>
+        </p:spPr>
+      </p:pic>
+      <p:sp>
+        <p:nvSpPr>
+          <p:cNvPr id="12" name="Title 2">
+            <a:extLst>
+              <a:ext uri="{FF2B5EF4-FFF2-40B4-BE49-F238E27FC236}">
+                <a16:creationId xmlns:a16="http://schemas.microsoft.com/office/drawing/2014/main" id="{9CEFEC0C-9946-43F1-9D48-9792D7EB793B}"/>
+              </a:ext>
+            </a:extLst>
+          </p:cNvPr>
+          <p:cNvSpPr txBox="1">
+            <a:spLocks/>
+          </p:cNvSpPr>
+          <p:nvPr/>
+        </p:nvSpPr>
+        <p:spPr>
+          <a:xfrm>
+            <a:off x="4554447" y="624839"/>
+            <a:ext cx="2779953" cy="427134"/>
+          </a:xfrm>
+          <a:prstGeom prst="rect">
+            <a:avLst/>
+          </a:prstGeom>
+          <a:effectLst/>
+        </p:spPr>
+        <p:txBody>
+          <a:bodyPr vert="horz" lIns="91440" tIns="45720" rIns="91440" bIns="45720" rtlCol="0" anchor="ctr">
+            <a:normAutofit fontScale="92500"/>
+          </a:bodyPr>
+          <a:lstStyle>
+            <a:lvl1pPr algn="ctr" defTabSz="487695" rtl="0" eaLnBrk="1" latinLnBrk="0" hangingPunct="1">
+              <a:spcBef>
+                <a:spcPct val="0"/>
+              </a:spcBef>
+              <a:buNone/>
+              <a:defRPr sz="4267" kern="1200" cap="none">
+                <a:ln w="3175" cmpd="sng">
+                  <a:noFill/>
+                </a:ln>
+                <a:solidFill>
+                  <a:schemeClr val="accent6">
+                    <a:lumMod val="50000"/>
+                  </a:schemeClr>
+                </a:solidFill>
+                <a:effectLst/>
+                <a:latin typeface="+mj-lt"/>
+                <a:ea typeface="+mj-ea"/>
+                <a:cs typeface="+mj-cs"/>
+              </a:defRPr>
+            </a:lvl1pPr>
+            <a:lvl2pPr eaLnBrk="1" hangingPunct="1">
+              <a:defRPr>
+                <a:solidFill>
+                  <a:schemeClr val="tx2"/>
+                </a:solidFill>
+              </a:defRPr>
+            </a:lvl2pPr>
+            <a:lvl3pPr eaLnBrk="1" hangingPunct="1">
+              <a:defRPr>
+                <a:solidFill>
+                  <a:schemeClr val="tx2"/>
+                </a:solidFill>
+              </a:defRPr>
+            </a:lvl3pPr>
+            <a:lvl4pPr eaLnBrk="1" hangingPunct="1">
+              <a:defRPr>
+                <a:solidFill>
+                  <a:schemeClr val="tx2"/>
+                </a:solidFill>
+              </a:defRPr>
+            </a:lvl4pPr>
+            <a:lvl5pPr eaLnBrk="1" hangingPunct="1">
+              <a:defRPr>
+                <a:solidFill>
+                  <a:schemeClr val="tx2"/>
+                </a:solidFill>
+              </a:defRPr>
+            </a:lvl5pPr>
+            <a:lvl6pPr eaLnBrk="1" hangingPunct="1">
+              <a:defRPr>
+                <a:solidFill>
+                  <a:schemeClr val="tx2"/>
+                </a:solidFill>
+              </a:defRPr>
+            </a:lvl6pPr>
+            <a:lvl7pPr eaLnBrk="1" hangingPunct="1">
+              <a:defRPr>
+                <a:solidFill>
+                  <a:schemeClr val="tx2"/>
+                </a:solidFill>
+              </a:defRPr>
+            </a:lvl7pPr>
+            <a:lvl8pPr eaLnBrk="1" hangingPunct="1">
+              <a:defRPr>
+                <a:solidFill>
+                  <a:schemeClr val="tx2"/>
+                </a:solidFill>
+              </a:defRPr>
+            </a:lvl8pPr>
+            <a:lvl9pPr eaLnBrk="1" hangingPunct="1">
+              <a:defRPr>
+                <a:solidFill>
+                  <a:schemeClr val="tx2"/>
+                </a:solidFill>
+              </a:defRPr>
+            </a:lvl9pPr>
+          </a:lstStyle>
+          <a:p>
+            <a:r>
+              <a:rPr lang="en-US" sz="1800" dirty="0"/>
+              <a:t>Appointment Management</a:t>
+            </a:r>
+          </a:p>
+        </p:txBody>
+      </p:sp>
+      <p:pic>
+        <p:nvPicPr>
+          <p:cNvPr id="14" name="Picture 13" descr="Icon&#10;&#10;Description automatically generated">
+            <a:extLst>
+              <a:ext uri="{FF2B5EF4-FFF2-40B4-BE49-F238E27FC236}">
+                <a16:creationId xmlns:a16="http://schemas.microsoft.com/office/drawing/2014/main" id="{EA24B46E-E955-47C4-BFD5-66D1EA43D943}"/>
+              </a:ext>
+            </a:extLst>
+          </p:cNvPr>
+          <p:cNvPicPr>
+            <a:picLocks noChangeAspect="1"/>
+          </p:cNvPicPr>
+          <p:nvPr/>
+        </p:nvPicPr>
+        <p:blipFill>
+          <a:blip r:embed="rId6">
+            <a:extLst>
+              <a:ext uri="{28A0092B-C50C-407E-A947-70E740481C1C}">
+                <a14:useLocalDpi xmlns:a14="http://schemas.microsoft.com/office/drawing/2010/main" val="0"/>
+              </a:ext>
+            </a:extLst>
+          </a:blip>
+          <a:stretch>
+            <a:fillRect/>
+          </a:stretch>
+        </p:blipFill>
+        <p:spPr>
+          <a:xfrm>
+            <a:off x="8087710" y="1146050"/>
+            <a:ext cx="1218968" cy="1218968"/>
+          </a:xfrm>
+          <a:prstGeom prst="rect">
+            <a:avLst/>
+          </a:prstGeom>
+        </p:spPr>
+      </p:pic>
+      <p:sp>
+        <p:nvSpPr>
+          <p:cNvPr id="15" name="Title 2">
+            <a:extLst>
+              <a:ext uri="{FF2B5EF4-FFF2-40B4-BE49-F238E27FC236}">
+                <a16:creationId xmlns:a16="http://schemas.microsoft.com/office/drawing/2014/main" id="{054DD083-ED64-458B-877B-167163A81E9D}"/>
+              </a:ext>
+            </a:extLst>
+          </p:cNvPr>
+          <p:cNvSpPr txBox="1">
+            <a:spLocks/>
+          </p:cNvSpPr>
+          <p:nvPr/>
+        </p:nvSpPr>
+        <p:spPr>
+          <a:xfrm>
+            <a:off x="7436985" y="646609"/>
+            <a:ext cx="2779953" cy="427134"/>
+          </a:xfrm>
+          <a:prstGeom prst="rect">
+            <a:avLst/>
+          </a:prstGeom>
+          <a:effectLst/>
+        </p:spPr>
+        <p:txBody>
+          <a:bodyPr vert="horz" lIns="91440" tIns="45720" rIns="91440" bIns="45720" rtlCol="0" anchor="ctr">
+            <a:normAutofit/>
+          </a:bodyPr>
+          <a:lstStyle>
+            <a:lvl1pPr algn="ctr" defTabSz="487695" rtl="0" eaLnBrk="1" latinLnBrk="0" hangingPunct="1">
+              <a:spcBef>
+                <a:spcPct val="0"/>
+              </a:spcBef>
+              <a:buNone/>
+              <a:defRPr sz="4267" kern="1200" cap="none">
+                <a:ln w="3175" cmpd="sng">
+                  <a:noFill/>
+                </a:ln>
+                <a:solidFill>
+                  <a:schemeClr val="accent6">
+                    <a:lumMod val="50000"/>
+                  </a:schemeClr>
+                </a:solidFill>
+                <a:effectLst/>
+                <a:latin typeface="+mj-lt"/>
+                <a:ea typeface="+mj-ea"/>
+                <a:cs typeface="+mj-cs"/>
+              </a:defRPr>
+            </a:lvl1pPr>
+            <a:lvl2pPr eaLnBrk="1" hangingPunct="1">
+              <a:defRPr>
+                <a:solidFill>
+                  <a:schemeClr val="tx2"/>
+                </a:solidFill>
+              </a:defRPr>
+            </a:lvl2pPr>
+            <a:lvl3pPr eaLnBrk="1" hangingPunct="1">
+              <a:defRPr>
+                <a:solidFill>
+                  <a:schemeClr val="tx2"/>
+                </a:solidFill>
+              </a:defRPr>
+            </a:lvl3pPr>
+            <a:lvl4pPr eaLnBrk="1" hangingPunct="1">
+              <a:defRPr>
+                <a:solidFill>
+                  <a:schemeClr val="tx2"/>
+                </a:solidFill>
+              </a:defRPr>
+            </a:lvl4pPr>
+            <a:lvl5pPr eaLnBrk="1" hangingPunct="1">
+              <a:defRPr>
+                <a:solidFill>
+                  <a:schemeClr val="tx2"/>
+                </a:solidFill>
+              </a:defRPr>
+            </a:lvl5pPr>
+            <a:lvl6pPr eaLnBrk="1" hangingPunct="1">
+              <a:defRPr>
+                <a:solidFill>
+                  <a:schemeClr val="tx2"/>
+                </a:solidFill>
+              </a:defRPr>
+            </a:lvl6pPr>
+            <a:lvl7pPr eaLnBrk="1" hangingPunct="1">
+              <a:defRPr>
+                <a:solidFill>
+                  <a:schemeClr val="tx2"/>
+                </a:solidFill>
+              </a:defRPr>
+            </a:lvl7pPr>
+            <a:lvl8pPr eaLnBrk="1" hangingPunct="1">
+              <a:defRPr>
+                <a:solidFill>
+                  <a:schemeClr val="tx2"/>
+                </a:solidFill>
+              </a:defRPr>
+            </a:lvl8pPr>
+            <a:lvl9pPr eaLnBrk="1" hangingPunct="1">
+              <a:defRPr>
+                <a:solidFill>
+                  <a:schemeClr val="tx2"/>
+                </a:solidFill>
+              </a:defRPr>
+            </a:lvl9pPr>
+          </a:lstStyle>
+          <a:p>
+            <a:r>
+              <a:rPr lang="en-US" sz="1800" dirty="0"/>
+              <a:t>Motivational Counseling</a:t>
+            </a:r>
+          </a:p>
+        </p:txBody>
+      </p:sp>
+      <p:sp>
+        <p:nvSpPr>
+          <p:cNvPr id="16" name="Snip Diagonal Corner Rectangle 5">
+            <a:extLst>
+              <a:ext uri="{FF2B5EF4-FFF2-40B4-BE49-F238E27FC236}">
+                <a16:creationId xmlns:a16="http://schemas.microsoft.com/office/drawing/2014/main" id="{164D65E5-4441-4472-8952-46B7B790A9B2}"/>
+              </a:ext>
+            </a:extLst>
+          </p:cNvPr>
+          <p:cNvSpPr/>
+          <p:nvPr/>
+        </p:nvSpPr>
+        <p:spPr>
+          <a:xfrm>
+            <a:off x="213682" y="4133273"/>
+            <a:ext cx="7908861" cy="484853"/>
+          </a:xfrm>
+          <a:prstGeom prst="snip2DiagRect">
+            <a:avLst/>
+          </a:prstGeom>
+          <a:solidFill>
+            <a:srgbClr val="F45B8E"/>
+          </a:solidFill>
+          <a:ln w="25400" cap="flat">
+            <a:solidFill>
+              <a:srgbClr val="4ABDDD"/>
+            </a:solidFill>
+            <a:prstDash val="solid"/>
+            <a:round/>
+          </a:ln>
+          <a:effectLst/>
+          <a:scene3d>
+            <a:camera prst="orthographicFront">
+              <a:rot lat="0" lon="0" rev="0"/>
+            </a:camera>
+            <a:lightRig rig="contrasting" dir="t">
+              <a:rot lat="0" lon="0" rev="7800000"/>
+            </a:lightRig>
+          </a:scene3d>
+          <a:sp3d>
+            <a:bevelT w="139700" h="139700"/>
+          </a:sp3d>
+        </p:spPr>
+        <p:style>
+          <a:lnRef idx="0">
+            <a:scrgbClr r="0" g="0" b="0"/>
+          </a:lnRef>
+          <a:fillRef idx="0">
+            <a:scrgbClr r="0" g="0" b="0"/>
+          </a:fillRef>
+          <a:effectRef idx="0">
+            <a:scrgbClr r="0" g="0" b="0"/>
+          </a:effectRef>
+          <a:fontRef idx="none"/>
+        </p:style>
+        <p:txBody>
+          <a:bodyPr rot="0" spcFirstLastPara="1" vertOverflow="overflow" horzOverflow="overflow" vert="horz" wrap="square" lIns="45719" tIns="45719" rIns="45719" bIns="45719" numCol="1" spcCol="38100" rtlCol="0" anchor="ctr">
+            <a:noAutofit/>
+          </a:bodyPr>
+          <a:lstStyle/>
+          <a:p>
+            <a:pPr marL="0" marR="0" lvl="0" indent="0" algn="l" defTabSz="609585" rtl="0" eaLnBrk="1" fontAlgn="auto" latinLnBrk="0" hangingPunct="1">
+              <a:lnSpc>
+                <a:spcPct val="100000"/>
+              </a:lnSpc>
+              <a:spcBef>
+                <a:spcPts val="0"/>
+              </a:spcBef>
+              <a:spcAft>
+                <a:spcPts val="0"/>
+              </a:spcAft>
+              <a:buClrTx/>
+              <a:buSzTx/>
+              <a:buFontTx/>
+              <a:buNone/>
+              <a:tabLst/>
+              <a:defRPr/>
+            </a:pPr>
+            <a:r>
+              <a:rPr kumimoji="0" lang="en-US" sz="2800" b="1" i="0" u="none" strike="noStrike" kern="1200" cap="none" spc="0" normalizeH="0" baseline="0" dirty="0">
+                <a:ln>
+                  <a:noFill/>
+                </a:ln>
+                <a:solidFill>
+                  <a:schemeClr val="bg1"/>
+                </a:solidFill>
+                <a:effectLst/>
+                <a:uLnTx/>
+                <a:uFillTx/>
+                <a:latin typeface="Calibri"/>
+              </a:rPr>
+              <a:t>Angel Functional</a:t>
+            </a:r>
+            <a:r>
+              <a:rPr lang="en-US" sz="2800" b="1" dirty="0">
+                <a:solidFill>
+                  <a:schemeClr val="bg1"/>
+                </a:solidFill>
+                <a:latin typeface="Calibri"/>
+              </a:rPr>
+              <a:t>ities</a:t>
+            </a:r>
+            <a:endParaRPr kumimoji="0" lang="en-US" sz="2800" b="1" i="0" u="none" strike="noStrike" kern="1200" cap="none" spc="0" normalizeH="0" baseline="0" noProof="0" dirty="0">
+              <a:ln>
+                <a:noFill/>
+              </a:ln>
+              <a:solidFill>
+                <a:schemeClr val="bg1"/>
+              </a:solidFill>
+              <a:effectLst/>
+              <a:uLnTx/>
+              <a:uFillTx/>
+              <a:latin typeface="Calibri"/>
+            </a:endParaRPr>
+          </a:p>
+        </p:txBody>
+      </p:sp>
+      <p:pic>
+        <p:nvPicPr>
+          <p:cNvPr id="17" name="Picture 8" descr="Newsfeed - Free logo icons">
+            <a:extLst>
+              <a:ext uri="{FF2B5EF4-FFF2-40B4-BE49-F238E27FC236}">
+                <a16:creationId xmlns:a16="http://schemas.microsoft.com/office/drawing/2014/main" id="{2DBBF338-1CEB-4A97-A306-2CAC3E1A8E40}"/>
+              </a:ext>
+            </a:extLst>
+          </p:cNvPr>
+          <p:cNvPicPr>
+            <a:picLocks noChangeAspect="1" noChangeArrowheads="1"/>
+          </p:cNvPicPr>
+          <p:nvPr/>
+        </p:nvPicPr>
+        <p:blipFill>
+          <a:blip r:embed="rId7">
+            <a:extLst>
+              <a:ext uri="{28A0092B-C50C-407E-A947-70E740481C1C}">
+                <a14:useLocalDpi xmlns:a14="http://schemas.microsoft.com/office/drawing/2010/main" val="0"/>
+              </a:ext>
+            </a:extLst>
+          </a:blip>
+          <a:srcRect/>
+          <a:stretch>
+            <a:fillRect/>
+          </a:stretch>
+        </p:blipFill>
+        <p:spPr bwMode="auto">
+          <a:xfrm>
+            <a:off x="781878" y="5247803"/>
+            <a:ext cx="1235239" cy="1235239"/>
+          </a:xfrm>
+          <a:prstGeom prst="rect">
+            <a:avLst/>
+          </a:prstGeom>
+          <a:noFill/>
+          <a:extLst>
+            <a:ext uri="{909E8E84-426E-40DD-AFC4-6F175D3DCCD1}">
+              <a14:hiddenFill xmlns:a14="http://schemas.microsoft.com/office/drawing/2010/main">
+                <a:solidFill>
+                  <a:srgbClr val="FFFFFF"/>
+                </a:solidFill>
+              </a14:hiddenFill>
+            </a:ext>
+          </a:extLst>
+        </p:spPr>
+      </p:pic>
+      <p:sp>
+        <p:nvSpPr>
+          <p:cNvPr id="18" name="Title 2">
+            <a:extLst>
+              <a:ext uri="{FF2B5EF4-FFF2-40B4-BE49-F238E27FC236}">
+                <a16:creationId xmlns:a16="http://schemas.microsoft.com/office/drawing/2014/main" id="{5F2CA216-C3E4-4E18-A90F-E9BBAD5FDDB0}"/>
+              </a:ext>
+            </a:extLst>
+          </p:cNvPr>
+          <p:cNvSpPr txBox="1">
+            <a:spLocks/>
+          </p:cNvSpPr>
+          <p:nvPr/>
+        </p:nvSpPr>
+        <p:spPr>
+          <a:xfrm>
+            <a:off x="0" y="4775087"/>
+            <a:ext cx="2779953" cy="427134"/>
+          </a:xfrm>
+          <a:prstGeom prst="rect">
+            <a:avLst/>
+          </a:prstGeom>
+          <a:effectLst/>
+        </p:spPr>
+        <p:txBody>
+          <a:bodyPr vert="horz" lIns="91440" tIns="45720" rIns="91440" bIns="45720" rtlCol="0" anchor="ctr">
+            <a:normAutofit/>
+          </a:bodyPr>
+          <a:lstStyle>
+            <a:lvl1pPr algn="ctr" defTabSz="487695" rtl="0" eaLnBrk="1" latinLnBrk="0" hangingPunct="1">
+              <a:spcBef>
+                <a:spcPct val="0"/>
+              </a:spcBef>
+              <a:buNone/>
+              <a:defRPr sz="4267" kern="1200" cap="none">
+                <a:ln w="3175" cmpd="sng">
+                  <a:noFill/>
+                </a:ln>
+                <a:solidFill>
+                  <a:schemeClr val="accent6">
+                    <a:lumMod val="50000"/>
+                  </a:schemeClr>
+                </a:solidFill>
+                <a:effectLst/>
+                <a:latin typeface="+mj-lt"/>
+                <a:ea typeface="+mj-ea"/>
+                <a:cs typeface="+mj-cs"/>
+              </a:defRPr>
+            </a:lvl1pPr>
+            <a:lvl2pPr eaLnBrk="1" hangingPunct="1">
+              <a:defRPr>
+                <a:solidFill>
+                  <a:schemeClr val="tx2"/>
+                </a:solidFill>
+              </a:defRPr>
+            </a:lvl2pPr>
+            <a:lvl3pPr eaLnBrk="1" hangingPunct="1">
+              <a:defRPr>
+                <a:solidFill>
+                  <a:schemeClr val="tx2"/>
+                </a:solidFill>
+              </a:defRPr>
+            </a:lvl3pPr>
+            <a:lvl4pPr eaLnBrk="1" hangingPunct="1">
+              <a:defRPr>
+                <a:solidFill>
+                  <a:schemeClr val="tx2"/>
+                </a:solidFill>
+              </a:defRPr>
+            </a:lvl4pPr>
+            <a:lvl5pPr eaLnBrk="1" hangingPunct="1">
+              <a:defRPr>
+                <a:solidFill>
+                  <a:schemeClr val="tx2"/>
+                </a:solidFill>
+              </a:defRPr>
+            </a:lvl5pPr>
+            <a:lvl6pPr eaLnBrk="1" hangingPunct="1">
+              <a:defRPr>
+                <a:solidFill>
+                  <a:schemeClr val="tx2"/>
+                </a:solidFill>
+              </a:defRPr>
+            </a:lvl6pPr>
+            <a:lvl7pPr eaLnBrk="1" hangingPunct="1">
+              <a:defRPr>
+                <a:solidFill>
+                  <a:schemeClr val="tx2"/>
+                </a:solidFill>
+              </a:defRPr>
+            </a:lvl7pPr>
+            <a:lvl8pPr eaLnBrk="1" hangingPunct="1">
+              <a:defRPr>
+                <a:solidFill>
+                  <a:schemeClr val="tx2"/>
+                </a:solidFill>
+              </a:defRPr>
+            </a:lvl8pPr>
+            <a:lvl9pPr eaLnBrk="1" hangingPunct="1">
+              <a:defRPr>
+                <a:solidFill>
+                  <a:schemeClr val="tx2"/>
+                </a:solidFill>
+              </a:defRPr>
+            </a:lvl9pPr>
+          </a:lstStyle>
+          <a:p>
+            <a:r>
+              <a:rPr lang="en-US" sz="1800" dirty="0"/>
+              <a:t>News Feed</a:t>
+            </a:r>
+          </a:p>
+        </p:txBody>
+      </p:sp>
+      <p:pic>
+        <p:nvPicPr>
+          <p:cNvPr id="20" name="Picture 19" descr="Icon&#10;&#10;Description automatically generated">
+            <a:extLst>
+              <a:ext uri="{FF2B5EF4-FFF2-40B4-BE49-F238E27FC236}">
+                <a16:creationId xmlns:a16="http://schemas.microsoft.com/office/drawing/2014/main" id="{FB7AA57E-42D3-48DF-81D6-0ABBD185635B}"/>
+              </a:ext>
+            </a:extLst>
+          </p:cNvPr>
+          <p:cNvPicPr>
+            <a:picLocks noChangeAspect="1"/>
+          </p:cNvPicPr>
+          <p:nvPr/>
+        </p:nvPicPr>
+        <p:blipFill>
+          <a:blip r:embed="rId8">
+            <a:extLst>
+              <a:ext uri="{28A0092B-C50C-407E-A947-70E740481C1C}">
+                <a14:useLocalDpi xmlns:a14="http://schemas.microsoft.com/office/drawing/2010/main" val="0"/>
+              </a:ext>
+            </a:extLst>
+          </a:blip>
+          <a:stretch>
+            <a:fillRect/>
+          </a:stretch>
+        </p:blipFill>
+        <p:spPr>
+          <a:xfrm>
+            <a:off x="3003333" y="5094217"/>
+            <a:ext cx="1359080" cy="1359080"/>
+          </a:xfrm>
+          <a:prstGeom prst="rect">
+            <a:avLst/>
+          </a:prstGeom>
+        </p:spPr>
+      </p:pic>
+      <p:sp>
+        <p:nvSpPr>
+          <p:cNvPr id="21" name="Title 2">
+            <a:extLst>
+              <a:ext uri="{FF2B5EF4-FFF2-40B4-BE49-F238E27FC236}">
+                <a16:creationId xmlns:a16="http://schemas.microsoft.com/office/drawing/2014/main" id="{41D4EABD-9EF3-4ED2-8439-801FF990300E}"/>
+              </a:ext>
+            </a:extLst>
+          </p:cNvPr>
+          <p:cNvSpPr txBox="1">
+            <a:spLocks/>
+          </p:cNvSpPr>
+          <p:nvPr/>
+        </p:nvSpPr>
+        <p:spPr>
+          <a:xfrm>
+            <a:off x="2279453" y="4755175"/>
+            <a:ext cx="2779953" cy="427134"/>
+          </a:xfrm>
+          <a:prstGeom prst="rect">
+            <a:avLst/>
+          </a:prstGeom>
+          <a:effectLst/>
+        </p:spPr>
+        <p:txBody>
+          <a:bodyPr vert="horz" lIns="91440" tIns="45720" rIns="91440" bIns="45720" rtlCol="0" anchor="ctr">
+            <a:normAutofit/>
+          </a:bodyPr>
+          <a:lstStyle>
+            <a:lvl1pPr algn="ctr" defTabSz="487695" rtl="0" eaLnBrk="1" latinLnBrk="0" hangingPunct="1">
+              <a:spcBef>
+                <a:spcPct val="0"/>
+              </a:spcBef>
+              <a:buNone/>
+              <a:defRPr sz="4267" kern="1200" cap="none">
+                <a:ln w="3175" cmpd="sng">
+                  <a:noFill/>
+                </a:ln>
+                <a:solidFill>
+                  <a:schemeClr val="accent6">
+                    <a:lumMod val="50000"/>
+                  </a:schemeClr>
+                </a:solidFill>
+                <a:effectLst/>
+                <a:latin typeface="+mj-lt"/>
+                <a:ea typeface="+mj-ea"/>
+                <a:cs typeface="+mj-cs"/>
+              </a:defRPr>
+            </a:lvl1pPr>
+            <a:lvl2pPr eaLnBrk="1" hangingPunct="1">
+              <a:defRPr>
+                <a:solidFill>
+                  <a:schemeClr val="tx2"/>
+                </a:solidFill>
+              </a:defRPr>
+            </a:lvl2pPr>
+            <a:lvl3pPr eaLnBrk="1" hangingPunct="1">
+              <a:defRPr>
+                <a:solidFill>
+                  <a:schemeClr val="tx2"/>
+                </a:solidFill>
+              </a:defRPr>
+            </a:lvl3pPr>
+            <a:lvl4pPr eaLnBrk="1" hangingPunct="1">
+              <a:defRPr>
+                <a:solidFill>
+                  <a:schemeClr val="tx2"/>
+                </a:solidFill>
+              </a:defRPr>
+            </a:lvl4pPr>
+            <a:lvl5pPr eaLnBrk="1" hangingPunct="1">
+              <a:defRPr>
+                <a:solidFill>
+                  <a:schemeClr val="tx2"/>
+                </a:solidFill>
+              </a:defRPr>
+            </a:lvl5pPr>
+            <a:lvl6pPr eaLnBrk="1" hangingPunct="1">
+              <a:defRPr>
+                <a:solidFill>
+                  <a:schemeClr val="tx2"/>
+                </a:solidFill>
+              </a:defRPr>
+            </a:lvl6pPr>
+            <a:lvl7pPr eaLnBrk="1" hangingPunct="1">
+              <a:defRPr>
+                <a:solidFill>
+                  <a:schemeClr val="tx2"/>
+                </a:solidFill>
+              </a:defRPr>
+            </a:lvl7pPr>
+            <a:lvl8pPr eaLnBrk="1" hangingPunct="1">
+              <a:defRPr>
+                <a:solidFill>
+                  <a:schemeClr val="tx2"/>
+                </a:solidFill>
+              </a:defRPr>
+            </a:lvl8pPr>
+            <a:lvl9pPr eaLnBrk="1" hangingPunct="1">
+              <a:defRPr>
+                <a:solidFill>
+                  <a:schemeClr val="tx2"/>
+                </a:solidFill>
+              </a:defRPr>
+            </a:lvl9pPr>
+          </a:lstStyle>
+          <a:p>
+            <a:r>
+              <a:rPr lang="en-US" sz="1800" dirty="0"/>
+              <a:t>Sponsor Make-a-wish</a:t>
+            </a:r>
+          </a:p>
+        </p:txBody>
+      </p:sp>
+      <p:pic>
+        <p:nvPicPr>
+          <p:cNvPr id="23" name="Picture 22" descr="Icon&#10;&#10;Description automatically generated">
+            <a:extLst>
+              <a:ext uri="{FF2B5EF4-FFF2-40B4-BE49-F238E27FC236}">
+                <a16:creationId xmlns:a16="http://schemas.microsoft.com/office/drawing/2014/main" id="{BEC38416-BA5D-4F35-8ACC-0A97B1CAE0D5}"/>
+              </a:ext>
+            </a:extLst>
+          </p:cNvPr>
+          <p:cNvPicPr>
+            <a:picLocks noChangeAspect="1"/>
+          </p:cNvPicPr>
+          <p:nvPr/>
+        </p:nvPicPr>
+        <p:blipFill>
+          <a:blip r:embed="rId9">
+            <a:extLst>
+              <a:ext uri="{28A0092B-C50C-407E-A947-70E740481C1C}">
+                <a14:useLocalDpi xmlns:a14="http://schemas.microsoft.com/office/drawing/2010/main" val="0"/>
+              </a:ext>
+            </a:extLst>
+          </a:blip>
+          <a:stretch>
+            <a:fillRect/>
+          </a:stretch>
+        </p:blipFill>
+        <p:spPr>
+          <a:xfrm>
+            <a:off x="5505218" y="5205422"/>
+            <a:ext cx="1136669" cy="1136669"/>
+          </a:xfrm>
+          <a:prstGeom prst="rect">
+            <a:avLst/>
+          </a:prstGeom>
+        </p:spPr>
+      </p:pic>
+      <p:sp>
+        <p:nvSpPr>
+          <p:cNvPr id="24" name="Title 2">
+            <a:extLst>
+              <a:ext uri="{FF2B5EF4-FFF2-40B4-BE49-F238E27FC236}">
+                <a16:creationId xmlns:a16="http://schemas.microsoft.com/office/drawing/2014/main" id="{56939B91-EBCC-47BC-8384-87AAA2E4C022}"/>
+              </a:ext>
+            </a:extLst>
+          </p:cNvPr>
+          <p:cNvSpPr txBox="1">
+            <a:spLocks/>
+          </p:cNvSpPr>
+          <p:nvPr/>
+        </p:nvSpPr>
+        <p:spPr>
+          <a:xfrm>
+            <a:off x="4741182" y="4770107"/>
+            <a:ext cx="2779953" cy="427134"/>
+          </a:xfrm>
+          <a:prstGeom prst="rect">
+            <a:avLst/>
+          </a:prstGeom>
+          <a:effectLst/>
+        </p:spPr>
+        <p:txBody>
+          <a:bodyPr vert="horz" lIns="91440" tIns="45720" rIns="91440" bIns="45720" rtlCol="0" anchor="ctr">
+            <a:normAutofit/>
+          </a:bodyPr>
+          <a:lstStyle>
+            <a:lvl1pPr algn="ctr" defTabSz="487695" rtl="0" eaLnBrk="1" latinLnBrk="0" hangingPunct="1">
+              <a:spcBef>
+                <a:spcPct val="0"/>
+              </a:spcBef>
+              <a:buNone/>
+              <a:defRPr sz="4267" kern="1200" cap="none">
+                <a:ln w="3175" cmpd="sng">
+                  <a:noFill/>
+                </a:ln>
+                <a:solidFill>
+                  <a:schemeClr val="accent6">
+                    <a:lumMod val="50000"/>
+                  </a:schemeClr>
+                </a:solidFill>
+                <a:effectLst/>
+                <a:latin typeface="+mj-lt"/>
+                <a:ea typeface="+mj-ea"/>
+                <a:cs typeface="+mj-cs"/>
+              </a:defRPr>
+            </a:lvl1pPr>
+            <a:lvl2pPr eaLnBrk="1" hangingPunct="1">
+              <a:defRPr>
+                <a:solidFill>
+                  <a:schemeClr val="tx2"/>
+                </a:solidFill>
+              </a:defRPr>
+            </a:lvl2pPr>
+            <a:lvl3pPr eaLnBrk="1" hangingPunct="1">
+              <a:defRPr>
+                <a:solidFill>
+                  <a:schemeClr val="tx2"/>
+                </a:solidFill>
+              </a:defRPr>
+            </a:lvl3pPr>
+            <a:lvl4pPr eaLnBrk="1" hangingPunct="1">
+              <a:defRPr>
+                <a:solidFill>
+                  <a:schemeClr val="tx2"/>
+                </a:solidFill>
+              </a:defRPr>
+            </a:lvl4pPr>
+            <a:lvl5pPr eaLnBrk="1" hangingPunct="1">
+              <a:defRPr>
+                <a:solidFill>
+                  <a:schemeClr val="tx2"/>
+                </a:solidFill>
+              </a:defRPr>
+            </a:lvl5pPr>
+            <a:lvl6pPr eaLnBrk="1" hangingPunct="1">
+              <a:defRPr>
+                <a:solidFill>
+                  <a:schemeClr val="tx2"/>
+                </a:solidFill>
+              </a:defRPr>
+            </a:lvl6pPr>
+            <a:lvl7pPr eaLnBrk="1" hangingPunct="1">
+              <a:defRPr>
+                <a:solidFill>
+                  <a:schemeClr val="tx2"/>
+                </a:solidFill>
+              </a:defRPr>
+            </a:lvl7pPr>
+            <a:lvl8pPr eaLnBrk="1" hangingPunct="1">
+              <a:defRPr>
+                <a:solidFill>
+                  <a:schemeClr val="tx2"/>
+                </a:solidFill>
+              </a:defRPr>
+            </a:lvl8pPr>
+            <a:lvl9pPr eaLnBrk="1" hangingPunct="1">
+              <a:defRPr>
+                <a:solidFill>
+                  <a:schemeClr val="tx2"/>
+                </a:solidFill>
+              </a:defRPr>
+            </a:lvl9pPr>
+          </a:lstStyle>
+          <a:p>
+            <a:r>
+              <a:rPr lang="en-US" sz="1800" dirty="0"/>
+              <a:t>Donation for Treatment</a:t>
+            </a:r>
+          </a:p>
+        </p:txBody>
+      </p:sp>
+      <p:pic>
+        <p:nvPicPr>
+          <p:cNvPr id="26" name="Picture 25" descr="Icon&#10;&#10;Description automatically generated">
+            <a:extLst>
+              <a:ext uri="{FF2B5EF4-FFF2-40B4-BE49-F238E27FC236}">
+                <a16:creationId xmlns:a16="http://schemas.microsoft.com/office/drawing/2014/main" id="{99460FE8-5C0B-45BC-9095-1B5737588D17}"/>
+              </a:ext>
+            </a:extLst>
+          </p:cNvPr>
+          <p:cNvPicPr>
+            <a:picLocks noChangeAspect="1"/>
+          </p:cNvPicPr>
+          <p:nvPr/>
+        </p:nvPicPr>
+        <p:blipFill>
+          <a:blip r:embed="rId8">
+            <a:extLst>
+              <a:ext uri="{28A0092B-C50C-407E-A947-70E740481C1C}">
+                <a14:useLocalDpi xmlns:a14="http://schemas.microsoft.com/office/drawing/2010/main" val="0"/>
+              </a:ext>
+            </a:extLst>
+          </a:blip>
+          <a:stretch>
+            <a:fillRect/>
+          </a:stretch>
+        </p:blipFill>
+        <p:spPr>
+          <a:xfrm>
+            <a:off x="765228" y="2660170"/>
+            <a:ext cx="1359080" cy="1359080"/>
+          </a:xfrm>
+          <a:prstGeom prst="rect">
+            <a:avLst/>
+          </a:prstGeom>
+        </p:spPr>
+      </p:pic>
+      <p:sp>
+        <p:nvSpPr>
+          <p:cNvPr id="27" name="Title 2">
+            <a:extLst>
+              <a:ext uri="{FF2B5EF4-FFF2-40B4-BE49-F238E27FC236}">
+                <a16:creationId xmlns:a16="http://schemas.microsoft.com/office/drawing/2014/main" id="{2EF610DF-0161-4429-A9EF-92F181936B09}"/>
+              </a:ext>
+            </a:extLst>
+          </p:cNvPr>
+          <p:cNvSpPr txBox="1">
+            <a:spLocks/>
+          </p:cNvSpPr>
+          <p:nvPr/>
+        </p:nvSpPr>
+        <p:spPr>
+          <a:xfrm>
+            <a:off x="41348" y="2321128"/>
+            <a:ext cx="2779953" cy="427134"/>
+          </a:xfrm>
+          <a:prstGeom prst="rect">
+            <a:avLst/>
+          </a:prstGeom>
+          <a:effectLst/>
+        </p:spPr>
+        <p:txBody>
+          <a:bodyPr vert="horz" lIns="91440" tIns="45720" rIns="91440" bIns="45720" rtlCol="0" anchor="ctr">
+            <a:normAutofit/>
+          </a:bodyPr>
+          <a:lstStyle>
+            <a:lvl1pPr algn="ctr" defTabSz="487695" rtl="0" eaLnBrk="1" latinLnBrk="0" hangingPunct="1">
+              <a:spcBef>
+                <a:spcPct val="0"/>
+              </a:spcBef>
+              <a:buNone/>
+              <a:defRPr sz="4267" kern="1200" cap="none">
+                <a:ln w="3175" cmpd="sng">
+                  <a:noFill/>
+                </a:ln>
+                <a:solidFill>
+                  <a:schemeClr val="accent6">
+                    <a:lumMod val="50000"/>
+                  </a:schemeClr>
+                </a:solidFill>
+                <a:effectLst/>
+                <a:latin typeface="+mj-lt"/>
+                <a:ea typeface="+mj-ea"/>
+                <a:cs typeface="+mj-cs"/>
+              </a:defRPr>
+            </a:lvl1pPr>
+            <a:lvl2pPr eaLnBrk="1" hangingPunct="1">
+              <a:defRPr>
+                <a:solidFill>
+                  <a:schemeClr val="tx2"/>
+                </a:solidFill>
+              </a:defRPr>
+            </a:lvl2pPr>
+            <a:lvl3pPr eaLnBrk="1" hangingPunct="1">
+              <a:defRPr>
+                <a:solidFill>
+                  <a:schemeClr val="tx2"/>
+                </a:solidFill>
+              </a:defRPr>
+            </a:lvl3pPr>
+            <a:lvl4pPr eaLnBrk="1" hangingPunct="1">
+              <a:defRPr>
+                <a:solidFill>
+                  <a:schemeClr val="tx2"/>
+                </a:solidFill>
+              </a:defRPr>
+            </a:lvl4pPr>
+            <a:lvl5pPr eaLnBrk="1" hangingPunct="1">
+              <a:defRPr>
+                <a:solidFill>
+                  <a:schemeClr val="tx2"/>
+                </a:solidFill>
+              </a:defRPr>
+            </a:lvl5pPr>
+            <a:lvl6pPr eaLnBrk="1" hangingPunct="1">
+              <a:defRPr>
+                <a:solidFill>
+                  <a:schemeClr val="tx2"/>
+                </a:solidFill>
+              </a:defRPr>
+            </a:lvl6pPr>
+            <a:lvl7pPr eaLnBrk="1" hangingPunct="1">
+              <a:defRPr>
+                <a:solidFill>
+                  <a:schemeClr val="tx2"/>
+                </a:solidFill>
+              </a:defRPr>
+            </a:lvl7pPr>
+            <a:lvl8pPr eaLnBrk="1" hangingPunct="1">
+              <a:defRPr>
+                <a:solidFill>
+                  <a:schemeClr val="tx2"/>
+                </a:solidFill>
+              </a:defRPr>
+            </a:lvl8pPr>
+            <a:lvl9pPr eaLnBrk="1" hangingPunct="1">
+              <a:defRPr>
+                <a:solidFill>
+                  <a:schemeClr val="tx2"/>
+                </a:solidFill>
+              </a:defRPr>
+            </a:lvl9pPr>
+          </a:lstStyle>
+          <a:p>
+            <a:r>
+              <a:rPr lang="en-US" sz="1800" dirty="0"/>
+              <a:t>Sponsor Make-a-wish</a:t>
+            </a:r>
+          </a:p>
+        </p:txBody>
+      </p:sp>
+      <p:pic>
+        <p:nvPicPr>
+          <p:cNvPr id="28" name="Picture 27" descr="Icon&#10;&#10;Description automatically generated">
+            <a:extLst>
+              <a:ext uri="{FF2B5EF4-FFF2-40B4-BE49-F238E27FC236}">
+                <a16:creationId xmlns:a16="http://schemas.microsoft.com/office/drawing/2014/main" id="{E416AA16-65C3-42DD-A599-D04B5224D4AF}"/>
+              </a:ext>
+            </a:extLst>
+          </p:cNvPr>
+          <p:cNvPicPr>
+            <a:picLocks noChangeAspect="1"/>
+          </p:cNvPicPr>
+          <p:nvPr/>
+        </p:nvPicPr>
+        <p:blipFill>
+          <a:blip r:embed="rId9">
+            <a:extLst>
+              <a:ext uri="{28A0092B-C50C-407E-A947-70E740481C1C}">
+                <a14:useLocalDpi xmlns:a14="http://schemas.microsoft.com/office/drawing/2010/main" val="0"/>
+              </a:ext>
+            </a:extLst>
+          </a:blip>
+          <a:stretch>
+            <a:fillRect/>
+          </a:stretch>
+        </p:blipFill>
+        <p:spPr>
+          <a:xfrm>
+            <a:off x="3267113" y="2771375"/>
+            <a:ext cx="1136669" cy="1136669"/>
+          </a:xfrm>
+          <a:prstGeom prst="rect">
+            <a:avLst/>
+          </a:prstGeom>
+        </p:spPr>
+      </p:pic>
+      <p:sp>
+        <p:nvSpPr>
+          <p:cNvPr id="29" name="Title 2">
+            <a:extLst>
+              <a:ext uri="{FF2B5EF4-FFF2-40B4-BE49-F238E27FC236}">
+                <a16:creationId xmlns:a16="http://schemas.microsoft.com/office/drawing/2014/main" id="{354452D2-7BE6-422E-A5F9-7D32BA43DDDD}"/>
+              </a:ext>
+            </a:extLst>
+          </p:cNvPr>
+          <p:cNvSpPr txBox="1">
+            <a:spLocks/>
+          </p:cNvSpPr>
+          <p:nvPr/>
+        </p:nvSpPr>
+        <p:spPr>
+          <a:xfrm>
+            <a:off x="2503077" y="2336060"/>
+            <a:ext cx="2779953" cy="427134"/>
+          </a:xfrm>
+          <a:prstGeom prst="rect">
+            <a:avLst/>
+          </a:prstGeom>
+          <a:effectLst/>
+        </p:spPr>
+        <p:txBody>
+          <a:bodyPr vert="horz" lIns="91440" tIns="45720" rIns="91440" bIns="45720" rtlCol="0" anchor="ctr">
+            <a:normAutofit/>
+          </a:bodyPr>
+          <a:lstStyle>
+            <a:lvl1pPr algn="ctr" defTabSz="487695" rtl="0" eaLnBrk="1" latinLnBrk="0" hangingPunct="1">
+              <a:spcBef>
+                <a:spcPct val="0"/>
+              </a:spcBef>
+              <a:buNone/>
+              <a:defRPr sz="4267" kern="1200" cap="none">
+                <a:ln w="3175" cmpd="sng">
+                  <a:noFill/>
+                </a:ln>
+                <a:solidFill>
+                  <a:schemeClr val="accent6">
+                    <a:lumMod val="50000"/>
+                  </a:schemeClr>
+                </a:solidFill>
+                <a:effectLst/>
+                <a:latin typeface="+mj-lt"/>
+                <a:ea typeface="+mj-ea"/>
+                <a:cs typeface="+mj-cs"/>
+              </a:defRPr>
+            </a:lvl1pPr>
+            <a:lvl2pPr eaLnBrk="1" hangingPunct="1">
+              <a:defRPr>
+                <a:solidFill>
+                  <a:schemeClr val="tx2"/>
+                </a:solidFill>
+              </a:defRPr>
+            </a:lvl2pPr>
+            <a:lvl3pPr eaLnBrk="1" hangingPunct="1">
+              <a:defRPr>
+                <a:solidFill>
+                  <a:schemeClr val="tx2"/>
+                </a:solidFill>
+              </a:defRPr>
+            </a:lvl3pPr>
+            <a:lvl4pPr eaLnBrk="1" hangingPunct="1">
+              <a:defRPr>
+                <a:solidFill>
+                  <a:schemeClr val="tx2"/>
+                </a:solidFill>
+              </a:defRPr>
+            </a:lvl4pPr>
+            <a:lvl5pPr eaLnBrk="1" hangingPunct="1">
+              <a:defRPr>
+                <a:solidFill>
+                  <a:schemeClr val="tx2"/>
+                </a:solidFill>
+              </a:defRPr>
+            </a:lvl5pPr>
+            <a:lvl6pPr eaLnBrk="1" hangingPunct="1">
+              <a:defRPr>
+                <a:solidFill>
+                  <a:schemeClr val="tx2"/>
+                </a:solidFill>
+              </a:defRPr>
+            </a:lvl6pPr>
+            <a:lvl7pPr eaLnBrk="1" hangingPunct="1">
+              <a:defRPr>
+                <a:solidFill>
+                  <a:schemeClr val="tx2"/>
+                </a:solidFill>
+              </a:defRPr>
+            </a:lvl7pPr>
+            <a:lvl8pPr eaLnBrk="1" hangingPunct="1">
+              <a:defRPr>
+                <a:solidFill>
+                  <a:schemeClr val="tx2"/>
+                </a:solidFill>
+              </a:defRPr>
+            </a:lvl8pPr>
+            <a:lvl9pPr eaLnBrk="1" hangingPunct="1">
+              <a:defRPr>
+                <a:solidFill>
+                  <a:schemeClr val="tx2"/>
+                </a:solidFill>
+              </a:defRPr>
+            </a:lvl9pPr>
+          </a:lstStyle>
+          <a:p>
+            <a:r>
+              <a:rPr lang="en-US" sz="1800" dirty="0"/>
+              <a:t>Donation for Treatment</a:t>
+            </a:r>
+          </a:p>
+        </p:txBody>
+      </p:sp>
+    </p:spTree>
+    <p:extLst>
+      <p:ext uri="{BB962C8B-B14F-4D97-AF65-F5344CB8AC3E}">
+        <p14:creationId xmlns:p14="http://schemas.microsoft.com/office/powerpoint/2010/main" val="1258653468"/>
+      </p:ext>
+    </p:extLst>
+  </p:cSld>
+  <p:clrMapOvr>
+    <a:masterClrMapping/>
+  </p:clrMapOvr>
+</p:sld>
+</file>
+
+<file path=ppt/slides/slide6.xml><?xml version="1.0" encoding="utf-8"?>
+<p:sld xmlns:a="http://schemas.openxmlformats.org/drawingml/2006/main" xmlns:r="http://schemas.openxmlformats.org/officeDocument/2006/relationships" xmlns:p="http://schemas.openxmlformats.org/presentationml/2006/main">
+  <p:cSld>
+    <p:spTree>
+      <p:nvGrpSpPr>
+        <p:cNvPr id="1" name=""/>
+        <p:cNvGrpSpPr/>
+        <p:nvPr/>
+      </p:nvGrpSpPr>
+      <p:grpSpPr>
+        <a:xfrm>
+          <a:off x="0" y="0"/>
+          <a:ext cx="0" cy="0"/>
+          <a:chOff x="0" y="0"/>
+          <a:chExt cx="0" cy="0"/>
+        </a:xfrm>
+      </p:grpSpPr>
+      <p:pic>
+        <p:nvPicPr>
+          <p:cNvPr id="3" name="Picture 2" descr="Text&#10;&#10;Description automatically generated">
+            <a:extLst>
+              <a:ext uri="{FF2B5EF4-FFF2-40B4-BE49-F238E27FC236}">
+                <a16:creationId xmlns:a16="http://schemas.microsoft.com/office/drawing/2014/main" id="{F3C17356-EEE1-4CAA-BDC8-4B27F38D41E1}"/>
+              </a:ext>
+            </a:extLst>
+          </p:cNvPr>
+          <p:cNvPicPr>
+            <a:picLocks noChangeAspect="1"/>
+          </p:cNvPicPr>
+          <p:nvPr/>
+        </p:nvPicPr>
+        <p:blipFill>
+          <a:blip r:embed="rId2">
+            <a:extLst>
+              <a:ext uri="{28A0092B-C50C-407E-A947-70E740481C1C}">
+                <a14:useLocalDpi xmlns:a14="http://schemas.microsoft.com/office/drawing/2010/main" val="0"/>
+              </a:ext>
+            </a:extLst>
+          </a:blip>
+          <a:stretch>
+            <a:fillRect/>
+          </a:stretch>
+        </p:blipFill>
+        <p:spPr>
+          <a:xfrm>
+            <a:off x="3669430" y="6536479"/>
+            <a:ext cx="2783488" cy="668037"/>
+          </a:xfrm>
+          <a:prstGeom prst="rect">
+            <a:avLst/>
+          </a:prstGeom>
+        </p:spPr>
+      </p:pic>
+      <p:pic>
+        <p:nvPicPr>
+          <p:cNvPr id="4" name="Picture 3">
+            <a:extLst>
+              <a:ext uri="{FF2B5EF4-FFF2-40B4-BE49-F238E27FC236}">
+                <a16:creationId xmlns:a16="http://schemas.microsoft.com/office/drawing/2014/main" id="{CBC150CF-825F-4D6E-87F4-FB0FA3A59F97}"/>
+              </a:ext>
+            </a:extLst>
+          </p:cNvPr>
+          <p:cNvPicPr>
+            <a:picLocks noChangeAspect="1"/>
+          </p:cNvPicPr>
+          <p:nvPr/>
+        </p:nvPicPr>
+        <p:blipFill>
+          <a:blip r:embed="rId3">
+            <a:extLst>
+              <a:ext uri="{28A0092B-C50C-407E-A947-70E740481C1C}">
+                <a14:useLocalDpi xmlns:a14="http://schemas.microsoft.com/office/drawing/2010/main" val="0"/>
+              </a:ext>
+            </a:extLst>
+          </a:blip>
+          <a:stretch>
+            <a:fillRect/>
+          </a:stretch>
+        </p:blipFill>
+        <p:spPr>
+          <a:xfrm>
+            <a:off x="241244" y="914400"/>
+            <a:ext cx="9673465" cy="5438605"/>
+          </a:xfrm>
+          <a:prstGeom prst="rect">
+            <a:avLst/>
+          </a:prstGeom>
+        </p:spPr>
+      </p:pic>
+      <p:sp>
+        <p:nvSpPr>
+          <p:cNvPr id="6" name="Snip Diagonal Corner Rectangle 5">
+            <a:extLst>
+              <a:ext uri="{FF2B5EF4-FFF2-40B4-BE49-F238E27FC236}">
+                <a16:creationId xmlns:a16="http://schemas.microsoft.com/office/drawing/2014/main" id="{C41D1587-6059-4419-A25D-1A08B8C6614D}"/>
+              </a:ext>
+            </a:extLst>
+          </p:cNvPr>
+          <p:cNvSpPr/>
+          <p:nvPr/>
+        </p:nvSpPr>
+        <p:spPr>
+          <a:xfrm>
+            <a:off x="178849" y="103124"/>
+            <a:ext cx="7908861" cy="484853"/>
+          </a:xfrm>
+          <a:prstGeom prst="snip2DiagRect">
+            <a:avLst/>
+          </a:prstGeom>
+          <a:solidFill>
+            <a:srgbClr val="F45B8E"/>
+          </a:solidFill>
+          <a:ln w="25400" cap="flat">
+            <a:solidFill>
+              <a:srgbClr val="4ABDDD"/>
+            </a:solidFill>
+            <a:prstDash val="solid"/>
+            <a:round/>
+          </a:ln>
+          <a:effectLst/>
+          <a:scene3d>
+            <a:camera prst="orthographicFront">
+              <a:rot lat="0" lon="0" rev="0"/>
+            </a:camera>
+            <a:lightRig rig="contrasting" dir="t">
+              <a:rot lat="0" lon="0" rev="7800000"/>
+            </a:lightRig>
+          </a:scene3d>
+          <a:sp3d>
+            <a:bevelT w="139700" h="139700"/>
+          </a:sp3d>
+        </p:spPr>
+        <p:style>
+          <a:lnRef idx="0">
+            <a:scrgbClr r="0" g="0" b="0"/>
+          </a:lnRef>
+          <a:fillRef idx="0">
+            <a:scrgbClr r="0" g="0" b="0"/>
+          </a:fillRef>
+          <a:effectRef idx="0">
+            <a:scrgbClr r="0" g="0" b="0"/>
+          </a:effectRef>
+          <a:fontRef idx="none"/>
+        </p:style>
+        <p:txBody>
+          <a:bodyPr rot="0" spcFirstLastPara="1" vertOverflow="overflow" horzOverflow="overflow" vert="horz" wrap="square" lIns="45719" tIns="45719" rIns="45719" bIns="45719" numCol="1" spcCol="38100" rtlCol="0" anchor="ctr">
+            <a:noAutofit/>
+          </a:bodyPr>
+          <a:lstStyle/>
+          <a:p>
+            <a:pPr marL="0" marR="0" lvl="0" indent="0" algn="l" defTabSz="609585" rtl="0" eaLnBrk="1" fontAlgn="auto" latinLnBrk="0" hangingPunct="1">
+              <a:lnSpc>
+                <a:spcPct val="100000"/>
+              </a:lnSpc>
+              <a:spcBef>
+                <a:spcPts val="0"/>
+              </a:spcBef>
+              <a:spcAft>
+                <a:spcPts val="0"/>
+              </a:spcAft>
+              <a:buClrTx/>
+              <a:buSzTx/>
+              <a:buFontTx/>
+              <a:buNone/>
+              <a:tabLst/>
+              <a:defRPr/>
+            </a:pPr>
+            <a:r>
+              <a:rPr lang="en-US" sz="2800" b="1" noProof="0" dirty="0">
+                <a:solidFill>
+                  <a:schemeClr val="bg1"/>
+                </a:solidFill>
+                <a:latin typeface="Calibri"/>
+              </a:rPr>
+              <a:t>Mood Detection &amp; Live Chat</a:t>
+            </a:r>
+            <a:endParaRPr kumimoji="0" lang="en-US" sz="2800" b="1" i="0" u="none" strike="noStrike" kern="1200" cap="none" spc="0" normalizeH="0" baseline="0" noProof="0" dirty="0">
+              <a:ln>
+                <a:noFill/>
+              </a:ln>
+              <a:solidFill>
+                <a:schemeClr val="bg1"/>
+              </a:solidFill>
+              <a:effectLst/>
+              <a:uLnTx/>
+              <a:uFillTx/>
+              <a:latin typeface="Calibri"/>
+            </a:endParaRPr>
+          </a:p>
+        </p:txBody>
+      </p:sp>
     </p:spTree>
     <p:extLst>
       <p:ext uri="{BB962C8B-B14F-4D97-AF65-F5344CB8AC3E}">
@@ -14704,7 +15700,403 @@
 </p:sld>
 </file>
 
-<file path=ppt/slides/slide6.xml><?xml version="1.0" encoding="utf-8"?>
+<file path=ppt/slides/slide7.xml><?xml version="1.0" encoding="utf-8"?>
+<p:sld xmlns:a="http://schemas.openxmlformats.org/drawingml/2006/main" xmlns:r="http://schemas.openxmlformats.org/officeDocument/2006/relationships" xmlns:p="http://schemas.openxmlformats.org/presentationml/2006/main">
+  <p:cSld>
+    <p:spTree>
+      <p:nvGrpSpPr>
+        <p:cNvPr id="1" name=""/>
+        <p:cNvGrpSpPr/>
+        <p:nvPr/>
+      </p:nvGrpSpPr>
+      <p:grpSpPr>
+        <a:xfrm>
+          <a:off x="0" y="0"/>
+          <a:ext cx="0" cy="0"/>
+          <a:chOff x="0" y="0"/>
+          <a:chExt cx="0" cy="0"/>
+        </a:xfrm>
+      </p:grpSpPr>
+      <p:pic>
+        <p:nvPicPr>
+          <p:cNvPr id="4" name="Picture 3" descr="Text&#10;&#10;Description automatically generated">
+            <a:extLst>
+              <a:ext uri="{FF2B5EF4-FFF2-40B4-BE49-F238E27FC236}">
+                <a16:creationId xmlns:a16="http://schemas.microsoft.com/office/drawing/2014/main" id="{8AF8B456-8553-41F9-806A-755792A1D3E2}"/>
+              </a:ext>
+            </a:extLst>
+          </p:cNvPr>
+          <p:cNvPicPr>
+            <a:picLocks noChangeAspect="1"/>
+          </p:cNvPicPr>
+          <p:nvPr/>
+        </p:nvPicPr>
+        <p:blipFill>
+          <a:blip r:embed="rId2">
+            <a:extLst>
+              <a:ext uri="{28A0092B-C50C-407E-A947-70E740481C1C}">
+                <a14:useLocalDpi xmlns:a14="http://schemas.microsoft.com/office/drawing/2010/main" val="0"/>
+              </a:ext>
+            </a:extLst>
+          </a:blip>
+          <a:stretch>
+            <a:fillRect/>
+          </a:stretch>
+        </p:blipFill>
+        <p:spPr>
+          <a:xfrm>
+            <a:off x="3669430" y="6536479"/>
+            <a:ext cx="2783488" cy="668037"/>
+          </a:xfrm>
+          <a:prstGeom prst="rect">
+            <a:avLst/>
+          </a:prstGeom>
+        </p:spPr>
+      </p:pic>
+      <p:pic>
+        <p:nvPicPr>
+          <p:cNvPr id="6" name="Picture 5">
+            <a:extLst>
+              <a:ext uri="{FF2B5EF4-FFF2-40B4-BE49-F238E27FC236}">
+                <a16:creationId xmlns:a16="http://schemas.microsoft.com/office/drawing/2014/main" id="{904D7496-0303-48C8-B6C6-7C2F7BFCA9A6}"/>
+              </a:ext>
+            </a:extLst>
+          </p:cNvPr>
+          <p:cNvPicPr>
+            <a:picLocks noChangeAspect="1"/>
+          </p:cNvPicPr>
+          <p:nvPr/>
+        </p:nvPicPr>
+        <p:blipFill>
+          <a:blip r:embed="rId3">
+            <a:extLst>
+              <a:ext uri="{28A0092B-C50C-407E-A947-70E740481C1C}">
+                <a14:useLocalDpi xmlns:a14="http://schemas.microsoft.com/office/drawing/2010/main" val="0"/>
+              </a:ext>
+            </a:extLst>
+          </a:blip>
+          <a:stretch>
+            <a:fillRect/>
+          </a:stretch>
+        </p:blipFill>
+        <p:spPr>
+          <a:xfrm>
+            <a:off x="287383" y="940340"/>
+            <a:ext cx="9627325" cy="5412664"/>
+          </a:xfrm>
+          <a:prstGeom prst="rect">
+            <a:avLst/>
+          </a:prstGeom>
+        </p:spPr>
+      </p:pic>
+      <p:sp>
+        <p:nvSpPr>
+          <p:cNvPr id="7" name="Snip Diagonal Corner Rectangle 5">
+            <a:extLst>
+              <a:ext uri="{FF2B5EF4-FFF2-40B4-BE49-F238E27FC236}">
+                <a16:creationId xmlns:a16="http://schemas.microsoft.com/office/drawing/2014/main" id="{8BE4E6D9-E921-4379-B8C7-1D77B4D4A315}"/>
+              </a:ext>
+            </a:extLst>
+          </p:cNvPr>
+          <p:cNvSpPr/>
+          <p:nvPr/>
+        </p:nvSpPr>
+        <p:spPr>
+          <a:xfrm>
+            <a:off x="178849" y="103124"/>
+            <a:ext cx="7908861" cy="484853"/>
+          </a:xfrm>
+          <a:prstGeom prst="snip2DiagRect">
+            <a:avLst/>
+          </a:prstGeom>
+          <a:solidFill>
+            <a:srgbClr val="F45B8E"/>
+          </a:solidFill>
+          <a:ln w="25400" cap="flat">
+            <a:solidFill>
+              <a:srgbClr val="4ABDDD"/>
+            </a:solidFill>
+            <a:prstDash val="solid"/>
+            <a:round/>
+          </a:ln>
+          <a:effectLst/>
+          <a:scene3d>
+            <a:camera prst="orthographicFront">
+              <a:rot lat="0" lon="0" rev="0"/>
+            </a:camera>
+            <a:lightRig rig="contrasting" dir="t">
+              <a:rot lat="0" lon="0" rev="7800000"/>
+            </a:lightRig>
+          </a:scene3d>
+          <a:sp3d>
+            <a:bevelT w="139700" h="139700"/>
+          </a:sp3d>
+        </p:spPr>
+        <p:style>
+          <a:lnRef idx="0">
+            <a:scrgbClr r="0" g="0" b="0"/>
+          </a:lnRef>
+          <a:fillRef idx="0">
+            <a:scrgbClr r="0" g="0" b="0"/>
+          </a:fillRef>
+          <a:effectRef idx="0">
+            <a:scrgbClr r="0" g="0" b="0"/>
+          </a:effectRef>
+          <a:fontRef idx="none"/>
+        </p:style>
+        <p:txBody>
+          <a:bodyPr rot="0" spcFirstLastPara="1" vertOverflow="overflow" horzOverflow="overflow" vert="horz" wrap="square" lIns="45719" tIns="45719" rIns="45719" bIns="45719" numCol="1" spcCol="38100" rtlCol="0" anchor="ctr">
+            <a:noAutofit/>
+          </a:bodyPr>
+          <a:lstStyle/>
+          <a:p>
+            <a:pPr marL="0" marR="0" lvl="0" indent="0" algn="l" defTabSz="609585" rtl="0" eaLnBrk="1" fontAlgn="auto" latinLnBrk="0" hangingPunct="1">
+              <a:lnSpc>
+                <a:spcPct val="100000"/>
+              </a:lnSpc>
+              <a:spcBef>
+                <a:spcPts val="0"/>
+              </a:spcBef>
+              <a:spcAft>
+                <a:spcPts val="0"/>
+              </a:spcAft>
+              <a:buClrTx/>
+              <a:buSzTx/>
+              <a:buFontTx/>
+              <a:buNone/>
+              <a:tabLst/>
+              <a:defRPr/>
+            </a:pPr>
+            <a:r>
+              <a:rPr kumimoji="0" lang="en-US" sz="2800" b="1" i="0" u="none" strike="noStrike" kern="1200" cap="none" spc="0" normalizeH="0" baseline="0" noProof="0" dirty="0">
+                <a:ln>
+                  <a:noFill/>
+                </a:ln>
+                <a:solidFill>
+                  <a:schemeClr val="bg1"/>
+                </a:solidFill>
+                <a:effectLst/>
+                <a:uLnTx/>
+                <a:uFillTx/>
+                <a:latin typeface="Calibri"/>
+              </a:rPr>
+              <a:t>Anonymous Login, Image Analysis &amp; Sharing</a:t>
+            </a:r>
+          </a:p>
+        </p:txBody>
+      </p:sp>
+    </p:spTree>
+    <p:extLst>
+      <p:ext uri="{BB962C8B-B14F-4D97-AF65-F5344CB8AC3E}">
+        <p14:creationId xmlns:p14="http://schemas.microsoft.com/office/powerpoint/2010/main" val="322673686"/>
+      </p:ext>
+    </p:extLst>
+  </p:cSld>
+  <p:clrMapOvr>
+    <a:masterClrMapping/>
+  </p:clrMapOvr>
+</p:sld>
+</file>
+
+<file path=ppt/slides/slide8.xml><?xml version="1.0" encoding="utf-8"?>
+<p:sld xmlns:a="http://schemas.openxmlformats.org/drawingml/2006/main" xmlns:r="http://schemas.openxmlformats.org/officeDocument/2006/relationships" xmlns:p="http://schemas.openxmlformats.org/presentationml/2006/main">
+  <p:cSld>
+    <p:spTree>
+      <p:nvGrpSpPr>
+        <p:cNvPr id="1" name=""/>
+        <p:cNvGrpSpPr/>
+        <p:nvPr/>
+      </p:nvGrpSpPr>
+      <p:grpSpPr>
+        <a:xfrm>
+          <a:off x="0" y="0"/>
+          <a:ext cx="0" cy="0"/>
+          <a:chOff x="0" y="0"/>
+          <a:chExt cx="0" cy="0"/>
+        </a:xfrm>
+      </p:grpSpPr>
+      <p:pic>
+        <p:nvPicPr>
+          <p:cNvPr id="4" name="Picture 3" descr="Text&#10;&#10;Description automatically generated">
+            <a:extLst>
+              <a:ext uri="{FF2B5EF4-FFF2-40B4-BE49-F238E27FC236}">
+                <a16:creationId xmlns:a16="http://schemas.microsoft.com/office/drawing/2014/main" id="{47F3263B-8A5B-4450-92A3-80B253A52F75}"/>
+              </a:ext>
+            </a:extLst>
+          </p:cNvPr>
+          <p:cNvPicPr>
+            <a:picLocks noChangeAspect="1"/>
+          </p:cNvPicPr>
+          <p:nvPr/>
+        </p:nvPicPr>
+        <p:blipFill>
+          <a:blip r:embed="rId2">
+            <a:extLst>
+              <a:ext uri="{28A0092B-C50C-407E-A947-70E740481C1C}">
+                <a14:useLocalDpi xmlns:a14="http://schemas.microsoft.com/office/drawing/2010/main" val="0"/>
+              </a:ext>
+            </a:extLst>
+          </a:blip>
+          <a:stretch>
+            <a:fillRect/>
+          </a:stretch>
+        </p:blipFill>
+        <p:spPr>
+          <a:xfrm>
+            <a:off x="3669430" y="6536479"/>
+            <a:ext cx="2783488" cy="668037"/>
+          </a:xfrm>
+          <a:prstGeom prst="rect">
+            <a:avLst/>
+          </a:prstGeom>
+        </p:spPr>
+      </p:pic>
+      <p:pic>
+        <p:nvPicPr>
+          <p:cNvPr id="9" name="Picture 8">
+            <a:extLst>
+              <a:ext uri="{FF2B5EF4-FFF2-40B4-BE49-F238E27FC236}">
+                <a16:creationId xmlns:a16="http://schemas.microsoft.com/office/drawing/2014/main" id="{AE973FC3-C92E-4BE1-A5D1-955F39286F53}"/>
+              </a:ext>
+            </a:extLst>
+          </p:cNvPr>
+          <p:cNvPicPr>
+            <a:picLocks noChangeAspect="1"/>
+          </p:cNvPicPr>
+          <p:nvPr/>
+        </p:nvPicPr>
+        <p:blipFill>
+          <a:blip r:embed="rId3">
+            <a:extLst>
+              <a:ext uri="{28A0092B-C50C-407E-A947-70E740481C1C}">
+                <a14:useLocalDpi xmlns:a14="http://schemas.microsoft.com/office/drawing/2010/main" val="0"/>
+              </a:ext>
+            </a:extLst>
+          </a:blip>
+          <a:stretch>
+            <a:fillRect/>
+          </a:stretch>
+        </p:blipFill>
+        <p:spPr>
+          <a:xfrm>
+            <a:off x="287714" y="940526"/>
+            <a:ext cx="9679246" cy="5361069"/>
+          </a:xfrm>
+          <a:prstGeom prst="rect">
+            <a:avLst/>
+          </a:prstGeom>
+        </p:spPr>
+      </p:pic>
+      <p:sp>
+        <p:nvSpPr>
+          <p:cNvPr id="10" name="Snip Diagonal Corner Rectangle 5">
+            <a:extLst>
+              <a:ext uri="{FF2B5EF4-FFF2-40B4-BE49-F238E27FC236}">
+                <a16:creationId xmlns:a16="http://schemas.microsoft.com/office/drawing/2014/main" id="{A147F67D-3667-4C98-984C-543CC35A8F62}"/>
+              </a:ext>
+            </a:extLst>
+          </p:cNvPr>
+          <p:cNvSpPr/>
+          <p:nvPr/>
+        </p:nvSpPr>
+        <p:spPr>
+          <a:xfrm>
+            <a:off x="178849" y="103124"/>
+            <a:ext cx="7908861" cy="484853"/>
+          </a:xfrm>
+          <a:prstGeom prst="snip2DiagRect">
+            <a:avLst/>
+          </a:prstGeom>
+          <a:solidFill>
+            <a:srgbClr val="F45B8E"/>
+          </a:solidFill>
+          <a:ln w="25400" cap="flat">
+            <a:solidFill>
+              <a:srgbClr val="4ABDDD"/>
+            </a:solidFill>
+            <a:prstDash val="solid"/>
+            <a:round/>
+          </a:ln>
+          <a:effectLst/>
+          <a:scene3d>
+            <a:camera prst="orthographicFront">
+              <a:rot lat="0" lon="0" rev="0"/>
+            </a:camera>
+            <a:lightRig rig="contrasting" dir="t">
+              <a:rot lat="0" lon="0" rev="7800000"/>
+            </a:lightRig>
+          </a:scene3d>
+          <a:sp3d>
+            <a:bevelT w="139700" h="139700"/>
+          </a:sp3d>
+        </p:spPr>
+        <p:style>
+          <a:lnRef idx="0">
+            <a:scrgbClr r="0" g="0" b="0"/>
+          </a:lnRef>
+          <a:fillRef idx="0">
+            <a:scrgbClr r="0" g="0" b="0"/>
+          </a:fillRef>
+          <a:effectRef idx="0">
+            <a:scrgbClr r="0" g="0" b="0"/>
+          </a:effectRef>
+          <a:fontRef idx="none"/>
+        </p:style>
+        <p:txBody>
+          <a:bodyPr rot="0" spcFirstLastPara="1" vertOverflow="overflow" horzOverflow="overflow" vert="horz" wrap="square" lIns="45719" tIns="45719" rIns="45719" bIns="45719" numCol="1" spcCol="38100" rtlCol="0" anchor="ctr">
+            <a:noAutofit/>
+          </a:bodyPr>
+          <a:lstStyle/>
+          <a:p>
+            <a:pPr marL="0" marR="0" lvl="0" indent="0" algn="l" defTabSz="609585" rtl="0" eaLnBrk="1" fontAlgn="auto" latinLnBrk="0" hangingPunct="1">
+              <a:lnSpc>
+                <a:spcPct val="100000"/>
+              </a:lnSpc>
+              <a:spcBef>
+                <a:spcPts val="0"/>
+              </a:spcBef>
+              <a:spcAft>
+                <a:spcPts val="0"/>
+              </a:spcAft>
+              <a:buClrTx/>
+              <a:buSzTx/>
+              <a:buFontTx/>
+              <a:buNone/>
+              <a:tabLst/>
+              <a:defRPr/>
+            </a:pPr>
+            <a:r>
+              <a:rPr kumimoji="0" lang="en-US" sz="2800" b="1" i="0" u="none" strike="noStrike" kern="1200" cap="none" spc="0" normalizeH="0" baseline="0" noProof="0" dirty="0">
+                <a:ln>
+                  <a:noFill/>
+                </a:ln>
+                <a:solidFill>
+                  <a:schemeClr val="bg1"/>
+                </a:solidFill>
+                <a:effectLst/>
+                <a:uLnTx/>
+                <a:uFillTx/>
+                <a:latin typeface="Calibri"/>
+              </a:rPr>
+              <a:t>Make a Wish &amp; Sponsor</a:t>
+            </a:r>
+          </a:p>
+        </p:txBody>
+      </p:sp>
+    </p:spTree>
+    <p:extLst>
+      <p:ext uri="{BB962C8B-B14F-4D97-AF65-F5344CB8AC3E}">
+        <p14:creationId xmlns:p14="http://schemas.microsoft.com/office/powerpoint/2010/main" val="3031065367"/>
+      </p:ext>
+    </p:extLst>
+  </p:cSld>
+  <p:clrMapOvr>
+    <a:masterClrMapping/>
+  </p:clrMapOvr>
+</p:sld>
+</file>
+
+<file path=ppt/slides/slide9.xml><?xml version="1.0" encoding="utf-8"?>
 <p:sld xmlns:a="http://schemas.openxmlformats.org/drawingml/2006/main" xmlns:r="http://schemas.openxmlformats.org/officeDocument/2006/relationships" xmlns:p="http://schemas.openxmlformats.org/presentationml/2006/main">
   <p:cSld>
     <p:spTree>
@@ -14891,1376 +16283,6 @@
     <p:extLst>
       <p:ext uri="{BB962C8B-B14F-4D97-AF65-F5344CB8AC3E}">
         <p14:creationId xmlns:p14="http://schemas.microsoft.com/office/powerpoint/2010/main" val="2296763747"/>
-      </p:ext>
-    </p:extLst>
-  </p:cSld>
-  <p:clrMapOvr>
-    <a:masterClrMapping/>
-  </p:clrMapOvr>
-</p:sld>
-</file>
-
-<file path=ppt/slides/slide7.xml><?xml version="1.0" encoding="utf-8"?>
-<p:sld xmlns:a="http://schemas.openxmlformats.org/drawingml/2006/main" xmlns:r="http://schemas.openxmlformats.org/officeDocument/2006/relationships" xmlns:p="http://schemas.openxmlformats.org/presentationml/2006/main">
-  <p:cSld>
-    <p:spTree>
-      <p:nvGrpSpPr>
-        <p:cNvPr id="1" name=""/>
-        <p:cNvGrpSpPr/>
-        <p:nvPr/>
-      </p:nvGrpSpPr>
-      <p:grpSpPr>
-        <a:xfrm>
-          <a:off x="0" y="0"/>
-          <a:ext cx="0" cy="0"/>
-          <a:chOff x="0" y="0"/>
-          <a:chExt cx="0" cy="0"/>
-        </a:xfrm>
-      </p:grpSpPr>
-      <p:sp>
-        <p:nvSpPr>
-          <p:cNvPr id="6" name="Title 2">
-            <a:extLst>
-              <a:ext uri="{FF2B5EF4-FFF2-40B4-BE49-F238E27FC236}">
-                <a16:creationId xmlns:a16="http://schemas.microsoft.com/office/drawing/2014/main" id="{1EA1C268-5A65-4CE3-A217-236E3E12BA8B}"/>
-              </a:ext>
-            </a:extLst>
-          </p:cNvPr>
-          <p:cNvSpPr txBox="1">
-            <a:spLocks/>
-          </p:cNvSpPr>
-          <p:nvPr/>
-        </p:nvSpPr>
-        <p:spPr>
-          <a:xfrm>
-            <a:off x="3837593" y="2898232"/>
-            <a:ext cx="4820695" cy="908189"/>
-          </a:xfrm>
-          <a:prstGeom prst="rect">
-            <a:avLst/>
-          </a:prstGeom>
-        </p:spPr>
-        <p:txBody>
-          <a:bodyPr anchor="ctr">
-            <a:noAutofit/>
-          </a:bodyPr>
-          <a:lstStyle>
-            <a:lvl1pPr marL="0" marR="0" indent="0" algn="l" defTabSz="457200" rtl="0" latinLnBrk="0">
-              <a:lnSpc>
-                <a:spcPct val="100000"/>
-              </a:lnSpc>
-              <a:spcBef>
-                <a:spcPts val="0"/>
-              </a:spcBef>
-              <a:spcAft>
-                <a:spcPts val="0"/>
-              </a:spcAft>
-              <a:buClrTx/>
-              <a:buSzTx/>
-              <a:buFontTx/>
-              <a:buNone/>
-              <a:tabLst/>
-              <a:defRPr sz="2000" b="0" i="0" u="none" strike="noStrike" cap="none" spc="0" baseline="0">
-                <a:ln>
-                  <a:noFill/>
-                </a:ln>
-                <a:solidFill>
-                  <a:srgbClr val="007CC3"/>
-                </a:solidFill>
-                <a:uFillTx/>
-                <a:latin typeface="Arial"/>
-                <a:ea typeface="Arial"/>
-                <a:cs typeface="Arial"/>
-                <a:sym typeface="Arial"/>
-              </a:defRPr>
-            </a:lvl1pPr>
-            <a:lvl2pPr marL="0" marR="0" indent="0" algn="l" defTabSz="457200" rtl="0" latinLnBrk="0">
-              <a:lnSpc>
-                <a:spcPct val="100000"/>
-              </a:lnSpc>
-              <a:spcBef>
-                <a:spcPts val="0"/>
-              </a:spcBef>
-              <a:spcAft>
-                <a:spcPts val="0"/>
-              </a:spcAft>
-              <a:buClrTx/>
-              <a:buSzTx/>
-              <a:buFontTx/>
-              <a:buNone/>
-              <a:tabLst/>
-              <a:defRPr sz="2400" b="0" i="0" u="none" strike="noStrike" cap="none" spc="0" baseline="0">
-                <a:ln>
-                  <a:noFill/>
-                </a:ln>
-                <a:solidFill>
-                  <a:srgbClr val="2670C3"/>
-                </a:solidFill>
-                <a:uFillTx/>
-                <a:latin typeface="Arial"/>
-                <a:ea typeface="Arial"/>
-                <a:cs typeface="Arial"/>
-                <a:sym typeface="Arial"/>
-              </a:defRPr>
-            </a:lvl2pPr>
-            <a:lvl3pPr marL="0" marR="0" indent="0" algn="l" defTabSz="457200" rtl="0" latinLnBrk="0">
-              <a:lnSpc>
-                <a:spcPct val="100000"/>
-              </a:lnSpc>
-              <a:spcBef>
-                <a:spcPts val="0"/>
-              </a:spcBef>
-              <a:spcAft>
-                <a:spcPts val="0"/>
-              </a:spcAft>
-              <a:buClrTx/>
-              <a:buSzTx/>
-              <a:buFontTx/>
-              <a:buNone/>
-              <a:tabLst/>
-              <a:defRPr sz="2400" b="0" i="0" u="none" strike="noStrike" cap="none" spc="0" baseline="0">
-                <a:ln>
-                  <a:noFill/>
-                </a:ln>
-                <a:solidFill>
-                  <a:srgbClr val="2670C3"/>
-                </a:solidFill>
-                <a:uFillTx/>
-                <a:latin typeface="Arial"/>
-                <a:ea typeface="Arial"/>
-                <a:cs typeface="Arial"/>
-                <a:sym typeface="Arial"/>
-              </a:defRPr>
-            </a:lvl3pPr>
-            <a:lvl4pPr marL="0" marR="0" indent="0" algn="l" defTabSz="457200" rtl="0" latinLnBrk="0">
-              <a:lnSpc>
-                <a:spcPct val="100000"/>
-              </a:lnSpc>
-              <a:spcBef>
-                <a:spcPts val="0"/>
-              </a:spcBef>
-              <a:spcAft>
-                <a:spcPts val="0"/>
-              </a:spcAft>
-              <a:buClrTx/>
-              <a:buSzTx/>
-              <a:buFontTx/>
-              <a:buNone/>
-              <a:tabLst/>
-              <a:defRPr sz="2400" b="0" i="0" u="none" strike="noStrike" cap="none" spc="0" baseline="0">
-                <a:ln>
-                  <a:noFill/>
-                </a:ln>
-                <a:solidFill>
-                  <a:srgbClr val="2670C3"/>
-                </a:solidFill>
-                <a:uFillTx/>
-                <a:latin typeface="Arial"/>
-                <a:ea typeface="Arial"/>
-                <a:cs typeface="Arial"/>
-                <a:sym typeface="Arial"/>
-              </a:defRPr>
-            </a:lvl4pPr>
-            <a:lvl5pPr marL="0" marR="0" indent="0" algn="l" defTabSz="457200" rtl="0" latinLnBrk="0">
-              <a:lnSpc>
-                <a:spcPct val="100000"/>
-              </a:lnSpc>
-              <a:spcBef>
-                <a:spcPts val="0"/>
-              </a:spcBef>
-              <a:spcAft>
-                <a:spcPts val="0"/>
-              </a:spcAft>
-              <a:buClrTx/>
-              <a:buSzTx/>
-              <a:buFontTx/>
-              <a:buNone/>
-              <a:tabLst/>
-              <a:defRPr sz="2400" b="0" i="0" u="none" strike="noStrike" cap="none" spc="0" baseline="0">
-                <a:ln>
-                  <a:noFill/>
-                </a:ln>
-                <a:solidFill>
-                  <a:srgbClr val="2670C3"/>
-                </a:solidFill>
-                <a:uFillTx/>
-                <a:latin typeface="Arial"/>
-                <a:ea typeface="Arial"/>
-                <a:cs typeface="Arial"/>
-                <a:sym typeface="Arial"/>
-              </a:defRPr>
-            </a:lvl5pPr>
-            <a:lvl6pPr marL="0" marR="0" indent="0" algn="l" defTabSz="457200" rtl="0" latinLnBrk="0">
-              <a:lnSpc>
-                <a:spcPct val="100000"/>
-              </a:lnSpc>
-              <a:spcBef>
-                <a:spcPts val="0"/>
-              </a:spcBef>
-              <a:spcAft>
-                <a:spcPts val="0"/>
-              </a:spcAft>
-              <a:buClrTx/>
-              <a:buSzTx/>
-              <a:buFontTx/>
-              <a:buNone/>
-              <a:tabLst/>
-              <a:defRPr sz="2400" b="0" i="0" u="none" strike="noStrike" cap="none" spc="0" baseline="0">
-                <a:ln>
-                  <a:noFill/>
-                </a:ln>
-                <a:solidFill>
-                  <a:srgbClr val="2670C3"/>
-                </a:solidFill>
-                <a:uFillTx/>
-                <a:latin typeface="Arial"/>
-                <a:ea typeface="Arial"/>
-                <a:cs typeface="Arial"/>
-                <a:sym typeface="Arial"/>
-              </a:defRPr>
-            </a:lvl6pPr>
-            <a:lvl7pPr marL="0" marR="0" indent="0" algn="l" defTabSz="457200" rtl="0" latinLnBrk="0">
-              <a:lnSpc>
-                <a:spcPct val="100000"/>
-              </a:lnSpc>
-              <a:spcBef>
-                <a:spcPts val="0"/>
-              </a:spcBef>
-              <a:spcAft>
-                <a:spcPts val="0"/>
-              </a:spcAft>
-              <a:buClrTx/>
-              <a:buSzTx/>
-              <a:buFontTx/>
-              <a:buNone/>
-              <a:tabLst/>
-              <a:defRPr sz="2400" b="0" i="0" u="none" strike="noStrike" cap="none" spc="0" baseline="0">
-                <a:ln>
-                  <a:noFill/>
-                </a:ln>
-                <a:solidFill>
-                  <a:srgbClr val="2670C3"/>
-                </a:solidFill>
-                <a:uFillTx/>
-                <a:latin typeface="Arial"/>
-                <a:ea typeface="Arial"/>
-                <a:cs typeface="Arial"/>
-                <a:sym typeface="Arial"/>
-              </a:defRPr>
-            </a:lvl7pPr>
-            <a:lvl8pPr marL="0" marR="0" indent="0" algn="l" defTabSz="457200" rtl="0" latinLnBrk="0">
-              <a:lnSpc>
-                <a:spcPct val="100000"/>
-              </a:lnSpc>
-              <a:spcBef>
-                <a:spcPts val="0"/>
-              </a:spcBef>
-              <a:spcAft>
-                <a:spcPts val="0"/>
-              </a:spcAft>
-              <a:buClrTx/>
-              <a:buSzTx/>
-              <a:buFontTx/>
-              <a:buNone/>
-              <a:tabLst/>
-              <a:defRPr sz="2400" b="0" i="0" u="none" strike="noStrike" cap="none" spc="0" baseline="0">
-                <a:ln>
-                  <a:noFill/>
-                </a:ln>
-                <a:solidFill>
-                  <a:srgbClr val="2670C3"/>
-                </a:solidFill>
-                <a:uFillTx/>
-                <a:latin typeface="Arial"/>
-                <a:ea typeface="Arial"/>
-                <a:cs typeface="Arial"/>
-                <a:sym typeface="Arial"/>
-              </a:defRPr>
-            </a:lvl8pPr>
-            <a:lvl9pPr marL="0" marR="0" indent="0" algn="l" defTabSz="457200" rtl="0" latinLnBrk="0">
-              <a:lnSpc>
-                <a:spcPct val="100000"/>
-              </a:lnSpc>
-              <a:spcBef>
-                <a:spcPts val="0"/>
-              </a:spcBef>
-              <a:spcAft>
-                <a:spcPts val="0"/>
-              </a:spcAft>
-              <a:buClrTx/>
-              <a:buSzTx/>
-              <a:buFontTx/>
-              <a:buNone/>
-              <a:tabLst/>
-              <a:defRPr sz="2400" b="0" i="0" u="none" strike="noStrike" cap="none" spc="0" baseline="0">
-                <a:ln>
-                  <a:noFill/>
-                </a:ln>
-                <a:solidFill>
-                  <a:srgbClr val="2670C3"/>
-                </a:solidFill>
-                <a:uFillTx/>
-                <a:latin typeface="Arial"/>
-                <a:ea typeface="Arial"/>
-                <a:cs typeface="Arial"/>
-                <a:sym typeface="Arial"/>
-              </a:defRPr>
-            </a:lvl9pPr>
-          </a:lstStyle>
-          <a:p>
-            <a:pPr hangingPunct="1"/>
-            <a:r>
-              <a:rPr lang="en-US" sz="2667" b="1" dirty="0">
-                <a:solidFill>
-                  <a:srgbClr val="F45B8E"/>
-                </a:solidFill>
-              </a:rPr>
-              <a:t>Technologically</a:t>
-            </a:r>
-            <a:r>
-              <a:rPr lang="en-US" sz="2667" dirty="0"/>
-              <a:t> </a:t>
-            </a:r>
-            <a:r>
-              <a:rPr lang="en-US" sz="2667" b="1" dirty="0">
-                <a:solidFill>
-                  <a:srgbClr val="EEB500"/>
-                </a:solidFill>
-              </a:rPr>
-              <a:t>FEASIBLE</a:t>
-            </a:r>
-          </a:p>
-        </p:txBody>
-      </p:sp>
-      <p:sp>
-        <p:nvSpPr>
-          <p:cNvPr id="7" name="Title 2">
-            <a:extLst>
-              <a:ext uri="{FF2B5EF4-FFF2-40B4-BE49-F238E27FC236}">
-                <a16:creationId xmlns:a16="http://schemas.microsoft.com/office/drawing/2014/main" id="{3D4C07C4-5173-40ED-8B38-1848F8E4B6D9}"/>
-              </a:ext>
-            </a:extLst>
-          </p:cNvPr>
-          <p:cNvSpPr txBox="1">
-            <a:spLocks/>
-          </p:cNvSpPr>
-          <p:nvPr/>
-        </p:nvSpPr>
-        <p:spPr>
-          <a:xfrm>
-            <a:off x="6378930" y="3852331"/>
-            <a:ext cx="4233863" cy="908189"/>
-          </a:xfrm>
-          <a:prstGeom prst="rect">
-            <a:avLst/>
-          </a:prstGeom>
-        </p:spPr>
-        <p:txBody>
-          <a:bodyPr anchor="ctr">
-            <a:noAutofit/>
-          </a:bodyPr>
-          <a:lstStyle>
-            <a:lvl1pPr marL="0" marR="0" indent="0" algn="l" defTabSz="457200" rtl="0" latinLnBrk="0">
-              <a:lnSpc>
-                <a:spcPct val="100000"/>
-              </a:lnSpc>
-              <a:spcBef>
-                <a:spcPts val="0"/>
-              </a:spcBef>
-              <a:spcAft>
-                <a:spcPts val="0"/>
-              </a:spcAft>
-              <a:buClrTx/>
-              <a:buSzTx/>
-              <a:buFontTx/>
-              <a:buNone/>
-              <a:tabLst/>
-              <a:defRPr sz="2000" b="0" i="0" u="none" strike="noStrike" cap="none" spc="0" baseline="0">
-                <a:ln>
-                  <a:noFill/>
-                </a:ln>
-                <a:solidFill>
-                  <a:srgbClr val="007CC3"/>
-                </a:solidFill>
-                <a:uFillTx/>
-                <a:latin typeface="Arial"/>
-                <a:ea typeface="Arial"/>
-                <a:cs typeface="Arial"/>
-                <a:sym typeface="Arial"/>
-              </a:defRPr>
-            </a:lvl1pPr>
-            <a:lvl2pPr marL="0" marR="0" indent="0" algn="l" defTabSz="457200" rtl="0" latinLnBrk="0">
-              <a:lnSpc>
-                <a:spcPct val="100000"/>
-              </a:lnSpc>
-              <a:spcBef>
-                <a:spcPts val="0"/>
-              </a:spcBef>
-              <a:spcAft>
-                <a:spcPts val="0"/>
-              </a:spcAft>
-              <a:buClrTx/>
-              <a:buSzTx/>
-              <a:buFontTx/>
-              <a:buNone/>
-              <a:tabLst/>
-              <a:defRPr sz="2400" b="0" i="0" u="none" strike="noStrike" cap="none" spc="0" baseline="0">
-                <a:ln>
-                  <a:noFill/>
-                </a:ln>
-                <a:solidFill>
-                  <a:srgbClr val="2670C3"/>
-                </a:solidFill>
-                <a:uFillTx/>
-                <a:latin typeface="Arial"/>
-                <a:ea typeface="Arial"/>
-                <a:cs typeface="Arial"/>
-                <a:sym typeface="Arial"/>
-              </a:defRPr>
-            </a:lvl2pPr>
-            <a:lvl3pPr marL="0" marR="0" indent="0" algn="l" defTabSz="457200" rtl="0" latinLnBrk="0">
-              <a:lnSpc>
-                <a:spcPct val="100000"/>
-              </a:lnSpc>
-              <a:spcBef>
-                <a:spcPts val="0"/>
-              </a:spcBef>
-              <a:spcAft>
-                <a:spcPts val="0"/>
-              </a:spcAft>
-              <a:buClrTx/>
-              <a:buSzTx/>
-              <a:buFontTx/>
-              <a:buNone/>
-              <a:tabLst/>
-              <a:defRPr sz="2400" b="0" i="0" u="none" strike="noStrike" cap="none" spc="0" baseline="0">
-                <a:ln>
-                  <a:noFill/>
-                </a:ln>
-                <a:solidFill>
-                  <a:srgbClr val="2670C3"/>
-                </a:solidFill>
-                <a:uFillTx/>
-                <a:latin typeface="Arial"/>
-                <a:ea typeface="Arial"/>
-                <a:cs typeface="Arial"/>
-                <a:sym typeface="Arial"/>
-              </a:defRPr>
-            </a:lvl3pPr>
-            <a:lvl4pPr marL="0" marR="0" indent="0" algn="l" defTabSz="457200" rtl="0" latinLnBrk="0">
-              <a:lnSpc>
-                <a:spcPct val="100000"/>
-              </a:lnSpc>
-              <a:spcBef>
-                <a:spcPts val="0"/>
-              </a:spcBef>
-              <a:spcAft>
-                <a:spcPts val="0"/>
-              </a:spcAft>
-              <a:buClrTx/>
-              <a:buSzTx/>
-              <a:buFontTx/>
-              <a:buNone/>
-              <a:tabLst/>
-              <a:defRPr sz="2400" b="0" i="0" u="none" strike="noStrike" cap="none" spc="0" baseline="0">
-                <a:ln>
-                  <a:noFill/>
-                </a:ln>
-                <a:solidFill>
-                  <a:srgbClr val="2670C3"/>
-                </a:solidFill>
-                <a:uFillTx/>
-                <a:latin typeface="Arial"/>
-                <a:ea typeface="Arial"/>
-                <a:cs typeface="Arial"/>
-                <a:sym typeface="Arial"/>
-              </a:defRPr>
-            </a:lvl4pPr>
-            <a:lvl5pPr marL="0" marR="0" indent="0" algn="l" defTabSz="457200" rtl="0" latinLnBrk="0">
-              <a:lnSpc>
-                <a:spcPct val="100000"/>
-              </a:lnSpc>
-              <a:spcBef>
-                <a:spcPts val="0"/>
-              </a:spcBef>
-              <a:spcAft>
-                <a:spcPts val="0"/>
-              </a:spcAft>
-              <a:buClrTx/>
-              <a:buSzTx/>
-              <a:buFontTx/>
-              <a:buNone/>
-              <a:tabLst/>
-              <a:defRPr sz="2400" b="0" i="0" u="none" strike="noStrike" cap="none" spc="0" baseline="0">
-                <a:ln>
-                  <a:noFill/>
-                </a:ln>
-                <a:solidFill>
-                  <a:srgbClr val="2670C3"/>
-                </a:solidFill>
-                <a:uFillTx/>
-                <a:latin typeface="Arial"/>
-                <a:ea typeface="Arial"/>
-                <a:cs typeface="Arial"/>
-                <a:sym typeface="Arial"/>
-              </a:defRPr>
-            </a:lvl5pPr>
-            <a:lvl6pPr marL="0" marR="0" indent="0" algn="l" defTabSz="457200" rtl="0" latinLnBrk="0">
-              <a:lnSpc>
-                <a:spcPct val="100000"/>
-              </a:lnSpc>
-              <a:spcBef>
-                <a:spcPts val="0"/>
-              </a:spcBef>
-              <a:spcAft>
-                <a:spcPts val="0"/>
-              </a:spcAft>
-              <a:buClrTx/>
-              <a:buSzTx/>
-              <a:buFontTx/>
-              <a:buNone/>
-              <a:tabLst/>
-              <a:defRPr sz="2400" b="0" i="0" u="none" strike="noStrike" cap="none" spc="0" baseline="0">
-                <a:ln>
-                  <a:noFill/>
-                </a:ln>
-                <a:solidFill>
-                  <a:srgbClr val="2670C3"/>
-                </a:solidFill>
-                <a:uFillTx/>
-                <a:latin typeface="Arial"/>
-                <a:ea typeface="Arial"/>
-                <a:cs typeface="Arial"/>
-                <a:sym typeface="Arial"/>
-              </a:defRPr>
-            </a:lvl6pPr>
-            <a:lvl7pPr marL="0" marR="0" indent="0" algn="l" defTabSz="457200" rtl="0" latinLnBrk="0">
-              <a:lnSpc>
-                <a:spcPct val="100000"/>
-              </a:lnSpc>
-              <a:spcBef>
-                <a:spcPts val="0"/>
-              </a:spcBef>
-              <a:spcAft>
-                <a:spcPts val="0"/>
-              </a:spcAft>
-              <a:buClrTx/>
-              <a:buSzTx/>
-              <a:buFontTx/>
-              <a:buNone/>
-              <a:tabLst/>
-              <a:defRPr sz="2400" b="0" i="0" u="none" strike="noStrike" cap="none" spc="0" baseline="0">
-                <a:ln>
-                  <a:noFill/>
-                </a:ln>
-                <a:solidFill>
-                  <a:srgbClr val="2670C3"/>
-                </a:solidFill>
-                <a:uFillTx/>
-                <a:latin typeface="Arial"/>
-                <a:ea typeface="Arial"/>
-                <a:cs typeface="Arial"/>
-                <a:sym typeface="Arial"/>
-              </a:defRPr>
-            </a:lvl7pPr>
-            <a:lvl8pPr marL="0" marR="0" indent="0" algn="l" defTabSz="457200" rtl="0" latinLnBrk="0">
-              <a:lnSpc>
-                <a:spcPct val="100000"/>
-              </a:lnSpc>
-              <a:spcBef>
-                <a:spcPts val="0"/>
-              </a:spcBef>
-              <a:spcAft>
-                <a:spcPts val="0"/>
-              </a:spcAft>
-              <a:buClrTx/>
-              <a:buSzTx/>
-              <a:buFontTx/>
-              <a:buNone/>
-              <a:tabLst/>
-              <a:defRPr sz="2400" b="0" i="0" u="none" strike="noStrike" cap="none" spc="0" baseline="0">
-                <a:ln>
-                  <a:noFill/>
-                </a:ln>
-                <a:solidFill>
-                  <a:srgbClr val="2670C3"/>
-                </a:solidFill>
-                <a:uFillTx/>
-                <a:latin typeface="Arial"/>
-                <a:ea typeface="Arial"/>
-                <a:cs typeface="Arial"/>
-                <a:sym typeface="Arial"/>
-              </a:defRPr>
-            </a:lvl8pPr>
-            <a:lvl9pPr marL="0" marR="0" indent="0" algn="l" defTabSz="457200" rtl="0" latinLnBrk="0">
-              <a:lnSpc>
-                <a:spcPct val="100000"/>
-              </a:lnSpc>
-              <a:spcBef>
-                <a:spcPts val="0"/>
-              </a:spcBef>
-              <a:spcAft>
-                <a:spcPts val="0"/>
-              </a:spcAft>
-              <a:buClrTx/>
-              <a:buSzTx/>
-              <a:buFontTx/>
-              <a:buNone/>
-              <a:tabLst/>
-              <a:defRPr sz="2400" b="0" i="0" u="none" strike="noStrike" cap="none" spc="0" baseline="0">
-                <a:ln>
-                  <a:noFill/>
-                </a:ln>
-                <a:solidFill>
-                  <a:srgbClr val="2670C3"/>
-                </a:solidFill>
-                <a:uFillTx/>
-                <a:latin typeface="Arial"/>
-                <a:ea typeface="Arial"/>
-                <a:cs typeface="Arial"/>
-                <a:sym typeface="Arial"/>
-              </a:defRPr>
-            </a:lvl9pPr>
-          </a:lstStyle>
-          <a:p>
-            <a:pPr hangingPunct="1"/>
-            <a:r>
-              <a:rPr lang="en-US" sz="2667" b="1" dirty="0">
-                <a:solidFill>
-                  <a:srgbClr val="F45B8E"/>
-                </a:solidFill>
-              </a:rPr>
-              <a:t>Economically</a:t>
-            </a:r>
-            <a:r>
-              <a:rPr lang="en-US" sz="2667" dirty="0"/>
-              <a:t> </a:t>
-            </a:r>
-            <a:r>
-              <a:rPr lang="en-US" sz="2667" b="1" dirty="0">
-                <a:solidFill>
-                  <a:srgbClr val="00B050"/>
-                </a:solidFill>
-              </a:rPr>
-              <a:t>VIABLE</a:t>
-            </a:r>
-          </a:p>
-        </p:txBody>
-      </p:sp>
-      <p:sp>
-        <p:nvSpPr>
-          <p:cNvPr id="8" name="Title 2">
-            <a:extLst>
-              <a:ext uri="{FF2B5EF4-FFF2-40B4-BE49-F238E27FC236}">
-                <a16:creationId xmlns:a16="http://schemas.microsoft.com/office/drawing/2014/main" id="{86B995C0-2871-44FF-AA7F-DA8B8D776C52}"/>
-              </a:ext>
-            </a:extLst>
-          </p:cNvPr>
-          <p:cNvSpPr txBox="1">
-            <a:spLocks/>
-          </p:cNvSpPr>
-          <p:nvPr/>
-        </p:nvSpPr>
-        <p:spPr>
-          <a:xfrm>
-            <a:off x="2228612" y="1991780"/>
-            <a:ext cx="4233863" cy="908189"/>
-          </a:xfrm>
-          <a:prstGeom prst="rect">
-            <a:avLst/>
-          </a:prstGeom>
-        </p:spPr>
-        <p:txBody>
-          <a:bodyPr anchor="ctr">
-            <a:noAutofit/>
-          </a:bodyPr>
-          <a:lstStyle>
-            <a:lvl1pPr marL="0" marR="0" indent="0" algn="l" defTabSz="457200" rtl="0" latinLnBrk="0">
-              <a:lnSpc>
-                <a:spcPct val="100000"/>
-              </a:lnSpc>
-              <a:spcBef>
-                <a:spcPts val="0"/>
-              </a:spcBef>
-              <a:spcAft>
-                <a:spcPts val="0"/>
-              </a:spcAft>
-              <a:buClrTx/>
-              <a:buSzTx/>
-              <a:buFontTx/>
-              <a:buNone/>
-              <a:tabLst/>
-              <a:defRPr sz="2000" b="0" i="0" u="none" strike="noStrike" cap="none" spc="0" baseline="0">
-                <a:ln>
-                  <a:noFill/>
-                </a:ln>
-                <a:solidFill>
-                  <a:srgbClr val="007CC3"/>
-                </a:solidFill>
-                <a:uFillTx/>
-                <a:latin typeface="Arial"/>
-                <a:ea typeface="Arial"/>
-                <a:cs typeface="Arial"/>
-                <a:sym typeface="Arial"/>
-              </a:defRPr>
-            </a:lvl1pPr>
-            <a:lvl2pPr marL="0" marR="0" indent="0" algn="l" defTabSz="457200" rtl="0" latinLnBrk="0">
-              <a:lnSpc>
-                <a:spcPct val="100000"/>
-              </a:lnSpc>
-              <a:spcBef>
-                <a:spcPts val="0"/>
-              </a:spcBef>
-              <a:spcAft>
-                <a:spcPts val="0"/>
-              </a:spcAft>
-              <a:buClrTx/>
-              <a:buSzTx/>
-              <a:buFontTx/>
-              <a:buNone/>
-              <a:tabLst/>
-              <a:defRPr sz="2400" b="0" i="0" u="none" strike="noStrike" cap="none" spc="0" baseline="0">
-                <a:ln>
-                  <a:noFill/>
-                </a:ln>
-                <a:solidFill>
-                  <a:srgbClr val="2670C3"/>
-                </a:solidFill>
-                <a:uFillTx/>
-                <a:latin typeface="Arial"/>
-                <a:ea typeface="Arial"/>
-                <a:cs typeface="Arial"/>
-                <a:sym typeface="Arial"/>
-              </a:defRPr>
-            </a:lvl2pPr>
-            <a:lvl3pPr marL="0" marR="0" indent="0" algn="l" defTabSz="457200" rtl="0" latinLnBrk="0">
-              <a:lnSpc>
-                <a:spcPct val="100000"/>
-              </a:lnSpc>
-              <a:spcBef>
-                <a:spcPts val="0"/>
-              </a:spcBef>
-              <a:spcAft>
-                <a:spcPts val="0"/>
-              </a:spcAft>
-              <a:buClrTx/>
-              <a:buSzTx/>
-              <a:buFontTx/>
-              <a:buNone/>
-              <a:tabLst/>
-              <a:defRPr sz="2400" b="0" i="0" u="none" strike="noStrike" cap="none" spc="0" baseline="0">
-                <a:ln>
-                  <a:noFill/>
-                </a:ln>
-                <a:solidFill>
-                  <a:srgbClr val="2670C3"/>
-                </a:solidFill>
-                <a:uFillTx/>
-                <a:latin typeface="Arial"/>
-                <a:ea typeface="Arial"/>
-                <a:cs typeface="Arial"/>
-                <a:sym typeface="Arial"/>
-              </a:defRPr>
-            </a:lvl3pPr>
-            <a:lvl4pPr marL="0" marR="0" indent="0" algn="l" defTabSz="457200" rtl="0" latinLnBrk="0">
-              <a:lnSpc>
-                <a:spcPct val="100000"/>
-              </a:lnSpc>
-              <a:spcBef>
-                <a:spcPts val="0"/>
-              </a:spcBef>
-              <a:spcAft>
-                <a:spcPts val="0"/>
-              </a:spcAft>
-              <a:buClrTx/>
-              <a:buSzTx/>
-              <a:buFontTx/>
-              <a:buNone/>
-              <a:tabLst/>
-              <a:defRPr sz="2400" b="0" i="0" u="none" strike="noStrike" cap="none" spc="0" baseline="0">
-                <a:ln>
-                  <a:noFill/>
-                </a:ln>
-                <a:solidFill>
-                  <a:srgbClr val="2670C3"/>
-                </a:solidFill>
-                <a:uFillTx/>
-                <a:latin typeface="Arial"/>
-                <a:ea typeface="Arial"/>
-                <a:cs typeface="Arial"/>
-                <a:sym typeface="Arial"/>
-              </a:defRPr>
-            </a:lvl4pPr>
-            <a:lvl5pPr marL="0" marR="0" indent="0" algn="l" defTabSz="457200" rtl="0" latinLnBrk="0">
-              <a:lnSpc>
-                <a:spcPct val="100000"/>
-              </a:lnSpc>
-              <a:spcBef>
-                <a:spcPts val="0"/>
-              </a:spcBef>
-              <a:spcAft>
-                <a:spcPts val="0"/>
-              </a:spcAft>
-              <a:buClrTx/>
-              <a:buSzTx/>
-              <a:buFontTx/>
-              <a:buNone/>
-              <a:tabLst/>
-              <a:defRPr sz="2400" b="0" i="0" u="none" strike="noStrike" cap="none" spc="0" baseline="0">
-                <a:ln>
-                  <a:noFill/>
-                </a:ln>
-                <a:solidFill>
-                  <a:srgbClr val="2670C3"/>
-                </a:solidFill>
-                <a:uFillTx/>
-                <a:latin typeface="Arial"/>
-                <a:ea typeface="Arial"/>
-                <a:cs typeface="Arial"/>
-                <a:sym typeface="Arial"/>
-              </a:defRPr>
-            </a:lvl5pPr>
-            <a:lvl6pPr marL="0" marR="0" indent="0" algn="l" defTabSz="457200" rtl="0" latinLnBrk="0">
-              <a:lnSpc>
-                <a:spcPct val="100000"/>
-              </a:lnSpc>
-              <a:spcBef>
-                <a:spcPts val="0"/>
-              </a:spcBef>
-              <a:spcAft>
-                <a:spcPts val="0"/>
-              </a:spcAft>
-              <a:buClrTx/>
-              <a:buSzTx/>
-              <a:buFontTx/>
-              <a:buNone/>
-              <a:tabLst/>
-              <a:defRPr sz="2400" b="0" i="0" u="none" strike="noStrike" cap="none" spc="0" baseline="0">
-                <a:ln>
-                  <a:noFill/>
-                </a:ln>
-                <a:solidFill>
-                  <a:srgbClr val="2670C3"/>
-                </a:solidFill>
-                <a:uFillTx/>
-                <a:latin typeface="Arial"/>
-                <a:ea typeface="Arial"/>
-                <a:cs typeface="Arial"/>
-                <a:sym typeface="Arial"/>
-              </a:defRPr>
-            </a:lvl6pPr>
-            <a:lvl7pPr marL="0" marR="0" indent="0" algn="l" defTabSz="457200" rtl="0" latinLnBrk="0">
-              <a:lnSpc>
-                <a:spcPct val="100000"/>
-              </a:lnSpc>
-              <a:spcBef>
-                <a:spcPts val="0"/>
-              </a:spcBef>
-              <a:spcAft>
-                <a:spcPts val="0"/>
-              </a:spcAft>
-              <a:buClrTx/>
-              <a:buSzTx/>
-              <a:buFontTx/>
-              <a:buNone/>
-              <a:tabLst/>
-              <a:defRPr sz="2400" b="0" i="0" u="none" strike="noStrike" cap="none" spc="0" baseline="0">
-                <a:ln>
-                  <a:noFill/>
-                </a:ln>
-                <a:solidFill>
-                  <a:srgbClr val="2670C3"/>
-                </a:solidFill>
-                <a:uFillTx/>
-                <a:latin typeface="Arial"/>
-                <a:ea typeface="Arial"/>
-                <a:cs typeface="Arial"/>
-                <a:sym typeface="Arial"/>
-              </a:defRPr>
-            </a:lvl7pPr>
-            <a:lvl8pPr marL="0" marR="0" indent="0" algn="l" defTabSz="457200" rtl="0" latinLnBrk="0">
-              <a:lnSpc>
-                <a:spcPct val="100000"/>
-              </a:lnSpc>
-              <a:spcBef>
-                <a:spcPts val="0"/>
-              </a:spcBef>
-              <a:spcAft>
-                <a:spcPts val="0"/>
-              </a:spcAft>
-              <a:buClrTx/>
-              <a:buSzTx/>
-              <a:buFontTx/>
-              <a:buNone/>
-              <a:tabLst/>
-              <a:defRPr sz="2400" b="0" i="0" u="none" strike="noStrike" cap="none" spc="0" baseline="0">
-                <a:ln>
-                  <a:noFill/>
-                </a:ln>
-                <a:solidFill>
-                  <a:srgbClr val="2670C3"/>
-                </a:solidFill>
-                <a:uFillTx/>
-                <a:latin typeface="Arial"/>
-                <a:ea typeface="Arial"/>
-                <a:cs typeface="Arial"/>
-                <a:sym typeface="Arial"/>
-              </a:defRPr>
-            </a:lvl8pPr>
-            <a:lvl9pPr marL="0" marR="0" indent="0" algn="l" defTabSz="457200" rtl="0" latinLnBrk="0">
-              <a:lnSpc>
-                <a:spcPct val="100000"/>
-              </a:lnSpc>
-              <a:spcBef>
-                <a:spcPts val="0"/>
-              </a:spcBef>
-              <a:spcAft>
-                <a:spcPts val="0"/>
-              </a:spcAft>
-              <a:buClrTx/>
-              <a:buSzTx/>
-              <a:buFontTx/>
-              <a:buNone/>
-              <a:tabLst/>
-              <a:defRPr sz="2400" b="0" i="0" u="none" strike="noStrike" cap="none" spc="0" baseline="0">
-                <a:ln>
-                  <a:noFill/>
-                </a:ln>
-                <a:solidFill>
-                  <a:srgbClr val="2670C3"/>
-                </a:solidFill>
-                <a:uFillTx/>
-                <a:latin typeface="Arial"/>
-                <a:ea typeface="Arial"/>
-                <a:cs typeface="Arial"/>
-                <a:sym typeface="Arial"/>
-              </a:defRPr>
-            </a:lvl9pPr>
-          </a:lstStyle>
-          <a:p>
-            <a:pPr hangingPunct="1"/>
-            <a:r>
-              <a:rPr lang="en-US" sz="2667" b="1" dirty="0">
-                <a:solidFill>
-                  <a:srgbClr val="F45B8E"/>
-                </a:solidFill>
-              </a:rPr>
-              <a:t>Pleasantly</a:t>
-            </a:r>
-            <a:r>
-              <a:rPr lang="en-US" sz="2667" dirty="0"/>
-              <a:t> </a:t>
-            </a:r>
-            <a:r>
-              <a:rPr lang="en-US" sz="2667" b="1" dirty="0">
-                <a:solidFill>
-                  <a:schemeClr val="accent6">
-                    <a:lumMod val="75000"/>
-                  </a:schemeClr>
-                </a:solidFill>
-              </a:rPr>
-              <a:t>DESIRABLE</a:t>
-            </a:r>
-          </a:p>
-        </p:txBody>
-      </p:sp>
-      <p:sp>
-        <p:nvSpPr>
-          <p:cNvPr id="9" name="Title 1">
-            <a:extLst>
-              <a:ext uri="{FF2B5EF4-FFF2-40B4-BE49-F238E27FC236}">
-                <a16:creationId xmlns:a16="http://schemas.microsoft.com/office/drawing/2014/main" id="{1337AA57-DB90-4D4C-8EAF-BCD77F9CA065}"/>
-              </a:ext>
-            </a:extLst>
-          </p:cNvPr>
-          <p:cNvSpPr txBox="1">
-            <a:spLocks/>
-          </p:cNvSpPr>
-          <p:nvPr/>
-        </p:nvSpPr>
-        <p:spPr>
-          <a:xfrm>
-            <a:off x="2068525" y="1077314"/>
-            <a:ext cx="6470193" cy="603981"/>
-          </a:xfrm>
-          <a:prstGeom prst="rect">
-            <a:avLst/>
-          </a:prstGeom>
-        </p:spPr>
-        <p:txBody>
-          <a:bodyPr anchor="ctr">
-            <a:noAutofit/>
-          </a:bodyPr>
-          <a:lstStyle>
-            <a:lvl1pPr marL="0" marR="0" indent="0" algn="l" defTabSz="457200" rtl="0" latinLnBrk="0">
-              <a:lnSpc>
-                <a:spcPct val="100000"/>
-              </a:lnSpc>
-              <a:spcBef>
-                <a:spcPts val="0"/>
-              </a:spcBef>
-              <a:spcAft>
-                <a:spcPts val="0"/>
-              </a:spcAft>
-              <a:buClrTx/>
-              <a:buSzTx/>
-              <a:buFontTx/>
-              <a:buNone/>
-              <a:tabLst/>
-              <a:defRPr sz="2000" b="0" i="0" u="none" strike="noStrike" cap="none" spc="0" baseline="0">
-                <a:ln>
-                  <a:noFill/>
-                </a:ln>
-                <a:solidFill>
-                  <a:srgbClr val="007CC3"/>
-                </a:solidFill>
-                <a:uFillTx/>
-                <a:latin typeface="Arial"/>
-                <a:ea typeface="Arial"/>
-                <a:cs typeface="Arial"/>
-                <a:sym typeface="Arial"/>
-              </a:defRPr>
-            </a:lvl1pPr>
-            <a:lvl2pPr marL="0" marR="0" indent="0" algn="l" defTabSz="457200" rtl="0" latinLnBrk="0">
-              <a:lnSpc>
-                <a:spcPct val="100000"/>
-              </a:lnSpc>
-              <a:spcBef>
-                <a:spcPts val="0"/>
-              </a:spcBef>
-              <a:spcAft>
-                <a:spcPts val="0"/>
-              </a:spcAft>
-              <a:buClrTx/>
-              <a:buSzTx/>
-              <a:buFontTx/>
-              <a:buNone/>
-              <a:tabLst/>
-              <a:defRPr sz="2400" b="0" i="0" u="none" strike="noStrike" cap="none" spc="0" baseline="0">
-                <a:ln>
-                  <a:noFill/>
-                </a:ln>
-                <a:solidFill>
-                  <a:srgbClr val="2670C3"/>
-                </a:solidFill>
-                <a:uFillTx/>
-                <a:latin typeface="Arial"/>
-                <a:ea typeface="Arial"/>
-                <a:cs typeface="Arial"/>
-                <a:sym typeface="Arial"/>
-              </a:defRPr>
-            </a:lvl2pPr>
-            <a:lvl3pPr marL="0" marR="0" indent="0" algn="l" defTabSz="457200" rtl="0" latinLnBrk="0">
-              <a:lnSpc>
-                <a:spcPct val="100000"/>
-              </a:lnSpc>
-              <a:spcBef>
-                <a:spcPts val="0"/>
-              </a:spcBef>
-              <a:spcAft>
-                <a:spcPts val="0"/>
-              </a:spcAft>
-              <a:buClrTx/>
-              <a:buSzTx/>
-              <a:buFontTx/>
-              <a:buNone/>
-              <a:tabLst/>
-              <a:defRPr sz="2400" b="0" i="0" u="none" strike="noStrike" cap="none" spc="0" baseline="0">
-                <a:ln>
-                  <a:noFill/>
-                </a:ln>
-                <a:solidFill>
-                  <a:srgbClr val="2670C3"/>
-                </a:solidFill>
-                <a:uFillTx/>
-                <a:latin typeface="Arial"/>
-                <a:ea typeface="Arial"/>
-                <a:cs typeface="Arial"/>
-                <a:sym typeface="Arial"/>
-              </a:defRPr>
-            </a:lvl3pPr>
-            <a:lvl4pPr marL="0" marR="0" indent="0" algn="l" defTabSz="457200" rtl="0" latinLnBrk="0">
-              <a:lnSpc>
-                <a:spcPct val="100000"/>
-              </a:lnSpc>
-              <a:spcBef>
-                <a:spcPts val="0"/>
-              </a:spcBef>
-              <a:spcAft>
-                <a:spcPts val="0"/>
-              </a:spcAft>
-              <a:buClrTx/>
-              <a:buSzTx/>
-              <a:buFontTx/>
-              <a:buNone/>
-              <a:tabLst/>
-              <a:defRPr sz="2400" b="0" i="0" u="none" strike="noStrike" cap="none" spc="0" baseline="0">
-                <a:ln>
-                  <a:noFill/>
-                </a:ln>
-                <a:solidFill>
-                  <a:srgbClr val="2670C3"/>
-                </a:solidFill>
-                <a:uFillTx/>
-                <a:latin typeface="Arial"/>
-                <a:ea typeface="Arial"/>
-                <a:cs typeface="Arial"/>
-                <a:sym typeface="Arial"/>
-              </a:defRPr>
-            </a:lvl4pPr>
-            <a:lvl5pPr marL="0" marR="0" indent="0" algn="l" defTabSz="457200" rtl="0" latinLnBrk="0">
-              <a:lnSpc>
-                <a:spcPct val="100000"/>
-              </a:lnSpc>
-              <a:spcBef>
-                <a:spcPts val="0"/>
-              </a:spcBef>
-              <a:spcAft>
-                <a:spcPts val="0"/>
-              </a:spcAft>
-              <a:buClrTx/>
-              <a:buSzTx/>
-              <a:buFontTx/>
-              <a:buNone/>
-              <a:tabLst/>
-              <a:defRPr sz="2400" b="0" i="0" u="none" strike="noStrike" cap="none" spc="0" baseline="0">
-                <a:ln>
-                  <a:noFill/>
-                </a:ln>
-                <a:solidFill>
-                  <a:srgbClr val="2670C3"/>
-                </a:solidFill>
-                <a:uFillTx/>
-                <a:latin typeface="Arial"/>
-                <a:ea typeface="Arial"/>
-                <a:cs typeface="Arial"/>
-                <a:sym typeface="Arial"/>
-              </a:defRPr>
-            </a:lvl5pPr>
-            <a:lvl6pPr marL="0" marR="0" indent="0" algn="l" defTabSz="457200" rtl="0" latinLnBrk="0">
-              <a:lnSpc>
-                <a:spcPct val="100000"/>
-              </a:lnSpc>
-              <a:spcBef>
-                <a:spcPts val="0"/>
-              </a:spcBef>
-              <a:spcAft>
-                <a:spcPts val="0"/>
-              </a:spcAft>
-              <a:buClrTx/>
-              <a:buSzTx/>
-              <a:buFontTx/>
-              <a:buNone/>
-              <a:tabLst/>
-              <a:defRPr sz="2400" b="0" i="0" u="none" strike="noStrike" cap="none" spc="0" baseline="0">
-                <a:ln>
-                  <a:noFill/>
-                </a:ln>
-                <a:solidFill>
-                  <a:srgbClr val="2670C3"/>
-                </a:solidFill>
-                <a:uFillTx/>
-                <a:latin typeface="Arial"/>
-                <a:ea typeface="Arial"/>
-                <a:cs typeface="Arial"/>
-                <a:sym typeface="Arial"/>
-              </a:defRPr>
-            </a:lvl6pPr>
-            <a:lvl7pPr marL="0" marR="0" indent="0" algn="l" defTabSz="457200" rtl="0" latinLnBrk="0">
-              <a:lnSpc>
-                <a:spcPct val="100000"/>
-              </a:lnSpc>
-              <a:spcBef>
-                <a:spcPts val="0"/>
-              </a:spcBef>
-              <a:spcAft>
-                <a:spcPts val="0"/>
-              </a:spcAft>
-              <a:buClrTx/>
-              <a:buSzTx/>
-              <a:buFontTx/>
-              <a:buNone/>
-              <a:tabLst/>
-              <a:defRPr sz="2400" b="0" i="0" u="none" strike="noStrike" cap="none" spc="0" baseline="0">
-                <a:ln>
-                  <a:noFill/>
-                </a:ln>
-                <a:solidFill>
-                  <a:srgbClr val="2670C3"/>
-                </a:solidFill>
-                <a:uFillTx/>
-                <a:latin typeface="Arial"/>
-                <a:ea typeface="Arial"/>
-                <a:cs typeface="Arial"/>
-                <a:sym typeface="Arial"/>
-              </a:defRPr>
-            </a:lvl7pPr>
-            <a:lvl8pPr marL="0" marR="0" indent="0" algn="l" defTabSz="457200" rtl="0" latinLnBrk="0">
-              <a:lnSpc>
-                <a:spcPct val="100000"/>
-              </a:lnSpc>
-              <a:spcBef>
-                <a:spcPts val="0"/>
-              </a:spcBef>
-              <a:spcAft>
-                <a:spcPts val="0"/>
-              </a:spcAft>
-              <a:buClrTx/>
-              <a:buSzTx/>
-              <a:buFontTx/>
-              <a:buNone/>
-              <a:tabLst/>
-              <a:defRPr sz="2400" b="0" i="0" u="none" strike="noStrike" cap="none" spc="0" baseline="0">
-                <a:ln>
-                  <a:noFill/>
-                </a:ln>
-                <a:solidFill>
-                  <a:srgbClr val="2670C3"/>
-                </a:solidFill>
-                <a:uFillTx/>
-                <a:latin typeface="Arial"/>
-                <a:ea typeface="Arial"/>
-                <a:cs typeface="Arial"/>
-                <a:sym typeface="Arial"/>
-              </a:defRPr>
-            </a:lvl8pPr>
-            <a:lvl9pPr marL="0" marR="0" indent="0" algn="l" defTabSz="457200" rtl="0" latinLnBrk="0">
-              <a:lnSpc>
-                <a:spcPct val="100000"/>
-              </a:lnSpc>
-              <a:spcBef>
-                <a:spcPts val="0"/>
-              </a:spcBef>
-              <a:spcAft>
-                <a:spcPts val="0"/>
-              </a:spcAft>
-              <a:buClrTx/>
-              <a:buSzTx/>
-              <a:buFontTx/>
-              <a:buNone/>
-              <a:tabLst/>
-              <a:defRPr sz="2400" b="0" i="0" u="none" strike="noStrike" cap="none" spc="0" baseline="0">
-                <a:ln>
-                  <a:noFill/>
-                </a:ln>
-                <a:solidFill>
-                  <a:srgbClr val="2670C3"/>
-                </a:solidFill>
-                <a:uFillTx/>
-                <a:latin typeface="Arial"/>
-                <a:ea typeface="Arial"/>
-                <a:cs typeface="Arial"/>
-                <a:sym typeface="Arial"/>
-              </a:defRPr>
-            </a:lvl9pPr>
-          </a:lstStyle>
-          <a:p>
-            <a:pPr hangingPunct="1"/>
-            <a:r>
-              <a:rPr lang="en-US" sz="4267" b="1" dirty="0">
-                <a:solidFill>
-                  <a:srgbClr val="F45B8E"/>
-                </a:solidFill>
-              </a:rPr>
-              <a:t>Our Proposed Solution</a:t>
-            </a:r>
-          </a:p>
-        </p:txBody>
-      </p:sp>
-      <p:pic>
-        <p:nvPicPr>
-          <p:cNvPr id="12" name="Picture 11" descr="Text&#10;&#10;Description automatically generated">
-            <a:extLst>
-              <a:ext uri="{FF2B5EF4-FFF2-40B4-BE49-F238E27FC236}">
-                <a16:creationId xmlns:a16="http://schemas.microsoft.com/office/drawing/2014/main" id="{D3479B6F-F923-492C-BB70-A2B21A6EA7DA}"/>
-              </a:ext>
-            </a:extLst>
-          </p:cNvPr>
-          <p:cNvPicPr>
-            <a:picLocks noChangeAspect="1"/>
-          </p:cNvPicPr>
-          <p:nvPr/>
-        </p:nvPicPr>
-        <p:blipFill>
-          <a:blip r:embed="rId2">
-            <a:extLst>
-              <a:ext uri="{28A0092B-C50C-407E-A947-70E740481C1C}">
-                <a14:useLocalDpi xmlns:a14="http://schemas.microsoft.com/office/drawing/2010/main" val="0"/>
-              </a:ext>
-            </a:extLst>
-          </a:blip>
-          <a:stretch>
-            <a:fillRect/>
-          </a:stretch>
-        </p:blipFill>
-        <p:spPr>
-          <a:xfrm>
-            <a:off x="3669430" y="6536479"/>
-            <a:ext cx="2783488" cy="668037"/>
-          </a:xfrm>
-          <a:prstGeom prst="rect">
-            <a:avLst/>
-          </a:prstGeom>
-        </p:spPr>
-      </p:pic>
-      <p:pic>
-        <p:nvPicPr>
-          <p:cNvPr id="2050" name="Picture 2">
-            <a:extLst>
-              <a:ext uri="{FF2B5EF4-FFF2-40B4-BE49-F238E27FC236}">
-                <a16:creationId xmlns:a16="http://schemas.microsoft.com/office/drawing/2014/main" id="{8B10464A-2CE8-4E3C-84F2-55AA945C481B}"/>
-              </a:ext>
-            </a:extLst>
-          </p:cNvPr>
-          <p:cNvPicPr>
-            <a:picLocks noChangeAspect="1" noChangeArrowheads="1"/>
-          </p:cNvPicPr>
-          <p:nvPr/>
-        </p:nvPicPr>
-        <p:blipFill rotWithShape="1">
-          <a:blip r:embed="rId3">
-            <a:extLst>
-              <a:ext uri="{BEBA8EAE-BF5A-486C-A8C5-ECC9F3942E4B}">
-                <a14:imgProps xmlns:a14="http://schemas.microsoft.com/office/drawing/2010/main">
-                  <a14:imgLayer r:embed="rId4">
-                    <a14:imgEffect>
-                      <a14:saturation sat="400000"/>
-                    </a14:imgEffect>
-                  </a14:imgLayer>
-                </a14:imgProps>
-              </a:ext>
-              <a:ext uri="{28A0092B-C50C-407E-A947-70E740481C1C}">
-                <a14:useLocalDpi xmlns:a14="http://schemas.microsoft.com/office/drawing/2010/main" val="0"/>
-              </a:ext>
-            </a:extLst>
-          </a:blip>
-          <a:srcRect l="60499" t="8319" r="4897"/>
-          <a:stretch/>
-        </p:blipFill>
-        <p:spPr bwMode="auto">
-          <a:xfrm>
-            <a:off x="1881051" y="2911446"/>
-            <a:ext cx="1788379" cy="3158837"/>
-          </a:xfrm>
-          <a:prstGeom prst="rect">
-            <a:avLst/>
-          </a:prstGeom>
-          <a:noFill/>
-          <a:extLst>
-            <a:ext uri="{909E8E84-426E-40DD-AFC4-6F175D3DCCD1}">
-              <a14:hiddenFill xmlns:a14="http://schemas.microsoft.com/office/drawing/2010/main">
-                <a:solidFill>
-                  <a:srgbClr val="FFFFFF"/>
-                </a:solidFill>
-              </a14:hiddenFill>
-            </a:ext>
-          </a:extLst>
-        </p:spPr>
-      </p:pic>
-    </p:spTree>
-    <p:extLst>
-      <p:ext uri="{BB962C8B-B14F-4D97-AF65-F5344CB8AC3E}">
-        <p14:creationId xmlns:p14="http://schemas.microsoft.com/office/powerpoint/2010/main" val="1445398634"/>
       </p:ext>
     </p:extLst>
   </p:cSld>

--- a/B-Team_Flamingo_Infosys.pptx
+++ b/B-Team_Flamingo_Infosys.pptx
@@ -3481,7 +3481,7 @@
           <a:p>
             <a:fld id="{C920D7D8-28A5-4140-953B-AF1B2C74651B}" type="datetimeFigureOut">
               <a:rPr lang="en-US" smtClean="0"/>
-              <a:t>10/3/2020</a:t>
+              <a:t>10/5/2020</a:t>
             </a:fld>
             <a:endParaRPr lang="en-US"/>
           </a:p>
@@ -3557,7 +3557,7 @@
           </a:ln>
           <a:extLst>
             <a:ext uri="{91240B29-F687-4f45-9708-019B960494DF}">
-              <a14:hiddenLine xmlns="" xmlns:a14="http://schemas.microsoft.com/office/drawing/2010/main" w="9525">
+              <a14:hiddenLine xmlns:a14="http://schemas.microsoft.com/office/drawing/2010/main" xmlns="" w="9525">
                 <a:solidFill>
                   <a:srgbClr val="000000"/>
                 </a:solidFill>
@@ -3612,7 +3612,7 @@
           </a:ln>
           <a:extLst>
             <a:ext uri="{91240B29-F687-4f45-9708-019B960494DF}">
-              <a14:hiddenLine xmlns="" xmlns:a14="http://schemas.microsoft.com/office/drawing/2010/main" w="9525">
+              <a14:hiddenLine xmlns:a14="http://schemas.microsoft.com/office/drawing/2010/main" xmlns="" w="9525">
                 <a:solidFill>
                   <a:srgbClr val="000000"/>
                 </a:solidFill>
@@ -3975,7 +3975,7 @@
           <a:p>
             <a:fld id="{C920D7D8-28A5-4140-953B-AF1B2C74651B}" type="datetimeFigureOut">
               <a:rPr lang="en-US" smtClean="0"/>
-              <a:t>10/3/2020</a:t>
+              <a:t>10/5/2020</a:t>
             </a:fld>
             <a:endParaRPr lang="en-US"/>
           </a:p>
@@ -4231,7 +4231,7 @@
           <a:p>
             <a:fld id="{C920D7D8-28A5-4140-953B-AF1B2C74651B}" type="datetimeFigureOut">
               <a:rPr lang="en-US" smtClean="0"/>
-              <a:t>10/3/2020</a:t>
+              <a:t>10/5/2020</a:t>
             </a:fld>
             <a:endParaRPr lang="en-US"/>
           </a:p>
@@ -4779,7 +4779,7 @@
           <a:p>
             <a:fld id="{C920D7D8-28A5-4140-953B-AF1B2C74651B}" type="datetimeFigureOut">
               <a:rPr lang="en-US" smtClean="0"/>
-              <a:t>10/3/2020</a:t>
+              <a:t>10/5/2020</a:t>
             </a:fld>
             <a:endParaRPr lang="en-US"/>
           </a:p>
@@ -5035,7 +5035,7 @@
           <a:p>
             <a:fld id="{C920D7D8-28A5-4140-953B-AF1B2C74651B}" type="datetimeFigureOut">
               <a:rPr lang="en-US" smtClean="0"/>
-              <a:t>10/3/2020</a:t>
+              <a:t>10/5/2020</a:t>
             </a:fld>
             <a:endParaRPr lang="en-US"/>
           </a:p>
@@ -5575,7 +5575,7 @@
           <a:p>
             <a:fld id="{C920D7D8-28A5-4140-953B-AF1B2C74651B}" type="datetimeFigureOut">
               <a:rPr lang="en-US" smtClean="0"/>
-              <a:t>10/3/2020</a:t>
+              <a:t>10/5/2020</a:t>
             </a:fld>
             <a:endParaRPr lang="en-US"/>
           </a:p>
@@ -5880,7 +5880,7 @@
           <a:p>
             <a:fld id="{C920D7D8-28A5-4140-953B-AF1B2C74651B}" type="datetimeFigureOut">
               <a:rPr lang="en-US" smtClean="0"/>
-              <a:t>10/3/2020</a:t>
+              <a:t>10/5/2020</a:t>
             </a:fld>
             <a:endParaRPr lang="en-US"/>
           </a:p>
@@ -6062,7 +6062,7 @@
           <a:p>
             <a:fld id="{C920D7D8-28A5-4140-953B-AF1B2C74651B}" type="datetimeFigureOut">
               <a:rPr lang="en-US" smtClean="0"/>
-              <a:t>10/3/2020</a:t>
+              <a:t>10/5/2020</a:t>
             </a:fld>
             <a:endParaRPr lang="en-US"/>
           </a:p>
@@ -6250,7 +6250,7 @@
           <a:p>
             <a:fld id="{C920D7D8-28A5-4140-953B-AF1B2C74651B}" type="datetimeFigureOut">
               <a:rPr lang="en-US" smtClean="0"/>
-              <a:t>10/3/2020</a:t>
+              <a:t>10/5/2020</a:t>
             </a:fld>
             <a:endParaRPr lang="en-US"/>
           </a:p>
@@ -6442,7 +6442,7 @@
           <a:p>
             <a:fld id="{C920D7D8-28A5-4140-953B-AF1B2C74651B}" type="datetimeFigureOut">
               <a:rPr lang="en-US" smtClean="0"/>
-              <a:t>10/3/2020</a:t>
+              <a:t>10/5/2020</a:t>
             </a:fld>
             <a:endParaRPr lang="en-US"/>
           </a:p>
@@ -6701,7 +6701,7 @@
           <a:p>
             <a:fld id="{C920D7D8-28A5-4140-953B-AF1B2C74651B}" type="datetimeFigureOut">
               <a:rPr lang="en-US" smtClean="0"/>
-              <a:t>10/3/2020</a:t>
+              <a:t>10/5/2020</a:t>
             </a:fld>
             <a:endParaRPr lang="en-US"/>
           </a:p>
@@ -7006,7 +7006,7 @@
           <a:p>
             <a:fld id="{C920D7D8-28A5-4140-953B-AF1B2C74651B}" type="datetimeFigureOut">
               <a:rPr lang="en-US" smtClean="0"/>
-              <a:t>10/3/2020</a:t>
+              <a:t>10/5/2020</a:t>
             </a:fld>
             <a:endParaRPr lang="en-US"/>
           </a:p>
@@ -7456,7 +7456,7 @@
           <a:p>
             <a:fld id="{C920D7D8-28A5-4140-953B-AF1B2C74651B}" type="datetimeFigureOut">
               <a:rPr lang="en-US" smtClean="0"/>
-              <a:t>10/3/2020</a:t>
+              <a:t>10/5/2020</a:t>
             </a:fld>
             <a:endParaRPr lang="en-US"/>
           </a:p>
@@ -7582,7 +7582,7 @@
           <a:p>
             <a:fld id="{C920D7D8-28A5-4140-953B-AF1B2C74651B}" type="datetimeFigureOut">
               <a:rPr lang="en-US" smtClean="0"/>
-              <a:t>10/3/2020</a:t>
+              <a:t>10/5/2020</a:t>
             </a:fld>
             <a:endParaRPr lang="en-US"/>
           </a:p>
@@ -7685,7 +7685,7 @@
           <a:p>
             <a:fld id="{C920D7D8-28A5-4140-953B-AF1B2C74651B}" type="datetimeFigureOut">
               <a:rPr lang="en-US" smtClean="0"/>
-              <a:t>10/3/2020</a:t>
+              <a:t>10/5/2020</a:t>
             </a:fld>
             <a:endParaRPr lang="en-US"/>
           </a:p>
@@ -7976,7 +7976,7 @@
           <a:p>
             <a:fld id="{C920D7D8-28A5-4140-953B-AF1B2C74651B}" type="datetimeFigureOut">
               <a:rPr lang="en-US" smtClean="0"/>
-              <a:t>10/3/2020</a:t>
+              <a:t>10/5/2020</a:t>
             </a:fld>
             <a:endParaRPr lang="en-US"/>
           </a:p>
@@ -8275,7 +8275,7 @@
           <a:p>
             <a:fld id="{C920D7D8-28A5-4140-953B-AF1B2C74651B}" type="datetimeFigureOut">
               <a:rPr lang="en-US" smtClean="0"/>
-              <a:t>10/3/2020</a:t>
+              <a:t>10/5/2020</a:t>
             </a:fld>
             <a:endParaRPr lang="en-US"/>
           </a:p>
@@ -8504,7 +8504,7 @@
           <a:p>
             <a:fld id="{C920D7D8-28A5-4140-953B-AF1B2C74651B}" type="datetimeFigureOut">
               <a:rPr lang="en-US" smtClean="0"/>
-              <a:t>10/3/2020</a:t>
+              <a:t>10/5/2020</a:t>
             </a:fld>
             <a:endParaRPr lang="en-US"/>
           </a:p>
@@ -11179,6 +11179,90 @@
           </a:p>
         </p:txBody>
       </p:sp>
+      <p:sp>
+        <p:nvSpPr>
+          <p:cNvPr id="2" name="Title 1">
+            <a:extLst>
+              <a:ext uri="{FF2B5EF4-FFF2-40B4-BE49-F238E27FC236}">
+                <a16:creationId xmlns:a16="http://schemas.microsoft.com/office/drawing/2014/main" id="{B3B91B19-B1C8-4698-A86A-EED7C3E44FB5}"/>
+              </a:ext>
+            </a:extLst>
+          </p:cNvPr>
+          <p:cNvSpPr>
+            <a:spLocks noGrp="1"/>
+          </p:cNvSpPr>
+          <p:nvPr>
+            <p:ph type="title"/>
+          </p:nvPr>
+        </p:nvSpPr>
+        <p:spPr/>
+        <p:txBody>
+          <a:bodyPr/>
+          <a:lstStyle/>
+          <a:p>
+            <a:r>
+              <a:rPr lang="en-US" dirty="0"/>
+              <a:t>Project Description</a:t>
+            </a:r>
+          </a:p>
+        </p:txBody>
+      </p:sp>
+      <p:sp>
+        <p:nvSpPr>
+          <p:cNvPr id="3" name="Content Placeholder 2">
+            <a:extLst>
+              <a:ext uri="{FF2B5EF4-FFF2-40B4-BE49-F238E27FC236}">
+                <a16:creationId xmlns:a16="http://schemas.microsoft.com/office/drawing/2014/main" id="{2BAD9E88-C83C-4808-950C-88FFDE5FD4D7}"/>
+              </a:ext>
+            </a:extLst>
+          </p:cNvPr>
+          <p:cNvSpPr>
+            <a:spLocks noGrp="1"/>
+          </p:cNvSpPr>
+          <p:nvPr>
+            <p:ph idx="1"/>
+          </p:nvPr>
+        </p:nvSpPr>
+        <p:spPr/>
+        <p:txBody>
+          <a:bodyPr>
+            <a:normAutofit fontScale="92500" lnSpcReduction="20000"/>
+          </a:bodyPr>
+          <a:lstStyle/>
+          <a:p>
+            <a:r>
+              <a:rPr lang="en-US" dirty="0"/>
+              <a:t>Project Flamingo takes care of the needs and concerns of warriors, who fight against the daemon in them and the doctors, who do the noble cause in supporting the warriors both physically and mentally.</a:t>
+            </a:r>
+          </a:p>
+          <a:p>
+            <a:r>
+              <a:rPr lang="en-US" dirty="0"/>
+              <a:t>In this project, the privacy of the warriors is considered in all aspects of the application.</a:t>
+            </a:r>
+          </a:p>
+          <a:p>
+            <a:r>
+              <a:rPr lang="en-US" dirty="0"/>
+              <a:t>Angels in disguise can also use this application to grant the wishes of warriors thus bringing a hope and light to their life.</a:t>
+            </a:r>
+          </a:p>
+          <a:p>
+            <a:r>
+              <a:rPr lang="en-US" dirty="0"/>
+              <a:t>This project also brings in the latest and efficient technologies in market to achieve this </a:t>
+            </a:r>
+            <a:r>
+              <a:rPr lang="en-US"/>
+              <a:t>noble cause.</a:t>
+            </a:r>
+            <a:endParaRPr lang="en-US" dirty="0"/>
+          </a:p>
+          <a:p>
+            <a:endParaRPr lang="en-US" dirty="0"/>
+          </a:p>
+        </p:txBody>
+      </p:sp>
     </p:spTree>
     <p:extLst>
       <p:ext uri="{BB962C8B-B14F-4D97-AF65-F5344CB8AC3E}">

--- a/B-Team_Flamingo_Infosys.pptx
+++ b/B-Team_Flamingo_Infosys.pptx
@@ -6,14 +6,14 @@
   </p:sldMasterIdLst>
   <p:sldIdLst>
     <p:sldId id="256" r:id="rId2"/>
-    <p:sldId id="263" r:id="rId3"/>
+    <p:sldId id="267" r:id="rId3"/>
     <p:sldId id="259" r:id="rId4"/>
     <p:sldId id="260" r:id="rId5"/>
     <p:sldId id="261" r:id="rId6"/>
     <p:sldId id="262" r:id="rId7"/>
     <p:sldId id="264" r:id="rId8"/>
     <p:sldId id="265" r:id="rId9"/>
-    <p:sldId id="257" r:id="rId10"/>
+    <p:sldId id="266" r:id="rId10"/>
     <p:sldId id="258" r:id="rId11"/>
   </p:sldIdLst>
   <p:sldSz cx="10240963" cy="7315200"/>
@@ -1013,7 +1013,7 @@
         <a:lstStyle/>
         <a:p>
           <a:r>
-            <a:rPr lang="en-US" sz="2400" b="1" dirty="0"/>
+            <a:rPr lang="en-US" sz="2400" b="1" kern="1200" dirty="0"/>
             <a:t>Future Enhancements</a:t>
           </a:r>
         </a:p>
@@ -1516,6 +1516,436 @@
         </a:p>
       </dgm:t>
     </dgm:pt>
+    <dgm:pt modelId="{1EE34F03-9ABB-4379-84C0-D39ABEEFCE43}">
+      <dgm:prSet phldrT="[Text]" custT="1"/>
+      <dgm:spPr>
+        <a:solidFill>
+          <a:srgbClr val="F45B8E"/>
+        </a:solidFill>
+      </dgm:spPr>
+      <dgm:t>
+        <a:bodyPr/>
+        <a:lstStyle/>
+        <a:p>
+          <a:r>
+            <a:rPr lang="en-US" sz="1600" b="1" dirty="0"/>
+            <a:t>Self Assessment using AI enabled chatbot.</a:t>
+          </a:r>
+        </a:p>
+      </dgm:t>
+    </dgm:pt>
+    <dgm:pt modelId="{EF73F236-49E2-4C81-B2AA-4A7436687CAE}" type="parTrans" cxnId="{93B39ED4-F4EA-4897-8805-431A3E10D249}">
+      <dgm:prSet/>
+      <dgm:spPr/>
+      <dgm:t>
+        <a:bodyPr/>
+        <a:lstStyle/>
+        <a:p>
+          <a:endParaRPr lang="en-US"/>
+        </a:p>
+      </dgm:t>
+    </dgm:pt>
+    <dgm:pt modelId="{1E4A9370-C02B-45B7-9221-014AC133DB64}" type="sibTrans" cxnId="{93B39ED4-F4EA-4897-8805-431A3E10D249}">
+      <dgm:prSet/>
+      <dgm:spPr/>
+      <dgm:t>
+        <a:bodyPr/>
+        <a:lstStyle/>
+        <a:p>
+          <a:endParaRPr lang="en-US"/>
+        </a:p>
+      </dgm:t>
+    </dgm:pt>
+    <dgm:pt modelId="{315DE4FC-996A-4AD8-BFE9-550798F930F3}">
+      <dgm:prSet phldrT="[Text]" custT="1"/>
+      <dgm:spPr>
+        <a:solidFill>
+          <a:srgbClr val="F45B8E"/>
+        </a:solidFill>
+      </dgm:spPr>
+      <dgm:t>
+        <a:bodyPr/>
+        <a:lstStyle/>
+        <a:p>
+          <a:r>
+            <a:rPr lang="en-US" sz="1600" b="1" dirty="0"/>
+            <a:t>Privacy enabled Online consultation with doctors.</a:t>
+          </a:r>
+        </a:p>
+      </dgm:t>
+    </dgm:pt>
+    <dgm:pt modelId="{7F4670E2-71A4-4332-B008-0E49A73249F7}" type="parTrans" cxnId="{9156B7FF-39AF-4378-9534-78E97DF5EBCD}">
+      <dgm:prSet/>
+      <dgm:spPr/>
+      <dgm:t>
+        <a:bodyPr/>
+        <a:lstStyle/>
+        <a:p>
+          <a:endParaRPr lang="en-US"/>
+        </a:p>
+      </dgm:t>
+    </dgm:pt>
+    <dgm:pt modelId="{E195E4E9-A3D4-4DD7-AE34-BE6DBB6485D2}" type="sibTrans" cxnId="{9156B7FF-39AF-4378-9534-78E97DF5EBCD}">
+      <dgm:prSet/>
+      <dgm:spPr/>
+      <dgm:t>
+        <a:bodyPr/>
+        <a:lstStyle/>
+        <a:p>
+          <a:endParaRPr lang="en-US"/>
+        </a:p>
+      </dgm:t>
+    </dgm:pt>
+    <dgm:pt modelId="{1BB22907-AA09-4457-99BB-90ED657F53C8}">
+      <dgm:prSet phldrT="[Text]" custT="1"/>
+      <dgm:spPr>
+        <a:solidFill>
+          <a:srgbClr val="F45B8E"/>
+        </a:solidFill>
+      </dgm:spPr>
+      <dgm:t>
+        <a:bodyPr/>
+        <a:lstStyle/>
+        <a:p>
+          <a:r>
+            <a:rPr lang="en-US" sz="1600" b="1" dirty="0"/>
+            <a:t>Promoting awareness through recovered warrior’s feeds and screening methods.</a:t>
+          </a:r>
+        </a:p>
+      </dgm:t>
+    </dgm:pt>
+    <dgm:pt modelId="{64592C03-96FD-48FD-A46B-EC585654374D}" type="parTrans" cxnId="{4A1B92F1-4787-4032-9AB3-310905018F79}">
+      <dgm:prSet/>
+      <dgm:spPr/>
+      <dgm:t>
+        <a:bodyPr/>
+        <a:lstStyle/>
+        <a:p>
+          <a:endParaRPr lang="en-US"/>
+        </a:p>
+      </dgm:t>
+    </dgm:pt>
+    <dgm:pt modelId="{579CD17B-AE53-4B96-825E-EA73ADFC13BB}" type="sibTrans" cxnId="{4A1B92F1-4787-4032-9AB3-310905018F79}">
+      <dgm:prSet/>
+      <dgm:spPr/>
+      <dgm:t>
+        <a:bodyPr/>
+        <a:lstStyle/>
+        <a:p>
+          <a:endParaRPr lang="en-US"/>
+        </a:p>
+      </dgm:t>
+    </dgm:pt>
+    <dgm:pt modelId="{A3461010-B137-4A30-BA0B-E8F7CDECD487}">
+      <dgm:prSet phldrT="[Text]" custT="1"/>
+      <dgm:spPr>
+        <a:solidFill>
+          <a:srgbClr val="F45B8E"/>
+        </a:solidFill>
+      </dgm:spPr>
+      <dgm:t>
+        <a:bodyPr/>
+        <a:lstStyle/>
+        <a:p>
+          <a:r>
+            <a:rPr lang="en-US" sz="1600" b="1" dirty="0"/>
+            <a:t>Maintaining Timeline of the warrior.</a:t>
+          </a:r>
+        </a:p>
+      </dgm:t>
+    </dgm:pt>
+    <dgm:pt modelId="{ADA509E1-C2A7-4F54-9BDD-6F37D61F9DCC}" type="parTrans" cxnId="{408E2C94-700E-4248-AE89-0A48A31F76D7}">
+      <dgm:prSet/>
+      <dgm:spPr/>
+      <dgm:t>
+        <a:bodyPr/>
+        <a:lstStyle/>
+        <a:p>
+          <a:endParaRPr lang="en-US"/>
+        </a:p>
+      </dgm:t>
+    </dgm:pt>
+    <dgm:pt modelId="{7DBEBF8D-619C-4977-9B81-4CFB40EFBF54}" type="sibTrans" cxnId="{408E2C94-700E-4248-AE89-0A48A31F76D7}">
+      <dgm:prSet/>
+      <dgm:spPr/>
+      <dgm:t>
+        <a:bodyPr/>
+        <a:lstStyle/>
+        <a:p>
+          <a:endParaRPr lang="en-US"/>
+        </a:p>
+      </dgm:t>
+    </dgm:pt>
+    <dgm:pt modelId="{18E8A42A-742A-4362-A3A7-F56754B74DE6}">
+      <dgm:prSet phldrT="[Text]" custT="1"/>
+      <dgm:spPr>
+        <a:solidFill>
+          <a:srgbClr val="F45B8E"/>
+        </a:solidFill>
+      </dgm:spPr>
+      <dgm:t>
+        <a:bodyPr/>
+        <a:lstStyle/>
+        <a:p>
+          <a:endParaRPr lang="en-US" sz="1600" b="1" dirty="0"/>
+        </a:p>
+      </dgm:t>
+    </dgm:pt>
+    <dgm:pt modelId="{87CBE984-9BA0-46AD-825B-E54CA57A906E}" type="parTrans" cxnId="{31840412-8B85-4777-AA7C-7A081E8ACA5E}">
+      <dgm:prSet/>
+      <dgm:spPr/>
+      <dgm:t>
+        <a:bodyPr/>
+        <a:lstStyle/>
+        <a:p>
+          <a:endParaRPr lang="en-US"/>
+        </a:p>
+      </dgm:t>
+    </dgm:pt>
+    <dgm:pt modelId="{B624D8D7-40CB-41F3-9B8F-08E127D15CA8}" type="sibTrans" cxnId="{31840412-8B85-4777-AA7C-7A081E8ACA5E}">
+      <dgm:prSet/>
+      <dgm:spPr/>
+      <dgm:t>
+        <a:bodyPr/>
+        <a:lstStyle/>
+        <a:p>
+          <a:endParaRPr lang="en-US"/>
+        </a:p>
+      </dgm:t>
+    </dgm:pt>
+    <dgm:pt modelId="{62094669-442D-4B3C-B7EE-5B7BADF4C9E1}">
+      <dgm:prSet phldrT="[Text]" custT="1"/>
+      <dgm:spPr>
+        <a:solidFill>
+          <a:srgbClr val="FF66CC"/>
+        </a:solidFill>
+      </dgm:spPr>
+      <dgm:t>
+        <a:bodyPr/>
+        <a:lstStyle/>
+        <a:p>
+          <a:r>
+            <a:rPr lang="en-US" sz="1600" b="1" kern="1200" dirty="0">
+              <a:solidFill>
+                <a:prstClr val="white"/>
+              </a:solidFill>
+              <a:latin typeface="Calibri" panose="020F0502020204030204"/>
+              <a:ea typeface="+mn-ea"/>
+              <a:cs typeface="+mn-cs"/>
+            </a:rPr>
+            <a:t>Including warrior’s insurance details.</a:t>
+          </a:r>
+          <a:endParaRPr lang="en-US" sz="2400" b="1" kern="1200" dirty="0"/>
+        </a:p>
+      </dgm:t>
+    </dgm:pt>
+    <dgm:pt modelId="{0B200584-BEAF-423B-B68A-A6042D4723A7}" type="parTrans" cxnId="{54721606-D29F-4620-A085-55690EFE1573}">
+      <dgm:prSet/>
+      <dgm:spPr/>
+      <dgm:t>
+        <a:bodyPr/>
+        <a:lstStyle/>
+        <a:p>
+          <a:endParaRPr lang="en-US"/>
+        </a:p>
+      </dgm:t>
+    </dgm:pt>
+    <dgm:pt modelId="{81C48ACD-DACC-4483-9439-CA7679096510}" type="sibTrans" cxnId="{54721606-D29F-4620-A085-55690EFE1573}">
+      <dgm:prSet/>
+      <dgm:spPr/>
+      <dgm:t>
+        <a:bodyPr/>
+        <a:lstStyle/>
+        <a:p>
+          <a:endParaRPr lang="en-US"/>
+        </a:p>
+      </dgm:t>
+    </dgm:pt>
+    <dgm:pt modelId="{8C820319-D55A-4555-9842-4ABAC58629F1}">
+      <dgm:prSet phldrT="[Text]" custT="1"/>
+      <dgm:spPr>
+        <a:solidFill>
+          <a:srgbClr val="F45B8E"/>
+        </a:solidFill>
+      </dgm:spPr>
+      <dgm:t>
+        <a:bodyPr/>
+        <a:lstStyle/>
+        <a:p>
+          <a:r>
+            <a:rPr lang="en-US" sz="1600" b="1" dirty="0"/>
+            <a:t>Timely Reminder to self assess.</a:t>
+          </a:r>
+        </a:p>
+      </dgm:t>
+    </dgm:pt>
+    <dgm:pt modelId="{2416F97B-E179-4DF7-9164-E885BB519D4C}" type="parTrans" cxnId="{DB69420A-FF90-4EFB-B66D-E2F0C643BA00}">
+      <dgm:prSet/>
+      <dgm:spPr/>
+      <dgm:t>
+        <a:bodyPr/>
+        <a:lstStyle/>
+        <a:p>
+          <a:endParaRPr lang="en-US"/>
+        </a:p>
+      </dgm:t>
+    </dgm:pt>
+    <dgm:pt modelId="{138D2A2F-3422-45FE-A883-59DDCFE05921}" type="sibTrans" cxnId="{DB69420A-FF90-4EFB-B66D-E2F0C643BA00}">
+      <dgm:prSet/>
+      <dgm:spPr/>
+      <dgm:t>
+        <a:bodyPr/>
+        <a:lstStyle/>
+        <a:p>
+          <a:endParaRPr lang="en-US"/>
+        </a:p>
+      </dgm:t>
+    </dgm:pt>
+    <dgm:pt modelId="{F5D7E2FE-E70E-44DE-A1DC-26FAD7D2B3DF}">
+      <dgm:prSet phldrT="[Text]" custT="1"/>
+      <dgm:spPr>
+        <a:solidFill>
+          <a:srgbClr val="F45B8E"/>
+        </a:solidFill>
+      </dgm:spPr>
+      <dgm:t>
+        <a:bodyPr/>
+        <a:lstStyle/>
+        <a:p>
+          <a:r>
+            <a:rPr lang="en-US" sz="1600" b="1" dirty="0"/>
+            <a:t>Organized Reports and prescription.</a:t>
+          </a:r>
+        </a:p>
+      </dgm:t>
+    </dgm:pt>
+    <dgm:pt modelId="{5C5E482F-2F14-4AF1-840B-549101E66AF4}" type="parTrans" cxnId="{5E803301-3DA4-4CF2-AE6F-1F8631E3DF01}">
+      <dgm:prSet/>
+      <dgm:spPr/>
+      <dgm:t>
+        <a:bodyPr/>
+        <a:lstStyle/>
+        <a:p>
+          <a:endParaRPr lang="en-US"/>
+        </a:p>
+      </dgm:t>
+    </dgm:pt>
+    <dgm:pt modelId="{7BD594C1-9AD8-4C05-B4F1-45E651895535}" type="sibTrans" cxnId="{5E803301-3DA4-4CF2-AE6F-1F8631E3DF01}">
+      <dgm:prSet/>
+      <dgm:spPr/>
+      <dgm:t>
+        <a:bodyPr/>
+        <a:lstStyle/>
+        <a:p>
+          <a:endParaRPr lang="en-US"/>
+        </a:p>
+      </dgm:t>
+    </dgm:pt>
+    <dgm:pt modelId="{6CE5268C-82F6-46F8-8F35-A1130C78D8D8}">
+      <dgm:prSet phldrT="[Text]" custT="1"/>
+      <dgm:spPr>
+        <a:solidFill>
+          <a:srgbClr val="F45B8E"/>
+        </a:solidFill>
+      </dgm:spPr>
+      <dgm:t>
+        <a:bodyPr/>
+        <a:lstStyle/>
+        <a:p>
+          <a:r>
+            <a:rPr lang="en-US" sz="1600" b="1" dirty="0"/>
+            <a:t>Medical centers based on warrior’s location.</a:t>
+          </a:r>
+        </a:p>
+      </dgm:t>
+    </dgm:pt>
+    <dgm:pt modelId="{222ABD4F-2ED0-4AFD-95CB-2401BB344470}" type="parTrans" cxnId="{B1F498EC-28FE-4F61-8870-16697EB8686D}">
+      <dgm:prSet/>
+      <dgm:spPr/>
+      <dgm:t>
+        <a:bodyPr/>
+        <a:lstStyle/>
+        <a:p>
+          <a:endParaRPr lang="en-US"/>
+        </a:p>
+      </dgm:t>
+    </dgm:pt>
+    <dgm:pt modelId="{53075EFB-1507-41B3-A39E-186C362BB7E8}" type="sibTrans" cxnId="{B1F498EC-28FE-4F61-8870-16697EB8686D}">
+      <dgm:prSet/>
+      <dgm:spPr/>
+      <dgm:t>
+        <a:bodyPr/>
+        <a:lstStyle/>
+        <a:p>
+          <a:endParaRPr lang="en-US"/>
+        </a:p>
+      </dgm:t>
+    </dgm:pt>
+    <dgm:pt modelId="{5A8EDAEF-AD20-49E4-8949-FD837D6FDA2F}">
+      <dgm:prSet phldrT="[Text]" custT="1"/>
+      <dgm:spPr>
+        <a:solidFill>
+          <a:srgbClr val="FF66CC"/>
+        </a:solidFill>
+      </dgm:spPr>
+      <dgm:t>
+        <a:bodyPr/>
+        <a:lstStyle/>
+        <a:p>
+          <a:r>
+            <a:rPr lang="en-US" sz="1600" b="1" kern="1200" dirty="0">
+              <a:solidFill>
+                <a:prstClr val="white"/>
+              </a:solidFill>
+              <a:latin typeface="Calibri" panose="020F0502020204030204"/>
+              <a:ea typeface="+mn-ea"/>
+              <a:cs typeface="+mn-cs"/>
+            </a:rPr>
+            <a:t>Smart scheduling of warriors for doctor appointment based on AI/ML algorithms.</a:t>
+          </a:r>
+          <a:br>
+            <a:rPr lang="en-US" sz="1600" b="1" kern="1200" dirty="0">
+              <a:solidFill>
+                <a:prstClr val="white"/>
+              </a:solidFill>
+              <a:latin typeface="Calibri" panose="020F0502020204030204"/>
+              <a:ea typeface="+mn-ea"/>
+              <a:cs typeface="+mn-cs"/>
+            </a:rPr>
+          </a:br>
+          <a:endParaRPr lang="en-US" sz="1600" b="1" kern="1200" dirty="0">
+            <a:solidFill>
+              <a:prstClr val="white"/>
+            </a:solidFill>
+            <a:latin typeface="Calibri" panose="020F0502020204030204"/>
+            <a:ea typeface="+mn-ea"/>
+            <a:cs typeface="+mn-cs"/>
+          </a:endParaRPr>
+        </a:p>
+      </dgm:t>
+    </dgm:pt>
+    <dgm:pt modelId="{7AB354ED-1818-470D-B21A-3ABE27F1DE19}" type="parTrans" cxnId="{06C52769-6BAC-4A2E-98EE-77B5BFE26997}">
+      <dgm:prSet/>
+      <dgm:spPr/>
+      <dgm:t>
+        <a:bodyPr/>
+        <a:lstStyle/>
+        <a:p>
+          <a:endParaRPr lang="en-US"/>
+        </a:p>
+      </dgm:t>
+    </dgm:pt>
+    <dgm:pt modelId="{829C33FD-B5E1-4077-ADA2-10B5DC1F495B}" type="sibTrans" cxnId="{06C52769-6BAC-4A2E-98EE-77B5BFE26997}">
+      <dgm:prSet/>
+      <dgm:spPr/>
+      <dgm:t>
+        <a:bodyPr/>
+        <a:lstStyle/>
+        <a:p>
+          <a:endParaRPr lang="en-US"/>
+        </a:p>
+      </dgm:t>
+    </dgm:pt>
     <dgm:pt modelId="{811813A6-4365-4C37-B4AE-FF963B48BBBC}" type="pres">
       <dgm:prSet presAssocID="{4FEA83E8-E80F-44B5-891A-D740A5EE078B}" presName="Name0" presStyleCnt="0">
         <dgm:presLayoutVars>
@@ -1559,6 +1989,10 @@
     </dgm:pt>
   </dgm:ptLst>
   <dgm:cxnLst>
+    <dgm:cxn modelId="{5E803301-3DA4-4CF2-AE6F-1F8631E3DF01}" srcId="{B161EBF5-39E9-49C9-9BAC-95ADE64F28E4}" destId="{F5D7E2FE-E70E-44DE-A1DC-26FAD7D2B3DF}" srcOrd="5" destOrd="0" parTransId="{5C5E482F-2F14-4AF1-840B-549101E66AF4}" sibTransId="{7BD594C1-9AD8-4C05-B4F1-45E651895535}"/>
+    <dgm:cxn modelId="{54721606-D29F-4620-A085-55690EFE1573}" srcId="{C689B23B-0D1D-4841-BE5F-D09B659BD21D}" destId="{62094669-442D-4B3C-B7EE-5B7BADF4C9E1}" srcOrd="0" destOrd="0" parTransId="{0B200584-BEAF-423B-B68A-A6042D4723A7}" sibTransId="{81C48ACD-DACC-4483-9439-CA7679096510}"/>
+    <dgm:cxn modelId="{DB69420A-FF90-4EFB-B66D-E2F0C643BA00}" srcId="{B161EBF5-39E9-49C9-9BAC-95ADE64F28E4}" destId="{8C820319-D55A-4555-9842-4ABAC58629F1}" srcOrd="4" destOrd="0" parTransId="{2416F97B-E179-4DF7-9164-E885BB519D4C}" sibTransId="{138D2A2F-3422-45FE-A883-59DDCFE05921}"/>
+    <dgm:cxn modelId="{31840412-8B85-4777-AA7C-7A081E8ACA5E}" srcId="{B161EBF5-39E9-49C9-9BAC-95ADE64F28E4}" destId="{18E8A42A-742A-4362-A3A7-F56754B74DE6}" srcOrd="7" destOrd="0" parTransId="{87CBE984-9BA0-46AD-825B-E54CA57A906E}" sibTransId="{B624D8D7-40CB-41F3-9B8F-08E127D15CA8}"/>
     <dgm:cxn modelId="{5532A717-6BC7-40AC-A3BA-EDB27FCBEE23}" type="presOf" srcId="{4FEA83E8-E80F-44B5-891A-D740A5EE078B}" destId="{811813A6-4365-4C37-B4AE-FF963B48BBBC}" srcOrd="0" destOrd="0" presId="urn:microsoft.com/office/officeart/2005/8/layout/hList6"/>
     <dgm:cxn modelId="{CCDD2F26-5270-491B-95C1-383EF9C21075}" type="presOf" srcId="{99AA597D-7A9D-43A3-A0AE-723E778D7DDF}" destId="{39E19B2F-9621-46B0-8660-6950C434D618}" srcOrd="0" destOrd="5" presId="urn:microsoft.com/office/officeart/2005/8/layout/hList6"/>
     <dgm:cxn modelId="{699BD628-D77B-412A-AA4F-144F76A9C993}" srcId="{952778F4-39EE-4E62-9E59-E3A449C6A48B}" destId="{FFC6B71F-0EC0-4339-A6CD-416CD97C1F20}" srcOrd="0" destOrd="0" parTransId="{D489BB80-A421-4EBF-A683-19E4EB1A133B}" sibTransId="{F351B118-16AF-45CF-8FF4-4660BE3AB3CF}"/>
@@ -1566,28 +2000,44 @@
     <dgm:cxn modelId="{674ED22F-B547-45B7-89E5-AA62E3501230}" type="presOf" srcId="{85F85014-B72A-4264-9EA5-5337E3368F69}" destId="{39E19B2F-9621-46B0-8660-6950C434D618}" srcOrd="0" destOrd="2" presId="urn:microsoft.com/office/officeart/2005/8/layout/hList6"/>
     <dgm:cxn modelId="{7509D337-F8B6-4D44-A5B6-0A0BD2299CDD}" srcId="{952778F4-39EE-4E62-9E59-E3A449C6A48B}" destId="{99AA597D-7A9D-43A3-A0AE-723E778D7DDF}" srcOrd="4" destOrd="0" parTransId="{E908BE4E-842B-4C53-B745-6BBB5FAF7D4D}" sibTransId="{051F208E-4691-4481-9BAF-975FCCD3D0D3}"/>
     <dgm:cxn modelId="{410A4B38-D8D8-478E-A0D8-F3F37218723E}" type="presOf" srcId="{6031CBF0-77D2-4F07-A0D3-8DCD3B089D70}" destId="{39E19B2F-9621-46B0-8660-6950C434D618}" srcOrd="0" destOrd="7" presId="urn:microsoft.com/office/officeart/2005/8/layout/hList6"/>
+    <dgm:cxn modelId="{AE63C83F-3329-44E9-80B6-60973CDD78E2}" type="presOf" srcId="{F5D7E2FE-E70E-44DE-A1DC-26FAD7D2B3DF}" destId="{D01421FE-A231-4943-B22D-B2BB48278177}" srcOrd="0" destOrd="6" presId="urn:microsoft.com/office/officeart/2005/8/layout/hList6"/>
     <dgm:cxn modelId="{B6409A60-BC82-44A7-99B5-1352C96048D0}" type="presOf" srcId="{FFC6B71F-0EC0-4339-A6CD-416CD97C1F20}" destId="{39E19B2F-9621-46B0-8660-6950C434D618}" srcOrd="0" destOrd="1" presId="urn:microsoft.com/office/officeart/2005/8/layout/hList6"/>
     <dgm:cxn modelId="{86E24861-4616-4B37-BD48-2C1C773A1BC7}" srcId="{952778F4-39EE-4E62-9E59-E3A449C6A48B}" destId="{97BC9E96-4C94-43DF-A44A-2B5C23704639}" srcOrd="2" destOrd="0" parTransId="{9331CC1C-5FF1-420C-B693-51D3CA54DE95}" sibTransId="{C76E32F2-BAF6-4228-A628-DD6E2785A34E}"/>
     <dgm:cxn modelId="{E7422143-43F4-4293-9D36-85E6C3843275}" type="presOf" srcId="{EBFAF831-8FBF-46B2-A1A5-C959677C05E6}" destId="{39E19B2F-9621-46B0-8660-6950C434D618}" srcOrd="0" destOrd="6" presId="urn:microsoft.com/office/officeart/2005/8/layout/hList6"/>
+    <dgm:cxn modelId="{532A1A44-7A98-4584-9B7D-0C55EE342246}" type="presOf" srcId="{1BB22907-AA09-4457-99BB-90ED657F53C8}" destId="{D01421FE-A231-4943-B22D-B2BB48278177}" srcOrd="0" destOrd="3" presId="urn:microsoft.com/office/officeart/2005/8/layout/hList6"/>
+    <dgm:cxn modelId="{06C52769-6BAC-4A2E-98EE-77B5BFE26997}" srcId="{C689B23B-0D1D-4841-BE5F-D09B659BD21D}" destId="{5A8EDAEF-AD20-49E4-8949-FD837D6FDA2F}" srcOrd="1" destOrd="0" parTransId="{7AB354ED-1818-470D-B21A-3ABE27F1DE19}" sibTransId="{829C33FD-B5E1-4077-ADA2-10B5DC1F495B}"/>
+    <dgm:cxn modelId="{33AE976C-7301-48AB-A3BA-04D9D530E0A3}" type="presOf" srcId="{8C820319-D55A-4555-9842-4ABAC58629F1}" destId="{D01421FE-A231-4943-B22D-B2BB48278177}" srcOrd="0" destOrd="5" presId="urn:microsoft.com/office/officeart/2005/8/layout/hList6"/>
     <dgm:cxn modelId="{52B8A572-910A-44CE-8DF6-00615B0A0E8E}" type="presOf" srcId="{FCDE66D2-7BB1-4D61-9C0B-B39E47FA46E9}" destId="{39E19B2F-9621-46B0-8660-6950C434D618}" srcOrd="0" destOrd="8" presId="urn:microsoft.com/office/officeart/2005/8/layout/hList6"/>
     <dgm:cxn modelId="{51678C53-65BC-4DE2-9799-1B5ECE321781}" srcId="{952778F4-39EE-4E62-9E59-E3A449C6A48B}" destId="{85F85014-B72A-4264-9EA5-5337E3368F69}" srcOrd="1" destOrd="0" parTransId="{DB788B3A-E1A0-479F-8B10-D0143DFB11A5}" sibTransId="{EE986725-1B89-4352-95EB-C508140D714D}"/>
     <dgm:cxn modelId="{6A190957-0F01-461E-9569-81162A4C883F}" srcId="{952778F4-39EE-4E62-9E59-E3A449C6A48B}" destId="{FCDE66D2-7BB1-4D61-9C0B-B39E47FA46E9}" srcOrd="7" destOrd="0" parTransId="{D11C4AB8-51D9-4679-99B5-B8A6AD4F63F3}" sibTransId="{F90C11BA-124A-45F1-9CE9-381BDD785F84}"/>
     <dgm:cxn modelId="{A4A03058-ED40-4FD4-930A-369101269A3A}" srcId="{4FEA83E8-E80F-44B5-891A-D740A5EE078B}" destId="{952778F4-39EE-4E62-9E59-E3A449C6A48B}" srcOrd="1" destOrd="0" parTransId="{341C94E8-55FB-43F8-A475-232BC1376350}" sibTransId="{D60DA188-7CD7-41C7-ADEE-427C0187A691}"/>
+    <dgm:cxn modelId="{1CC59A5A-BBCF-475F-A28E-EDD51FB7D21A}" type="presOf" srcId="{5A8EDAEF-AD20-49E4-8949-FD837D6FDA2F}" destId="{B5AF5D31-621E-4F0E-8C03-E7C60E113595}" srcOrd="0" destOrd="2" presId="urn:microsoft.com/office/officeart/2005/8/layout/hList6"/>
     <dgm:cxn modelId="{57FF277D-C6C1-4051-95A3-4C971B6FC902}" type="presOf" srcId="{97BC9E96-4C94-43DF-A44A-2B5C23704639}" destId="{39E19B2F-9621-46B0-8660-6950C434D618}" srcOrd="0" destOrd="3" presId="urn:microsoft.com/office/officeart/2005/8/layout/hList6"/>
     <dgm:cxn modelId="{1ED71980-A11B-4D63-A94E-9DFD94AA2B7E}" srcId="{952778F4-39EE-4E62-9E59-E3A449C6A48B}" destId="{A6231B94-0174-4440-80AA-A952E4B1EB36}" srcOrd="8" destOrd="0" parTransId="{895E81A9-15EF-4B08-B945-84ED05F90485}" sibTransId="{056EBCDF-3297-493D-91D8-9A3FA4841D89}"/>
     <dgm:cxn modelId="{AA6F9085-BA1F-4462-B2BE-83F18FD3023C}" type="presOf" srcId="{2CD2074B-1738-4452-A8A2-C59C3FAE1086}" destId="{39E19B2F-9621-46B0-8660-6950C434D618}" srcOrd="0" destOrd="4" presId="urn:microsoft.com/office/officeart/2005/8/layout/hList6"/>
     <dgm:cxn modelId="{D1D0BD85-8EA3-4EEE-8FB0-F4ED8FAABBFA}" srcId="{4FEA83E8-E80F-44B5-891A-D740A5EE078B}" destId="{C689B23B-0D1D-4841-BE5F-D09B659BD21D}" srcOrd="2" destOrd="0" parTransId="{B10D47A1-7F29-46DF-BC14-B6235DBB3272}" sibTransId="{1C921C58-1719-46AA-8F27-63EAE6ED980D}"/>
     <dgm:cxn modelId="{1F2B728D-DB56-4B3E-8E2E-8392E668B0E3}" type="presOf" srcId="{B161EBF5-39E9-49C9-9BAC-95ADE64F28E4}" destId="{D01421FE-A231-4943-B22D-B2BB48278177}" srcOrd="0" destOrd="0" presId="urn:microsoft.com/office/officeart/2005/8/layout/hList6"/>
+    <dgm:cxn modelId="{9FC28791-A54B-43C5-8D36-BF03979E39F3}" type="presOf" srcId="{A3461010-B137-4A30-BA0B-E8F7CDECD487}" destId="{D01421FE-A231-4943-B22D-B2BB48278177}" srcOrd="0" destOrd="4" presId="urn:microsoft.com/office/officeart/2005/8/layout/hList6"/>
+    <dgm:cxn modelId="{408E2C94-700E-4248-AE89-0A48A31F76D7}" srcId="{B161EBF5-39E9-49C9-9BAC-95ADE64F28E4}" destId="{A3461010-B137-4A30-BA0B-E8F7CDECD487}" srcOrd="3" destOrd="0" parTransId="{ADA509E1-C2A7-4F54-9BDD-6F37D61F9DCC}" sibTransId="{7DBEBF8D-619C-4977-9B81-4CFB40EFBF54}"/>
     <dgm:cxn modelId="{92156398-011A-4030-AA43-A315BC82B6C2}" type="presOf" srcId="{A6231B94-0174-4440-80AA-A952E4B1EB36}" destId="{39E19B2F-9621-46B0-8660-6950C434D618}" srcOrd="0" destOrd="9" presId="urn:microsoft.com/office/officeart/2005/8/layout/hList6"/>
     <dgm:cxn modelId="{3EB3DAA7-7AC4-4AE6-8FA4-3D2CDD011E2B}" type="presOf" srcId="{C689B23B-0D1D-4841-BE5F-D09B659BD21D}" destId="{B5AF5D31-621E-4F0E-8C03-E7C60E113595}" srcOrd="0" destOrd="0" presId="urn:microsoft.com/office/officeart/2005/8/layout/hList6"/>
+    <dgm:cxn modelId="{31AD14AD-3785-41A0-B3CB-639ED4B49485}" type="presOf" srcId="{1EE34F03-9ABB-4379-84C0-D39ABEEFCE43}" destId="{D01421FE-A231-4943-B22D-B2BB48278177}" srcOrd="0" destOrd="1" presId="urn:microsoft.com/office/officeart/2005/8/layout/hList6"/>
     <dgm:cxn modelId="{863312B3-EE6F-49A5-912E-40860341BDE7}" srcId="{4FEA83E8-E80F-44B5-891A-D740A5EE078B}" destId="{B161EBF5-39E9-49C9-9BAC-95ADE64F28E4}" srcOrd="0" destOrd="0" parTransId="{0A6683D9-3AFC-4569-A664-632C75D467B1}" sibTransId="{11B474FF-E635-407F-A3CF-47970826A85D}"/>
     <dgm:cxn modelId="{262584B4-F10D-4D35-9F58-7A6D0EC7A6CA}" type="presOf" srcId="{BEDC7724-F5AE-4738-A094-9FA3AA675D38}" destId="{39E19B2F-9621-46B0-8660-6950C434D618}" srcOrd="0" destOrd="11" presId="urn:microsoft.com/office/officeart/2005/8/layout/hList6"/>
+    <dgm:cxn modelId="{4F5E06B6-28F0-4D17-97FD-2E30B44624CE}" type="presOf" srcId="{315DE4FC-996A-4AD8-BFE9-550798F930F3}" destId="{D01421FE-A231-4943-B22D-B2BB48278177}" srcOrd="0" destOrd="2" presId="urn:microsoft.com/office/officeart/2005/8/layout/hList6"/>
+    <dgm:cxn modelId="{7742B0BC-3B34-4AAD-8688-79565DBA3203}" type="presOf" srcId="{62094669-442D-4B3C-B7EE-5B7BADF4C9E1}" destId="{B5AF5D31-621E-4F0E-8C03-E7C60E113595}" srcOrd="0" destOrd="1" presId="urn:microsoft.com/office/officeart/2005/8/layout/hList6"/>
     <dgm:cxn modelId="{A9D6BAC3-42C7-47BE-8588-C71C33C4AA28}" type="presOf" srcId="{952778F4-39EE-4E62-9E59-E3A449C6A48B}" destId="{39E19B2F-9621-46B0-8660-6950C434D618}" srcOrd="0" destOrd="0" presId="urn:microsoft.com/office/officeart/2005/8/layout/hList6"/>
     <dgm:cxn modelId="{2BE40BCF-ACD1-4AA4-A349-B9AC1BAD0778}" type="presOf" srcId="{2B75B886-7FCF-4650-97E3-DD65EDEAA7DE}" destId="{39E19B2F-9621-46B0-8660-6950C434D618}" srcOrd="0" destOrd="10" presId="urn:microsoft.com/office/officeart/2005/8/layout/hList6"/>
+    <dgm:cxn modelId="{ECDF33CF-B255-42B8-B586-E188CBD192D5}" type="presOf" srcId="{18E8A42A-742A-4362-A3A7-F56754B74DE6}" destId="{D01421FE-A231-4943-B22D-B2BB48278177}" srcOrd="0" destOrd="8" presId="urn:microsoft.com/office/officeart/2005/8/layout/hList6"/>
     <dgm:cxn modelId="{07D3CFD0-E685-4D74-A19C-6397C65131A9}" srcId="{952778F4-39EE-4E62-9E59-E3A449C6A48B}" destId="{2CD2074B-1738-4452-A8A2-C59C3FAE1086}" srcOrd="3" destOrd="0" parTransId="{F5EC8148-FBAC-4D95-B772-AA8BC745DFCB}" sibTransId="{3866170B-B501-4D6D-80F1-39B6528EDBFD}"/>
+    <dgm:cxn modelId="{93B39ED4-F4EA-4897-8805-431A3E10D249}" srcId="{B161EBF5-39E9-49C9-9BAC-95ADE64F28E4}" destId="{1EE34F03-9ABB-4379-84C0-D39ABEEFCE43}" srcOrd="0" destOrd="0" parTransId="{EF73F236-49E2-4C81-B2AA-4A7436687CAE}" sibTransId="{1E4A9370-C02B-45B7-9221-014AC133DB64}"/>
     <dgm:cxn modelId="{014BA6DF-82C4-4BC0-8137-041D9113E043}" srcId="{952778F4-39EE-4E62-9E59-E3A449C6A48B}" destId="{2B75B886-7FCF-4650-97E3-DD65EDEAA7DE}" srcOrd="9" destOrd="0" parTransId="{36E4CCFB-9B75-4FA9-9760-572A51259952}" sibTransId="{FB2C0B16-2B72-46AA-91CE-AE4634183EA8}"/>
     <dgm:cxn modelId="{E19D8FE1-A98E-41AB-85B6-7C208AA9789E}" srcId="{952778F4-39EE-4E62-9E59-E3A449C6A48B}" destId="{6031CBF0-77D2-4F07-A0D3-8DCD3B089D70}" srcOrd="6" destOrd="0" parTransId="{E9529592-78A8-4A91-846D-2D2A9E5DD563}" sibTransId="{493186B3-F14E-4F38-96A2-9ACEB6D56A51}"/>
+    <dgm:cxn modelId="{F96A4AEC-1C57-4AC8-BB09-78BBED52075C}" type="presOf" srcId="{6CE5268C-82F6-46F8-8F35-A1130C78D8D8}" destId="{D01421FE-A231-4943-B22D-B2BB48278177}" srcOrd="0" destOrd="7" presId="urn:microsoft.com/office/officeart/2005/8/layout/hList6"/>
+    <dgm:cxn modelId="{B1F498EC-28FE-4F61-8870-16697EB8686D}" srcId="{B161EBF5-39E9-49C9-9BAC-95ADE64F28E4}" destId="{6CE5268C-82F6-46F8-8F35-A1130C78D8D8}" srcOrd="6" destOrd="0" parTransId="{222ABD4F-2ED0-4AFD-95CB-2401BB344470}" sibTransId="{53075EFB-1507-41B3-A39E-186C362BB7E8}"/>
+    <dgm:cxn modelId="{4A1B92F1-4787-4032-9AB3-310905018F79}" srcId="{B161EBF5-39E9-49C9-9BAC-95ADE64F28E4}" destId="{1BB22907-AA09-4457-99BB-90ED657F53C8}" srcOrd="2" destOrd="0" parTransId="{64592C03-96FD-48FD-A46B-EC585654374D}" sibTransId="{579CD17B-AE53-4B96-825E-EA73ADFC13BB}"/>
     <dgm:cxn modelId="{D86F26FF-AD54-4906-A522-2284E9C76C9B}" srcId="{952778F4-39EE-4E62-9E59-E3A449C6A48B}" destId="{EBFAF831-8FBF-46B2-A1A5-C959677C05E6}" srcOrd="5" destOrd="0" parTransId="{2D5A92C3-BF02-433B-85B8-61BEAA2ADA2A}" sibTransId="{6279088D-BA2F-4648-B2A6-857D33F9307D}"/>
+    <dgm:cxn modelId="{9156B7FF-39AF-4378-9534-78E97DF5EBCD}" srcId="{B161EBF5-39E9-49C9-9BAC-95ADE64F28E4}" destId="{315DE4FC-996A-4AD8-BFE9-550798F930F3}" srcOrd="1" destOrd="0" parTransId="{7F4670E2-71A4-4332-B008-0E49A73249F7}" sibTransId="{E195E4E9-A3D4-4DD7-AE34-BE6DBB6485D2}"/>
     <dgm:cxn modelId="{6EFB375F-E196-456B-8733-6CAF9DDEE550}" type="presParOf" srcId="{811813A6-4365-4C37-B4AE-FF963B48BBBC}" destId="{D01421FE-A231-4943-B22D-B2BB48278177}" srcOrd="0" destOrd="0" presId="urn:microsoft.com/office/officeart/2005/8/layout/hList6"/>
     <dgm:cxn modelId="{B44BF407-C3D1-4C5F-A1CD-096959356886}" type="presParOf" srcId="{811813A6-4365-4C37-B4AE-FF963B48BBBC}" destId="{101571DF-C6C4-4761-9000-E1475DFD02DB}" srcOrd="1" destOrd="0" presId="urn:microsoft.com/office/officeart/2005/8/layout/hList6"/>
     <dgm:cxn modelId="{D43FDEBA-4A68-4069-AA57-2E0ED50E0B4B}" type="presParOf" srcId="{811813A6-4365-4C37-B4AE-FF963B48BBBC}" destId="{39E19B2F-9621-46B0-8660-6950C434D618}" srcOrd="2" destOrd="0" presId="urn:microsoft.com/office/officeart/2005/8/layout/hList6"/>
@@ -1656,12 +2106,12 @@
         </a:fontRef>
       </dsp:style>
       <dsp:txBody>
-        <a:bodyPr spcFirstLastPara="0" vert="horz" wrap="square" lIns="152400" tIns="0" rIns="152400" bIns="0" numCol="1" spcCol="1270" anchor="ctr" anchorCtr="0">
+        <a:bodyPr spcFirstLastPara="0" vert="horz" wrap="square" lIns="152400" tIns="0" rIns="152400" bIns="0" numCol="1" spcCol="1270" anchor="t" anchorCtr="0">
           <a:noAutofit/>
         </a:bodyPr>
         <a:lstStyle/>
         <a:p>
-          <a:pPr marL="0" lvl="0" indent="0" algn="ctr" defTabSz="1066800">
+          <a:pPr marL="0" lvl="0" indent="0" algn="l" defTabSz="1066800">
             <a:lnSpc>
               <a:spcPct val="90000"/>
             </a:lnSpc>
@@ -1677,6 +2127,147 @@
             <a:rPr lang="en-US" sz="2400" b="1" kern="1200" dirty="0"/>
             <a:t>Benefits</a:t>
           </a:r>
+          <a:endParaRPr lang="en-US" sz="1600" b="1" kern="1200" dirty="0"/>
+        </a:p>
+        <a:p>
+          <a:pPr marL="171450" lvl="1" indent="-171450" algn="l" defTabSz="711200">
+            <a:lnSpc>
+              <a:spcPct val="90000"/>
+            </a:lnSpc>
+            <a:spcBef>
+              <a:spcPct val="0"/>
+            </a:spcBef>
+            <a:spcAft>
+              <a:spcPct val="15000"/>
+            </a:spcAft>
+            <a:buChar char="•"/>
+          </a:pPr>
+          <a:r>
+            <a:rPr lang="en-US" sz="1600" b="1" kern="1200" dirty="0"/>
+            <a:t>Self Assessment using AI enabled chatbot.</a:t>
+          </a:r>
+        </a:p>
+        <a:p>
+          <a:pPr marL="171450" lvl="1" indent="-171450" algn="l" defTabSz="711200">
+            <a:lnSpc>
+              <a:spcPct val="90000"/>
+            </a:lnSpc>
+            <a:spcBef>
+              <a:spcPct val="0"/>
+            </a:spcBef>
+            <a:spcAft>
+              <a:spcPct val="15000"/>
+            </a:spcAft>
+            <a:buChar char="•"/>
+          </a:pPr>
+          <a:r>
+            <a:rPr lang="en-US" sz="1600" b="1" kern="1200" dirty="0"/>
+            <a:t>Privacy enabled Online consultation with doctors.</a:t>
+          </a:r>
+        </a:p>
+        <a:p>
+          <a:pPr marL="171450" lvl="1" indent="-171450" algn="l" defTabSz="711200">
+            <a:lnSpc>
+              <a:spcPct val="90000"/>
+            </a:lnSpc>
+            <a:spcBef>
+              <a:spcPct val="0"/>
+            </a:spcBef>
+            <a:spcAft>
+              <a:spcPct val="15000"/>
+            </a:spcAft>
+            <a:buChar char="•"/>
+          </a:pPr>
+          <a:r>
+            <a:rPr lang="en-US" sz="1600" b="1" kern="1200" dirty="0"/>
+            <a:t>Promoting awareness through recovered warrior’s feeds and screening methods.</a:t>
+          </a:r>
+        </a:p>
+        <a:p>
+          <a:pPr marL="171450" lvl="1" indent="-171450" algn="l" defTabSz="711200">
+            <a:lnSpc>
+              <a:spcPct val="90000"/>
+            </a:lnSpc>
+            <a:spcBef>
+              <a:spcPct val="0"/>
+            </a:spcBef>
+            <a:spcAft>
+              <a:spcPct val="15000"/>
+            </a:spcAft>
+            <a:buChar char="•"/>
+          </a:pPr>
+          <a:r>
+            <a:rPr lang="en-US" sz="1600" b="1" kern="1200" dirty="0"/>
+            <a:t>Maintaining Timeline of the warrior.</a:t>
+          </a:r>
+        </a:p>
+        <a:p>
+          <a:pPr marL="171450" lvl="1" indent="-171450" algn="l" defTabSz="711200">
+            <a:lnSpc>
+              <a:spcPct val="90000"/>
+            </a:lnSpc>
+            <a:spcBef>
+              <a:spcPct val="0"/>
+            </a:spcBef>
+            <a:spcAft>
+              <a:spcPct val="15000"/>
+            </a:spcAft>
+            <a:buChar char="•"/>
+          </a:pPr>
+          <a:r>
+            <a:rPr lang="en-US" sz="1600" b="1" kern="1200" dirty="0"/>
+            <a:t>Timely Reminder to self assess.</a:t>
+          </a:r>
+        </a:p>
+        <a:p>
+          <a:pPr marL="171450" lvl="1" indent="-171450" algn="l" defTabSz="711200">
+            <a:lnSpc>
+              <a:spcPct val="90000"/>
+            </a:lnSpc>
+            <a:spcBef>
+              <a:spcPct val="0"/>
+            </a:spcBef>
+            <a:spcAft>
+              <a:spcPct val="15000"/>
+            </a:spcAft>
+            <a:buChar char="•"/>
+          </a:pPr>
+          <a:r>
+            <a:rPr lang="en-US" sz="1600" b="1" kern="1200" dirty="0"/>
+            <a:t>Organized Reports and prescription.</a:t>
+          </a:r>
+        </a:p>
+        <a:p>
+          <a:pPr marL="171450" lvl="1" indent="-171450" algn="l" defTabSz="711200">
+            <a:lnSpc>
+              <a:spcPct val="90000"/>
+            </a:lnSpc>
+            <a:spcBef>
+              <a:spcPct val="0"/>
+            </a:spcBef>
+            <a:spcAft>
+              <a:spcPct val="15000"/>
+            </a:spcAft>
+            <a:buChar char="•"/>
+          </a:pPr>
+          <a:r>
+            <a:rPr lang="en-US" sz="1600" b="1" kern="1200" dirty="0"/>
+            <a:t>Medical centers based on warrior’s location.</a:t>
+          </a:r>
+        </a:p>
+        <a:p>
+          <a:pPr marL="171450" lvl="1" indent="-171450" algn="l" defTabSz="711200">
+            <a:lnSpc>
+              <a:spcPct val="90000"/>
+            </a:lnSpc>
+            <a:spcBef>
+              <a:spcPct val="0"/>
+            </a:spcBef>
+            <a:spcAft>
+              <a:spcPct val="15000"/>
+            </a:spcAft>
+            <a:buChar char="•"/>
+          </a:pPr>
           <a:endParaRPr lang="en-US" sz="1600" b="1" kern="1200" dirty="0"/>
         </a:p>
       </dsp:txBody>
@@ -2037,12 +2628,12 @@
         </a:fontRef>
       </dsp:style>
       <dsp:txBody>
-        <a:bodyPr spcFirstLastPara="0" vert="horz" wrap="square" lIns="152400" tIns="0" rIns="152400" bIns="0" numCol="1" spcCol="1270" anchor="ctr" anchorCtr="0">
+        <a:bodyPr spcFirstLastPara="0" vert="horz" wrap="square" lIns="152400" tIns="0" rIns="152400" bIns="0" numCol="1" spcCol="1270" anchor="t" anchorCtr="0">
           <a:noAutofit/>
         </a:bodyPr>
         <a:lstStyle/>
         <a:p>
-          <a:pPr marL="0" lvl="0" indent="0" algn="ctr" defTabSz="1066800">
+          <a:pPr marL="0" lvl="0" indent="0" algn="l" defTabSz="1066800">
             <a:lnSpc>
               <a:spcPct val="90000"/>
             </a:lnSpc>
@@ -2058,6 +2649,75 @@
             <a:rPr lang="en-US" sz="2400" b="1" kern="1200" dirty="0"/>
             <a:t>Future Enhancements</a:t>
           </a:r>
+        </a:p>
+        <a:p>
+          <a:pPr marL="171450" lvl="1" indent="-171450" algn="l" defTabSz="711200">
+            <a:lnSpc>
+              <a:spcPct val="90000"/>
+            </a:lnSpc>
+            <a:spcBef>
+              <a:spcPct val="0"/>
+            </a:spcBef>
+            <a:spcAft>
+              <a:spcPct val="15000"/>
+            </a:spcAft>
+            <a:buChar char="•"/>
+          </a:pPr>
+          <a:r>
+            <a:rPr lang="en-US" sz="1600" b="1" kern="1200" dirty="0">
+              <a:solidFill>
+                <a:prstClr val="white"/>
+              </a:solidFill>
+              <a:latin typeface="Calibri" panose="020F0502020204030204"/>
+              <a:ea typeface="+mn-ea"/>
+              <a:cs typeface="+mn-cs"/>
+            </a:rPr>
+            <a:t>Including warrior’s insurance details.</a:t>
+          </a:r>
+          <a:endParaRPr lang="en-US" sz="2400" b="1" kern="1200" dirty="0"/>
+        </a:p>
+        <a:p>
+          <a:pPr marL="171450" lvl="1" indent="-171450" algn="l" defTabSz="711200">
+            <a:lnSpc>
+              <a:spcPct val="90000"/>
+            </a:lnSpc>
+            <a:spcBef>
+              <a:spcPct val="0"/>
+            </a:spcBef>
+            <a:spcAft>
+              <a:spcPct val="15000"/>
+            </a:spcAft>
+            <a:buChar char="•"/>
+          </a:pPr>
+          <a:r>
+            <a:rPr lang="en-US" sz="1600" b="1" kern="1200" dirty="0">
+              <a:solidFill>
+                <a:prstClr val="white"/>
+              </a:solidFill>
+              <a:latin typeface="Calibri" panose="020F0502020204030204"/>
+              <a:ea typeface="+mn-ea"/>
+              <a:cs typeface="+mn-cs"/>
+            </a:rPr>
+            <a:t>Smart scheduling of warriors for doctor appointment based on AI/ML algorithms.</a:t>
+          </a:r>
+          <a:br>
+            <a:rPr lang="en-US" sz="1600" b="1" kern="1200" dirty="0">
+              <a:solidFill>
+                <a:prstClr val="white"/>
+              </a:solidFill>
+              <a:latin typeface="Calibri" panose="020F0502020204030204"/>
+              <a:ea typeface="+mn-ea"/>
+              <a:cs typeface="+mn-cs"/>
+            </a:rPr>
+          </a:br>
+          <a:endParaRPr lang="en-US" sz="1600" b="1" kern="1200" dirty="0">
+            <a:solidFill>
+              <a:prstClr val="white"/>
+            </a:solidFill>
+            <a:latin typeface="Calibri" panose="020F0502020204030204"/>
+            <a:ea typeface="+mn-ea"/>
+            <a:cs typeface="+mn-cs"/>
+          </a:endParaRPr>
         </a:p>
       </dsp:txBody>
       <dsp:txXfrm rot="5400000">
@@ -3557,7 +4217,7 @@
           </a:ln>
           <a:extLst>
             <a:ext uri="{91240B29-F687-4f45-9708-019B960494DF}">
-              <a14:hiddenLine xmlns:a14="http://schemas.microsoft.com/office/drawing/2010/main" xmlns="" w="9525">
+              <a14:hiddenLine xmlns="" xmlns:a14="http://schemas.microsoft.com/office/drawing/2010/main" w="9525">
                 <a:solidFill>
                   <a:srgbClr val="000000"/>
                 </a:solidFill>
@@ -3612,7 +4272,7 @@
           </a:ln>
           <a:extLst>
             <a:ext uri="{91240B29-F687-4f45-9708-019B960494DF}">
-              <a14:hiddenLine xmlns:a14="http://schemas.microsoft.com/office/drawing/2010/main" xmlns="" w="9525">
+              <a14:hiddenLine xmlns="" xmlns:a14="http://schemas.microsoft.com/office/drawing/2010/main" w="9525">
                 <a:solidFill>
                   <a:srgbClr val="000000"/>
                 </a:solidFill>
@@ -9601,10 +10261,10 @@
       </p:sp>
       <p:pic>
         <p:nvPicPr>
-          <p:cNvPr id="10" name="Picture 9" descr="Text&#10;&#10;Description automatically generated">
+          <p:cNvPr id="12" name="Picture 11" descr="A picture containing object, clock&#10;&#10;Description automatically generated">
             <a:extLst>
               <a:ext uri="{FF2B5EF4-FFF2-40B4-BE49-F238E27FC236}">
-                <a16:creationId xmlns:a16="http://schemas.microsoft.com/office/drawing/2014/main" id="{1465C29E-767D-4FC0-90C5-4F0B87695BD0}"/>
+                <a16:creationId xmlns:a16="http://schemas.microsoft.com/office/drawing/2014/main" id="{9C4301F3-2E69-4995-88E1-5D9AEBC2991C}"/>
               </a:ext>
             </a:extLst>
           </p:cNvPr>
@@ -9627,8 +10287,8 @@
         </p:blipFill>
         <p:spPr>
           <a:xfrm>
-            <a:off x="0" y="1581162"/>
-            <a:ext cx="5054022" cy="1261981"/>
+            <a:off x="3398211" y="-7358"/>
+            <a:ext cx="3444539" cy="1883827"/>
           </a:xfrm>
           <a:prstGeom prst="rect">
             <a:avLst/>
@@ -9637,10 +10297,10 @@
       </p:pic>
       <p:pic>
         <p:nvPicPr>
-          <p:cNvPr id="12" name="Picture 11" descr="A picture containing object, clock&#10;&#10;Description automatically generated">
+          <p:cNvPr id="3" name="Picture 2" descr="Text&#10;&#10;Description automatically generated">
             <a:extLst>
               <a:ext uri="{FF2B5EF4-FFF2-40B4-BE49-F238E27FC236}">
-                <a16:creationId xmlns:a16="http://schemas.microsoft.com/office/drawing/2014/main" id="{9C4301F3-2E69-4995-88E1-5D9AEBC2991C}"/>
+                <a16:creationId xmlns:a16="http://schemas.microsoft.com/office/drawing/2014/main" id="{C2C6C6B9-6C4B-4733-848F-CE06754C8DED}"/>
               </a:ext>
             </a:extLst>
           </p:cNvPr>
@@ -9663,8 +10323,8 @@
         </p:blipFill>
         <p:spPr>
           <a:xfrm>
-            <a:off x="3398211" y="-7358"/>
-            <a:ext cx="3444539" cy="1883827"/>
+            <a:off x="66458" y="1498956"/>
+            <a:ext cx="5054022" cy="1268078"/>
           </a:xfrm>
           <a:prstGeom prst="rect">
             <a:avLst/>
@@ -11071,6 +11731,156 @@
           <a:chExt cx="0" cy="0"/>
         </a:xfrm>
       </p:grpSpPr>
+      <p:pic>
+        <p:nvPicPr>
+          <p:cNvPr id="16" name="Picture 15" descr="A picture containing indoor, bed, laying, cat&#10;&#10;Description automatically generated">
+            <a:extLst>
+              <a:ext uri="{FF2B5EF4-FFF2-40B4-BE49-F238E27FC236}">
+                <a16:creationId xmlns:a16="http://schemas.microsoft.com/office/drawing/2014/main" id="{C5FD5AF9-637D-4513-A330-68095E56663B}"/>
+              </a:ext>
+            </a:extLst>
+          </p:cNvPr>
+          <p:cNvPicPr>
+            <a:picLocks noChangeAspect="1"/>
+          </p:cNvPicPr>
+          <p:nvPr/>
+        </p:nvPicPr>
+        <p:blipFill rotWithShape="1">
+          <a:blip r:embed="rId2">
+            <a:extLst>
+              <a:ext uri="{28A0092B-C50C-407E-A947-70E740481C1C}">
+                <a14:useLocalDpi xmlns:a14="http://schemas.microsoft.com/office/drawing/2010/main" val="0"/>
+              </a:ext>
+            </a:extLst>
+          </a:blip>
+          <a:srcRect l="8212" t="32860" r="10357" b="34105"/>
+          <a:stretch/>
+        </p:blipFill>
+        <p:spPr>
+          <a:xfrm rot="16200000">
+            <a:off x="7647189" y="1154014"/>
+            <a:ext cx="1668104" cy="1606890"/>
+          </a:xfrm>
+          <a:prstGeom prst="rect">
+            <a:avLst/>
+          </a:prstGeom>
+        </p:spPr>
+      </p:pic>
+      <p:pic>
+        <p:nvPicPr>
+          <p:cNvPr id="1026" name="Picture 2">
+            <a:extLst>
+              <a:ext uri="{FF2B5EF4-FFF2-40B4-BE49-F238E27FC236}">
+                <a16:creationId xmlns:a16="http://schemas.microsoft.com/office/drawing/2014/main" id="{58B38AD4-1714-4232-98EB-65E0C82F017C}"/>
+              </a:ext>
+            </a:extLst>
+          </p:cNvPr>
+          <p:cNvPicPr>
+            <a:picLocks noChangeAspect="1" noChangeArrowheads="1"/>
+          </p:cNvPicPr>
+          <p:nvPr/>
+        </p:nvPicPr>
+        <p:blipFill rotWithShape="1">
+          <a:blip r:embed="rId3">
+            <a:extLst>
+              <a:ext uri="{28A0092B-C50C-407E-A947-70E740481C1C}">
+                <a14:useLocalDpi xmlns:a14="http://schemas.microsoft.com/office/drawing/2010/main" val="0"/>
+              </a:ext>
+            </a:extLst>
+          </a:blip>
+          <a:srcRect t="11964" b="10357"/>
+          <a:stretch/>
+        </p:blipFill>
+        <p:spPr bwMode="auto">
+          <a:xfrm>
+            <a:off x="809738" y="1123415"/>
+            <a:ext cx="1606890" cy="1668096"/>
+          </a:xfrm>
+          <a:prstGeom prst="rect">
+            <a:avLst/>
+          </a:prstGeom>
+          <a:noFill/>
+          <a:extLst>
+            <a:ext uri="{909E8E84-426E-40DD-AFC4-6F175D3DCCD1}">
+              <a14:hiddenFill xmlns:a14="http://schemas.microsoft.com/office/drawing/2010/main">
+                <a:solidFill>
+                  <a:srgbClr val="FFFFFF"/>
+                </a:solidFill>
+              </a14:hiddenFill>
+            </a:ext>
+          </a:extLst>
+        </p:spPr>
+      </p:pic>
+      <p:pic>
+        <p:nvPicPr>
+          <p:cNvPr id="12" name="Picture 11" descr="A person posing for the camera&#10;&#10;Description automatically generated">
+            <a:extLst>
+              <a:ext uri="{FF2B5EF4-FFF2-40B4-BE49-F238E27FC236}">
+                <a16:creationId xmlns:a16="http://schemas.microsoft.com/office/drawing/2014/main" id="{3007D07A-B4C5-45B0-88DD-E0B8C9577E5F}"/>
+              </a:ext>
+            </a:extLst>
+          </p:cNvPr>
+          <p:cNvPicPr>
+            <a:picLocks noChangeAspect="1"/>
+          </p:cNvPicPr>
+          <p:nvPr/>
+        </p:nvPicPr>
+        <p:blipFill rotWithShape="1">
+          <a:blip r:embed="rId4">
+            <a:extLst>
+              <a:ext uri="{28A0092B-C50C-407E-A947-70E740481C1C}">
+                <a14:useLocalDpi xmlns:a14="http://schemas.microsoft.com/office/drawing/2010/main" val="0"/>
+              </a:ext>
+            </a:extLst>
+          </a:blip>
+          <a:srcRect l="13813" t="15357" r="21070" b="23863"/>
+          <a:stretch/>
+        </p:blipFill>
+        <p:spPr>
+          <a:xfrm>
+            <a:off x="809739" y="3901437"/>
+            <a:ext cx="1606890" cy="1668105"/>
+          </a:xfrm>
+          <a:prstGeom prst="rect">
+            <a:avLst/>
+          </a:prstGeom>
+        </p:spPr>
+      </p:pic>
+      <p:pic>
+        <p:nvPicPr>
+          <p:cNvPr id="19" name="Picture 18" descr="A person wearing glasses and smiling at the camera&#10;&#10;Description automatically generated">
+            <a:extLst>
+              <a:ext uri="{FF2B5EF4-FFF2-40B4-BE49-F238E27FC236}">
+                <a16:creationId xmlns:a16="http://schemas.microsoft.com/office/drawing/2014/main" id="{895DF0D5-33D8-462D-91BC-D143258510F7}"/>
+              </a:ext>
+            </a:extLst>
+          </p:cNvPr>
+          <p:cNvPicPr>
+            <a:picLocks noChangeAspect="1"/>
+          </p:cNvPicPr>
+          <p:nvPr/>
+        </p:nvPicPr>
+        <p:blipFill rotWithShape="1">
+          <a:blip r:embed="rId5">
+            <a:extLst>
+              <a:ext uri="{28A0092B-C50C-407E-A947-70E740481C1C}">
+                <a14:useLocalDpi xmlns:a14="http://schemas.microsoft.com/office/drawing/2010/main" val="0"/>
+              </a:ext>
+            </a:extLst>
+          </a:blip>
+          <a:srcRect l="20329" t="18571" r="33761" b="6786"/>
+          <a:stretch/>
+        </p:blipFill>
+        <p:spPr>
+          <a:xfrm>
+            <a:off x="7677796" y="3901437"/>
+            <a:ext cx="1606890" cy="1668105"/>
+          </a:xfrm>
+          <a:prstGeom prst="rect">
+            <a:avLst/>
+          </a:prstGeom>
+        </p:spPr>
+      </p:pic>
       <p:sp>
         <p:nvSpPr>
           <p:cNvPr id="4" name="Snip Diagonal Corner Rectangle 5">
@@ -11181,92 +11991,366 @@
       </p:sp>
       <p:sp>
         <p:nvSpPr>
-          <p:cNvPr id="2" name="Title 1">
+          <p:cNvPr id="5" name="Flowchart: Alternate Process 4">
             <a:extLst>
               <a:ext uri="{FF2B5EF4-FFF2-40B4-BE49-F238E27FC236}">
-                <a16:creationId xmlns:a16="http://schemas.microsoft.com/office/drawing/2014/main" id="{B3B91B19-B1C8-4698-A86A-EED7C3E44FB5}"/>
+                <a16:creationId xmlns:a16="http://schemas.microsoft.com/office/drawing/2014/main" id="{6B8C1B22-936B-4B61-8121-31156B8CDF2E}"/>
               </a:ext>
             </a:extLst>
           </p:cNvPr>
-          <p:cNvSpPr>
-            <a:spLocks noGrp="1"/>
-          </p:cNvSpPr>
-          <p:nvPr>
-            <p:ph type="title"/>
-          </p:nvPr>
+          <p:cNvSpPr/>
+          <p:nvPr/>
         </p:nvSpPr>
-        <p:spPr/>
+        <p:spPr>
+          <a:xfrm>
+            <a:off x="522179" y="2830693"/>
+            <a:ext cx="2203110" cy="408623"/>
+          </a:xfrm>
+          <a:prstGeom prst="flowChartAlternateProcess">
+            <a:avLst/>
+          </a:prstGeom>
+          <a:solidFill>
+            <a:schemeClr val="bg1"/>
+          </a:solidFill>
+          <a:ln>
+            <a:solidFill>
+              <a:srgbClr val="FF66CC"/>
+            </a:solidFill>
+          </a:ln>
+        </p:spPr>
         <p:txBody>
-          <a:bodyPr/>
+          <a:bodyPr wrap="none">
+            <a:spAutoFit/>
+          </a:bodyPr>
           <a:lstStyle/>
           <a:p>
             <a:r>
-              <a:rPr lang="en-US" dirty="0"/>
-              <a:t>Project Description</a:t>
+              <a:rPr lang="sv-SE" b="1" kern="0" dirty="0">
+                <a:solidFill>
+                  <a:srgbClr val="F45B8E"/>
+                </a:solidFill>
+                <a:latin typeface="Agency FB" panose="020B0503020202020204" pitchFamily="34" charset="0"/>
+              </a:rPr>
+              <a:t>Arun Gopala Krishnan K R</a:t>
+            </a:r>
+            <a:endParaRPr lang="en-US" b="1" kern="0" dirty="0">
+              <a:solidFill>
+                <a:srgbClr val="F45B8E"/>
+              </a:solidFill>
+              <a:latin typeface="Agency FB" panose="020B0503020202020204" pitchFamily="34" charset="0"/>
+            </a:endParaRPr>
+          </a:p>
+        </p:txBody>
+      </p:sp>
+      <p:pic>
+        <p:nvPicPr>
+          <p:cNvPr id="6" name="Picture 5" descr="A person looking at the camera&#10;&#10;Description automatically generated">
+            <a:extLst>
+              <a:ext uri="{FF2B5EF4-FFF2-40B4-BE49-F238E27FC236}">
+                <a16:creationId xmlns:a16="http://schemas.microsoft.com/office/drawing/2014/main" id="{9F55AC72-A5FD-46CD-83DB-7C03D113C508}"/>
+              </a:ext>
+            </a:extLst>
+          </p:cNvPr>
+          <p:cNvPicPr>
+            <a:picLocks noChangeAspect="1"/>
+          </p:cNvPicPr>
+          <p:nvPr/>
+        </p:nvPicPr>
+        <p:blipFill rotWithShape="1">
+          <a:blip r:embed="rId6">
+            <a:extLst>
+              <a:ext uri="{28A0092B-C50C-407E-A947-70E740481C1C}">
+                <a14:useLocalDpi xmlns:a14="http://schemas.microsoft.com/office/drawing/2010/main" val="0"/>
+              </a:ext>
+            </a:extLst>
+          </a:blip>
+          <a:srcRect t="2857" b="19286"/>
+          <a:stretch/>
+        </p:blipFill>
+        <p:spPr>
+          <a:xfrm>
+            <a:off x="4094712" y="1123407"/>
+            <a:ext cx="1606890" cy="1668105"/>
+          </a:xfrm>
+          <a:prstGeom prst="rect">
+            <a:avLst/>
+          </a:prstGeom>
+        </p:spPr>
+      </p:pic>
+      <p:sp>
+        <p:nvSpPr>
+          <p:cNvPr id="7" name="Flowchart: Alternate Process 6">
+            <a:extLst>
+              <a:ext uri="{FF2B5EF4-FFF2-40B4-BE49-F238E27FC236}">
+                <a16:creationId xmlns:a16="http://schemas.microsoft.com/office/drawing/2014/main" id="{3AF17216-2E1F-43E0-91FA-34CB92B54EED}"/>
+              </a:ext>
+            </a:extLst>
+          </p:cNvPr>
+          <p:cNvSpPr/>
+          <p:nvPr/>
+        </p:nvSpPr>
+        <p:spPr>
+          <a:xfrm>
+            <a:off x="4036870" y="2852841"/>
+            <a:ext cx="1722573" cy="408623"/>
+          </a:xfrm>
+          <a:prstGeom prst="flowChartAlternateProcess">
+            <a:avLst/>
+          </a:prstGeom>
+          <a:solidFill>
+            <a:schemeClr val="bg1"/>
+          </a:solidFill>
+          <a:ln>
+            <a:solidFill>
+              <a:srgbClr val="FF66CC"/>
+            </a:solidFill>
+          </a:ln>
+        </p:spPr>
+        <p:txBody>
+          <a:bodyPr wrap="none">
+            <a:spAutoFit/>
+          </a:bodyPr>
+          <a:lstStyle/>
+          <a:p>
+            <a:r>
+              <a:rPr lang="en-US" b="1" kern="0" dirty="0">
+                <a:solidFill>
+                  <a:srgbClr val="F45B8E"/>
+                </a:solidFill>
+                <a:latin typeface="Agency FB" panose="020B0503020202020204" pitchFamily="34" charset="0"/>
+              </a:rPr>
+              <a:t>Balaji Ashok Kumar</a:t>
             </a:r>
           </a:p>
         </p:txBody>
       </p:sp>
       <p:sp>
         <p:nvSpPr>
-          <p:cNvPr id="3" name="Content Placeholder 2">
+          <p:cNvPr id="9" name="Flowchart: Alternate Process 8">
             <a:extLst>
               <a:ext uri="{FF2B5EF4-FFF2-40B4-BE49-F238E27FC236}">
-                <a16:creationId xmlns:a16="http://schemas.microsoft.com/office/drawing/2014/main" id="{2BAD9E88-C83C-4808-950C-88FFDE5FD4D7}"/>
+                <a16:creationId xmlns:a16="http://schemas.microsoft.com/office/drawing/2014/main" id="{8DD1C71A-8B04-465C-B1CE-C82A2735BD1B}"/>
               </a:ext>
             </a:extLst>
           </p:cNvPr>
-          <p:cNvSpPr>
-            <a:spLocks noGrp="1"/>
-          </p:cNvSpPr>
-          <p:nvPr>
-            <p:ph idx="1"/>
-          </p:nvPr>
+          <p:cNvSpPr/>
+          <p:nvPr/>
         </p:nvSpPr>
-        <p:spPr/>
+        <p:spPr>
+          <a:xfrm>
+            <a:off x="7508842" y="2886544"/>
+            <a:ext cx="1944798" cy="408623"/>
+          </a:xfrm>
+          <a:prstGeom prst="flowChartAlternateProcess">
+            <a:avLst/>
+          </a:prstGeom>
+          <a:solidFill>
+            <a:schemeClr val="bg1"/>
+          </a:solidFill>
+          <a:ln>
+            <a:solidFill>
+              <a:srgbClr val="FF66CC"/>
+            </a:solidFill>
+          </a:ln>
+        </p:spPr>
         <p:txBody>
-          <a:bodyPr>
-            <a:normAutofit fontScale="92500" lnSpcReduction="20000"/>
+          <a:bodyPr wrap="none">
+            <a:spAutoFit/>
           </a:bodyPr>
           <a:lstStyle/>
           <a:p>
             <a:r>
-              <a:rPr lang="en-US" dirty="0"/>
-              <a:t>Project Flamingo takes care of the needs and concerns of warriors, who fight against the daemon in them and the doctors, who do the noble cause in supporting the warriors both physically and mentally.</a:t>
+              <a:rPr lang="en-US" b="1" kern="0" dirty="0">
+                <a:solidFill>
+                  <a:srgbClr val="F45B8E"/>
+                </a:solidFill>
+                <a:latin typeface="Agency FB" panose="020B0503020202020204" pitchFamily="34" charset="0"/>
+              </a:rPr>
+              <a:t>Jayalakshmi Tirupathi</a:t>
             </a:r>
-          </a:p>
-          <a:p>
-            <a:r>
-              <a:rPr lang="en-US" dirty="0"/>
-              <a:t>In this project, the privacy of the warriors is considered in all aspects of the application.</a:t>
-            </a:r>
-          </a:p>
-          <a:p>
-            <a:r>
-              <a:rPr lang="en-US" dirty="0"/>
-              <a:t>Angels in disguise can also use this application to grant the wishes of warriors thus bringing a hope and light to their life.</a:t>
-            </a:r>
-          </a:p>
-          <a:p>
-            <a:r>
-              <a:rPr lang="en-US" dirty="0"/>
-              <a:t>This project also brings in the latest and efficient technologies in market to achieve this </a:t>
-            </a:r>
-            <a:r>
-              <a:rPr lang="en-US"/>
-              <a:t>noble cause.</a:t>
-            </a:r>
-            <a:endParaRPr lang="en-US" dirty="0"/>
-          </a:p>
-          <a:p>
-            <a:endParaRPr lang="en-US" dirty="0"/>
           </a:p>
         </p:txBody>
       </p:sp>
+      <p:sp>
+        <p:nvSpPr>
+          <p:cNvPr id="11" name="Flowchart: Alternate Process 10">
+            <a:extLst>
+              <a:ext uri="{FF2B5EF4-FFF2-40B4-BE49-F238E27FC236}">
+                <a16:creationId xmlns:a16="http://schemas.microsoft.com/office/drawing/2014/main" id="{289DFB6A-43C4-4FE6-84F8-DD3CE561ACC9}"/>
+              </a:ext>
+            </a:extLst>
+          </p:cNvPr>
+          <p:cNvSpPr/>
+          <p:nvPr/>
+        </p:nvSpPr>
+        <p:spPr>
+          <a:xfrm>
+            <a:off x="428274" y="5643933"/>
+            <a:ext cx="2369817" cy="408623"/>
+          </a:xfrm>
+          <a:prstGeom prst="flowChartAlternateProcess">
+            <a:avLst/>
+          </a:prstGeom>
+          <a:solidFill>
+            <a:schemeClr val="bg1"/>
+          </a:solidFill>
+          <a:ln>
+            <a:solidFill>
+              <a:srgbClr val="FF66CC"/>
+            </a:solidFill>
+          </a:ln>
+        </p:spPr>
+        <p:txBody>
+          <a:bodyPr wrap="none">
+            <a:spAutoFit/>
+          </a:bodyPr>
+          <a:lstStyle/>
+          <a:p>
+            <a:r>
+              <a:rPr lang="en-US" b="1" kern="0" dirty="0">
+                <a:solidFill>
+                  <a:srgbClr val="F45B8E"/>
+                </a:solidFill>
+                <a:latin typeface="Agency FB" panose="020B0503020202020204" pitchFamily="34" charset="0"/>
+              </a:rPr>
+              <a:t>Divya Lakshmi Anna Ganesh</a:t>
+            </a:r>
+          </a:p>
+        </p:txBody>
+      </p:sp>
+      <p:sp>
+        <p:nvSpPr>
+          <p:cNvPr id="13" name="Flowchart: Alternate Process 12">
+            <a:extLst>
+              <a:ext uri="{FF2B5EF4-FFF2-40B4-BE49-F238E27FC236}">
+                <a16:creationId xmlns:a16="http://schemas.microsoft.com/office/drawing/2014/main" id="{0CBCB68B-4162-4EE3-88D0-00506C2741A7}"/>
+              </a:ext>
+            </a:extLst>
+          </p:cNvPr>
+          <p:cNvSpPr/>
+          <p:nvPr/>
+        </p:nvSpPr>
+        <p:spPr>
+          <a:xfrm>
+            <a:off x="4029517" y="5657775"/>
+            <a:ext cx="1737278" cy="408623"/>
+          </a:xfrm>
+          <a:prstGeom prst="flowChartAlternateProcess">
+            <a:avLst/>
+          </a:prstGeom>
+          <a:solidFill>
+            <a:schemeClr val="bg1"/>
+          </a:solidFill>
+          <a:ln>
+            <a:solidFill>
+              <a:srgbClr val="FF66CC"/>
+            </a:solidFill>
+          </a:ln>
+        </p:spPr>
+        <p:txBody>
+          <a:bodyPr wrap="none">
+            <a:spAutoFit/>
+          </a:bodyPr>
+          <a:lstStyle/>
+          <a:p>
+            <a:r>
+              <a:rPr lang="en-US" b="1" kern="0" dirty="0">
+                <a:solidFill>
+                  <a:srgbClr val="F45B8E"/>
+                </a:solidFill>
+                <a:latin typeface="Agency FB" panose="020B0503020202020204" pitchFamily="34" charset="0"/>
+              </a:rPr>
+              <a:t>Surendar Mohanraj</a:t>
+            </a:r>
+          </a:p>
+        </p:txBody>
+      </p:sp>
+      <p:sp>
+        <p:nvSpPr>
+          <p:cNvPr id="15" name="Flowchart: Alternate Process 14">
+            <a:extLst>
+              <a:ext uri="{FF2B5EF4-FFF2-40B4-BE49-F238E27FC236}">
+                <a16:creationId xmlns:a16="http://schemas.microsoft.com/office/drawing/2014/main" id="{4974C910-BEB0-42D9-A7CE-11B04B5C1229}"/>
+              </a:ext>
+            </a:extLst>
+          </p:cNvPr>
+          <p:cNvSpPr/>
+          <p:nvPr/>
+        </p:nvSpPr>
+        <p:spPr>
+          <a:xfrm>
+            <a:off x="7089164" y="5645491"/>
+            <a:ext cx="2784154" cy="408623"/>
+          </a:xfrm>
+          <a:prstGeom prst="flowChartAlternateProcess">
+            <a:avLst/>
+          </a:prstGeom>
+          <a:solidFill>
+            <a:schemeClr val="bg1"/>
+          </a:solidFill>
+          <a:ln>
+            <a:solidFill>
+              <a:srgbClr val="FF66CC"/>
+            </a:solidFill>
+          </a:ln>
+        </p:spPr>
+        <p:txBody>
+          <a:bodyPr wrap="none">
+            <a:spAutoFit/>
+          </a:bodyPr>
+          <a:lstStyle/>
+          <a:p>
+            <a:r>
+              <a:rPr lang="en-US" b="1" kern="0" dirty="0">
+                <a:solidFill>
+                  <a:srgbClr val="F45B8E"/>
+                </a:solidFill>
+                <a:latin typeface="Agency FB" panose="020B0503020202020204" pitchFamily="34" charset="0"/>
+              </a:rPr>
+              <a:t>Venkata Sai Charan Amarthaluru</a:t>
+            </a:r>
+          </a:p>
+        </p:txBody>
+      </p:sp>
+      <p:pic>
+        <p:nvPicPr>
+          <p:cNvPr id="17" name="Picture 16" descr="A person posing for the camera&#10;&#10;Description automatically generated">
+            <a:extLst>
+              <a:ext uri="{FF2B5EF4-FFF2-40B4-BE49-F238E27FC236}">
+                <a16:creationId xmlns:a16="http://schemas.microsoft.com/office/drawing/2014/main" id="{2AB1DDDB-0BF2-4469-9A42-75EC0B5F0097}"/>
+              </a:ext>
+            </a:extLst>
+          </p:cNvPr>
+          <p:cNvPicPr>
+            <a:picLocks noChangeAspect="1"/>
+          </p:cNvPicPr>
+          <p:nvPr/>
+        </p:nvPicPr>
+        <p:blipFill rotWithShape="1">
+          <a:blip r:embed="rId7">
+            <a:extLst>
+              <a:ext uri="{28A0092B-C50C-407E-A947-70E740481C1C}">
+                <a14:useLocalDpi xmlns:a14="http://schemas.microsoft.com/office/drawing/2010/main" val="0"/>
+              </a:ext>
+            </a:extLst>
+          </a:blip>
+          <a:srcRect t="12857" b="4464"/>
+          <a:stretch/>
+        </p:blipFill>
+        <p:spPr>
+          <a:xfrm>
+            <a:off x="4094712" y="3901437"/>
+            <a:ext cx="1606890" cy="1668105"/>
+          </a:xfrm>
+          <a:prstGeom prst="rect">
+            <a:avLst/>
+          </a:prstGeom>
+        </p:spPr>
+      </p:pic>
     </p:spTree>
     <p:extLst>
       <p:ext uri="{BB962C8B-B14F-4D97-AF65-F5344CB8AC3E}">
-        <p14:creationId xmlns:p14="http://schemas.microsoft.com/office/powerpoint/2010/main" val="1869814130"/>
+        <p14:creationId xmlns:p14="http://schemas.microsoft.com/office/powerpoint/2010/main" val="679138060"/>
       </p:ext>
     </p:extLst>
   </p:cSld>
@@ -11471,7 +12555,7 @@
                 <a:cs typeface="Calibri"/>
                 <a:sym typeface="Calibri"/>
               </a:rPr>
-              <a:t>Flamingo - A Progressive Web App (PWA) which can be used by Warriors &amp; Doctors in any devices like Mobile/Laptop/Desktop.</a:t>
+              <a:t>Flamingo - A Progressive Web App (PWA) which can be used by Warriors, Doctors &amp; Angels in any devices like Mobile/Laptop/Desktop.</a:t>
             </a:r>
           </a:p>
           <a:p>
@@ -11695,6 +12779,86 @@
               <a:t>	          Problems</a:t>
             </a:r>
           </a:p>
+          <a:p>
+            <a:pPr marL="285750" lvl="0" indent="-285750" defTabSz="914400">
+              <a:buFont typeface="Arial" panose="020B0604020202020204" pitchFamily="34" charset="0"/>
+              <a:buChar char="•"/>
+              <a:defRPr/>
+            </a:pPr>
+            <a:r>
+              <a:rPr lang="en-US" sz="1900" dirty="0">
+                <a:solidFill>
+                  <a:schemeClr val="bg1"/>
+                </a:solidFill>
+                <a:cs typeface="Calibri"/>
+              </a:rPr>
+              <a:t>Exposure based consultation</a:t>
+            </a:r>
+          </a:p>
+          <a:p>
+            <a:pPr marL="285750" lvl="0" indent="-285750" defTabSz="914400">
+              <a:buFont typeface="Arial" panose="020B0604020202020204" pitchFamily="34" charset="0"/>
+              <a:buChar char="•"/>
+              <a:defRPr/>
+            </a:pPr>
+            <a:r>
+              <a:rPr lang="en-US" sz="1900" dirty="0">
+                <a:solidFill>
+                  <a:schemeClr val="bg1"/>
+                </a:solidFill>
+                <a:cs typeface="Calibri"/>
+              </a:rPr>
+              <a:t>Need to meet the doctor  for assessment based on symptoms</a:t>
+            </a:r>
+          </a:p>
+          <a:p>
+            <a:pPr marL="285750" indent="-285750" defTabSz="914400">
+              <a:buFont typeface="Arial" panose="020B0604020202020204" pitchFamily="34" charset="0"/>
+              <a:buChar char="•"/>
+              <a:defRPr/>
+            </a:pPr>
+            <a:r>
+              <a:rPr lang="en-US" sz="1900" dirty="0">
+                <a:solidFill>
+                  <a:schemeClr val="bg1"/>
+                </a:solidFill>
+                <a:cs typeface="Calibri"/>
+              </a:rPr>
+              <a:t>Need to go to hospital and wait for consultation</a:t>
+            </a:r>
+          </a:p>
+          <a:p>
+            <a:pPr marL="285750" lvl="0" indent="-285750" defTabSz="914400">
+              <a:buFont typeface="Arial" panose="020B0604020202020204" pitchFamily="34" charset="0"/>
+              <a:buChar char="•"/>
+              <a:defRPr/>
+            </a:pPr>
+            <a:r>
+              <a:rPr lang="en-US" sz="1900" dirty="0">
+                <a:solidFill>
+                  <a:schemeClr val="bg1"/>
+                </a:solidFill>
+                <a:cs typeface="Calibri"/>
+              </a:rPr>
+              <a:t>Report sharing among doctors without warrior’s consent</a:t>
+            </a:r>
+          </a:p>
+          <a:p>
+            <a:pPr marL="285750" lvl="0" indent="-285750" defTabSz="914400">
+              <a:buFont typeface="Arial" panose="020B0604020202020204" pitchFamily="34" charset="0"/>
+              <a:buChar char="•"/>
+              <a:defRPr/>
+            </a:pPr>
+            <a:r>
+              <a:rPr lang="en-US" sz="1900" dirty="0">
+                <a:solidFill>
+                  <a:schemeClr val="bg1"/>
+                </a:solidFill>
+                <a:cs typeface="Calibri"/>
+              </a:rPr>
+              <a:t>Third party Make a wish foundations.</a:t>
+            </a:r>
+          </a:p>
         </p:txBody>
       </p:sp>
       <p:sp>
@@ -11783,19 +12947,102 @@
               </a:rPr>
               <a:t>   		Flamingo</a:t>
             </a:r>
-            <a:endParaRPr kumimoji="0" lang="en-US" sz="1900" b="1" i="0" u="none" strike="noStrike" kern="1200" cap="none" spc="0" normalizeH="0" baseline="0" noProof="0" dirty="0">
-              <a:ln>
-                <a:noFill/>
-              </a:ln>
-              <a:solidFill>
-                <a:schemeClr val="bg1"/>
-              </a:solidFill>
-              <a:effectLst/>
-              <a:uLnTx/>
-              <a:uFillTx/>
-              <a:latin typeface="Calibri"/>
-              <a:cs typeface="Calibri"/>
-            </a:endParaRPr>
+          </a:p>
+          <a:p>
+            <a:pPr marL="285750" lvl="0" indent="-285750" defTabSz="914400">
+              <a:buFont typeface="Arial" panose="020B0604020202020204" pitchFamily="34" charset="0"/>
+              <a:buChar char="•"/>
+              <a:defRPr/>
+            </a:pPr>
+            <a:r>
+              <a:rPr lang="en-US" dirty="0">
+                <a:solidFill>
+                  <a:schemeClr val="bg1"/>
+                </a:solidFill>
+                <a:cs typeface="Calibri"/>
+              </a:rPr>
+              <a:t>Privacy enabled consultation</a:t>
+            </a:r>
+          </a:p>
+          <a:p>
+            <a:pPr marL="285750" lvl="0" indent="-285750" defTabSz="914400">
+              <a:buFont typeface="Arial" panose="020B0604020202020204" pitchFamily="34" charset="0"/>
+              <a:buChar char="•"/>
+              <a:defRPr/>
+            </a:pPr>
+            <a:r>
+              <a:rPr lang="en-US" dirty="0">
+                <a:solidFill>
+                  <a:schemeClr val="bg1"/>
+                </a:solidFill>
+                <a:cs typeface="Calibri"/>
+              </a:rPr>
+              <a:t>Self assessment can be made using AI enabled chatbot.</a:t>
+            </a:r>
+          </a:p>
+          <a:p>
+            <a:pPr marL="285750" indent="-285750" defTabSz="914400">
+              <a:buFont typeface="Arial" panose="020B0604020202020204" pitchFamily="34" charset="0"/>
+              <a:buChar char="•"/>
+              <a:defRPr/>
+            </a:pPr>
+            <a:r>
+              <a:rPr lang="en-US" dirty="0">
+                <a:solidFill>
+                  <a:schemeClr val="bg1"/>
+                </a:solidFill>
+                <a:cs typeface="Calibri"/>
+              </a:rPr>
+              <a:t>Online consultation with doctors</a:t>
+            </a:r>
+          </a:p>
+          <a:p>
+            <a:pPr marL="285750" lvl="0" indent="-285750" defTabSz="914400">
+              <a:buFont typeface="Arial" panose="020B0604020202020204" pitchFamily="34" charset="0"/>
+              <a:buChar char="•"/>
+              <a:defRPr/>
+            </a:pPr>
+            <a:r>
+              <a:rPr lang="en-US" dirty="0">
+                <a:solidFill>
+                  <a:schemeClr val="bg1"/>
+                </a:solidFill>
+                <a:cs typeface="Calibri"/>
+              </a:rPr>
+              <a:t>Approval based image sharing among doctors.</a:t>
+            </a:r>
+          </a:p>
+          <a:p>
+            <a:pPr marL="285750" lvl="0" indent="-285750" defTabSz="914400">
+              <a:buFont typeface="Arial" panose="020B0604020202020204" pitchFamily="34" charset="0"/>
+              <a:buChar char="•"/>
+              <a:defRPr/>
+            </a:pPr>
+            <a:r>
+              <a:rPr lang="en-US" dirty="0">
+                <a:solidFill>
+                  <a:schemeClr val="bg1"/>
+                </a:solidFill>
+                <a:cs typeface="Calibri"/>
+              </a:rPr>
+              <a:t>In built Make a wish functionality for raising funds.</a:t>
+            </a:r>
+          </a:p>
+          <a:p>
+            <a:pPr marL="285750" lvl="0" indent="-285750" defTabSz="914400">
+              <a:buFont typeface="Arial" panose="020B0604020202020204" pitchFamily="34" charset="0"/>
+              <a:buChar char="•"/>
+              <a:defRPr/>
+            </a:pPr>
+            <a:r>
+              <a:rPr lang="en-US" dirty="0">
+                <a:solidFill>
+                  <a:schemeClr val="bg1"/>
+                </a:solidFill>
+                <a:cs typeface="Calibri"/>
+              </a:rPr>
+              <a:t>Digitally Organized Prescription and Reports by scanning through OCR.</a:t>
+            </a:r>
           </a:p>
         </p:txBody>
       </p:sp>
@@ -15633,42 +16880,6 @@
           </a:prstGeom>
         </p:spPr>
       </p:pic>
-      <p:pic>
-        <p:nvPicPr>
-          <p:cNvPr id="4" name="Picture 3">
-            <a:extLst>
-              <a:ext uri="{FF2B5EF4-FFF2-40B4-BE49-F238E27FC236}">
-                <a16:creationId xmlns:a16="http://schemas.microsoft.com/office/drawing/2014/main" id="{CBC150CF-825F-4D6E-87F4-FB0FA3A59F97}"/>
-              </a:ext>
-            </a:extLst>
-          </p:cNvPr>
-          <p:cNvPicPr>
-            <a:picLocks noChangeAspect="1"/>
-          </p:cNvPicPr>
-          <p:nvPr/>
-        </p:nvPicPr>
-        <p:blipFill>
-          <a:blip r:embed="rId3">
-            <a:extLst>
-              <a:ext uri="{28A0092B-C50C-407E-A947-70E740481C1C}">
-                <a14:useLocalDpi xmlns:a14="http://schemas.microsoft.com/office/drawing/2010/main" val="0"/>
-              </a:ext>
-            </a:extLst>
-          </a:blip>
-          <a:stretch>
-            <a:fillRect/>
-          </a:stretch>
-        </p:blipFill>
-        <p:spPr>
-          <a:xfrm>
-            <a:off x="241244" y="914400"/>
-            <a:ext cx="9673465" cy="5438605"/>
-          </a:xfrm>
-          <a:prstGeom prst="rect">
-            <a:avLst/>
-          </a:prstGeom>
-        </p:spPr>
-      </p:pic>
       <p:sp>
         <p:nvSpPr>
           <p:cNvPr id="6" name="Snip Diagonal Corner Rectangle 5">
@@ -15771,6 +16982,42 @@
           </a:p>
         </p:txBody>
       </p:sp>
+      <p:pic>
+        <p:nvPicPr>
+          <p:cNvPr id="5" name="Picture 4" descr="Graphical user interface, application&#10;&#10;Description automatically generated">
+            <a:extLst>
+              <a:ext uri="{FF2B5EF4-FFF2-40B4-BE49-F238E27FC236}">
+                <a16:creationId xmlns:a16="http://schemas.microsoft.com/office/drawing/2014/main" id="{8B59AB78-1406-4B4C-B708-F50A1C8C2D29}"/>
+              </a:ext>
+            </a:extLst>
+          </p:cNvPr>
+          <p:cNvPicPr>
+            <a:picLocks noChangeAspect="1"/>
+          </p:cNvPicPr>
+          <p:nvPr/>
+        </p:nvPicPr>
+        <p:blipFill>
+          <a:blip r:embed="rId3">
+            <a:extLst>
+              <a:ext uri="{28A0092B-C50C-407E-A947-70E740481C1C}">
+                <a14:useLocalDpi xmlns:a14="http://schemas.microsoft.com/office/drawing/2010/main" val="0"/>
+              </a:ext>
+            </a:extLst>
+          </a:blip>
+          <a:stretch>
+            <a:fillRect/>
+          </a:stretch>
+        </p:blipFill>
+        <p:spPr>
+          <a:xfrm>
+            <a:off x="272131" y="931766"/>
+            <a:ext cx="9696699" cy="5451667"/>
+          </a:xfrm>
+          <a:prstGeom prst="rect">
+            <a:avLst/>
+          </a:prstGeom>
+        </p:spPr>
+      </p:pic>
     </p:spTree>
     <p:extLst>
       <p:ext uri="{BB962C8B-B14F-4D97-AF65-F5344CB8AC3E}">
@@ -15837,42 +17084,6 @@
           </a:prstGeom>
         </p:spPr>
       </p:pic>
-      <p:pic>
-        <p:nvPicPr>
-          <p:cNvPr id="6" name="Picture 5">
-            <a:extLst>
-              <a:ext uri="{FF2B5EF4-FFF2-40B4-BE49-F238E27FC236}">
-                <a16:creationId xmlns:a16="http://schemas.microsoft.com/office/drawing/2014/main" id="{904D7496-0303-48C8-B6C6-7C2F7BFCA9A6}"/>
-              </a:ext>
-            </a:extLst>
-          </p:cNvPr>
-          <p:cNvPicPr>
-            <a:picLocks noChangeAspect="1"/>
-          </p:cNvPicPr>
-          <p:nvPr/>
-        </p:nvPicPr>
-        <p:blipFill>
-          <a:blip r:embed="rId3">
-            <a:extLst>
-              <a:ext uri="{28A0092B-C50C-407E-A947-70E740481C1C}">
-                <a14:useLocalDpi xmlns:a14="http://schemas.microsoft.com/office/drawing/2010/main" val="0"/>
-              </a:ext>
-            </a:extLst>
-          </a:blip>
-          <a:stretch>
-            <a:fillRect/>
-          </a:stretch>
-        </p:blipFill>
-        <p:spPr>
-          <a:xfrm>
-            <a:off x="287383" y="940340"/>
-            <a:ext cx="9627325" cy="5412664"/>
-          </a:xfrm>
-          <a:prstGeom prst="rect">
-            <a:avLst/>
-          </a:prstGeom>
-        </p:spPr>
-      </p:pic>
       <p:sp>
         <p:nvSpPr>
           <p:cNvPr id="7" name="Snip Diagonal Corner Rectangle 5">
@@ -15969,6 +17180,42 @@
           </a:p>
         </p:txBody>
       </p:sp>
+      <p:pic>
+        <p:nvPicPr>
+          <p:cNvPr id="5" name="Picture 4" descr="Diagram&#10;&#10;Description automatically generated">
+            <a:extLst>
+              <a:ext uri="{FF2B5EF4-FFF2-40B4-BE49-F238E27FC236}">
+                <a16:creationId xmlns:a16="http://schemas.microsoft.com/office/drawing/2014/main" id="{F71BFEFD-9F7B-4591-AC35-04E509BBC3A3}"/>
+              </a:ext>
+            </a:extLst>
+          </p:cNvPr>
+          <p:cNvPicPr>
+            <a:picLocks noChangeAspect="1"/>
+          </p:cNvPicPr>
+          <p:nvPr/>
+        </p:nvPicPr>
+        <p:blipFill>
+          <a:blip r:embed="rId3">
+            <a:extLst>
+              <a:ext uri="{28A0092B-C50C-407E-A947-70E740481C1C}">
+                <a14:useLocalDpi xmlns:a14="http://schemas.microsoft.com/office/drawing/2010/main" val="0"/>
+              </a:ext>
+            </a:extLst>
+          </a:blip>
+          <a:stretch>
+            <a:fillRect/>
+          </a:stretch>
+        </p:blipFill>
+        <p:spPr>
+          <a:xfrm>
+            <a:off x="241244" y="914400"/>
+            <a:ext cx="9634276" cy="5416572"/>
+          </a:xfrm>
+          <a:prstGeom prst="rect">
+            <a:avLst/>
+          </a:prstGeom>
+        </p:spPr>
+      </p:pic>
     </p:spTree>
     <p:extLst>
       <p:ext uri="{BB962C8B-B14F-4D97-AF65-F5344CB8AC3E}">
@@ -16035,42 +17282,6 @@
           </a:prstGeom>
         </p:spPr>
       </p:pic>
-      <p:pic>
-        <p:nvPicPr>
-          <p:cNvPr id="9" name="Picture 8">
-            <a:extLst>
-              <a:ext uri="{FF2B5EF4-FFF2-40B4-BE49-F238E27FC236}">
-                <a16:creationId xmlns:a16="http://schemas.microsoft.com/office/drawing/2014/main" id="{AE973FC3-C92E-4BE1-A5D1-955F39286F53}"/>
-              </a:ext>
-            </a:extLst>
-          </p:cNvPr>
-          <p:cNvPicPr>
-            <a:picLocks noChangeAspect="1"/>
-          </p:cNvPicPr>
-          <p:nvPr/>
-        </p:nvPicPr>
-        <p:blipFill>
-          <a:blip r:embed="rId3">
-            <a:extLst>
-              <a:ext uri="{28A0092B-C50C-407E-A947-70E740481C1C}">
-                <a14:useLocalDpi xmlns:a14="http://schemas.microsoft.com/office/drawing/2010/main" val="0"/>
-              </a:ext>
-            </a:extLst>
-          </a:blip>
-          <a:stretch>
-            <a:fillRect/>
-          </a:stretch>
-        </p:blipFill>
-        <p:spPr>
-          <a:xfrm>
-            <a:off x="287714" y="940526"/>
-            <a:ext cx="9679246" cy="5361069"/>
-          </a:xfrm>
-          <a:prstGeom prst="rect">
-            <a:avLst/>
-          </a:prstGeom>
-        </p:spPr>
-      </p:pic>
       <p:sp>
         <p:nvSpPr>
           <p:cNvPr id="10" name="Snip Diagonal Corner Rectangle 5">
@@ -16167,6 +17378,42 @@
           </a:p>
         </p:txBody>
       </p:sp>
+      <p:pic>
+        <p:nvPicPr>
+          <p:cNvPr id="6" name="Picture 5" descr="Diagram&#10;&#10;Description automatically generated">
+            <a:extLst>
+              <a:ext uri="{FF2B5EF4-FFF2-40B4-BE49-F238E27FC236}">
+                <a16:creationId xmlns:a16="http://schemas.microsoft.com/office/drawing/2014/main" id="{BE7017D7-D5A2-42AB-A547-4B3E5DB060C3}"/>
+              </a:ext>
+            </a:extLst>
+          </p:cNvPr>
+          <p:cNvPicPr>
+            <a:picLocks noChangeAspect="1"/>
+          </p:cNvPicPr>
+          <p:nvPr/>
+        </p:nvPicPr>
+        <p:blipFill>
+          <a:blip r:embed="rId3">
+            <a:extLst>
+              <a:ext uri="{28A0092B-C50C-407E-A947-70E740481C1C}">
+                <a14:useLocalDpi xmlns:a14="http://schemas.microsoft.com/office/drawing/2010/main" val="0"/>
+              </a:ext>
+            </a:extLst>
+          </a:blip>
+          <a:stretch>
+            <a:fillRect/>
+          </a:stretch>
+        </p:blipFill>
+        <p:spPr>
+          <a:xfrm>
+            <a:off x="338195" y="968908"/>
+            <a:ext cx="9564572" cy="5377383"/>
+          </a:xfrm>
+          <a:prstGeom prst="rect">
+            <a:avLst/>
+          </a:prstGeom>
+        </p:spPr>
+      </p:pic>
     </p:spTree>
     <p:extLst>
       <p:ext uri="{BB962C8B-B14F-4D97-AF65-F5344CB8AC3E}">
@@ -16210,7 +17457,7 @@
           <p:nvPr>
             <p:extLst>
               <p:ext uri="{D42A27DB-BD31-4B8C-83A1-F6EECF244321}">
-                <p14:modId xmlns:p14="http://schemas.microsoft.com/office/powerpoint/2010/main" val="1338644337"/>
+                <p14:modId xmlns:p14="http://schemas.microsoft.com/office/powerpoint/2010/main" val="4180818796"/>
               </p:ext>
             </p:extLst>
           </p:nvPr>
@@ -16366,7 +17613,7 @@
     </p:spTree>
     <p:extLst>
       <p:ext uri="{BB962C8B-B14F-4D97-AF65-F5344CB8AC3E}">
-        <p14:creationId xmlns:p14="http://schemas.microsoft.com/office/powerpoint/2010/main" val="2296763747"/>
+        <p14:creationId xmlns:p14="http://schemas.microsoft.com/office/powerpoint/2010/main" val="3216540110"/>
       </p:ext>
     </p:extLst>
   </p:cSld>
